--- a/slides/increment01-requirement-analysis-document.pptx
+++ b/slides/increment01-requirement-analysis-document.pptx
@@ -5,31 +5,33 @@
     <p:sldMasterId id="2147483648" r:id="rId1"/>
   </p:sldMasterIdLst>
   <p:notesMasterIdLst>
-    <p:notesMasterId r:id="rId24"/>
+    <p:notesMasterId r:id="rId26"/>
   </p:notesMasterIdLst>
   <p:sldIdLst>
     <p:sldId id="256" r:id="rId2"/>
     <p:sldId id="257" r:id="rId3"/>
-    <p:sldId id="259" r:id="rId4"/>
-    <p:sldId id="260" r:id="rId5"/>
-    <p:sldId id="261" r:id="rId6"/>
-    <p:sldId id="262" r:id="rId7"/>
-    <p:sldId id="265" r:id="rId8"/>
-    <p:sldId id="281" r:id="rId9"/>
-    <p:sldId id="263" r:id="rId10"/>
-    <p:sldId id="266" r:id="rId11"/>
-    <p:sldId id="276" r:id="rId12"/>
-    <p:sldId id="277" r:id="rId13"/>
-    <p:sldId id="278" r:id="rId14"/>
-    <p:sldId id="279" r:id="rId15"/>
-    <p:sldId id="280" r:id="rId16"/>
-    <p:sldId id="264" r:id="rId17"/>
-    <p:sldId id="268" r:id="rId18"/>
-    <p:sldId id="282" r:id="rId19"/>
-    <p:sldId id="275" r:id="rId20"/>
-    <p:sldId id="272" r:id="rId21"/>
-    <p:sldId id="274" r:id="rId22"/>
-    <p:sldId id="258" r:id="rId23"/>
+    <p:sldId id="283" r:id="rId4"/>
+    <p:sldId id="284" r:id="rId5"/>
+    <p:sldId id="259" r:id="rId6"/>
+    <p:sldId id="260" r:id="rId7"/>
+    <p:sldId id="261" r:id="rId8"/>
+    <p:sldId id="262" r:id="rId9"/>
+    <p:sldId id="265" r:id="rId10"/>
+    <p:sldId id="281" r:id="rId11"/>
+    <p:sldId id="263" r:id="rId12"/>
+    <p:sldId id="266" r:id="rId13"/>
+    <p:sldId id="276" r:id="rId14"/>
+    <p:sldId id="277" r:id="rId15"/>
+    <p:sldId id="278" r:id="rId16"/>
+    <p:sldId id="279" r:id="rId17"/>
+    <p:sldId id="280" r:id="rId18"/>
+    <p:sldId id="264" r:id="rId19"/>
+    <p:sldId id="268" r:id="rId20"/>
+    <p:sldId id="282" r:id="rId21"/>
+    <p:sldId id="275" r:id="rId22"/>
+    <p:sldId id="272" r:id="rId23"/>
+    <p:sldId id="274" r:id="rId24"/>
+    <p:sldId id="258" r:id="rId25"/>
   </p:sldIdLst>
   <p:sldSz cx="12192000" cy="6858000"/>
   <p:notesSz cx="6858000" cy="9144000"/>
@@ -139,205 +141,13 @@
 <file path=ppt/revisionInfo.xml><?xml version="1.0" encoding="utf-8"?>
 <p1510:revInfo xmlns:a="http://schemas.openxmlformats.org/drawingml/2006/main" xmlns:r="http://schemas.openxmlformats.org/officeDocument/2006/relationships" xmlns:p1510="http://schemas.microsoft.com/office/powerpoint/2015/10/main">
   <p1510:revLst>
-    <p1510:client id="{85123743-111C-48FA-AC6F-66FB0F24042A}" v="13" dt="2019-02-04T17:01:12.174"/>
+    <p1510:client id="{B99A4877-6C9D-45B9-A2E8-A36064F124A3}" v="17" dt="2019-02-10T18:18:44.593"/>
   </p1510:revLst>
 </p1510:revInfo>
 </file>
 
 <file path=ppt/changesInfos/changesInfo1.xml><?xml version="1.0" encoding="utf-8"?>
 <pc:chgInfo xmlns:a="http://schemas.openxmlformats.org/drawingml/2006/main" xmlns:r="http://schemas.openxmlformats.org/officeDocument/2006/relationships" xmlns:ac="http://schemas.microsoft.com/office/drawing/2013/main/command" xmlns:pc="http://schemas.microsoft.com/office/powerpoint/2013/main/command">
-  <pc:docChgLst>
-    <pc:chgData name="Guest User" providerId="Windows Live" clId="Web-{1F869BC7-9104-4476-A8AB-A10E4432FE6F}"/>
-    <pc:docChg chg="modSld">
-      <pc:chgData name="Guest User" userId="" providerId="Windows Live" clId="Web-{1F869BC7-9104-4476-A8AB-A10E4432FE6F}" dt="2019-02-04T17:31:08.912" v="116" actId="20577"/>
-      <pc:docMkLst>
-        <pc:docMk/>
-      </pc:docMkLst>
-      <pc:sldChg chg="modSp">
-        <pc:chgData name="Guest User" userId="" providerId="Windows Live" clId="Web-{1F869BC7-9104-4476-A8AB-A10E4432FE6F}" dt="2019-02-04T17:30:53.443" v="101" actId="20577"/>
-        <pc:sldMkLst>
-          <pc:docMk/>
-          <pc:sldMk cId="3292633072" sldId="272"/>
-        </pc:sldMkLst>
-        <pc:spChg chg="mod">
-          <ac:chgData name="Guest User" userId="" providerId="Windows Live" clId="Web-{1F869BC7-9104-4476-A8AB-A10E4432FE6F}" dt="2019-02-04T17:30:53.443" v="101" actId="20577"/>
-          <ac:spMkLst>
-            <pc:docMk/>
-            <pc:sldMk cId="3292633072" sldId="272"/>
-            <ac:spMk id="3" creationId="{CAA5DA0C-C976-E544-8AC1-D9AF13CFD0B0}"/>
-          </ac:spMkLst>
-        </pc:spChg>
-      </pc:sldChg>
-      <pc:sldChg chg="modSp">
-        <pc:chgData name="Guest User" userId="" providerId="Windows Live" clId="Web-{1F869BC7-9104-4476-A8AB-A10E4432FE6F}" dt="2019-02-04T17:31:08.912" v="115" actId="20577"/>
-        <pc:sldMkLst>
-          <pc:docMk/>
-          <pc:sldMk cId="3973559364" sldId="274"/>
-        </pc:sldMkLst>
-        <pc:spChg chg="mod">
-          <ac:chgData name="Guest User" userId="" providerId="Windows Live" clId="Web-{1F869BC7-9104-4476-A8AB-A10E4432FE6F}" dt="2019-02-04T17:31:08.912" v="115" actId="20577"/>
-          <ac:spMkLst>
-            <pc:docMk/>
-            <pc:sldMk cId="3973559364" sldId="274"/>
-            <ac:spMk id="3" creationId="{223C465A-B74B-C248-AD77-EAB344363F9D}"/>
-          </ac:spMkLst>
-        </pc:spChg>
-      </pc:sldChg>
-      <pc:sldChg chg="modSp">
-        <pc:chgData name="Guest User" userId="" providerId="Windows Live" clId="Web-{1F869BC7-9104-4476-A8AB-A10E4432FE6F}" dt="2019-02-04T17:26:34.793" v="16" actId="20577"/>
-        <pc:sldMkLst>
-          <pc:docMk/>
-          <pc:sldMk cId="1483745631" sldId="276"/>
-        </pc:sldMkLst>
-        <pc:spChg chg="mod">
-          <ac:chgData name="Guest User" userId="" providerId="Windows Live" clId="Web-{1F869BC7-9104-4476-A8AB-A10E4432FE6F}" dt="2019-02-04T17:26:34.793" v="16" actId="20577"/>
-          <ac:spMkLst>
-            <pc:docMk/>
-            <pc:sldMk cId="1483745631" sldId="276"/>
-            <ac:spMk id="3" creationId="{CF701C10-8135-4DB3-A6C8-77FFE1206DD8}"/>
-          </ac:spMkLst>
-        </pc:spChg>
-      </pc:sldChg>
-      <pc:sldChg chg="modSp">
-        <pc:chgData name="Guest User" userId="" providerId="Windows Live" clId="Web-{1F869BC7-9104-4476-A8AB-A10E4432FE6F}" dt="2019-02-04T17:28:10.453" v="29" actId="20577"/>
-        <pc:sldMkLst>
-          <pc:docMk/>
-          <pc:sldMk cId="3834805635" sldId="277"/>
-        </pc:sldMkLst>
-        <pc:spChg chg="mod">
-          <ac:chgData name="Guest User" userId="" providerId="Windows Live" clId="Web-{1F869BC7-9104-4476-A8AB-A10E4432FE6F}" dt="2019-02-04T17:28:10.453" v="29" actId="20577"/>
-          <ac:spMkLst>
-            <pc:docMk/>
-            <pc:sldMk cId="3834805635" sldId="277"/>
-            <ac:spMk id="3" creationId="{C1CD848D-6DA5-4C15-9376-CC85482615C9}"/>
-          </ac:spMkLst>
-        </pc:spChg>
-      </pc:sldChg>
-      <pc:sldChg chg="modSp">
-        <pc:chgData name="Guest User" userId="" providerId="Windows Live" clId="Web-{1F869BC7-9104-4476-A8AB-A10E4432FE6F}" dt="2019-02-04T17:28:33.485" v="32" actId="20577"/>
-        <pc:sldMkLst>
-          <pc:docMk/>
-          <pc:sldMk cId="3693760786" sldId="280"/>
-        </pc:sldMkLst>
-        <pc:spChg chg="mod">
-          <ac:chgData name="Guest User" userId="" providerId="Windows Live" clId="Web-{1F869BC7-9104-4476-A8AB-A10E4432FE6F}" dt="2019-02-04T17:28:33.485" v="32" actId="20577"/>
-          <ac:spMkLst>
-            <pc:docMk/>
-            <pc:sldMk cId="3693760786" sldId="280"/>
-            <ac:spMk id="3" creationId="{A2FA9C08-6A80-48E4-BD6D-2DE291231336}"/>
-          </ac:spMkLst>
-        </pc:spChg>
-      </pc:sldChg>
-      <pc:sldChg chg="modSp">
-        <pc:chgData name="Guest User" userId="" providerId="Windows Live" clId="Web-{1F869BC7-9104-4476-A8AB-A10E4432FE6F}" dt="2019-02-04T17:25:38.651" v="2" actId="20577"/>
-        <pc:sldMkLst>
-          <pc:docMk/>
-          <pc:sldMk cId="3795891178" sldId="281"/>
-        </pc:sldMkLst>
-        <pc:spChg chg="mod">
-          <ac:chgData name="Guest User" userId="" providerId="Windows Live" clId="Web-{1F869BC7-9104-4476-A8AB-A10E4432FE6F}" dt="2019-02-04T17:25:38.651" v="2" actId="20577"/>
-          <ac:spMkLst>
-            <pc:docMk/>
-            <pc:sldMk cId="3795891178" sldId="281"/>
-            <ac:spMk id="3" creationId="{0AEA12F3-B1F8-4D40-AA30-26988B37E085}"/>
-          </ac:spMkLst>
-        </pc:spChg>
-      </pc:sldChg>
-      <pc:sldChg chg="modSp">
-        <pc:chgData name="Guest User" userId="" providerId="Windows Live" clId="Web-{1F869BC7-9104-4476-A8AB-A10E4432FE6F}" dt="2019-02-04T17:29:02.158" v="40" actId="20577"/>
-        <pc:sldMkLst>
-          <pc:docMk/>
-          <pc:sldMk cId="2433490376" sldId="282"/>
-        </pc:sldMkLst>
-        <pc:spChg chg="mod">
-          <ac:chgData name="Guest User" userId="" providerId="Windows Live" clId="Web-{1F869BC7-9104-4476-A8AB-A10E4432FE6F}" dt="2019-02-04T17:29:02.158" v="40" actId="20577"/>
-          <ac:spMkLst>
-            <pc:docMk/>
-            <pc:sldMk cId="2433490376" sldId="282"/>
-            <ac:spMk id="2" creationId="{018589E6-3CC0-4E5F-AF7F-C8F0BA53C78C}"/>
-          </ac:spMkLst>
-        </pc:spChg>
-      </pc:sldChg>
-    </pc:docChg>
-  </pc:docChgLst>
-  <pc:docChgLst>
-    <pc:chgData name="Fu Zoe" userId="8752382b4a911f22" providerId="Windows Live" clId="Web-{19B7E30A-2156-43AD-A14F-DB58B4DF6675}"/>
-    <pc:docChg chg="addSld delSld modSld">
-      <pc:chgData name="Fu Zoe" userId="8752382b4a911f22" providerId="Windows Live" clId="Web-{19B7E30A-2156-43AD-A14F-DB58B4DF6675}" dt="2019-02-04T17:13:21.402" v="90" actId="20577"/>
-      <pc:docMkLst>
-        <pc:docMk/>
-      </pc:docMkLst>
-      <pc:sldChg chg="modSp add del">
-        <pc:chgData name="Fu Zoe" userId="8752382b4a911f22" providerId="Windows Live" clId="Web-{19B7E30A-2156-43AD-A14F-DB58B4DF6675}" dt="2019-02-04T17:13:17.291" v="88" actId="20577"/>
-        <pc:sldMkLst>
-          <pc:docMk/>
-          <pc:sldMk cId="3292633072" sldId="272"/>
-        </pc:sldMkLst>
-        <pc:spChg chg="mod">
-          <ac:chgData name="Fu Zoe" userId="8752382b4a911f22" providerId="Windows Live" clId="Web-{19B7E30A-2156-43AD-A14F-DB58B4DF6675}" dt="2019-02-04T17:13:17.291" v="88" actId="20577"/>
-          <ac:spMkLst>
-            <pc:docMk/>
-            <pc:sldMk cId="3292633072" sldId="272"/>
-            <ac:spMk id="3" creationId="{CAA5DA0C-C976-E544-8AC1-D9AF13CFD0B0}"/>
-          </ac:spMkLst>
-        </pc:spChg>
-      </pc:sldChg>
-      <pc:sldChg chg="add del">
-        <pc:chgData name="Fu Zoe" userId="8752382b4a911f22" providerId="Windows Live" clId="Web-{19B7E30A-2156-43AD-A14F-DB58B4DF6675}" dt="2019-02-04T17:11:43.010" v="59"/>
-        <pc:sldMkLst>
-          <pc:docMk/>
-          <pc:sldMk cId="202257527" sldId="273"/>
-        </pc:sldMkLst>
-      </pc:sldChg>
-      <pc:sldChg chg="modSp">
-        <pc:chgData name="Fu Zoe" userId="8752382b4a911f22" providerId="Windows Live" clId="Web-{19B7E30A-2156-43AD-A14F-DB58B4DF6675}" dt="2019-02-04T17:11:13.307" v="44" actId="20577"/>
-        <pc:sldMkLst>
-          <pc:docMk/>
-          <pc:sldMk cId="3973559364" sldId="274"/>
-        </pc:sldMkLst>
-        <pc:spChg chg="mod">
-          <ac:chgData name="Fu Zoe" userId="8752382b4a911f22" providerId="Windows Live" clId="Web-{19B7E30A-2156-43AD-A14F-DB58B4DF6675}" dt="2019-02-04T17:11:13.307" v="44" actId="20577"/>
-          <ac:spMkLst>
-            <pc:docMk/>
-            <pc:sldMk cId="3973559364" sldId="274"/>
-            <ac:spMk id="3" creationId="{223C465A-B74B-C248-AD77-EAB344363F9D}"/>
-          </ac:spMkLst>
-        </pc:spChg>
-      </pc:sldChg>
-    </pc:docChg>
-  </pc:docChgLst>
-  <pc:docChgLst>
-    <pc:chgData name="Guest User" providerId="Windows Live" clId="Web-{BF7007E2-2AC9-4B49-99AE-FC661F4A572B}"/>
-    <pc:docChg chg="modSld">
-      <pc:chgData name="Guest User" userId="" providerId="Windows Live" clId="Web-{BF7007E2-2AC9-4B49-99AE-FC661F4A572B}" dt="2019-02-01T23:58:38.498" v="10" actId="20577"/>
-      <pc:docMkLst>
-        <pc:docMk/>
-      </pc:docMkLst>
-      <pc:sldChg chg="modSp">
-        <pc:chgData name="Guest User" userId="" providerId="Windows Live" clId="Web-{BF7007E2-2AC9-4B49-99AE-FC661F4A572B}" dt="2019-02-01T23:58:33.389" v="8" actId="20577"/>
-        <pc:sldMkLst>
-          <pc:docMk/>
-          <pc:sldMk cId="3834805635" sldId="277"/>
-        </pc:sldMkLst>
-        <pc:spChg chg="mod">
-          <ac:chgData name="Guest User" userId="" providerId="Windows Live" clId="Web-{BF7007E2-2AC9-4B49-99AE-FC661F4A572B}" dt="2019-02-01T23:58:33.389" v="8" actId="20577"/>
-          <ac:spMkLst>
-            <pc:docMk/>
-            <pc:sldMk cId="3834805635" sldId="277"/>
-            <ac:spMk id="3" creationId="{C1CD848D-6DA5-4C15-9376-CC85482615C9}"/>
-          </ac:spMkLst>
-        </pc:spChg>
-        <pc:picChg chg="mod">
-          <ac:chgData name="Guest User" userId="" providerId="Windows Live" clId="Web-{BF7007E2-2AC9-4B49-99AE-FC661F4A572B}" dt="2019-02-01T23:58:22.779" v="6" actId="14100"/>
-          <ac:picMkLst>
-            <pc:docMk/>
-            <pc:sldMk cId="3834805635" sldId="277"/>
-            <ac:picMk id="7" creationId="{6AEA9CA6-00D7-49C2-A706-6917726D226D}"/>
-          </ac:picMkLst>
-        </pc:picChg>
-      </pc:sldChg>
-    </pc:docChg>
-  </pc:docChgLst>
   <pc:docChgLst>
     <pc:chgData name="Guest User" providerId="Windows Live" clId="Web-{0B263961-B995-4F41-8CE6-AB35805BDA76}"/>
     <pc:docChg chg="addSld modSld">
@@ -417,6 +227,30 @@
           <ac:spMkLst>
             <pc:docMk/>
             <pc:sldMk cId="3795891178" sldId="281"/>
+            <ac:spMk id="4" creationId="{D2EC1468-C1EB-7E46-902D-67F82860866E}"/>
+          </ac:spMkLst>
+        </pc:spChg>
+      </pc:sldChg>
+    </pc:docChg>
+  </pc:docChgLst>
+  <pc:docChgLst>
+    <pc:chgData name="Guest User" providerId="Windows Live" clId="Web-{4F678C15-84E6-4D7B-A2A2-35B5A01656B7}"/>
+    <pc:docChg chg="modSld">
+      <pc:chgData name="Guest User" userId="" providerId="Windows Live" clId="Web-{4F678C15-84E6-4D7B-A2A2-35B5A01656B7}" dt="2019-02-01T23:56:31.471" v="2"/>
+      <pc:docMkLst>
+        <pc:docMk/>
+      </pc:docMkLst>
+      <pc:sldChg chg="delSp modSp">
+        <pc:chgData name="Guest User" userId="" providerId="Windows Live" clId="Web-{4F678C15-84E6-4D7B-A2A2-35B5A01656B7}" dt="2019-02-01T23:56:31.471" v="2"/>
+        <pc:sldMkLst>
+          <pc:docMk/>
+          <pc:sldMk cId="3297602696" sldId="266"/>
+        </pc:sldMkLst>
+        <pc:spChg chg="del mod">
+          <ac:chgData name="Guest User" userId="" providerId="Windows Live" clId="Web-{4F678C15-84E6-4D7B-A2A2-35B5A01656B7}" dt="2019-02-01T23:56:31.471" v="2"/>
+          <ac:spMkLst>
+            <pc:docMk/>
+            <pc:sldMk cId="3297602696" sldId="266"/>
             <ac:spMk id="4" creationId="{D2EC1468-C1EB-7E46-902D-67F82860866E}"/>
           </ac:spMkLst>
         </pc:spChg>
@@ -464,467 +298,393 @@
     </pc:docChg>
   </pc:docChgLst>
   <pc:docChgLst>
-    <pc:chgData name="dat nguyen" userId="bb19b3ffa6322b8e" providerId="Windows Live" clId="Web-{014A53ED-EECE-4F38-8310-74A366AD9AA4}"/>
+    <pc:chgData clId="Web-{38B28A21-98D1-4A98-BB3F-EB13A9951DA4}"/>
     <pc:docChg chg="modSld">
-      <pc:chgData name="dat nguyen" userId="bb19b3ffa6322b8e" providerId="Windows Live" clId="Web-{014A53ED-EECE-4F38-8310-74A366AD9AA4}" dt="2019-02-01T17:06:24.059" v="660" actId="20577"/>
+      <pc:chgData name="" userId="" providerId="" clId="Web-{38B28A21-98D1-4A98-BB3F-EB13A9951DA4}" dt="2019-02-06T01:02:23.530" v="0"/>
       <pc:docMkLst>
         <pc:docMk/>
       </pc:docMkLst>
-      <pc:sldChg chg="addSp delSp modSp mod setBg">
-        <pc:chgData name="dat nguyen" userId="bb19b3ffa6322b8e" providerId="Windows Live" clId="Web-{014A53ED-EECE-4F38-8310-74A366AD9AA4}" dt="2019-02-01T17:06:22.117" v="658" actId="20577"/>
+      <pc:sldChg chg="delSp">
+        <pc:chgData name="" userId="" providerId="" clId="Web-{38B28A21-98D1-4A98-BB3F-EB13A9951DA4}" dt="2019-02-06T01:02:23.530" v="0"/>
         <pc:sldMkLst>
           <pc:docMk/>
           <pc:sldMk cId="3391706309" sldId="256"/>
         </pc:sldMkLst>
-        <pc:spChg chg="mod">
-          <ac:chgData name="dat nguyen" userId="bb19b3ffa6322b8e" providerId="Windows Live" clId="Web-{014A53ED-EECE-4F38-8310-74A366AD9AA4}" dt="2019-02-01T17:06:08.242" v="652" actId="20577"/>
-          <ac:spMkLst>
-            <pc:docMk/>
-            <pc:sldMk cId="3391706309" sldId="256"/>
-            <ac:spMk id="2" creationId="{436D37D4-73C2-9846-BD3F-6EE3185E02B9}"/>
-          </ac:spMkLst>
-        </pc:spChg>
-        <pc:spChg chg="mod">
-          <ac:chgData name="dat nguyen" userId="bb19b3ffa6322b8e" providerId="Windows Live" clId="Web-{014A53ED-EECE-4F38-8310-74A366AD9AA4}" dt="2019-02-01T17:06:22.117" v="658" actId="20577"/>
-          <ac:spMkLst>
-            <pc:docMk/>
-            <pc:sldMk cId="3391706309" sldId="256"/>
-            <ac:spMk id="3" creationId="{D50C297E-AB37-6C45-9BE6-31E4ADFBA252}"/>
-          </ac:spMkLst>
-        </pc:spChg>
-        <pc:spChg chg="mod ord">
-          <ac:chgData name="dat nguyen" userId="bb19b3ffa6322b8e" providerId="Windows Live" clId="Web-{014A53ED-EECE-4F38-8310-74A366AD9AA4}" dt="2019-02-01T17:05:59.164" v="651"/>
-          <ac:spMkLst>
-            <pc:docMk/>
-            <pc:sldMk cId="3391706309" sldId="256"/>
-            <ac:spMk id="4" creationId="{EC4629B6-23A7-CD49-B512-EF80CC57718C}"/>
-          </ac:spMkLst>
-        </pc:spChg>
-        <pc:spChg chg="add del">
-          <ac:chgData name="dat nguyen" userId="bb19b3ffa6322b8e" providerId="Windows Live" clId="Web-{014A53ED-EECE-4F38-8310-74A366AD9AA4}" dt="2019-02-01T17:05:59.164" v="651"/>
-          <ac:spMkLst>
-            <pc:docMk/>
-            <pc:sldMk cId="3391706309" sldId="256"/>
-            <ac:spMk id="7" creationId="{ACBE1851-2230-47A9-B000-CE9046EA61B9}"/>
-          </ac:spMkLst>
-        </pc:spChg>
-        <pc:spChg chg="add del">
-          <ac:chgData name="dat nguyen" userId="bb19b3ffa6322b8e" providerId="Windows Live" clId="Web-{014A53ED-EECE-4F38-8310-74A366AD9AA4}" dt="2019-02-01T16:57:41.443" v="495"/>
-          <ac:spMkLst>
-            <pc:docMk/>
-            <pc:sldMk cId="3391706309" sldId="256"/>
-            <ac:spMk id="10" creationId="{59A309A7-1751-4ABE-A3C1-EEC40366AD89}"/>
-          </ac:spMkLst>
-        </pc:spChg>
-        <pc:spChg chg="add">
-          <ac:chgData name="dat nguyen" userId="bb19b3ffa6322b8e" providerId="Windows Live" clId="Web-{014A53ED-EECE-4F38-8310-74A366AD9AA4}" dt="2019-02-01T17:05:59.164" v="651"/>
-          <ac:spMkLst>
-            <pc:docMk/>
-            <pc:sldMk cId="3391706309" sldId="256"/>
-            <ac:spMk id="11" creationId="{8D70B121-56F4-4848-B38B-182089D909FA}"/>
-          </ac:spMkLst>
-        </pc:spChg>
-        <pc:spChg chg="add del">
-          <ac:chgData name="dat nguyen" userId="bb19b3ffa6322b8e" providerId="Windows Live" clId="Web-{014A53ED-EECE-4F38-8310-74A366AD9AA4}" dt="2019-02-01T16:57:41.443" v="495"/>
-          <ac:spMkLst>
-            <pc:docMk/>
-            <pc:sldMk cId="3391706309" sldId="256"/>
-            <ac:spMk id="12" creationId="{967D8EB6-EAE1-4F9C-B398-83321E287204}"/>
-          </ac:spMkLst>
-        </pc:spChg>
-        <pc:spChg chg="add del">
-          <ac:chgData name="dat nguyen" userId="bb19b3ffa6322b8e" providerId="Windows Live" clId="Web-{014A53ED-EECE-4F38-8310-74A366AD9AA4}" dt="2019-02-01T17:05:59.039" v="650"/>
-          <ac:spMkLst>
-            <pc:docMk/>
-            <pc:sldMk cId="3391706309" sldId="256"/>
-            <ac:spMk id="13" creationId="{23962611-DFD5-4092-AAFD-559E3DFCE2C9}"/>
-          </ac:spMkLst>
-        </pc:spChg>
-        <pc:picChg chg="add mod ord">
-          <ac:chgData name="dat nguyen" userId="bb19b3ffa6322b8e" providerId="Windows Live" clId="Web-{014A53ED-EECE-4F38-8310-74A366AD9AA4}" dt="2019-02-01T17:06:13.898" v="655" actId="1076"/>
+        <pc:picChg chg="del">
+          <ac:chgData name="" userId="" providerId="" clId="Web-{38B28A21-98D1-4A98-BB3F-EB13A9951DA4}" dt="2019-02-06T01:02:23.530" v="0"/>
           <ac:picMkLst>
             <pc:docMk/>
             <pc:sldMk cId="3391706309" sldId="256"/>
             <ac:picMk id="5" creationId="{FF9CEFB3-2964-4D82-AC2E-0ECFD46F6B70}"/>
-          </ac:picMkLst>
-        </pc:picChg>
-        <pc:picChg chg="add del">
-          <ac:chgData name="dat nguyen" userId="bb19b3ffa6322b8e" providerId="Windows Live" clId="Web-{014A53ED-EECE-4F38-8310-74A366AD9AA4}" dt="2019-02-01T17:05:59.039" v="650"/>
-          <ac:picMkLst>
-            <pc:docMk/>
-            <pc:sldMk cId="3391706309" sldId="256"/>
-            <ac:picMk id="15" creationId="{2270F1FA-0425-408F-9861-80BF5AFB276D}"/>
-          </ac:picMkLst>
-        </pc:picChg>
-        <pc:cxnChg chg="add del">
-          <ac:chgData name="dat nguyen" userId="bb19b3ffa6322b8e" providerId="Windows Live" clId="Web-{014A53ED-EECE-4F38-8310-74A366AD9AA4}" dt="2019-02-01T17:05:59.164" v="651"/>
-          <ac:cxnSpMkLst>
-            <pc:docMk/>
-            <pc:sldMk cId="3391706309" sldId="256"/>
-            <ac:cxnSpMk id="8" creationId="{23B93832-6514-44F4-849B-5EE2C8A2337D}"/>
-          </ac:cxnSpMkLst>
-        </pc:cxnChg>
-        <pc:cxnChg chg="add">
-          <ac:chgData name="dat nguyen" userId="bb19b3ffa6322b8e" providerId="Windows Live" clId="Web-{014A53ED-EECE-4F38-8310-74A366AD9AA4}" dt="2019-02-01T17:05:59.164" v="651"/>
-          <ac:cxnSpMkLst>
-            <pc:docMk/>
-            <pc:sldMk cId="3391706309" sldId="256"/>
-            <ac:cxnSpMk id="14" creationId="{2D72A2C9-F3CA-4216-8BAD-FA4C970C3C4E}"/>
-          </ac:cxnSpMkLst>
-        </pc:cxnChg>
-      </pc:sldChg>
-      <pc:sldChg chg="addSp">
-        <pc:chgData name="dat nguyen" userId="bb19b3ffa6322b8e" providerId="Windows Live" clId="Web-{014A53ED-EECE-4F38-8310-74A366AD9AA4}" dt="2019-02-01T16:59:42.366" v="549"/>
-        <pc:sldMkLst>
-          <pc:docMk/>
-          <pc:sldMk cId="736191612" sldId="257"/>
-        </pc:sldMkLst>
-        <pc:picChg chg="add">
-          <ac:chgData name="dat nguyen" userId="bb19b3ffa6322b8e" providerId="Windows Live" clId="Web-{014A53ED-EECE-4F38-8310-74A366AD9AA4}" dt="2019-02-01T16:59:42.366" v="549"/>
-          <ac:picMkLst>
-            <pc:docMk/>
-            <pc:sldMk cId="736191612" sldId="257"/>
-            <ac:picMk id="6" creationId="{34C74C0B-9D7C-4BA3-A639-418F877B613E}"/>
-          </ac:picMkLst>
-        </pc:picChg>
-      </pc:sldChg>
-      <pc:sldChg chg="addSp modSp">
-        <pc:chgData name="dat nguyen" userId="bb19b3ffa6322b8e" providerId="Windows Live" clId="Web-{014A53ED-EECE-4F38-8310-74A366AD9AA4}" dt="2019-02-01T17:03:22.398" v="633" actId="20577"/>
-        <pc:sldMkLst>
-          <pc:docMk/>
-          <pc:sldMk cId="4243173223" sldId="259"/>
-        </pc:sldMkLst>
-        <pc:spChg chg="mod">
-          <ac:chgData name="dat nguyen" userId="bb19b3ffa6322b8e" providerId="Windows Live" clId="Web-{014A53ED-EECE-4F38-8310-74A366AD9AA4}" dt="2019-02-01T17:03:22.398" v="633" actId="20577"/>
-          <ac:spMkLst>
-            <pc:docMk/>
-            <pc:sldMk cId="4243173223" sldId="259"/>
-            <ac:spMk id="3" creationId="{2458A0A8-D52C-5645-A5A5-187BFF4A40EF}"/>
-          </ac:spMkLst>
-        </pc:spChg>
-        <pc:picChg chg="add">
-          <ac:chgData name="dat nguyen" userId="bb19b3ffa6322b8e" providerId="Windows Live" clId="Web-{014A53ED-EECE-4F38-8310-74A366AD9AA4}" dt="2019-02-01T16:59:54.334" v="550"/>
-          <ac:picMkLst>
-            <pc:docMk/>
-            <pc:sldMk cId="4243173223" sldId="259"/>
-            <ac:picMk id="6" creationId="{50D09492-A3CD-4EC0-8FBE-ECB867291171}"/>
-          </ac:picMkLst>
-        </pc:picChg>
-      </pc:sldChg>
-      <pc:sldChg chg="addSp modSp">
-        <pc:chgData name="dat nguyen" userId="bb19b3ffa6322b8e" providerId="Windows Live" clId="Web-{014A53ED-EECE-4F38-8310-74A366AD9AA4}" dt="2019-02-01T16:59:57.210" v="551"/>
-        <pc:sldMkLst>
-          <pc:docMk/>
-          <pc:sldMk cId="2476109687" sldId="260"/>
-        </pc:sldMkLst>
-        <pc:spChg chg="mod">
-          <ac:chgData name="dat nguyen" userId="bb19b3ffa6322b8e" providerId="Windows Live" clId="Web-{014A53ED-EECE-4F38-8310-74A366AD9AA4}" dt="2019-02-01T16:49:40.160" v="108" actId="20577"/>
-          <ac:spMkLst>
-            <pc:docMk/>
-            <pc:sldMk cId="2476109687" sldId="260"/>
-            <ac:spMk id="3" creationId="{686C2C8E-577D-8245-8C74-1C87EEF56629}"/>
-          </ac:spMkLst>
-        </pc:spChg>
-        <pc:picChg chg="add">
-          <ac:chgData name="dat nguyen" userId="bb19b3ffa6322b8e" providerId="Windows Live" clId="Web-{014A53ED-EECE-4F38-8310-74A366AD9AA4}" dt="2019-02-01T16:59:57.210" v="551"/>
-          <ac:picMkLst>
-            <pc:docMk/>
-            <pc:sldMk cId="2476109687" sldId="260"/>
-            <ac:picMk id="6" creationId="{1D0B8BAC-EBD9-4C1A-AF1A-60F654C88190}"/>
-          </ac:picMkLst>
-        </pc:picChg>
-      </pc:sldChg>
-      <pc:sldChg chg="addSp modSp">
-        <pc:chgData name="dat nguyen" userId="bb19b3ffa6322b8e" providerId="Windows Live" clId="Web-{014A53ED-EECE-4F38-8310-74A366AD9AA4}" dt="2019-02-01T17:00:12.116" v="552"/>
-        <pc:sldMkLst>
-          <pc:docMk/>
-          <pc:sldMk cId="1341931174" sldId="261"/>
-        </pc:sldMkLst>
-        <pc:spChg chg="mod">
-          <ac:chgData name="dat nguyen" userId="bb19b3ffa6322b8e" providerId="Windows Live" clId="Web-{014A53ED-EECE-4F38-8310-74A366AD9AA4}" dt="2019-02-01T16:53:10.880" v="353" actId="20577"/>
-          <ac:spMkLst>
-            <pc:docMk/>
-            <pc:sldMk cId="1341931174" sldId="261"/>
-            <ac:spMk id="3" creationId="{A763C582-A7AD-7A47-B9A0-1FE093C92060}"/>
-          </ac:spMkLst>
-        </pc:spChg>
-        <pc:picChg chg="add">
-          <ac:chgData name="dat nguyen" userId="bb19b3ffa6322b8e" providerId="Windows Live" clId="Web-{014A53ED-EECE-4F38-8310-74A366AD9AA4}" dt="2019-02-01T17:00:12.116" v="552"/>
-          <ac:picMkLst>
-            <pc:docMk/>
-            <pc:sldMk cId="1341931174" sldId="261"/>
-            <ac:picMk id="6" creationId="{3A6E8A97-E57D-4A43-8B68-9F085C564C2A}"/>
-          </ac:picMkLst>
-        </pc:picChg>
-      </pc:sldChg>
-      <pc:sldChg chg="addSp modSp">
-        <pc:chgData name="dat nguyen" userId="bb19b3ffa6322b8e" providerId="Windows Live" clId="Web-{014A53ED-EECE-4F38-8310-74A366AD9AA4}" dt="2019-02-01T17:03:52.038" v="641"/>
-        <pc:sldMkLst>
-          <pc:docMk/>
-          <pc:sldMk cId="1719224614" sldId="262"/>
-        </pc:sldMkLst>
-        <pc:spChg chg="add mod">
-          <ac:chgData name="dat nguyen" userId="bb19b3ffa6322b8e" providerId="Windows Live" clId="Web-{014A53ED-EECE-4F38-8310-74A366AD9AA4}" dt="2019-02-01T17:03:50.742" v="638" actId="20577"/>
-          <ac:spMkLst>
-            <pc:docMk/>
-            <pc:sldMk cId="1719224614" sldId="262"/>
-            <ac:spMk id="5" creationId="{1A044EBD-6CFA-4005-BA0D-2AFE81796754}"/>
-          </ac:spMkLst>
-        </pc:spChg>
-        <pc:picChg chg="add">
-          <ac:chgData name="dat nguyen" userId="bb19b3ffa6322b8e" providerId="Windows Live" clId="Web-{014A53ED-EECE-4F38-8310-74A366AD9AA4}" dt="2019-02-01T17:03:52.038" v="641"/>
-          <ac:picMkLst>
-            <pc:docMk/>
-            <pc:sldMk cId="1719224614" sldId="262"/>
-            <ac:picMk id="7" creationId="{4BAC396A-D4FF-493D-B650-7B9DDD11F206}"/>
-          </ac:picMkLst>
-        </pc:picChg>
-      </pc:sldChg>
-      <pc:sldChg chg="addSp">
-        <pc:chgData name="dat nguyen" userId="bb19b3ffa6322b8e" providerId="Windows Live" clId="Web-{014A53ED-EECE-4F38-8310-74A366AD9AA4}" dt="2019-02-01T17:03:59.007" v="643"/>
-        <pc:sldMkLst>
-          <pc:docMk/>
-          <pc:sldMk cId="3019500255" sldId="263"/>
-        </pc:sldMkLst>
-        <pc:picChg chg="add">
-          <ac:chgData name="dat nguyen" userId="bb19b3ffa6322b8e" providerId="Windows Live" clId="Web-{014A53ED-EECE-4F38-8310-74A366AD9AA4}" dt="2019-02-01T17:03:59.007" v="643"/>
-          <ac:picMkLst>
-            <pc:docMk/>
-            <pc:sldMk cId="3019500255" sldId="263"/>
-            <ac:picMk id="6" creationId="{6858BB05-EDAB-4BEC-A9A4-878C3599E4BF}"/>
-          </ac:picMkLst>
-        </pc:picChg>
-      </pc:sldChg>
-      <pc:sldChg chg="addSp">
-        <pc:chgData name="dat nguyen" userId="bb19b3ffa6322b8e" providerId="Windows Live" clId="Web-{014A53ED-EECE-4F38-8310-74A366AD9AA4}" dt="2019-02-01T17:04:06.257" v="645"/>
-        <pc:sldMkLst>
-          <pc:docMk/>
-          <pc:sldMk cId="2507484533" sldId="264"/>
-        </pc:sldMkLst>
-        <pc:picChg chg="add">
-          <ac:chgData name="dat nguyen" userId="bb19b3ffa6322b8e" providerId="Windows Live" clId="Web-{014A53ED-EECE-4F38-8310-74A366AD9AA4}" dt="2019-02-01T17:04:06.257" v="645"/>
-          <ac:picMkLst>
-            <pc:docMk/>
-            <pc:sldMk cId="2507484533" sldId="264"/>
-            <ac:picMk id="6" creationId="{7FC8DBD0-BD93-4E33-A195-BD82A11B168E}"/>
-          </ac:picMkLst>
-        </pc:picChg>
-      </pc:sldChg>
-      <pc:sldChg chg="addSp">
-        <pc:chgData name="dat nguyen" userId="bb19b3ffa6322b8e" providerId="Windows Live" clId="Web-{014A53ED-EECE-4F38-8310-74A366AD9AA4}" dt="2019-02-01T17:03:55.305" v="642"/>
-        <pc:sldMkLst>
-          <pc:docMk/>
-          <pc:sldMk cId="1991983361" sldId="265"/>
-        </pc:sldMkLst>
-        <pc:picChg chg="add">
-          <ac:chgData name="dat nguyen" userId="bb19b3ffa6322b8e" providerId="Windows Live" clId="Web-{014A53ED-EECE-4F38-8310-74A366AD9AA4}" dt="2019-02-01T17:03:55.305" v="642"/>
-          <ac:picMkLst>
-            <pc:docMk/>
-            <pc:sldMk cId="1991983361" sldId="265"/>
-            <ac:picMk id="7" creationId="{DC1A7BAB-A183-4D65-B54D-4A5F9B37F5EF}"/>
-          </ac:picMkLst>
-        </pc:picChg>
-      </pc:sldChg>
-      <pc:sldChg chg="addSp">
-        <pc:chgData name="dat nguyen" userId="bb19b3ffa6322b8e" providerId="Windows Live" clId="Web-{014A53ED-EECE-4F38-8310-74A366AD9AA4}" dt="2019-02-01T17:04:03.117" v="644"/>
-        <pc:sldMkLst>
-          <pc:docMk/>
-          <pc:sldMk cId="3297602696" sldId="266"/>
-        </pc:sldMkLst>
-        <pc:picChg chg="add">
-          <ac:chgData name="dat nguyen" userId="bb19b3ffa6322b8e" providerId="Windows Live" clId="Web-{014A53ED-EECE-4F38-8310-74A366AD9AA4}" dt="2019-02-01T17:04:03.117" v="644"/>
-          <ac:picMkLst>
-            <pc:docMk/>
-            <pc:sldMk cId="3297602696" sldId="266"/>
-            <ac:picMk id="7" creationId="{D3B12EBB-3AFA-4DAD-9283-3D57DEBD605A}"/>
-          </ac:picMkLst>
-        </pc:picChg>
-      </pc:sldChg>
-      <pc:sldChg chg="addSp">
-        <pc:chgData name="dat nguyen" userId="bb19b3ffa6322b8e" providerId="Windows Live" clId="Web-{014A53ED-EECE-4F38-8310-74A366AD9AA4}" dt="2019-02-01T17:04:10.617" v="647"/>
-        <pc:sldMkLst>
-          <pc:docMk/>
-          <pc:sldMk cId="4256870827" sldId="267"/>
-        </pc:sldMkLst>
-        <pc:picChg chg="add">
-          <ac:chgData name="dat nguyen" userId="bb19b3ffa6322b8e" providerId="Windows Live" clId="Web-{014A53ED-EECE-4F38-8310-74A366AD9AA4}" dt="2019-02-01T17:04:10.617" v="647"/>
-          <ac:picMkLst>
-            <pc:docMk/>
-            <pc:sldMk cId="4256870827" sldId="267"/>
-            <ac:picMk id="7" creationId="{EA27520A-F3A9-4B4E-8A3B-7A4C7408296A}"/>
-          </ac:picMkLst>
-        </pc:picChg>
-      </pc:sldChg>
-      <pc:sldChg chg="addSp">
-        <pc:chgData name="dat nguyen" userId="bb19b3ffa6322b8e" providerId="Windows Live" clId="Web-{014A53ED-EECE-4F38-8310-74A366AD9AA4}" dt="2019-02-01T17:04:07.773" v="646"/>
-        <pc:sldMkLst>
-          <pc:docMk/>
-          <pc:sldMk cId="1534462941" sldId="268"/>
-        </pc:sldMkLst>
-        <pc:picChg chg="add">
-          <ac:chgData name="dat nguyen" userId="bb19b3ffa6322b8e" providerId="Windows Live" clId="Web-{014A53ED-EECE-4F38-8310-74A366AD9AA4}" dt="2019-02-01T17:04:07.773" v="646"/>
-          <ac:picMkLst>
-            <pc:docMk/>
-            <pc:sldMk cId="1534462941" sldId="268"/>
-            <ac:picMk id="7" creationId="{B4FC031A-A31B-4EB2-BB6F-BB1468E5E186}"/>
-          </ac:picMkLst>
-        </pc:picChg>
-      </pc:sldChg>
-      <pc:sldChg chg="addSp">
-        <pc:chgData name="dat nguyen" userId="bb19b3ffa6322b8e" providerId="Windows Live" clId="Web-{014A53ED-EECE-4F38-8310-74A366AD9AA4}" dt="2019-02-01T17:05:34.289" v="648"/>
-        <pc:sldMkLst>
-          <pc:docMk/>
-          <pc:sldMk cId="3490719668" sldId="275"/>
-        </pc:sldMkLst>
-        <pc:picChg chg="add">
-          <ac:chgData name="dat nguyen" userId="bb19b3ffa6322b8e" providerId="Windows Live" clId="Web-{014A53ED-EECE-4F38-8310-74A366AD9AA4}" dt="2019-02-01T17:05:34.289" v="648"/>
-          <ac:picMkLst>
-            <pc:docMk/>
-            <pc:sldMk cId="3490719668" sldId="275"/>
-            <ac:picMk id="6" creationId="{3DF8597C-7847-46F8-B6C0-45B1AAD3A107}"/>
           </ac:picMkLst>
         </pc:picChg>
       </pc:sldChg>
     </pc:docChg>
   </pc:docChgLst>
   <pc:docChgLst>
-    <pc:chgData name="Fu Zoe" userId="8752382b4a911f22" providerId="Windows Live" clId="Web-{85123743-111C-48FA-AC6F-66FB0F24042A}"/>
-    <pc:docChg chg="addSld delSld modSld">
-      <pc:chgData name="Fu Zoe" userId="8752382b4a911f22" providerId="Windows Live" clId="Web-{85123743-111C-48FA-AC6F-66FB0F24042A}" dt="2019-02-04T17:04:38.526" v="102"/>
+    <pc:chgData name="Guest User" providerId="Windows Live" clId="Web-{299B74E4-1740-4268-8CE7-5EB0D1E60DBC}"/>
+    <pc:docChg chg="modSld">
+      <pc:chgData name="Guest User" userId="" providerId="Windows Live" clId="Web-{299B74E4-1740-4268-8CE7-5EB0D1E60DBC}" dt="2019-02-06T14:59:52.695" v="5" actId="20577"/>
       <pc:docMkLst>
         <pc:docMk/>
       </pc:docMkLst>
-      <pc:sldChg chg="modSp del">
-        <pc:chgData name="Fu Zoe" userId="8752382b4a911f22" providerId="Windows Live" clId="Web-{85123743-111C-48FA-AC6F-66FB0F24042A}" dt="2019-02-04T17:01:45.551" v="68"/>
+      <pc:sldChg chg="modSp">
+        <pc:chgData name="Guest User" userId="" providerId="Windows Live" clId="Web-{299B74E4-1740-4268-8CE7-5EB0D1E60DBC}" dt="2019-02-06T14:59:52.679" v="4" actId="20577"/>
         <pc:sldMkLst>
           <pc:docMk/>
-          <pc:sldMk cId="4256870827" sldId="267"/>
+          <pc:sldMk cId="1341931174" sldId="261"/>
         </pc:sldMkLst>
         <pc:spChg chg="mod">
-          <ac:chgData name="Fu Zoe" userId="8752382b4a911f22" providerId="Windows Live" clId="Web-{85123743-111C-48FA-AC6F-66FB0F24042A}" dt="2019-02-04T17:01:10.799" v="38" actId="20577"/>
+          <ac:chgData name="Guest User" userId="" providerId="Windows Live" clId="Web-{299B74E4-1740-4268-8CE7-5EB0D1E60DBC}" dt="2019-02-06T14:59:52.679" v="4" actId="20577"/>
           <ac:spMkLst>
             <pc:docMk/>
-            <pc:sldMk cId="4256870827" sldId="267"/>
-            <ac:spMk id="2" creationId="{96498DBC-81BD-7949-8D5D-BE6819BEF92B}"/>
+            <pc:sldMk cId="1341931174" sldId="261"/>
+            <ac:spMk id="3" creationId="{A763C582-A7AD-7A47-B9A0-1FE093C92060}"/>
           </ac:spMkLst>
         </pc:spChg>
       </pc:sldChg>
-      <pc:sldChg chg="addSp delSp modSp">
-        <pc:chgData name="Fu Zoe" userId="8752382b4a911f22" providerId="Windows Live" clId="Web-{85123743-111C-48FA-AC6F-66FB0F24042A}" dt="2019-02-04T17:01:41.410" v="67"/>
+    </pc:docChg>
+  </pc:docChgLst>
+  <pc:docChgLst>
+    <pc:chgData name="dat nguyen" userId="bb19b3ffa6322b8e" providerId="Windows Live" clId="Web-{38B28A21-98D1-4A98-BB3F-EB13A9951DA4}"/>
+    <pc:docChg chg="addSld modSld">
+      <pc:chgData name="dat nguyen" userId="bb19b3ffa6322b8e" providerId="Windows Live" clId="Web-{38B28A21-98D1-4A98-BB3F-EB13A9951DA4}" dt="2019-02-06T01:12:06.735" v="53" actId="1076"/>
+      <pc:docMkLst>
+        <pc:docMk/>
+      </pc:docMkLst>
+      <pc:sldChg chg="addSp modSp">
+        <pc:chgData name="dat nguyen" userId="bb19b3ffa6322b8e" providerId="Windows Live" clId="Web-{38B28A21-98D1-4A98-BB3F-EB13A9951DA4}" dt="2019-02-06T01:05:46.250" v="43" actId="20577"/>
         <pc:sldMkLst>
           <pc:docMk/>
-          <pc:sldMk cId="1534462941" sldId="268"/>
+          <pc:sldMk cId="3391706309" sldId="256"/>
         </pc:sldMkLst>
         <pc:spChg chg="mod">
-          <ac:chgData name="Fu Zoe" userId="8752382b4a911f22" providerId="Windows Live" clId="Web-{85123743-111C-48FA-AC6F-66FB0F24042A}" dt="2019-02-04T17:01:39.972" v="64" actId="20577"/>
+          <ac:chgData name="dat nguyen" userId="bb19b3ffa6322b8e" providerId="Windows Live" clId="Web-{38B28A21-98D1-4A98-BB3F-EB13A9951DA4}" dt="2019-02-06T01:04:39.921" v="33" actId="20577"/>
           <ac:spMkLst>
             <pc:docMk/>
-            <pc:sldMk cId="1534462941" sldId="268"/>
-            <ac:spMk id="2" creationId="{5E85D052-8127-9347-8222-567C3F4BF379}"/>
+            <pc:sldMk cId="3391706309" sldId="256"/>
+            <ac:spMk id="2" creationId="{436D37D4-73C2-9846-BD3F-6EE3185E02B9}"/>
           </ac:spMkLst>
         </pc:spChg>
         <pc:spChg chg="mod">
-          <ac:chgData name="Fu Zoe" userId="8752382b4a911f22" providerId="Windows Live" clId="Web-{85123743-111C-48FA-AC6F-66FB0F24042A}" dt="2019-02-04T17:01:12.174" v="62" actId="20577"/>
+          <ac:chgData name="dat nguyen" userId="bb19b3ffa6322b8e" providerId="Windows Live" clId="Web-{38B28A21-98D1-4A98-BB3F-EB13A9951DA4}" dt="2019-02-06T01:05:46.250" v="43" actId="20577"/>
           <ac:spMkLst>
             <pc:docMk/>
-            <pc:sldMk cId="1534462941" sldId="268"/>
-            <ac:spMk id="3" creationId="{3BE9A949-F50A-C844-8346-839D03A54FF3}"/>
+            <pc:sldMk cId="3391706309" sldId="256"/>
+            <ac:spMk id="3" creationId="{D50C297E-AB37-6C45-9BE6-31E4ADFBA252}"/>
           </ac:spMkLst>
         </pc:spChg>
-        <pc:spChg chg="add del mod">
-          <ac:chgData name="Fu Zoe" userId="8752382b4a911f22" providerId="Windows Live" clId="Web-{85123743-111C-48FA-AC6F-66FB0F24042A}" dt="2019-02-04T17:01:41.410" v="67"/>
+        <pc:picChg chg="add mod">
+          <ac:chgData name="dat nguyen" userId="bb19b3ffa6322b8e" providerId="Windows Live" clId="Web-{38B28A21-98D1-4A98-BB3F-EB13A9951DA4}" dt="2019-02-06T01:04:42.812" v="36" actId="14100"/>
+          <ac:picMkLst>
+            <pc:docMk/>
+            <pc:sldMk cId="3391706309" sldId="256"/>
+            <ac:picMk id="6" creationId="{830320D3-85B8-47E9-B2E5-056447614EE5}"/>
+          </ac:picMkLst>
+        </pc:picChg>
+      </pc:sldChg>
+      <pc:sldChg chg="addSp delSp">
+        <pc:chgData name="dat nguyen" userId="bb19b3ffa6322b8e" providerId="Windows Live" clId="Web-{38B28A21-98D1-4A98-BB3F-EB13A9951DA4}" dt="2019-02-06T01:03:41.656" v="5"/>
+        <pc:sldMkLst>
+          <pc:docMk/>
+          <pc:sldMk cId="736191612" sldId="257"/>
+        </pc:sldMkLst>
+        <pc:picChg chg="add del">
+          <ac:chgData name="dat nguyen" userId="bb19b3ffa6322b8e" providerId="Windows Live" clId="Web-{38B28A21-98D1-4A98-BB3F-EB13A9951DA4}" dt="2019-02-06T01:03:41.656" v="5"/>
+          <ac:picMkLst>
+            <pc:docMk/>
+            <pc:sldMk cId="736191612" sldId="257"/>
+            <ac:picMk id="5" creationId="{D27CB652-82F2-436B-A90A-DB9231797D0F}"/>
+          </ac:picMkLst>
+        </pc:picChg>
+        <pc:picChg chg="del">
+          <ac:chgData name="dat nguyen" userId="bb19b3ffa6322b8e" providerId="Windows Live" clId="Web-{38B28A21-98D1-4A98-BB3F-EB13A9951DA4}" dt="2019-02-06T01:02:45.859" v="3"/>
+          <ac:picMkLst>
+            <pc:docMk/>
+            <pc:sldMk cId="736191612" sldId="257"/>
+            <ac:picMk id="6" creationId="{34C74C0B-9D7C-4BA3-A639-418F877B613E}"/>
+          </ac:picMkLst>
+        </pc:picChg>
+      </pc:sldChg>
+      <pc:sldChg chg="delSp">
+        <pc:chgData name="dat nguyen" userId="bb19b3ffa6322b8e" providerId="Windows Live" clId="Web-{38B28A21-98D1-4A98-BB3F-EB13A9951DA4}" dt="2019-02-06T01:03:45.375" v="6"/>
+        <pc:sldMkLst>
+          <pc:docMk/>
+          <pc:sldMk cId="4243173223" sldId="259"/>
+        </pc:sldMkLst>
+        <pc:picChg chg="del">
+          <ac:chgData name="dat nguyen" userId="bb19b3ffa6322b8e" providerId="Windows Live" clId="Web-{38B28A21-98D1-4A98-BB3F-EB13A9951DA4}" dt="2019-02-06T01:03:45.375" v="6"/>
+          <ac:picMkLst>
+            <pc:docMk/>
+            <pc:sldMk cId="4243173223" sldId="259"/>
+            <ac:picMk id="6" creationId="{50D09492-A3CD-4EC0-8FBE-ECB867291171}"/>
+          </ac:picMkLst>
+        </pc:picChg>
+      </pc:sldChg>
+      <pc:sldChg chg="delSp">
+        <pc:chgData name="dat nguyen" userId="bb19b3ffa6322b8e" providerId="Windows Live" clId="Web-{38B28A21-98D1-4A98-BB3F-EB13A9951DA4}" dt="2019-02-06T01:03:47.343" v="7"/>
+        <pc:sldMkLst>
+          <pc:docMk/>
+          <pc:sldMk cId="2476109687" sldId="260"/>
+        </pc:sldMkLst>
+        <pc:picChg chg="del">
+          <ac:chgData name="dat nguyen" userId="bb19b3ffa6322b8e" providerId="Windows Live" clId="Web-{38B28A21-98D1-4A98-BB3F-EB13A9951DA4}" dt="2019-02-06T01:03:47.343" v="7"/>
+          <ac:picMkLst>
+            <pc:docMk/>
+            <pc:sldMk cId="2476109687" sldId="260"/>
+            <ac:picMk id="6" creationId="{1D0B8BAC-EBD9-4C1A-AF1A-60F654C88190}"/>
+          </ac:picMkLst>
+        </pc:picChg>
+      </pc:sldChg>
+      <pc:sldChg chg="delSp">
+        <pc:chgData name="dat nguyen" userId="bb19b3ffa6322b8e" providerId="Windows Live" clId="Web-{38B28A21-98D1-4A98-BB3F-EB13A9951DA4}" dt="2019-02-06T01:03:50.625" v="8"/>
+        <pc:sldMkLst>
+          <pc:docMk/>
+          <pc:sldMk cId="1341931174" sldId="261"/>
+        </pc:sldMkLst>
+        <pc:picChg chg="del">
+          <ac:chgData name="dat nguyen" userId="bb19b3ffa6322b8e" providerId="Windows Live" clId="Web-{38B28A21-98D1-4A98-BB3F-EB13A9951DA4}" dt="2019-02-06T01:03:50.625" v="8"/>
+          <ac:picMkLst>
+            <pc:docMk/>
+            <pc:sldMk cId="1341931174" sldId="261"/>
+            <ac:picMk id="6" creationId="{3A6E8A97-E57D-4A43-8B68-9F085C564C2A}"/>
+          </ac:picMkLst>
+        </pc:picChg>
+      </pc:sldChg>
+      <pc:sldChg chg="delSp">
+        <pc:chgData name="dat nguyen" userId="bb19b3ffa6322b8e" providerId="Windows Live" clId="Web-{38B28A21-98D1-4A98-BB3F-EB13A9951DA4}" dt="2019-02-06T01:03:51.968" v="9"/>
+        <pc:sldMkLst>
+          <pc:docMk/>
+          <pc:sldMk cId="1719224614" sldId="262"/>
+        </pc:sldMkLst>
+        <pc:picChg chg="del">
+          <ac:chgData name="dat nguyen" userId="bb19b3ffa6322b8e" providerId="Windows Live" clId="Web-{38B28A21-98D1-4A98-BB3F-EB13A9951DA4}" dt="2019-02-06T01:03:51.968" v="9"/>
+          <ac:picMkLst>
+            <pc:docMk/>
+            <pc:sldMk cId="1719224614" sldId="262"/>
+            <ac:picMk id="7" creationId="{4BAC396A-D4FF-493D-B650-7B9DDD11F206}"/>
+          </ac:picMkLst>
+        </pc:picChg>
+      </pc:sldChg>
+      <pc:sldChg chg="delSp">
+        <pc:chgData name="dat nguyen" userId="bb19b3ffa6322b8e" providerId="Windows Live" clId="Web-{38B28A21-98D1-4A98-BB3F-EB13A9951DA4}" dt="2019-02-06T01:03:57.765" v="12"/>
+        <pc:sldMkLst>
+          <pc:docMk/>
+          <pc:sldMk cId="3019500255" sldId="263"/>
+        </pc:sldMkLst>
+        <pc:picChg chg="del">
+          <ac:chgData name="dat nguyen" userId="bb19b3ffa6322b8e" providerId="Windows Live" clId="Web-{38B28A21-98D1-4A98-BB3F-EB13A9951DA4}" dt="2019-02-06T01:03:57.765" v="12"/>
+          <ac:picMkLst>
+            <pc:docMk/>
+            <pc:sldMk cId="3019500255" sldId="263"/>
+            <ac:picMk id="6" creationId="{6858BB05-EDAB-4BEC-A9A4-878C3599E4BF}"/>
+          </ac:picMkLst>
+        </pc:picChg>
+      </pc:sldChg>
+      <pc:sldChg chg="delSp">
+        <pc:chgData name="dat nguyen" userId="bb19b3ffa6322b8e" providerId="Windows Live" clId="Web-{38B28A21-98D1-4A98-BB3F-EB13A9951DA4}" dt="2019-02-06T01:04:10.468" v="18"/>
+        <pc:sldMkLst>
+          <pc:docMk/>
+          <pc:sldMk cId="2507484533" sldId="264"/>
+        </pc:sldMkLst>
+        <pc:picChg chg="del">
+          <ac:chgData name="dat nguyen" userId="bb19b3ffa6322b8e" providerId="Windows Live" clId="Web-{38B28A21-98D1-4A98-BB3F-EB13A9951DA4}" dt="2019-02-06T01:04:10.468" v="18"/>
+          <ac:picMkLst>
+            <pc:docMk/>
+            <pc:sldMk cId="2507484533" sldId="264"/>
+            <ac:picMk id="6" creationId="{7FC8DBD0-BD93-4E33-A195-BD82A11B168E}"/>
+          </ac:picMkLst>
+        </pc:picChg>
+      </pc:sldChg>
+      <pc:sldChg chg="delSp">
+        <pc:chgData name="dat nguyen" userId="bb19b3ffa6322b8e" providerId="Windows Live" clId="Web-{38B28A21-98D1-4A98-BB3F-EB13A9951DA4}" dt="2019-02-06T01:03:53.531" v="10"/>
+        <pc:sldMkLst>
+          <pc:docMk/>
+          <pc:sldMk cId="1991983361" sldId="265"/>
+        </pc:sldMkLst>
+        <pc:picChg chg="del">
+          <ac:chgData name="dat nguyen" userId="bb19b3ffa6322b8e" providerId="Windows Live" clId="Web-{38B28A21-98D1-4A98-BB3F-EB13A9951DA4}" dt="2019-02-06T01:03:53.531" v="10"/>
+          <ac:picMkLst>
+            <pc:docMk/>
+            <pc:sldMk cId="1991983361" sldId="265"/>
+            <ac:picMk id="7" creationId="{DC1A7BAB-A183-4D65-B54D-4A5F9B37F5EF}"/>
+          </ac:picMkLst>
+        </pc:picChg>
+      </pc:sldChg>
+      <pc:sldChg chg="delSp">
+        <pc:chgData name="dat nguyen" userId="bb19b3ffa6322b8e" providerId="Windows Live" clId="Web-{38B28A21-98D1-4A98-BB3F-EB13A9951DA4}" dt="2019-02-06T01:03:59.890" v="13"/>
+        <pc:sldMkLst>
+          <pc:docMk/>
+          <pc:sldMk cId="3297602696" sldId="266"/>
+        </pc:sldMkLst>
+        <pc:picChg chg="del">
+          <ac:chgData name="dat nguyen" userId="bb19b3ffa6322b8e" providerId="Windows Live" clId="Web-{38B28A21-98D1-4A98-BB3F-EB13A9951DA4}" dt="2019-02-06T01:03:59.890" v="13"/>
+          <ac:picMkLst>
+            <pc:docMk/>
+            <pc:sldMk cId="3297602696" sldId="266"/>
+            <ac:picMk id="7" creationId="{D3B12EBB-3AFA-4DAD-9283-3D57DEBD605A}"/>
+          </ac:picMkLst>
+        </pc:picChg>
+      </pc:sldChg>
+      <pc:sldChg chg="delSp">
+        <pc:chgData name="dat nguyen" userId="bb19b3ffa6322b8e" providerId="Windows Live" clId="Web-{38B28A21-98D1-4A98-BB3F-EB13A9951DA4}" dt="2019-02-06T01:04:14.453" v="20"/>
+        <pc:sldMkLst>
+          <pc:docMk/>
+          <pc:sldMk cId="3490719668" sldId="275"/>
+        </pc:sldMkLst>
+        <pc:picChg chg="del">
+          <ac:chgData name="dat nguyen" userId="bb19b3ffa6322b8e" providerId="Windows Live" clId="Web-{38B28A21-98D1-4A98-BB3F-EB13A9951DA4}" dt="2019-02-06T01:04:14.453" v="20"/>
+          <ac:picMkLst>
+            <pc:docMk/>
+            <pc:sldMk cId="3490719668" sldId="275"/>
+            <ac:picMk id="6" creationId="{3DF8597C-7847-46F8-B6C0-45B1AAD3A107}"/>
+          </ac:picMkLst>
+        </pc:picChg>
+      </pc:sldChg>
+      <pc:sldChg chg="delSp">
+        <pc:chgData name="dat nguyen" userId="bb19b3ffa6322b8e" providerId="Windows Live" clId="Web-{38B28A21-98D1-4A98-BB3F-EB13A9951DA4}" dt="2019-02-06T01:04:02.171" v="14"/>
+        <pc:sldMkLst>
+          <pc:docMk/>
+          <pc:sldMk cId="1483745631" sldId="276"/>
+        </pc:sldMkLst>
+        <pc:picChg chg="del">
+          <ac:chgData name="dat nguyen" userId="bb19b3ffa6322b8e" providerId="Windows Live" clId="Web-{38B28A21-98D1-4A98-BB3F-EB13A9951DA4}" dt="2019-02-06T01:04:02.171" v="14"/>
+          <ac:picMkLst>
+            <pc:docMk/>
+            <pc:sldMk cId="1483745631" sldId="276"/>
+            <ac:picMk id="7" creationId="{C4680358-EED7-47D4-81FE-2F4BA940770D}"/>
+          </ac:picMkLst>
+        </pc:picChg>
+      </pc:sldChg>
+      <pc:sldChg chg="delSp">
+        <pc:chgData name="dat nguyen" userId="bb19b3ffa6322b8e" providerId="Windows Live" clId="Web-{38B28A21-98D1-4A98-BB3F-EB13A9951DA4}" dt="2019-02-06T01:04:05.578" v="16"/>
+        <pc:sldMkLst>
+          <pc:docMk/>
+          <pc:sldMk cId="3834805635" sldId="277"/>
+        </pc:sldMkLst>
+        <pc:picChg chg="del">
+          <ac:chgData name="dat nguyen" userId="bb19b3ffa6322b8e" providerId="Windows Live" clId="Web-{38B28A21-98D1-4A98-BB3F-EB13A9951DA4}" dt="2019-02-06T01:04:05.578" v="16"/>
+          <ac:picMkLst>
+            <pc:docMk/>
+            <pc:sldMk cId="3834805635" sldId="277"/>
+            <ac:picMk id="6" creationId="{9CA23D07-252F-4AA0-8E5C-627B192D8D6B}"/>
+          </ac:picMkLst>
+        </pc:picChg>
+      </pc:sldChg>
+      <pc:sldChg chg="delSp">
+        <pc:chgData name="dat nguyen" userId="bb19b3ffa6322b8e" providerId="Windows Live" clId="Web-{38B28A21-98D1-4A98-BB3F-EB13A9951DA4}" dt="2019-02-06T01:04:03.796" v="15"/>
+        <pc:sldMkLst>
+          <pc:docMk/>
+          <pc:sldMk cId="2392118924" sldId="278"/>
+        </pc:sldMkLst>
+        <pc:picChg chg="del">
+          <ac:chgData name="dat nguyen" userId="bb19b3ffa6322b8e" providerId="Windows Live" clId="Web-{38B28A21-98D1-4A98-BB3F-EB13A9951DA4}" dt="2019-02-06T01:04:03.796" v="15"/>
+          <ac:picMkLst>
+            <pc:docMk/>
+            <pc:sldMk cId="2392118924" sldId="278"/>
+            <ac:picMk id="6" creationId="{943F40ED-C50D-4409-89C6-FD56884291E2}"/>
+          </ac:picMkLst>
+        </pc:picChg>
+      </pc:sldChg>
+      <pc:sldChg chg="delSp">
+        <pc:chgData name="dat nguyen" userId="bb19b3ffa6322b8e" providerId="Windows Live" clId="Web-{38B28A21-98D1-4A98-BB3F-EB13A9951DA4}" dt="2019-02-06T01:04:08.828" v="17"/>
+        <pc:sldMkLst>
+          <pc:docMk/>
+          <pc:sldMk cId="2507023400" sldId="279"/>
+        </pc:sldMkLst>
+        <pc:picChg chg="del">
+          <ac:chgData name="dat nguyen" userId="bb19b3ffa6322b8e" providerId="Windows Live" clId="Web-{38B28A21-98D1-4A98-BB3F-EB13A9951DA4}" dt="2019-02-06T01:04:08.828" v="17"/>
+          <ac:picMkLst>
+            <pc:docMk/>
+            <pc:sldMk cId="2507023400" sldId="279"/>
+            <ac:picMk id="6" creationId="{FE28A499-948A-400F-913A-65909D7FAD40}"/>
+          </ac:picMkLst>
+        </pc:picChg>
+      </pc:sldChg>
+      <pc:sldChg chg="delSp">
+        <pc:chgData name="dat nguyen" userId="bb19b3ffa6322b8e" providerId="Windows Live" clId="Web-{38B28A21-98D1-4A98-BB3F-EB13A9951DA4}" dt="2019-02-06T01:04:11.890" v="19"/>
+        <pc:sldMkLst>
+          <pc:docMk/>
+          <pc:sldMk cId="3693760786" sldId="280"/>
+        </pc:sldMkLst>
+        <pc:picChg chg="del">
+          <ac:chgData name="dat nguyen" userId="bb19b3ffa6322b8e" providerId="Windows Live" clId="Web-{38B28A21-98D1-4A98-BB3F-EB13A9951DA4}" dt="2019-02-06T01:04:11.890" v="19"/>
+          <ac:picMkLst>
+            <pc:docMk/>
+            <pc:sldMk cId="3693760786" sldId="280"/>
+            <ac:picMk id="6" creationId="{C6A5A834-4343-4D3A-A58F-762DA3FD5C77}"/>
+          </ac:picMkLst>
+        </pc:picChg>
+      </pc:sldChg>
+      <pc:sldChg chg="delSp">
+        <pc:chgData name="dat nguyen" userId="bb19b3ffa6322b8e" providerId="Windows Live" clId="Web-{38B28A21-98D1-4A98-BB3F-EB13A9951DA4}" dt="2019-02-06T01:03:55.765" v="11"/>
+        <pc:sldMkLst>
+          <pc:docMk/>
+          <pc:sldMk cId="3795891178" sldId="281"/>
+        </pc:sldMkLst>
+        <pc:picChg chg="del">
+          <ac:chgData name="dat nguyen" userId="bb19b3ffa6322b8e" providerId="Windows Live" clId="Web-{38B28A21-98D1-4A98-BB3F-EB13A9951DA4}" dt="2019-02-06T01:03:55.765" v="11"/>
+          <ac:picMkLst>
+            <pc:docMk/>
+            <pc:sldMk cId="3795891178" sldId="281"/>
+            <ac:picMk id="7" creationId="{DC1A7BAB-A183-4D65-B54D-4A5F9B37F5EF}"/>
+          </ac:picMkLst>
+        </pc:picChg>
+      </pc:sldChg>
+      <pc:sldChg chg="addSp delSp modSp new mod setBg">
+        <pc:chgData name="dat nguyen" userId="bb19b3ffa6322b8e" providerId="Windows Live" clId="Web-{38B28A21-98D1-4A98-BB3F-EB13A9951DA4}" dt="2019-02-06T01:12:06.735" v="53" actId="1076"/>
+        <pc:sldMkLst>
+          <pc:docMk/>
+          <pc:sldMk cId="1584519945" sldId="283"/>
+        </pc:sldMkLst>
+        <pc:spChg chg="mod">
+          <ac:chgData name="dat nguyen" userId="bb19b3ffa6322b8e" providerId="Windows Live" clId="Web-{38B28A21-98D1-4A98-BB3F-EB13A9951DA4}" dt="2019-02-06T01:11:44.704" v="49"/>
           <ac:spMkLst>
             <pc:docMk/>
-            <pc:sldMk cId="1534462941" sldId="268"/>
-            <ac:spMk id="5" creationId="{CB9E8E14-47C4-9241-9568-634AB1D48A03}"/>
+            <pc:sldMk cId="1584519945" sldId="283"/>
+            <ac:spMk id="2" creationId="{7954D10D-0750-447E-AC5A-70AF1F3038F1}"/>
           </ac:spMkLst>
         </pc:spChg>
-      </pc:sldChg>
-      <pc:sldChg chg="modSp new del">
-        <pc:chgData name="Fu Zoe" userId="8752382b4a911f22" providerId="Windows Live" clId="Web-{85123743-111C-48FA-AC6F-66FB0F24042A}" dt="2019-02-04T17:02:57.600" v="86"/>
-        <pc:sldMkLst>
-          <pc:docMk/>
-          <pc:sldMk cId="1746164101" sldId="282"/>
-        </pc:sldMkLst>
-        <pc:spChg chg="mod">
-          <ac:chgData name="Fu Zoe" userId="8752382b4a911f22" providerId="Windows Live" clId="Web-{85123743-111C-48FA-AC6F-66FB0F24042A}" dt="2019-02-04T17:02:43.131" v="83" actId="20577"/>
+        <pc:spChg chg="del">
+          <ac:chgData name="dat nguyen" userId="bb19b3ffa6322b8e" providerId="Windows Live" clId="Web-{38B28A21-98D1-4A98-BB3F-EB13A9951DA4}" dt="2019-02-06T01:11:36.797" v="46"/>
           <ac:spMkLst>
             <pc:docMk/>
-            <pc:sldMk cId="1746164101" sldId="282"/>
-            <ac:spMk id="2" creationId="{DE08098F-D794-4B4E-8072-E5A19A752688}"/>
+            <pc:sldMk cId="1584519945" sldId="283"/>
+            <ac:spMk id="3" creationId="{76DF6C87-636D-40E0-BEDB-569570661425}"/>
           </ac:spMkLst>
         </pc:spChg>
-      </pc:sldChg>
-      <pc:sldChg chg="addSp delSp modSp new mod setBg">
-        <pc:chgData name="Fu Zoe" userId="8752382b4a911f22" providerId="Windows Live" clId="Web-{85123743-111C-48FA-AC6F-66FB0F24042A}" dt="2019-02-04T17:04:38.526" v="102"/>
-        <pc:sldMkLst>
-          <pc:docMk/>
-          <pc:sldMk cId="2433490376" sldId="282"/>
-        </pc:sldMkLst>
         <pc:spChg chg="mod">
-          <ac:chgData name="Fu Zoe" userId="8752382b4a911f22" providerId="Windows Live" clId="Web-{85123743-111C-48FA-AC6F-66FB0F24042A}" dt="2019-02-04T17:04:24.791" v="99"/>
+          <ac:chgData name="dat nguyen" userId="bb19b3ffa6322b8e" providerId="Windows Live" clId="Web-{38B28A21-98D1-4A98-BB3F-EB13A9951DA4}" dt="2019-02-06T01:11:44.704" v="49"/>
           <ac:spMkLst>
             <pc:docMk/>
-            <pc:sldMk cId="2433490376" sldId="282"/>
-            <ac:spMk id="2" creationId="{018589E6-3CC0-4E5F-AF7F-C8F0BA53C78C}"/>
+            <pc:sldMk cId="1584519945" sldId="283"/>
+            <ac:spMk id="4" creationId="{D37E0E9B-FFE4-41F0-8A7F-08B7B35B1ACE}"/>
           </ac:spMkLst>
         </pc:spChg>
         <pc:spChg chg="add del">
-          <ac:chgData name="Fu Zoe" userId="8752382b4a911f22" providerId="Windows Live" clId="Web-{85123743-111C-48FA-AC6F-66FB0F24042A}" dt="2019-02-04T17:04:33.792" v="101"/>
+          <ac:chgData name="dat nguyen" userId="bb19b3ffa6322b8e" providerId="Windows Live" clId="Web-{38B28A21-98D1-4A98-BB3F-EB13A9951DA4}" dt="2019-02-06T01:11:44.704" v="49"/>
           <ac:spMkLst>
             <pc:docMk/>
-            <pc:sldMk cId="2433490376" sldId="282"/>
-            <ac:spMk id="3" creationId="{51BD50CB-F65A-4030-B922-38F41A1813F1}"/>
-          </ac:spMkLst>
-        </pc:spChg>
-        <pc:spChg chg="mod">
-          <ac:chgData name="Fu Zoe" userId="8752382b4a911f22" providerId="Windows Live" clId="Web-{85123743-111C-48FA-AC6F-66FB0F24042A}" dt="2019-02-04T17:04:24.791" v="99"/>
-          <ac:spMkLst>
-            <pc:docMk/>
-            <pc:sldMk cId="2433490376" sldId="282"/>
-            <ac:spMk id="4" creationId="{063B3ECE-C939-4699-BC47-42878BADA195}"/>
+            <pc:sldMk cId="1584519945" sldId="283"/>
+            <ac:spMk id="10" creationId="{16C5FA50-8D52-4617-AF91-5C7B1C8352F1}"/>
           </ac:spMkLst>
         </pc:spChg>
         <pc:spChg chg="add del">
-          <ac:chgData name="Fu Zoe" userId="8752382b4a911f22" providerId="Windows Live" clId="Web-{85123743-111C-48FA-AC6F-66FB0F24042A}" dt="2019-02-04T17:04:24.791" v="99"/>
+          <ac:chgData name="dat nguyen" userId="bb19b3ffa6322b8e" providerId="Windows Live" clId="Web-{38B28A21-98D1-4A98-BB3F-EB13A9951DA4}" dt="2019-02-06T01:11:44.704" v="49"/>
           <ac:spMkLst>
             <pc:docMk/>
-            <pc:sldMk cId="2433490376" sldId="282"/>
-            <ac:spMk id="10" creationId="{AB45A142-4255-493C-8284-5D566C121B10}"/>
+            <pc:sldMk cId="1584519945" sldId="283"/>
+            <ac:spMk id="12" creationId="{E223798C-12AD-4B0C-A50C-D676347D67CF}"/>
           </ac:spMkLst>
         </pc:spChg>
-        <pc:picChg chg="add del mod ord">
-          <ac:chgData name="Fu Zoe" userId="8752382b4a911f22" providerId="Windows Live" clId="Web-{85123743-111C-48FA-AC6F-66FB0F24042A}" dt="2019-02-04T17:04:25.947" v="100"/>
+        <pc:picChg chg="add mod ord">
+          <ac:chgData name="dat nguyen" userId="bb19b3ffa6322b8e" providerId="Windows Live" clId="Web-{38B28A21-98D1-4A98-BB3F-EB13A9951DA4}" dt="2019-02-06T01:12:06.735" v="53" actId="1076"/>
           <ac:picMkLst>
             <pc:docMk/>
-            <pc:sldMk cId="2433490376" sldId="282"/>
-            <ac:picMk id="5" creationId="{1E02B763-65B5-4349-AAB8-BC5EB22EA8F2}"/>
+            <pc:sldMk cId="1584519945" sldId="283"/>
+            <ac:picMk id="5" creationId="{28C92086-3DCF-415D-8CB8-7DBF828C1059}"/>
           </ac:picMkLst>
         </pc:picChg>
-        <pc:picChg chg="add mod ord">
-          <ac:chgData name="Fu Zoe" userId="8752382b4a911f22" providerId="Windows Live" clId="Web-{85123743-111C-48FA-AC6F-66FB0F24042A}" dt="2019-02-04T17:04:33.792" v="101"/>
-          <ac:picMkLst>
-            <pc:docMk/>
-            <pc:sldMk cId="2433490376" sldId="282"/>
-            <ac:picMk id="7" creationId="{96327E33-021F-4E96-808D-791EE64B9E74}"/>
-          </ac:picMkLst>
-        </pc:picChg>
-        <pc:picChg chg="add">
-          <ac:chgData name="Fu Zoe" userId="8752382b4a911f22" providerId="Windows Live" clId="Web-{85123743-111C-48FA-AC6F-66FB0F24042A}" dt="2019-02-04T17:04:38.526" v="102"/>
-          <ac:picMkLst>
-            <pc:docMk/>
-            <pc:sldMk cId="2433490376" sldId="282"/>
-            <ac:picMk id="9" creationId="{6FD5579C-C831-4942-AF91-84DD65FA3FA0}"/>
-          </ac:picMkLst>
-        </pc:picChg>
-        <pc:cxnChg chg="add del">
-          <ac:chgData name="Fu Zoe" userId="8752382b4a911f22" providerId="Windows Live" clId="Web-{85123743-111C-48FA-AC6F-66FB0F24042A}" dt="2019-02-04T17:04:24.791" v="99"/>
-          <ac:cxnSpMkLst>
-            <pc:docMk/>
-            <pc:sldMk cId="2433490376" sldId="282"/>
-            <ac:cxnSpMk id="12" creationId="{38FB9660-F42F-4313-BBC4-47C007FE484C}"/>
-          </ac:cxnSpMkLst>
-        </pc:cxnChg>
       </pc:sldChg>
     </pc:docChg>
   </pc:docChgLst>
@@ -1164,24 +924,762 @@
     </pc:docChg>
   </pc:docChgLst>
   <pc:docChgLst>
-    <pc:chgData name="Guest User" providerId="Windows Live" clId="Web-{4F678C15-84E6-4D7B-A2A2-35B5A01656B7}"/>
+    <pc:chgData name="Guest User" providerId="Windows Live" clId="Web-{1F869BC7-9104-4476-A8AB-A10E4432FE6F}"/>
     <pc:docChg chg="modSld">
-      <pc:chgData name="Guest User" userId="" providerId="Windows Live" clId="Web-{4F678C15-84E6-4D7B-A2A2-35B5A01656B7}" dt="2019-02-01T23:56:31.471" v="2"/>
+      <pc:chgData name="Guest User" userId="" providerId="Windows Live" clId="Web-{1F869BC7-9104-4476-A8AB-A10E4432FE6F}" dt="2019-02-04T17:31:08.912" v="116" actId="20577"/>
       <pc:docMkLst>
         <pc:docMk/>
       </pc:docMkLst>
-      <pc:sldChg chg="delSp modSp">
-        <pc:chgData name="Guest User" userId="" providerId="Windows Live" clId="Web-{4F678C15-84E6-4D7B-A2A2-35B5A01656B7}" dt="2019-02-01T23:56:31.471" v="2"/>
+      <pc:sldChg chg="modSp">
+        <pc:chgData name="Guest User" userId="" providerId="Windows Live" clId="Web-{1F869BC7-9104-4476-A8AB-A10E4432FE6F}" dt="2019-02-04T17:30:53.443" v="101" actId="20577"/>
+        <pc:sldMkLst>
+          <pc:docMk/>
+          <pc:sldMk cId="3292633072" sldId="272"/>
+        </pc:sldMkLst>
+        <pc:spChg chg="mod">
+          <ac:chgData name="Guest User" userId="" providerId="Windows Live" clId="Web-{1F869BC7-9104-4476-A8AB-A10E4432FE6F}" dt="2019-02-04T17:30:53.443" v="101" actId="20577"/>
+          <ac:spMkLst>
+            <pc:docMk/>
+            <pc:sldMk cId="3292633072" sldId="272"/>
+            <ac:spMk id="3" creationId="{CAA5DA0C-C976-E544-8AC1-D9AF13CFD0B0}"/>
+          </ac:spMkLst>
+        </pc:spChg>
+      </pc:sldChg>
+      <pc:sldChg chg="modSp">
+        <pc:chgData name="Guest User" userId="" providerId="Windows Live" clId="Web-{1F869BC7-9104-4476-A8AB-A10E4432FE6F}" dt="2019-02-04T17:31:08.912" v="115" actId="20577"/>
+        <pc:sldMkLst>
+          <pc:docMk/>
+          <pc:sldMk cId="3973559364" sldId="274"/>
+        </pc:sldMkLst>
+        <pc:spChg chg="mod">
+          <ac:chgData name="Guest User" userId="" providerId="Windows Live" clId="Web-{1F869BC7-9104-4476-A8AB-A10E4432FE6F}" dt="2019-02-04T17:31:08.912" v="115" actId="20577"/>
+          <ac:spMkLst>
+            <pc:docMk/>
+            <pc:sldMk cId="3973559364" sldId="274"/>
+            <ac:spMk id="3" creationId="{223C465A-B74B-C248-AD77-EAB344363F9D}"/>
+          </ac:spMkLst>
+        </pc:spChg>
+      </pc:sldChg>
+      <pc:sldChg chg="modSp">
+        <pc:chgData name="Guest User" userId="" providerId="Windows Live" clId="Web-{1F869BC7-9104-4476-A8AB-A10E4432FE6F}" dt="2019-02-04T17:26:34.793" v="16" actId="20577"/>
+        <pc:sldMkLst>
+          <pc:docMk/>
+          <pc:sldMk cId="1483745631" sldId="276"/>
+        </pc:sldMkLst>
+        <pc:spChg chg="mod">
+          <ac:chgData name="Guest User" userId="" providerId="Windows Live" clId="Web-{1F869BC7-9104-4476-A8AB-A10E4432FE6F}" dt="2019-02-04T17:26:34.793" v="16" actId="20577"/>
+          <ac:spMkLst>
+            <pc:docMk/>
+            <pc:sldMk cId="1483745631" sldId="276"/>
+            <ac:spMk id="3" creationId="{CF701C10-8135-4DB3-A6C8-77FFE1206DD8}"/>
+          </ac:spMkLst>
+        </pc:spChg>
+      </pc:sldChg>
+      <pc:sldChg chg="modSp">
+        <pc:chgData name="Guest User" userId="" providerId="Windows Live" clId="Web-{1F869BC7-9104-4476-A8AB-A10E4432FE6F}" dt="2019-02-04T17:28:10.453" v="29" actId="20577"/>
+        <pc:sldMkLst>
+          <pc:docMk/>
+          <pc:sldMk cId="3834805635" sldId="277"/>
+        </pc:sldMkLst>
+        <pc:spChg chg="mod">
+          <ac:chgData name="Guest User" userId="" providerId="Windows Live" clId="Web-{1F869BC7-9104-4476-A8AB-A10E4432FE6F}" dt="2019-02-04T17:28:10.453" v="29" actId="20577"/>
+          <ac:spMkLst>
+            <pc:docMk/>
+            <pc:sldMk cId="3834805635" sldId="277"/>
+            <ac:spMk id="3" creationId="{C1CD848D-6DA5-4C15-9376-CC85482615C9}"/>
+          </ac:spMkLst>
+        </pc:spChg>
+      </pc:sldChg>
+      <pc:sldChg chg="modSp">
+        <pc:chgData name="Guest User" userId="" providerId="Windows Live" clId="Web-{1F869BC7-9104-4476-A8AB-A10E4432FE6F}" dt="2019-02-04T17:28:33.485" v="32" actId="20577"/>
+        <pc:sldMkLst>
+          <pc:docMk/>
+          <pc:sldMk cId="3693760786" sldId="280"/>
+        </pc:sldMkLst>
+        <pc:spChg chg="mod">
+          <ac:chgData name="Guest User" userId="" providerId="Windows Live" clId="Web-{1F869BC7-9104-4476-A8AB-A10E4432FE6F}" dt="2019-02-04T17:28:33.485" v="32" actId="20577"/>
+          <ac:spMkLst>
+            <pc:docMk/>
+            <pc:sldMk cId="3693760786" sldId="280"/>
+            <ac:spMk id="3" creationId="{A2FA9C08-6A80-48E4-BD6D-2DE291231336}"/>
+          </ac:spMkLst>
+        </pc:spChg>
+      </pc:sldChg>
+      <pc:sldChg chg="modSp">
+        <pc:chgData name="Guest User" userId="" providerId="Windows Live" clId="Web-{1F869BC7-9104-4476-A8AB-A10E4432FE6F}" dt="2019-02-04T17:25:38.651" v="2" actId="20577"/>
+        <pc:sldMkLst>
+          <pc:docMk/>
+          <pc:sldMk cId="3795891178" sldId="281"/>
+        </pc:sldMkLst>
+        <pc:spChg chg="mod">
+          <ac:chgData name="Guest User" userId="" providerId="Windows Live" clId="Web-{1F869BC7-9104-4476-A8AB-A10E4432FE6F}" dt="2019-02-04T17:25:38.651" v="2" actId="20577"/>
+          <ac:spMkLst>
+            <pc:docMk/>
+            <pc:sldMk cId="3795891178" sldId="281"/>
+            <ac:spMk id="3" creationId="{0AEA12F3-B1F8-4D40-AA30-26988B37E085}"/>
+          </ac:spMkLst>
+        </pc:spChg>
+      </pc:sldChg>
+      <pc:sldChg chg="modSp">
+        <pc:chgData name="Guest User" userId="" providerId="Windows Live" clId="Web-{1F869BC7-9104-4476-A8AB-A10E4432FE6F}" dt="2019-02-04T17:29:02.158" v="40" actId="20577"/>
+        <pc:sldMkLst>
+          <pc:docMk/>
+          <pc:sldMk cId="2433490376" sldId="282"/>
+        </pc:sldMkLst>
+        <pc:spChg chg="mod">
+          <ac:chgData name="Guest User" userId="" providerId="Windows Live" clId="Web-{1F869BC7-9104-4476-A8AB-A10E4432FE6F}" dt="2019-02-04T17:29:02.158" v="40" actId="20577"/>
+          <ac:spMkLst>
+            <pc:docMk/>
+            <pc:sldMk cId="2433490376" sldId="282"/>
+            <ac:spMk id="2" creationId="{018589E6-3CC0-4E5F-AF7F-C8F0BA53C78C}"/>
+          </ac:spMkLst>
+        </pc:spChg>
+      </pc:sldChg>
+    </pc:docChg>
+  </pc:docChgLst>
+  <pc:docChgLst>
+    <pc:chgData name="dat nguyen" userId="bb19b3ffa6322b8e" providerId="Windows Live" clId="Web-{014A53ED-EECE-4F38-8310-74A366AD9AA4}"/>
+    <pc:docChg chg="modSld">
+      <pc:chgData name="dat nguyen" userId="bb19b3ffa6322b8e" providerId="Windows Live" clId="Web-{014A53ED-EECE-4F38-8310-74A366AD9AA4}" dt="2019-02-01T17:06:24.059" v="660" actId="20577"/>
+      <pc:docMkLst>
+        <pc:docMk/>
+      </pc:docMkLst>
+      <pc:sldChg chg="addSp delSp modSp mod setBg">
+        <pc:chgData name="dat nguyen" userId="bb19b3ffa6322b8e" providerId="Windows Live" clId="Web-{014A53ED-EECE-4F38-8310-74A366AD9AA4}" dt="2019-02-01T17:06:22.117" v="658" actId="20577"/>
+        <pc:sldMkLst>
+          <pc:docMk/>
+          <pc:sldMk cId="3391706309" sldId="256"/>
+        </pc:sldMkLst>
+        <pc:spChg chg="mod">
+          <ac:chgData name="dat nguyen" userId="bb19b3ffa6322b8e" providerId="Windows Live" clId="Web-{014A53ED-EECE-4F38-8310-74A366AD9AA4}" dt="2019-02-01T17:06:08.242" v="652" actId="20577"/>
+          <ac:spMkLst>
+            <pc:docMk/>
+            <pc:sldMk cId="3391706309" sldId="256"/>
+            <ac:spMk id="2" creationId="{436D37D4-73C2-9846-BD3F-6EE3185E02B9}"/>
+          </ac:spMkLst>
+        </pc:spChg>
+        <pc:spChg chg="mod">
+          <ac:chgData name="dat nguyen" userId="bb19b3ffa6322b8e" providerId="Windows Live" clId="Web-{014A53ED-EECE-4F38-8310-74A366AD9AA4}" dt="2019-02-01T17:06:22.117" v="658" actId="20577"/>
+          <ac:spMkLst>
+            <pc:docMk/>
+            <pc:sldMk cId="3391706309" sldId="256"/>
+            <ac:spMk id="3" creationId="{D50C297E-AB37-6C45-9BE6-31E4ADFBA252}"/>
+          </ac:spMkLst>
+        </pc:spChg>
+        <pc:spChg chg="mod ord">
+          <ac:chgData name="dat nguyen" userId="bb19b3ffa6322b8e" providerId="Windows Live" clId="Web-{014A53ED-EECE-4F38-8310-74A366AD9AA4}" dt="2019-02-01T17:05:59.164" v="651"/>
+          <ac:spMkLst>
+            <pc:docMk/>
+            <pc:sldMk cId="3391706309" sldId="256"/>
+            <ac:spMk id="4" creationId="{EC4629B6-23A7-CD49-B512-EF80CC57718C}"/>
+          </ac:spMkLst>
+        </pc:spChg>
+        <pc:spChg chg="add del">
+          <ac:chgData name="dat nguyen" userId="bb19b3ffa6322b8e" providerId="Windows Live" clId="Web-{014A53ED-EECE-4F38-8310-74A366AD9AA4}" dt="2019-02-01T17:05:59.164" v="651"/>
+          <ac:spMkLst>
+            <pc:docMk/>
+            <pc:sldMk cId="3391706309" sldId="256"/>
+            <ac:spMk id="7" creationId="{ACBE1851-2230-47A9-B000-CE9046EA61B9}"/>
+          </ac:spMkLst>
+        </pc:spChg>
+        <pc:spChg chg="add del">
+          <ac:chgData name="dat nguyen" userId="bb19b3ffa6322b8e" providerId="Windows Live" clId="Web-{014A53ED-EECE-4F38-8310-74A366AD9AA4}" dt="2019-02-01T16:57:41.443" v="495"/>
+          <ac:spMkLst>
+            <pc:docMk/>
+            <pc:sldMk cId="3391706309" sldId="256"/>
+            <ac:spMk id="10" creationId="{59A309A7-1751-4ABE-A3C1-EEC40366AD89}"/>
+          </ac:spMkLst>
+        </pc:spChg>
+        <pc:spChg chg="add">
+          <ac:chgData name="dat nguyen" userId="bb19b3ffa6322b8e" providerId="Windows Live" clId="Web-{014A53ED-EECE-4F38-8310-74A366AD9AA4}" dt="2019-02-01T17:05:59.164" v="651"/>
+          <ac:spMkLst>
+            <pc:docMk/>
+            <pc:sldMk cId="3391706309" sldId="256"/>
+            <ac:spMk id="11" creationId="{8D70B121-56F4-4848-B38B-182089D909FA}"/>
+          </ac:spMkLst>
+        </pc:spChg>
+        <pc:spChg chg="add del">
+          <ac:chgData name="dat nguyen" userId="bb19b3ffa6322b8e" providerId="Windows Live" clId="Web-{014A53ED-EECE-4F38-8310-74A366AD9AA4}" dt="2019-02-01T16:57:41.443" v="495"/>
+          <ac:spMkLst>
+            <pc:docMk/>
+            <pc:sldMk cId="3391706309" sldId="256"/>
+            <ac:spMk id="12" creationId="{967D8EB6-EAE1-4F9C-B398-83321E287204}"/>
+          </ac:spMkLst>
+        </pc:spChg>
+        <pc:spChg chg="add del">
+          <ac:chgData name="dat nguyen" userId="bb19b3ffa6322b8e" providerId="Windows Live" clId="Web-{014A53ED-EECE-4F38-8310-74A366AD9AA4}" dt="2019-02-01T17:05:59.039" v="650"/>
+          <ac:spMkLst>
+            <pc:docMk/>
+            <pc:sldMk cId="3391706309" sldId="256"/>
+            <ac:spMk id="13" creationId="{23962611-DFD5-4092-AAFD-559E3DFCE2C9}"/>
+          </ac:spMkLst>
+        </pc:spChg>
+        <pc:picChg chg="add mod ord">
+          <ac:chgData name="dat nguyen" userId="bb19b3ffa6322b8e" providerId="Windows Live" clId="Web-{014A53ED-EECE-4F38-8310-74A366AD9AA4}" dt="2019-02-01T17:06:13.898" v="655" actId="1076"/>
+          <ac:picMkLst>
+            <pc:docMk/>
+            <pc:sldMk cId="3391706309" sldId="256"/>
+            <ac:picMk id="5" creationId="{FF9CEFB3-2964-4D82-AC2E-0ECFD46F6B70}"/>
+          </ac:picMkLst>
+        </pc:picChg>
+        <pc:picChg chg="add del">
+          <ac:chgData name="dat nguyen" userId="bb19b3ffa6322b8e" providerId="Windows Live" clId="Web-{014A53ED-EECE-4F38-8310-74A366AD9AA4}" dt="2019-02-01T17:05:59.039" v="650"/>
+          <ac:picMkLst>
+            <pc:docMk/>
+            <pc:sldMk cId="3391706309" sldId="256"/>
+            <ac:picMk id="15" creationId="{2270F1FA-0425-408F-9861-80BF5AFB276D}"/>
+          </ac:picMkLst>
+        </pc:picChg>
+        <pc:cxnChg chg="add del">
+          <ac:chgData name="dat nguyen" userId="bb19b3ffa6322b8e" providerId="Windows Live" clId="Web-{014A53ED-EECE-4F38-8310-74A366AD9AA4}" dt="2019-02-01T17:05:59.164" v="651"/>
+          <ac:cxnSpMkLst>
+            <pc:docMk/>
+            <pc:sldMk cId="3391706309" sldId="256"/>
+            <ac:cxnSpMk id="8" creationId="{23B93832-6514-44F4-849B-5EE2C8A2337D}"/>
+          </ac:cxnSpMkLst>
+        </pc:cxnChg>
+        <pc:cxnChg chg="add">
+          <ac:chgData name="dat nguyen" userId="bb19b3ffa6322b8e" providerId="Windows Live" clId="Web-{014A53ED-EECE-4F38-8310-74A366AD9AA4}" dt="2019-02-01T17:05:59.164" v="651"/>
+          <ac:cxnSpMkLst>
+            <pc:docMk/>
+            <pc:sldMk cId="3391706309" sldId="256"/>
+            <ac:cxnSpMk id="14" creationId="{2D72A2C9-F3CA-4216-8BAD-FA4C970C3C4E}"/>
+          </ac:cxnSpMkLst>
+        </pc:cxnChg>
+      </pc:sldChg>
+      <pc:sldChg chg="addSp">
+        <pc:chgData name="dat nguyen" userId="bb19b3ffa6322b8e" providerId="Windows Live" clId="Web-{014A53ED-EECE-4F38-8310-74A366AD9AA4}" dt="2019-02-01T16:59:42.366" v="549"/>
+        <pc:sldMkLst>
+          <pc:docMk/>
+          <pc:sldMk cId="736191612" sldId="257"/>
+        </pc:sldMkLst>
+        <pc:picChg chg="add">
+          <ac:chgData name="dat nguyen" userId="bb19b3ffa6322b8e" providerId="Windows Live" clId="Web-{014A53ED-EECE-4F38-8310-74A366AD9AA4}" dt="2019-02-01T16:59:42.366" v="549"/>
+          <ac:picMkLst>
+            <pc:docMk/>
+            <pc:sldMk cId="736191612" sldId="257"/>
+            <ac:picMk id="6" creationId="{34C74C0B-9D7C-4BA3-A639-418F877B613E}"/>
+          </ac:picMkLst>
+        </pc:picChg>
+      </pc:sldChg>
+      <pc:sldChg chg="addSp modSp">
+        <pc:chgData name="dat nguyen" userId="bb19b3ffa6322b8e" providerId="Windows Live" clId="Web-{014A53ED-EECE-4F38-8310-74A366AD9AA4}" dt="2019-02-01T17:03:22.398" v="633" actId="20577"/>
+        <pc:sldMkLst>
+          <pc:docMk/>
+          <pc:sldMk cId="4243173223" sldId="259"/>
+        </pc:sldMkLst>
+        <pc:spChg chg="mod">
+          <ac:chgData name="dat nguyen" userId="bb19b3ffa6322b8e" providerId="Windows Live" clId="Web-{014A53ED-EECE-4F38-8310-74A366AD9AA4}" dt="2019-02-01T17:03:22.398" v="633" actId="20577"/>
+          <ac:spMkLst>
+            <pc:docMk/>
+            <pc:sldMk cId="4243173223" sldId="259"/>
+            <ac:spMk id="3" creationId="{2458A0A8-D52C-5645-A5A5-187BFF4A40EF}"/>
+          </ac:spMkLst>
+        </pc:spChg>
+        <pc:picChg chg="add">
+          <ac:chgData name="dat nguyen" userId="bb19b3ffa6322b8e" providerId="Windows Live" clId="Web-{014A53ED-EECE-4F38-8310-74A366AD9AA4}" dt="2019-02-01T16:59:54.334" v="550"/>
+          <ac:picMkLst>
+            <pc:docMk/>
+            <pc:sldMk cId="4243173223" sldId="259"/>
+            <ac:picMk id="6" creationId="{50D09492-A3CD-4EC0-8FBE-ECB867291171}"/>
+          </ac:picMkLst>
+        </pc:picChg>
+      </pc:sldChg>
+      <pc:sldChg chg="addSp modSp">
+        <pc:chgData name="dat nguyen" userId="bb19b3ffa6322b8e" providerId="Windows Live" clId="Web-{014A53ED-EECE-4F38-8310-74A366AD9AA4}" dt="2019-02-01T16:59:57.210" v="551"/>
+        <pc:sldMkLst>
+          <pc:docMk/>
+          <pc:sldMk cId="2476109687" sldId="260"/>
+        </pc:sldMkLst>
+        <pc:spChg chg="mod">
+          <ac:chgData name="dat nguyen" userId="bb19b3ffa6322b8e" providerId="Windows Live" clId="Web-{014A53ED-EECE-4F38-8310-74A366AD9AA4}" dt="2019-02-01T16:49:40.160" v="108" actId="20577"/>
+          <ac:spMkLst>
+            <pc:docMk/>
+            <pc:sldMk cId="2476109687" sldId="260"/>
+            <ac:spMk id="3" creationId="{686C2C8E-577D-8245-8C74-1C87EEF56629}"/>
+          </ac:spMkLst>
+        </pc:spChg>
+        <pc:picChg chg="add">
+          <ac:chgData name="dat nguyen" userId="bb19b3ffa6322b8e" providerId="Windows Live" clId="Web-{014A53ED-EECE-4F38-8310-74A366AD9AA4}" dt="2019-02-01T16:59:57.210" v="551"/>
+          <ac:picMkLst>
+            <pc:docMk/>
+            <pc:sldMk cId="2476109687" sldId="260"/>
+            <ac:picMk id="6" creationId="{1D0B8BAC-EBD9-4C1A-AF1A-60F654C88190}"/>
+          </ac:picMkLst>
+        </pc:picChg>
+      </pc:sldChg>
+      <pc:sldChg chg="addSp modSp">
+        <pc:chgData name="dat nguyen" userId="bb19b3ffa6322b8e" providerId="Windows Live" clId="Web-{014A53ED-EECE-4F38-8310-74A366AD9AA4}" dt="2019-02-01T17:00:12.116" v="552"/>
+        <pc:sldMkLst>
+          <pc:docMk/>
+          <pc:sldMk cId="1341931174" sldId="261"/>
+        </pc:sldMkLst>
+        <pc:spChg chg="mod">
+          <ac:chgData name="dat nguyen" userId="bb19b3ffa6322b8e" providerId="Windows Live" clId="Web-{014A53ED-EECE-4F38-8310-74A366AD9AA4}" dt="2019-02-01T16:53:10.880" v="353" actId="20577"/>
+          <ac:spMkLst>
+            <pc:docMk/>
+            <pc:sldMk cId="1341931174" sldId="261"/>
+            <ac:spMk id="3" creationId="{A763C582-A7AD-7A47-B9A0-1FE093C92060}"/>
+          </ac:spMkLst>
+        </pc:spChg>
+        <pc:picChg chg="add">
+          <ac:chgData name="dat nguyen" userId="bb19b3ffa6322b8e" providerId="Windows Live" clId="Web-{014A53ED-EECE-4F38-8310-74A366AD9AA4}" dt="2019-02-01T17:00:12.116" v="552"/>
+          <ac:picMkLst>
+            <pc:docMk/>
+            <pc:sldMk cId="1341931174" sldId="261"/>
+            <ac:picMk id="6" creationId="{3A6E8A97-E57D-4A43-8B68-9F085C564C2A}"/>
+          </ac:picMkLst>
+        </pc:picChg>
+      </pc:sldChg>
+      <pc:sldChg chg="addSp modSp">
+        <pc:chgData name="dat nguyen" userId="bb19b3ffa6322b8e" providerId="Windows Live" clId="Web-{014A53ED-EECE-4F38-8310-74A366AD9AA4}" dt="2019-02-01T17:03:52.038" v="641"/>
+        <pc:sldMkLst>
+          <pc:docMk/>
+          <pc:sldMk cId="1719224614" sldId="262"/>
+        </pc:sldMkLst>
+        <pc:spChg chg="add mod">
+          <ac:chgData name="dat nguyen" userId="bb19b3ffa6322b8e" providerId="Windows Live" clId="Web-{014A53ED-EECE-4F38-8310-74A366AD9AA4}" dt="2019-02-01T17:03:50.742" v="638" actId="20577"/>
+          <ac:spMkLst>
+            <pc:docMk/>
+            <pc:sldMk cId="1719224614" sldId="262"/>
+            <ac:spMk id="5" creationId="{1A044EBD-6CFA-4005-BA0D-2AFE81796754}"/>
+          </ac:spMkLst>
+        </pc:spChg>
+        <pc:picChg chg="add">
+          <ac:chgData name="dat nguyen" userId="bb19b3ffa6322b8e" providerId="Windows Live" clId="Web-{014A53ED-EECE-4F38-8310-74A366AD9AA4}" dt="2019-02-01T17:03:52.038" v="641"/>
+          <ac:picMkLst>
+            <pc:docMk/>
+            <pc:sldMk cId="1719224614" sldId="262"/>
+            <ac:picMk id="7" creationId="{4BAC396A-D4FF-493D-B650-7B9DDD11F206}"/>
+          </ac:picMkLst>
+        </pc:picChg>
+      </pc:sldChg>
+      <pc:sldChg chg="addSp">
+        <pc:chgData name="dat nguyen" userId="bb19b3ffa6322b8e" providerId="Windows Live" clId="Web-{014A53ED-EECE-4F38-8310-74A366AD9AA4}" dt="2019-02-01T17:03:59.007" v="643"/>
+        <pc:sldMkLst>
+          <pc:docMk/>
+          <pc:sldMk cId="3019500255" sldId="263"/>
+        </pc:sldMkLst>
+        <pc:picChg chg="add">
+          <ac:chgData name="dat nguyen" userId="bb19b3ffa6322b8e" providerId="Windows Live" clId="Web-{014A53ED-EECE-4F38-8310-74A366AD9AA4}" dt="2019-02-01T17:03:59.007" v="643"/>
+          <ac:picMkLst>
+            <pc:docMk/>
+            <pc:sldMk cId="3019500255" sldId="263"/>
+            <ac:picMk id="6" creationId="{6858BB05-EDAB-4BEC-A9A4-878C3599E4BF}"/>
+          </ac:picMkLst>
+        </pc:picChg>
+      </pc:sldChg>
+      <pc:sldChg chg="addSp">
+        <pc:chgData name="dat nguyen" userId="bb19b3ffa6322b8e" providerId="Windows Live" clId="Web-{014A53ED-EECE-4F38-8310-74A366AD9AA4}" dt="2019-02-01T17:04:06.257" v="645"/>
+        <pc:sldMkLst>
+          <pc:docMk/>
+          <pc:sldMk cId="2507484533" sldId="264"/>
+        </pc:sldMkLst>
+        <pc:picChg chg="add">
+          <ac:chgData name="dat nguyen" userId="bb19b3ffa6322b8e" providerId="Windows Live" clId="Web-{014A53ED-EECE-4F38-8310-74A366AD9AA4}" dt="2019-02-01T17:04:06.257" v="645"/>
+          <ac:picMkLst>
+            <pc:docMk/>
+            <pc:sldMk cId="2507484533" sldId="264"/>
+            <ac:picMk id="6" creationId="{7FC8DBD0-BD93-4E33-A195-BD82A11B168E}"/>
+          </ac:picMkLst>
+        </pc:picChg>
+      </pc:sldChg>
+      <pc:sldChg chg="addSp">
+        <pc:chgData name="dat nguyen" userId="bb19b3ffa6322b8e" providerId="Windows Live" clId="Web-{014A53ED-EECE-4F38-8310-74A366AD9AA4}" dt="2019-02-01T17:03:55.305" v="642"/>
+        <pc:sldMkLst>
+          <pc:docMk/>
+          <pc:sldMk cId="1991983361" sldId="265"/>
+        </pc:sldMkLst>
+        <pc:picChg chg="add">
+          <ac:chgData name="dat nguyen" userId="bb19b3ffa6322b8e" providerId="Windows Live" clId="Web-{014A53ED-EECE-4F38-8310-74A366AD9AA4}" dt="2019-02-01T17:03:55.305" v="642"/>
+          <ac:picMkLst>
+            <pc:docMk/>
+            <pc:sldMk cId="1991983361" sldId="265"/>
+            <ac:picMk id="7" creationId="{DC1A7BAB-A183-4D65-B54D-4A5F9B37F5EF}"/>
+          </ac:picMkLst>
+        </pc:picChg>
+      </pc:sldChg>
+      <pc:sldChg chg="addSp">
+        <pc:chgData name="dat nguyen" userId="bb19b3ffa6322b8e" providerId="Windows Live" clId="Web-{014A53ED-EECE-4F38-8310-74A366AD9AA4}" dt="2019-02-01T17:04:03.117" v="644"/>
         <pc:sldMkLst>
           <pc:docMk/>
           <pc:sldMk cId="3297602696" sldId="266"/>
         </pc:sldMkLst>
-        <pc:spChg chg="del mod">
-          <ac:chgData name="Guest User" userId="" providerId="Windows Live" clId="Web-{4F678C15-84E6-4D7B-A2A2-35B5A01656B7}" dt="2019-02-01T23:56:31.471" v="2"/>
+        <pc:picChg chg="add">
+          <ac:chgData name="dat nguyen" userId="bb19b3ffa6322b8e" providerId="Windows Live" clId="Web-{014A53ED-EECE-4F38-8310-74A366AD9AA4}" dt="2019-02-01T17:04:03.117" v="644"/>
+          <ac:picMkLst>
+            <pc:docMk/>
+            <pc:sldMk cId="3297602696" sldId="266"/>
+            <ac:picMk id="7" creationId="{D3B12EBB-3AFA-4DAD-9283-3D57DEBD605A}"/>
+          </ac:picMkLst>
+        </pc:picChg>
+      </pc:sldChg>
+      <pc:sldChg chg="addSp">
+        <pc:chgData name="dat nguyen" userId="bb19b3ffa6322b8e" providerId="Windows Live" clId="Web-{014A53ED-EECE-4F38-8310-74A366AD9AA4}" dt="2019-02-01T17:04:07.773" v="646"/>
+        <pc:sldMkLst>
+          <pc:docMk/>
+          <pc:sldMk cId="1534462941" sldId="268"/>
+        </pc:sldMkLst>
+        <pc:picChg chg="add">
+          <ac:chgData name="dat nguyen" userId="bb19b3ffa6322b8e" providerId="Windows Live" clId="Web-{014A53ED-EECE-4F38-8310-74A366AD9AA4}" dt="2019-02-01T17:04:07.773" v="646"/>
+          <ac:picMkLst>
+            <pc:docMk/>
+            <pc:sldMk cId="1534462941" sldId="268"/>
+            <ac:picMk id="7" creationId="{B4FC031A-A31B-4EB2-BB6F-BB1468E5E186}"/>
+          </ac:picMkLst>
+        </pc:picChg>
+      </pc:sldChg>
+      <pc:sldChg chg="addSp">
+        <pc:chgData name="dat nguyen" userId="bb19b3ffa6322b8e" providerId="Windows Live" clId="Web-{014A53ED-EECE-4F38-8310-74A366AD9AA4}" dt="2019-02-01T17:05:34.289" v="648"/>
+        <pc:sldMkLst>
+          <pc:docMk/>
+          <pc:sldMk cId="3490719668" sldId="275"/>
+        </pc:sldMkLst>
+        <pc:picChg chg="add">
+          <ac:chgData name="dat nguyen" userId="bb19b3ffa6322b8e" providerId="Windows Live" clId="Web-{014A53ED-EECE-4F38-8310-74A366AD9AA4}" dt="2019-02-01T17:05:34.289" v="648"/>
+          <ac:picMkLst>
+            <pc:docMk/>
+            <pc:sldMk cId="3490719668" sldId="275"/>
+            <ac:picMk id="6" creationId="{3DF8597C-7847-46F8-B6C0-45B1AAD3A107}"/>
+          </ac:picMkLst>
+        </pc:picChg>
+      </pc:sldChg>
+    </pc:docChg>
+  </pc:docChgLst>
+  <pc:docChgLst>
+    <pc:chgData name="dat nguyen" userId="bb19b3ffa6322b8e" providerId="LiveId" clId="{B99A4877-6C9D-45B9-A2E8-A36064F124A3}"/>
+    <pc:docChg chg="undo custSel addSld modSld">
+      <pc:chgData name="dat nguyen" userId="bb19b3ffa6322b8e" providerId="LiveId" clId="{B99A4877-6C9D-45B9-A2E8-A36064F124A3}" dt="2019-02-10T18:18:44.593" v="170"/>
+      <pc:docMkLst>
+        <pc:docMk/>
+      </pc:docMkLst>
+      <pc:sldChg chg="modSp">
+        <pc:chgData name="dat nguyen" userId="bb19b3ffa6322b8e" providerId="LiveId" clId="{B99A4877-6C9D-45B9-A2E8-A36064F124A3}" dt="2019-02-06T02:38:06.945" v="121" actId="20577"/>
+        <pc:sldMkLst>
+          <pc:docMk/>
+          <pc:sldMk cId="1341931174" sldId="261"/>
+        </pc:sldMkLst>
+        <pc:spChg chg="mod">
+          <ac:chgData name="dat nguyen" userId="bb19b3ffa6322b8e" providerId="LiveId" clId="{B99A4877-6C9D-45B9-A2E8-A36064F124A3}" dt="2019-02-06T02:38:06.945" v="121" actId="20577"/>
           <ac:spMkLst>
             <pc:docMk/>
-            <pc:sldMk cId="3297602696" sldId="266"/>
-            <ac:spMk id="4" creationId="{D2EC1468-C1EB-7E46-902D-67F82860866E}"/>
+            <pc:sldMk cId="1341931174" sldId="261"/>
+            <ac:spMk id="3" creationId="{A763C582-A7AD-7A47-B9A0-1FE093C92060}"/>
+          </ac:spMkLst>
+        </pc:spChg>
+      </pc:sldChg>
+      <pc:sldChg chg="addSp delSp modSp">
+        <pc:chgData name="dat nguyen" userId="bb19b3ffa6322b8e" providerId="LiveId" clId="{B99A4877-6C9D-45B9-A2E8-A36064F124A3}" dt="2019-02-10T18:18:44.593" v="170"/>
+        <pc:sldMkLst>
+          <pc:docMk/>
+          <pc:sldMk cId="3834805635" sldId="277"/>
+        </pc:sldMkLst>
+        <pc:picChg chg="mod">
+          <ac:chgData name="dat nguyen" userId="bb19b3ffa6322b8e" providerId="LiveId" clId="{B99A4877-6C9D-45B9-A2E8-A36064F124A3}" dt="2019-02-10T18:18:22.950" v="167" actId="1076"/>
+          <ac:picMkLst>
+            <pc:docMk/>
+            <pc:sldMk cId="3834805635" sldId="277"/>
+            <ac:picMk id="5" creationId="{A8A64748-5F4F-44AF-9389-59ED22615E9B}"/>
+          </ac:picMkLst>
+        </pc:picChg>
+        <pc:picChg chg="add del mod">
+          <ac:chgData name="dat nguyen" userId="bb19b3ffa6322b8e" providerId="LiveId" clId="{B99A4877-6C9D-45B9-A2E8-A36064F124A3}" dt="2019-02-10T18:18:44.593" v="170"/>
+          <ac:picMkLst>
+            <pc:docMk/>
+            <pc:sldMk cId="3834805635" sldId="277"/>
+            <ac:picMk id="6" creationId="{D25C96ED-6A67-4250-8396-40BABBE8C12D}"/>
+          </ac:picMkLst>
+        </pc:picChg>
+      </pc:sldChg>
+      <pc:sldChg chg="addSp delSp modSp modAnim">
+        <pc:chgData name="dat nguyen" userId="bb19b3ffa6322b8e" providerId="LiveId" clId="{B99A4877-6C9D-45B9-A2E8-A36064F124A3}" dt="2019-02-06T02:42:08.686" v="129" actId="478"/>
+        <pc:sldMkLst>
+          <pc:docMk/>
+          <pc:sldMk cId="1584519945" sldId="283"/>
+        </pc:sldMkLst>
+        <pc:spChg chg="mod">
+          <ac:chgData name="dat nguyen" userId="bb19b3ffa6322b8e" providerId="LiveId" clId="{B99A4877-6C9D-45B9-A2E8-A36064F124A3}" dt="2019-02-06T02:25:23.202" v="11" actId="20577"/>
+          <ac:spMkLst>
+            <pc:docMk/>
+            <pc:sldMk cId="1584519945" sldId="283"/>
+            <ac:spMk id="2" creationId="{7954D10D-0750-447E-AC5A-70AF1F3038F1}"/>
+          </ac:spMkLst>
+        </pc:spChg>
+        <pc:spChg chg="add mod">
+          <ac:chgData name="dat nguyen" userId="bb19b3ffa6322b8e" providerId="LiveId" clId="{B99A4877-6C9D-45B9-A2E8-A36064F124A3}" dt="2019-02-06T02:34:49.403" v="106" actId="1036"/>
+          <ac:spMkLst>
+            <pc:docMk/>
+            <pc:sldMk cId="1584519945" sldId="283"/>
+            <ac:spMk id="7" creationId="{665CC3AB-F755-4097-A06C-133D8502D296}"/>
+          </ac:spMkLst>
+        </pc:spChg>
+        <pc:spChg chg="add mod">
+          <ac:chgData name="dat nguyen" userId="bb19b3ffa6322b8e" providerId="LiveId" clId="{B99A4877-6C9D-45B9-A2E8-A36064F124A3}" dt="2019-02-06T02:28:58.924" v="100" actId="1076"/>
+          <ac:spMkLst>
+            <pc:docMk/>
+            <pc:sldMk cId="1584519945" sldId="283"/>
+            <ac:spMk id="10" creationId="{2B61CAA9-B8F3-4953-BDAF-F4AA1C5C8142}"/>
+          </ac:spMkLst>
+        </pc:spChg>
+        <pc:spChg chg="add mod">
+          <ac:chgData name="dat nguyen" userId="bb19b3ffa6322b8e" providerId="LiveId" clId="{B99A4877-6C9D-45B9-A2E8-A36064F124A3}" dt="2019-02-06T02:42:08.686" v="129" actId="478"/>
+          <ac:spMkLst>
+            <pc:docMk/>
+            <pc:sldMk cId="1584519945" sldId="283"/>
+            <ac:spMk id="12" creationId="{9A82F9AC-0500-4827-950F-CED32711FED7}"/>
+          </ac:spMkLst>
+        </pc:spChg>
+        <pc:picChg chg="del mod">
+          <ac:chgData name="dat nguyen" userId="bb19b3ffa6322b8e" providerId="LiveId" clId="{B99A4877-6C9D-45B9-A2E8-A36064F124A3}" dt="2019-02-06T02:42:08.686" v="129" actId="478"/>
+          <ac:picMkLst>
+            <pc:docMk/>
+            <pc:sldMk cId="1584519945" sldId="283"/>
+            <ac:picMk id="5" creationId="{28C92086-3DCF-415D-8CB8-7DBF828C1059}"/>
+          </ac:picMkLst>
+        </pc:picChg>
+        <pc:picChg chg="add mod">
+          <ac:chgData name="dat nguyen" userId="bb19b3ffa6322b8e" providerId="LiveId" clId="{B99A4877-6C9D-45B9-A2E8-A36064F124A3}" dt="2019-02-06T02:25:35.728" v="16" actId="1076"/>
+          <ac:picMkLst>
+            <pc:docMk/>
+            <pc:sldMk cId="1584519945" sldId="283"/>
+            <ac:picMk id="6" creationId="{BC58F36A-047C-4F2A-BF0E-98292A018052}"/>
+          </ac:picMkLst>
+        </pc:picChg>
+        <pc:picChg chg="add mod">
+          <ac:chgData name="dat nguyen" userId="bb19b3ffa6322b8e" providerId="LiveId" clId="{B99A4877-6C9D-45B9-A2E8-A36064F124A3}" dt="2019-02-06T02:28:56.043" v="99" actId="1076"/>
+          <ac:picMkLst>
+            <pc:docMk/>
+            <pc:sldMk cId="1584519945" sldId="283"/>
+            <ac:picMk id="9" creationId="{3DFE67D1-6639-43DA-939E-72762872DA9D}"/>
+          </ac:picMkLst>
+        </pc:picChg>
+      </pc:sldChg>
+      <pc:sldChg chg="addSp delSp modSp add">
+        <pc:chgData name="dat nguyen" userId="bb19b3ffa6322b8e" providerId="LiveId" clId="{B99A4877-6C9D-45B9-A2E8-A36064F124A3}" dt="2019-02-06T02:45:19.298" v="166" actId="20577"/>
+        <pc:sldMkLst>
+          <pc:docMk/>
+          <pc:sldMk cId="945225168" sldId="284"/>
+        </pc:sldMkLst>
+        <pc:spChg chg="mod">
+          <ac:chgData name="dat nguyen" userId="bb19b3ffa6322b8e" providerId="LiveId" clId="{B99A4877-6C9D-45B9-A2E8-A36064F124A3}" dt="2019-02-06T02:45:19.298" v="166" actId="20577"/>
+          <ac:spMkLst>
+            <pc:docMk/>
+            <pc:sldMk cId="945225168" sldId="284"/>
+            <ac:spMk id="2" creationId="{F50F7250-DBB8-41C6-A248-192D79768227}"/>
+          </ac:spMkLst>
+        </pc:spChg>
+        <pc:spChg chg="del">
+          <ac:chgData name="dat nguyen" userId="bb19b3ffa6322b8e" providerId="LiveId" clId="{B99A4877-6C9D-45B9-A2E8-A36064F124A3}" dt="2019-02-06T02:42:18.524" v="131"/>
+          <ac:spMkLst>
+            <pc:docMk/>
+            <pc:sldMk cId="945225168" sldId="284"/>
+            <ac:spMk id="3" creationId="{494AAD3E-6B8D-48D9-B758-DB6F33850F21}"/>
+          </ac:spMkLst>
+        </pc:spChg>
+        <pc:spChg chg="add mod">
+          <ac:chgData name="dat nguyen" userId="bb19b3ffa6322b8e" providerId="LiveId" clId="{B99A4877-6C9D-45B9-A2E8-A36064F124A3}" dt="2019-02-06T02:44:17.140" v="149" actId="1076"/>
+          <ac:spMkLst>
+            <pc:docMk/>
+            <pc:sldMk cId="945225168" sldId="284"/>
+            <ac:spMk id="9" creationId="{290C7F67-9064-4AFB-AD0A-53D0480EC0A8}"/>
+          </ac:spMkLst>
+        </pc:spChg>
+        <pc:picChg chg="add mod">
+          <ac:chgData name="dat nguyen" userId="bb19b3ffa6322b8e" providerId="LiveId" clId="{B99A4877-6C9D-45B9-A2E8-A36064F124A3}" dt="2019-02-06T02:44:21.766" v="151" actId="1076"/>
+          <ac:picMkLst>
+            <pc:docMk/>
+            <pc:sldMk cId="945225168" sldId="284"/>
+            <ac:picMk id="6" creationId="{67577F12-8338-4F4A-A13B-AD179E965042}"/>
+          </ac:picMkLst>
+        </pc:picChg>
+        <pc:picChg chg="add mod">
+          <ac:chgData name="dat nguyen" userId="bb19b3ffa6322b8e" providerId="LiveId" clId="{B99A4877-6C9D-45B9-A2E8-A36064F124A3}" dt="2019-02-06T02:44:19.865" v="150" actId="1076"/>
+          <ac:picMkLst>
+            <pc:docMk/>
+            <pc:sldMk cId="945225168" sldId="284"/>
+            <ac:picMk id="8" creationId="{ED30635E-E399-408B-8F25-63EAF44B7D21}"/>
+          </ac:picMkLst>
+        </pc:picChg>
+      </pc:sldChg>
+    </pc:docChg>
+  </pc:docChgLst>
+  <pc:docChgLst>
+    <pc:chgData name="Guest User" providerId="Windows Live" clId="Web-{BF7007E2-2AC9-4B49-99AE-FC661F4A572B}"/>
+    <pc:docChg chg="modSld">
+      <pc:chgData name="Guest User" userId="" providerId="Windows Live" clId="Web-{BF7007E2-2AC9-4B49-99AE-FC661F4A572B}" dt="2019-02-01T23:58:38.498" v="10" actId="20577"/>
+      <pc:docMkLst>
+        <pc:docMk/>
+      </pc:docMkLst>
+      <pc:sldChg chg="modSp">
+        <pc:chgData name="Guest User" userId="" providerId="Windows Live" clId="Web-{BF7007E2-2AC9-4B49-99AE-FC661F4A572B}" dt="2019-02-01T23:58:33.389" v="8" actId="20577"/>
+        <pc:sldMkLst>
+          <pc:docMk/>
+          <pc:sldMk cId="3834805635" sldId="277"/>
+        </pc:sldMkLst>
+        <pc:spChg chg="mod">
+          <ac:chgData name="Guest User" userId="" providerId="Windows Live" clId="Web-{BF7007E2-2AC9-4B49-99AE-FC661F4A572B}" dt="2019-02-01T23:58:33.389" v="8" actId="20577"/>
+          <ac:spMkLst>
+            <pc:docMk/>
+            <pc:sldMk cId="3834805635" sldId="277"/>
+            <ac:spMk id="3" creationId="{C1CD848D-6DA5-4C15-9376-CC85482615C9}"/>
+          </ac:spMkLst>
+        </pc:spChg>
+        <pc:picChg chg="mod">
+          <ac:chgData name="Guest User" userId="" providerId="Windows Live" clId="Web-{BF7007E2-2AC9-4B49-99AE-FC661F4A572B}" dt="2019-02-01T23:58:22.779" v="6" actId="14100"/>
+          <ac:picMkLst>
+            <pc:docMk/>
+            <pc:sldMk cId="3834805635" sldId="277"/>
+            <ac:picMk id="7" creationId="{6AEA9CA6-00D7-49C2-A706-6917726D226D}"/>
+          </ac:picMkLst>
+        </pc:picChg>
+      </pc:sldChg>
+    </pc:docChg>
+  </pc:docChgLst>
+  <pc:docChgLst>
+    <pc:chgData name="Fu Zoe" userId="8752382b4a911f22" providerId="Windows Live" clId="Web-{85123743-111C-48FA-AC6F-66FB0F24042A}"/>
+    <pc:docChg chg="addSld delSld modSld">
+      <pc:chgData name="Fu Zoe" userId="8752382b4a911f22" providerId="Windows Live" clId="Web-{85123743-111C-48FA-AC6F-66FB0F24042A}" dt="2019-02-04T17:04:38.526" v="102"/>
+      <pc:docMkLst>
+        <pc:docMk/>
+      </pc:docMkLst>
+      <pc:sldChg chg="addSp delSp modSp">
+        <pc:chgData name="Fu Zoe" userId="8752382b4a911f22" providerId="Windows Live" clId="Web-{85123743-111C-48FA-AC6F-66FB0F24042A}" dt="2019-02-04T17:01:41.410" v="67"/>
+        <pc:sldMkLst>
+          <pc:docMk/>
+          <pc:sldMk cId="1534462941" sldId="268"/>
+        </pc:sldMkLst>
+        <pc:spChg chg="mod">
+          <ac:chgData name="Fu Zoe" userId="8752382b4a911f22" providerId="Windows Live" clId="Web-{85123743-111C-48FA-AC6F-66FB0F24042A}" dt="2019-02-04T17:01:39.972" v="64" actId="20577"/>
+          <ac:spMkLst>
+            <pc:docMk/>
+            <pc:sldMk cId="1534462941" sldId="268"/>
+            <ac:spMk id="2" creationId="{5E85D052-8127-9347-8222-567C3F4BF379}"/>
+          </ac:spMkLst>
+        </pc:spChg>
+        <pc:spChg chg="mod">
+          <ac:chgData name="Fu Zoe" userId="8752382b4a911f22" providerId="Windows Live" clId="Web-{85123743-111C-48FA-AC6F-66FB0F24042A}" dt="2019-02-04T17:01:12.174" v="62" actId="20577"/>
+          <ac:spMkLst>
+            <pc:docMk/>
+            <pc:sldMk cId="1534462941" sldId="268"/>
+            <ac:spMk id="3" creationId="{3BE9A949-F50A-C844-8346-839D03A54FF3}"/>
+          </ac:spMkLst>
+        </pc:spChg>
+        <pc:spChg chg="add del mod">
+          <ac:chgData name="Fu Zoe" userId="8752382b4a911f22" providerId="Windows Live" clId="Web-{85123743-111C-48FA-AC6F-66FB0F24042A}" dt="2019-02-04T17:01:41.410" v="67"/>
+          <ac:spMkLst>
+            <pc:docMk/>
+            <pc:sldMk cId="1534462941" sldId="268"/>
+            <ac:spMk id="5" creationId="{CB9E8E14-47C4-9241-9568-634AB1D48A03}"/>
+          </ac:spMkLst>
+        </pc:spChg>
+      </pc:sldChg>
+      <pc:sldChg chg="addSp delSp modSp new mod setBg">
+        <pc:chgData name="Fu Zoe" userId="8752382b4a911f22" providerId="Windows Live" clId="Web-{85123743-111C-48FA-AC6F-66FB0F24042A}" dt="2019-02-04T17:04:38.526" v="102"/>
+        <pc:sldMkLst>
+          <pc:docMk/>
+          <pc:sldMk cId="2433490376" sldId="282"/>
+        </pc:sldMkLst>
+        <pc:spChg chg="mod">
+          <ac:chgData name="Fu Zoe" userId="8752382b4a911f22" providerId="Windows Live" clId="Web-{85123743-111C-48FA-AC6F-66FB0F24042A}" dt="2019-02-04T17:04:24.791" v="99"/>
+          <ac:spMkLst>
+            <pc:docMk/>
+            <pc:sldMk cId="2433490376" sldId="282"/>
+            <ac:spMk id="2" creationId="{018589E6-3CC0-4E5F-AF7F-C8F0BA53C78C}"/>
+          </ac:spMkLst>
+        </pc:spChg>
+        <pc:spChg chg="add del">
+          <ac:chgData name="Fu Zoe" userId="8752382b4a911f22" providerId="Windows Live" clId="Web-{85123743-111C-48FA-AC6F-66FB0F24042A}" dt="2019-02-04T17:04:33.792" v="101"/>
+          <ac:spMkLst>
+            <pc:docMk/>
+            <pc:sldMk cId="2433490376" sldId="282"/>
+            <ac:spMk id="3" creationId="{51BD50CB-F65A-4030-B922-38F41A1813F1}"/>
+          </ac:spMkLst>
+        </pc:spChg>
+        <pc:spChg chg="mod">
+          <ac:chgData name="Fu Zoe" userId="8752382b4a911f22" providerId="Windows Live" clId="Web-{85123743-111C-48FA-AC6F-66FB0F24042A}" dt="2019-02-04T17:04:24.791" v="99"/>
+          <ac:spMkLst>
+            <pc:docMk/>
+            <pc:sldMk cId="2433490376" sldId="282"/>
+            <ac:spMk id="4" creationId="{063B3ECE-C939-4699-BC47-42878BADA195}"/>
+          </ac:spMkLst>
+        </pc:spChg>
+        <pc:spChg chg="add del">
+          <ac:chgData name="Fu Zoe" userId="8752382b4a911f22" providerId="Windows Live" clId="Web-{85123743-111C-48FA-AC6F-66FB0F24042A}" dt="2019-02-04T17:04:24.791" v="99"/>
+          <ac:spMkLst>
+            <pc:docMk/>
+            <pc:sldMk cId="2433490376" sldId="282"/>
+            <ac:spMk id="10" creationId="{AB45A142-4255-493C-8284-5D566C121B10}"/>
+          </ac:spMkLst>
+        </pc:spChg>
+        <pc:picChg chg="add del mod ord">
+          <ac:chgData name="Fu Zoe" userId="8752382b4a911f22" providerId="Windows Live" clId="Web-{85123743-111C-48FA-AC6F-66FB0F24042A}" dt="2019-02-04T17:04:25.947" v="100"/>
+          <ac:picMkLst>
+            <pc:docMk/>
+            <pc:sldMk cId="2433490376" sldId="282"/>
+            <ac:picMk id="5" creationId="{1E02B763-65B5-4349-AAB8-BC5EB22EA8F2}"/>
+          </ac:picMkLst>
+        </pc:picChg>
+        <pc:picChg chg="add mod ord">
+          <ac:chgData name="Fu Zoe" userId="8752382b4a911f22" providerId="Windows Live" clId="Web-{85123743-111C-48FA-AC6F-66FB0F24042A}" dt="2019-02-04T17:04:33.792" v="101"/>
+          <ac:picMkLst>
+            <pc:docMk/>
+            <pc:sldMk cId="2433490376" sldId="282"/>
+            <ac:picMk id="7" creationId="{96327E33-021F-4E96-808D-791EE64B9E74}"/>
+          </ac:picMkLst>
+        </pc:picChg>
+        <pc:picChg chg="add">
+          <ac:chgData name="Fu Zoe" userId="8752382b4a911f22" providerId="Windows Live" clId="Web-{85123743-111C-48FA-AC6F-66FB0F24042A}" dt="2019-02-04T17:04:38.526" v="102"/>
+          <ac:picMkLst>
+            <pc:docMk/>
+            <pc:sldMk cId="2433490376" sldId="282"/>
+            <ac:picMk id="9" creationId="{6FD5579C-C831-4942-AF91-84DD65FA3FA0}"/>
+          </ac:picMkLst>
+        </pc:picChg>
+        <pc:cxnChg chg="add del">
+          <ac:chgData name="Fu Zoe" userId="8752382b4a911f22" providerId="Windows Live" clId="Web-{85123743-111C-48FA-AC6F-66FB0F24042A}" dt="2019-02-04T17:04:24.791" v="99"/>
+          <ac:cxnSpMkLst>
+            <pc:docMk/>
+            <pc:sldMk cId="2433490376" sldId="282"/>
+            <ac:cxnSpMk id="12" creationId="{38FB9660-F42F-4313-BBC4-47C007FE484C}"/>
+          </ac:cxnSpMkLst>
+        </pc:cxnChg>
+      </pc:sldChg>
+    </pc:docChg>
+  </pc:docChgLst>
+  <pc:docChgLst>
+    <pc:chgData name="Fu Zoe" userId="8752382b4a911f22" providerId="Windows Live" clId="Web-{19B7E30A-2156-43AD-A14F-DB58B4DF6675}"/>
+    <pc:docChg chg="addSld delSld modSld">
+      <pc:chgData name="Fu Zoe" userId="8752382b4a911f22" providerId="Windows Live" clId="Web-{19B7E30A-2156-43AD-A14F-DB58B4DF6675}" dt="2019-02-04T17:13:21.402" v="90" actId="20577"/>
+      <pc:docMkLst>
+        <pc:docMk/>
+      </pc:docMkLst>
+      <pc:sldChg chg="modSp add del">
+        <pc:chgData name="Fu Zoe" userId="8752382b4a911f22" providerId="Windows Live" clId="Web-{19B7E30A-2156-43AD-A14F-DB58B4DF6675}" dt="2019-02-04T17:13:17.291" v="88" actId="20577"/>
+        <pc:sldMkLst>
+          <pc:docMk/>
+          <pc:sldMk cId="3292633072" sldId="272"/>
+        </pc:sldMkLst>
+        <pc:spChg chg="mod">
+          <ac:chgData name="Fu Zoe" userId="8752382b4a911f22" providerId="Windows Live" clId="Web-{19B7E30A-2156-43AD-A14F-DB58B4DF6675}" dt="2019-02-04T17:13:17.291" v="88" actId="20577"/>
+          <ac:spMkLst>
+            <pc:docMk/>
+            <pc:sldMk cId="3292633072" sldId="272"/>
+            <ac:spMk id="3" creationId="{CAA5DA0C-C976-E544-8AC1-D9AF13CFD0B0}"/>
+          </ac:spMkLst>
+        </pc:spChg>
+      </pc:sldChg>
+      <pc:sldChg chg="modSp">
+        <pc:chgData name="Fu Zoe" userId="8752382b4a911f22" providerId="Windows Live" clId="Web-{19B7E30A-2156-43AD-A14F-DB58B4DF6675}" dt="2019-02-04T17:11:13.307" v="44" actId="20577"/>
+        <pc:sldMkLst>
+          <pc:docMk/>
+          <pc:sldMk cId="3973559364" sldId="274"/>
+        </pc:sldMkLst>
+        <pc:spChg chg="mod">
+          <ac:chgData name="Fu Zoe" userId="8752382b4a911f22" providerId="Windows Live" clId="Web-{19B7E30A-2156-43AD-A14F-DB58B4DF6675}" dt="2019-02-04T17:11:13.307" v="44" actId="20577"/>
+          <ac:spMkLst>
+            <pc:docMk/>
+            <pc:sldMk cId="3973559364" sldId="274"/>
+            <ac:spMk id="3" creationId="{223C465A-B74B-C248-AD77-EAB344363F9D}"/>
           </ac:spMkLst>
         </pc:spChg>
       </pc:sldChg>
@@ -1272,7 +1770,7 @@
           <a:p>
             <a:fld id="{DE828411-4A96-9C46-8130-19BC8A3FA18D}" type="datetimeFigureOut">
               <a:rPr lang="en-US" smtClean="0"/>
-              <a:t>2/4/2019</a:t>
+              <a:t>2/10/2019</a:t>
             </a:fld>
             <a:endParaRPr lang="en-US"/>
           </a:p>
@@ -1686,7 +2184,7 @@
           <a:p>
             <a:fld id="{5E26E10A-C15D-D446-A22C-9DF9C6F9A383}" type="datetime1">
               <a:rPr lang="en-US" smtClean="0"/>
-              <a:t>2/4/2019</a:t>
+              <a:t>2/10/2019</a:t>
             </a:fld>
             <a:endParaRPr lang="en-US"/>
           </a:p>
@@ -1884,7 +2382,7 @@
           <a:p>
             <a:fld id="{C0D37E4A-F64E-9E4C-94FD-BFCF9198C302}" type="datetime1">
               <a:rPr lang="en-US" smtClean="0"/>
-              <a:t>2/4/2019</a:t>
+              <a:t>2/10/2019</a:t>
             </a:fld>
             <a:endParaRPr lang="en-US"/>
           </a:p>
@@ -2092,7 +2590,7 @@
           <a:p>
             <a:fld id="{769F20CE-1BB5-1943-88C1-94DE35B92B63}" type="datetime1">
               <a:rPr lang="en-US" smtClean="0"/>
-              <a:t>2/4/2019</a:t>
+              <a:t>2/10/2019</a:t>
             </a:fld>
             <a:endParaRPr lang="en-US"/>
           </a:p>
@@ -2290,7 +2788,7 @@
           <a:p>
             <a:fld id="{E1D6CF2D-CDE5-CF4D-8F73-1156FD61F30D}" type="datetime1">
               <a:rPr lang="en-US" smtClean="0"/>
-              <a:t>2/4/2019</a:t>
+              <a:t>2/10/2019</a:t>
             </a:fld>
             <a:endParaRPr lang="en-US"/>
           </a:p>
@@ -2565,7 +3063,7 @@
           <a:p>
             <a:fld id="{7F22FA09-EF8A-754A-8D29-4BD55DD4A838}" type="datetime1">
               <a:rPr lang="en-US" smtClean="0"/>
-              <a:t>2/4/2019</a:t>
+              <a:t>2/10/2019</a:t>
             </a:fld>
             <a:endParaRPr lang="en-US"/>
           </a:p>
@@ -2830,7 +3328,7 @@
           <a:p>
             <a:fld id="{38797E6A-39AB-824D-A87E-7447E2847899}" type="datetime1">
               <a:rPr lang="en-US" smtClean="0"/>
-              <a:t>2/4/2019</a:t>
+              <a:t>2/10/2019</a:t>
             </a:fld>
             <a:endParaRPr lang="en-US"/>
           </a:p>
@@ -3242,7 +3740,7 @@
           <a:p>
             <a:fld id="{EB6A3F7F-29BA-E846-8510-EE26F48D6885}" type="datetime1">
               <a:rPr lang="en-US" smtClean="0"/>
-              <a:t>2/4/2019</a:t>
+              <a:t>2/10/2019</a:t>
             </a:fld>
             <a:endParaRPr lang="en-US"/>
           </a:p>
@@ -3383,7 +3881,7 @@
           <a:p>
             <a:fld id="{28C09B9C-6A2B-DB40-9E79-0CFDDF84F077}" type="datetime1">
               <a:rPr lang="en-US" smtClean="0"/>
-              <a:t>2/4/2019</a:t>
+              <a:t>2/10/2019</a:t>
             </a:fld>
             <a:endParaRPr lang="en-US"/>
           </a:p>
@@ -3496,7 +3994,7 @@
           <a:p>
             <a:fld id="{1A7DD269-6DC8-0C4E-8ECF-74E7FF45F23C}" type="datetime1">
               <a:rPr lang="en-US" smtClean="0"/>
-              <a:t>2/4/2019</a:t>
+              <a:t>2/10/2019</a:t>
             </a:fld>
             <a:endParaRPr lang="en-US"/>
           </a:p>
@@ -3807,7 +4305,7 @@
           <a:p>
             <a:fld id="{1F6243B7-0522-9A45-BD9D-F69C6309B830}" type="datetime1">
               <a:rPr lang="en-US" smtClean="0"/>
-              <a:t>2/4/2019</a:t>
+              <a:t>2/10/2019</a:t>
             </a:fld>
             <a:endParaRPr lang="en-US"/>
           </a:p>
@@ -4095,7 +4593,7 @@
           <a:p>
             <a:fld id="{A4F011DC-A470-D74F-89C7-DAE7EA19649B}" type="datetime1">
               <a:rPr lang="en-US" smtClean="0"/>
-              <a:t>2/4/2019</a:t>
+              <a:t>2/10/2019</a:t>
             </a:fld>
             <a:endParaRPr lang="en-US"/>
           </a:p>
@@ -4336,7 +4834,7 @@
           <a:p>
             <a:fld id="{05A6232C-D57C-4046-85B7-72797856E0D5}" type="datetime1">
               <a:rPr lang="en-US" smtClean="0"/>
-              <a:t>2/4/2019</a:t>
+              <a:t>2/10/2019</a:t>
             </a:fld>
             <a:endParaRPr lang="en-US"/>
           </a:p>
@@ -4823,7 +5321,7 @@
           <a:lstStyle/>
           <a:p>
             <a:pPr algn="ctr"/>
-            <a:endParaRPr lang="en-US"/>
+            <a:endParaRPr lang="en-US" dirty="0"/>
           </a:p>
         </p:txBody>
       </p:sp>
@@ -4857,24 +5355,17 @@
           <a:p>
             <a:pPr algn="r"/>
             <a:r>
-              <a:rPr lang="en-US" sz="4400" kern="1200">
-                <a:solidFill>
-                  <a:schemeClr val="accent1"/>
-                </a:solidFill>
-                <a:latin typeface="+mj-lt"/>
-                <a:ea typeface="+mj-ea"/>
-                <a:cs typeface="+mj-cs"/>
-              </a:rPr>
-              <a:t>SimFlow</a:t>
-            </a:r>
-            <a:br>
-              <a:rPr lang="en-US" sz="4400" kern="1200" dirty="0">
+              <a:rPr lang="en-US" sz="4400" dirty="0">
                 <a:ea typeface="+mj-lt"/>
                 <a:cs typeface="+mj-lt"/>
               </a:rPr>
+              <a:t>City Traffic Simulator</a:t>
+            </a:r>
+            <a:br>
+              <a:rPr lang="en-US" dirty="0"/>
             </a:br>
             <a:r>
-              <a:rPr lang="en-US" sz="2500" kern="1200">
+              <a:rPr lang="en-US" sz="2500" kern="1200" dirty="0">
                 <a:solidFill>
                   <a:schemeClr val="accent1"/>
                 </a:solidFill>
@@ -4972,7 +5463,7 @@
           <a:p>
             <a:pPr algn="l"/>
             <a:r>
-              <a:rPr lang="en-US"/>
+              <a:rPr lang="en-US" dirty="0"/>
               <a:t>Team Members</a:t>
             </a:r>
           </a:p>
@@ -4982,10 +5473,10 @@
               <a:buChar char="•"/>
             </a:pPr>
             <a:r>
-              <a:rPr lang="en-US"/>
+              <a:rPr lang="en-US" dirty="0"/>
               <a:t>Zoe Fu </a:t>
             </a:r>
-            <a:endParaRPr lang="en-US">
+            <a:endParaRPr lang="en-US" dirty="0">
               <a:cs typeface="Calibri"/>
             </a:endParaRPr>
           </a:p>
@@ -4995,10 +5486,10 @@
               <a:buChar char="•"/>
             </a:pPr>
             <a:r>
-              <a:rPr lang="en-US"/>
+              <a:rPr lang="en-US" dirty="0"/>
               <a:t>Dat Nguyen</a:t>
             </a:r>
-            <a:endParaRPr lang="en-US">
+            <a:endParaRPr lang="en-US" dirty="0">
               <a:cs typeface="Calibri"/>
             </a:endParaRPr>
           </a:p>
@@ -5008,10 +5499,10 @@
               <a:buChar char="•"/>
             </a:pPr>
             <a:r>
-              <a:rPr lang="en-US"/>
-              <a:t>Ried Stagemeyer</a:t>
-            </a:r>
-            <a:endParaRPr lang="en-US">
+              <a:rPr lang="en-US" dirty="0"/>
+              <a:t>Reid Stagemeyer</a:t>
+            </a:r>
+            <a:endParaRPr lang="en-US" dirty="0">
               <a:cs typeface="Calibri"/>
             </a:endParaRPr>
           </a:p>
@@ -5020,7 +5511,7 @@
               <a:buFont typeface="Arial" panose="020B0604020202020204" pitchFamily="34" charset="0"/>
               <a:buChar char="•"/>
             </a:pPr>
-            <a:endParaRPr lang="en-US"/>
+            <a:endParaRPr lang="en-US" dirty="0"/>
           </a:p>
         </p:txBody>
       </p:sp>
@@ -5072,7 +5563,7 @@
               </a:pPr>
               <a:t>1</a:t>
             </a:fld>
-            <a:endParaRPr lang="en-US" sz="1050">
+            <a:endParaRPr lang="en-US" sz="1050" dirty="0">
               <a:solidFill>
                 <a:schemeClr val="tx1">
                   <a:alpha val="80000"/>
@@ -5084,10 +5575,10 @@
       </p:sp>
       <p:pic>
         <p:nvPicPr>
-          <p:cNvPr id="5" name="Picture 5">
-            <a:extLst>
-              <a:ext uri="{FF2B5EF4-FFF2-40B4-BE49-F238E27FC236}">
-                <a16:creationId xmlns:a16="http://schemas.microsoft.com/office/drawing/2014/main" id="{FF9CEFB3-2964-4D82-AC2E-0ECFD46F6B70}"/>
+          <p:cNvPr id="6" name="Picture 6" descr="A close up of a sign&#10;&#10;Description generated with very high confidence">
+            <a:extLst>
+              <a:ext uri="{FF2B5EF4-FFF2-40B4-BE49-F238E27FC236}">
+                <a16:creationId xmlns:a16="http://schemas.microsoft.com/office/drawing/2014/main" id="{830320D3-85B8-47E9-B2E5-056447614EE5}"/>
               </a:ext>
             </a:extLst>
           </p:cNvPr>
@@ -5104,8 +5595,8 @@
         </p:blipFill>
         <p:spPr>
           <a:xfrm>
-            <a:off x="410482" y="392906"/>
-            <a:ext cx="857783" cy="857783"/>
+            <a:off x="487795" y="412750"/>
+            <a:ext cx="1750512" cy="1750512"/>
           </a:xfrm>
           <a:prstGeom prst="rect">
             <a:avLst/>
@@ -5165,7 +5656,7 @@
           <a:p>
             <a:r>
               <a:rPr lang="en-US" dirty="0"/>
-              <a:t>Nonfunctional Requirements</a:t>
+              <a:t>Functional Requirements</a:t>
             </a:r>
           </a:p>
         </p:txBody>
@@ -5189,26 +5680,38 @@
         <p:spPr/>
         <p:txBody>
           <a:bodyPr vert="horz" lIns="91440" tIns="45720" rIns="91440" bIns="45720" rtlCol="0" anchor="t">
-            <a:normAutofit lnSpcReduction="10000"/>
+            <a:normAutofit/>
           </a:bodyPr>
           <a:lstStyle/>
           <a:p>
             <a:r>
               <a:rPr lang="en-US" dirty="0"/>
-              <a:t>N1: Usability</a:t>
-            </a:r>
-          </a:p>
-          <a:p>
+              <a:t>F5 Allow user to change the number of cars.</a:t>
+            </a:r>
+          </a:p>
+          <a:p>
+            <a:endParaRPr lang="en-US" dirty="0"/>
+          </a:p>
+          <a:p>
+            <a:r>
+              <a:rPr lang="en-US" dirty="0"/>
+              <a:t>F6 Allow user to change start/end locations for each car.</a:t>
+            </a:r>
             <a:endParaRPr lang="en-US" dirty="0">
               <a:cs typeface="Calibri"/>
             </a:endParaRPr>
           </a:p>
           <a:p>
+            <a:endParaRPr lang="en-US" dirty="0">
+              <a:cs typeface="Calibri"/>
+            </a:endParaRPr>
+          </a:p>
+          <a:p>
             <a:r>
               <a:rPr lang="en-US" dirty="0">
                 <a:cs typeface="Calibri"/>
               </a:rPr>
-              <a:t>N2: Reliability</a:t>
+              <a:t>F7 Make the map layout customizable </a:t>
             </a:r>
           </a:p>
           <a:p>
@@ -5217,44 +5720,10 @@
             </a:endParaRPr>
           </a:p>
           <a:p>
-            <a:r>
-              <a:rPr lang="en-US" dirty="0">
-                <a:cs typeface="Calibri"/>
-              </a:rPr>
-              <a:t>N3: Performance</a:t>
-            </a:r>
-          </a:p>
-          <a:p>
             <a:endParaRPr lang="en-US" dirty="0">
               <a:cs typeface="Calibri"/>
             </a:endParaRPr>
           </a:p>
-          <a:p>
-            <a:r>
-              <a:rPr lang="en-US" dirty="0">
-                <a:cs typeface="Calibri"/>
-              </a:rPr>
-              <a:t>N4: Supportability</a:t>
-            </a:r>
-          </a:p>
-          <a:p>
-            <a:endParaRPr lang="en-US" dirty="0">
-              <a:cs typeface="Calibri"/>
-            </a:endParaRPr>
-          </a:p>
-          <a:p>
-            <a:r>
-              <a:rPr lang="en-US" dirty="0">
-                <a:cs typeface="Calibri"/>
-              </a:rPr>
-              <a:t>N5: Implementation </a:t>
-            </a:r>
-          </a:p>
-          <a:p>
-            <a:endParaRPr lang="en-US">
-              <a:cs typeface="Calibri" panose="020F0502020204030204"/>
-            </a:endParaRPr>
-          </a:p>
         </p:txBody>
       </p:sp>
       <p:sp>
@@ -5262,7 +5731,7 @@
           <p:cNvPr id="5" name="Slide Number Placeholder 4">
             <a:extLst>
               <a:ext uri="{FF2B5EF4-FFF2-40B4-BE49-F238E27FC236}">
-                <a16:creationId xmlns:a16="http://schemas.microsoft.com/office/drawing/2014/main" id="{03EB39CE-C7A6-7547-B4B0-7BD4C909923C}"/>
+                <a16:creationId xmlns:a16="http://schemas.microsoft.com/office/drawing/2014/main" id="{D6D7A092-D479-A340-8ED3-922BBC4364E3}"/>
               </a:ext>
             </a:extLst>
           </p:cNvPr>
@@ -5282,44 +5751,14 @@
               <a:rPr lang="en-US" smtClean="0"/>
               <a:t>10</a:t>
             </a:fld>
-            <a:endParaRPr lang="en-US"/>
-          </a:p>
-        </p:txBody>
-      </p:sp>
-      <p:pic>
-        <p:nvPicPr>
-          <p:cNvPr id="7" name="Picture 6">
-            <a:extLst>
-              <a:ext uri="{FF2B5EF4-FFF2-40B4-BE49-F238E27FC236}">
-                <a16:creationId xmlns:a16="http://schemas.microsoft.com/office/drawing/2014/main" id="{D3B12EBB-3AFA-4DAD-9283-3D57DEBD605A}"/>
-              </a:ext>
-            </a:extLst>
-          </p:cNvPr>
-          <p:cNvPicPr>
-            <a:picLocks noChangeAspect="1"/>
-          </p:cNvPicPr>
-          <p:nvPr/>
-        </p:nvPicPr>
-        <p:blipFill>
-          <a:blip r:embed="rId2"/>
-          <a:stretch>
-            <a:fillRect/>
-          </a:stretch>
-        </p:blipFill>
-        <p:spPr>
-          <a:xfrm>
-            <a:off x="108857" y="165364"/>
-            <a:ext cx="857783" cy="857783"/>
-          </a:xfrm>
-          <a:prstGeom prst="rect">
-            <a:avLst/>
-          </a:prstGeom>
-        </p:spPr>
-      </p:pic>
+            <a:endParaRPr lang="en-US" dirty="0"/>
+          </a:p>
+        </p:txBody>
+      </p:sp>
     </p:spTree>
     <p:extLst>
       <p:ext uri="{BB962C8B-B14F-4D97-AF65-F5344CB8AC3E}">
-        <p14:creationId xmlns:p14="http://schemas.microsoft.com/office/powerpoint/2010/main" val="3297602696"/>
+        <p14:creationId xmlns:p14="http://schemas.microsoft.com/office/powerpoint/2010/main" val="3795891178"/>
       </p:ext>
     </p:extLst>
   </p:cSld>
@@ -5351,7 +5790,7 @@
           <p:cNvPr id="2" name="Title 1">
             <a:extLst>
               <a:ext uri="{FF2B5EF4-FFF2-40B4-BE49-F238E27FC236}">
-                <a16:creationId xmlns:a16="http://schemas.microsoft.com/office/drawing/2014/main" id="{7DECD5C5-E468-4DCC-9BB7-CCA0A9CFD823}"/>
+                <a16:creationId xmlns:a16="http://schemas.microsoft.com/office/drawing/2014/main" id="{71DBD2D0-E504-4E46-B672-425972770860}"/>
               </a:ext>
             </a:extLst>
           </p:cNvPr>
@@ -5362,91 +5801,117 @@
             <p:ph type="title"/>
           </p:nvPr>
         </p:nvSpPr>
-        <p:spPr>
-          <a:xfrm>
-            <a:off x="838200" y="365125"/>
-            <a:ext cx="10515600" cy="1325563"/>
-          </a:xfrm>
-        </p:spPr>
+        <p:spPr/>
         <p:txBody>
           <a:bodyPr/>
           <a:lstStyle/>
           <a:p>
             <a:r>
+              <a:rPr lang="en-US" dirty="0"/>
+              <a:t>Overview</a:t>
+            </a:r>
+          </a:p>
+        </p:txBody>
+      </p:sp>
+      <p:sp>
+        <p:nvSpPr>
+          <p:cNvPr id="3" name="Content Placeholder 2">
+            <a:extLst>
+              <a:ext uri="{FF2B5EF4-FFF2-40B4-BE49-F238E27FC236}">
+                <a16:creationId xmlns:a16="http://schemas.microsoft.com/office/drawing/2014/main" id="{97721FA8-877C-0D43-AF19-4C75EECB089A}"/>
+              </a:ext>
+            </a:extLst>
+          </p:cNvPr>
+          <p:cNvSpPr>
+            <a:spLocks noGrp="1"/>
+          </p:cNvSpPr>
+          <p:nvPr>
+            <p:ph idx="1"/>
+          </p:nvPr>
+        </p:nvSpPr>
+        <p:spPr/>
+        <p:txBody>
+          <a:bodyPr>
+            <a:normAutofit lnSpcReduction="10000"/>
+          </a:bodyPr>
+          <a:lstStyle/>
+          <a:p>
+            <a:r>
               <a:rPr lang="en-US" dirty="0">
-                <a:cs typeface="Calibri Light"/>
+                <a:solidFill>
+                  <a:schemeClr val="bg1">
+                    <a:lumMod val="50000"/>
+                  </a:schemeClr>
+                </a:solidFill>
               </a:rPr>
-              <a:t>N1: Usability</a:t>
-            </a:r>
+              <a:t>Project Description</a:t>
+            </a:r>
+          </a:p>
+          <a:p>
+            <a:endParaRPr lang="en-US" dirty="0">
+              <a:solidFill>
+                <a:schemeClr val="bg1">
+                  <a:lumMod val="50000"/>
+                </a:schemeClr>
+              </a:solidFill>
+            </a:endParaRPr>
+          </a:p>
+          <a:p>
+            <a:r>
+              <a:rPr lang="en-US" dirty="0">
+                <a:solidFill>
+                  <a:schemeClr val="bg1">
+                    <a:lumMod val="50000"/>
+                  </a:schemeClr>
+                </a:solidFill>
+              </a:rPr>
+              <a:t>Functional Requirements</a:t>
+            </a:r>
+          </a:p>
+          <a:p>
             <a:endParaRPr lang="en-US" dirty="0"/>
           </a:p>
-        </p:txBody>
-      </p:sp>
-      <p:sp>
-        <p:nvSpPr>
-          <p:cNvPr id="3" name="Content Placeholder 2">
-            <a:extLst>
-              <a:ext uri="{FF2B5EF4-FFF2-40B4-BE49-F238E27FC236}">
-                <a16:creationId xmlns:a16="http://schemas.microsoft.com/office/drawing/2014/main" id="{CF701C10-8135-4DB3-A6C8-77FFE1206DD8}"/>
-              </a:ext>
-            </a:extLst>
-          </p:cNvPr>
-          <p:cNvSpPr>
-            <a:spLocks noGrp="1"/>
-          </p:cNvSpPr>
-          <p:nvPr>
-            <p:ph idx="1"/>
-          </p:nvPr>
-        </p:nvSpPr>
-        <p:spPr>
-          <a:xfrm>
-            <a:off x="838200" y="1825625"/>
-            <a:ext cx="10515600" cy="4351338"/>
-          </a:xfrm>
-        </p:spPr>
-        <p:txBody>
-          <a:bodyPr vert="horz" lIns="91440" tIns="45720" rIns="91440" bIns="45720" rtlCol="0" anchor="t">
-            <a:normAutofit/>
-          </a:bodyPr>
-          <a:lstStyle/>
+          <a:p>
+            <a:r>
+              <a:rPr lang="en-US" dirty="0"/>
+              <a:t>Nonfunctional Requirements</a:t>
+            </a:r>
+          </a:p>
+          <a:p>
+            <a:endParaRPr lang="en-US" dirty="0"/>
+          </a:p>
           <a:p>
             <a:r>
               <a:rPr lang="en-US" dirty="0">
-                <a:cs typeface="Calibri"/>
+                <a:solidFill>
+                  <a:schemeClr val="bg1">
+                    <a:lumMod val="50000"/>
+                  </a:schemeClr>
+                </a:solidFill>
               </a:rPr>
-              <a:t>Provide statistical summary</a:t>
+              <a:t>Use Cases</a:t>
             </a:r>
           </a:p>
           <a:p>
             <a:endParaRPr lang="en-US" dirty="0">
-              <a:cs typeface="Calibri"/>
+              <a:solidFill>
+                <a:schemeClr val="bg1">
+                  <a:lumMod val="50000"/>
+                </a:schemeClr>
+              </a:solidFill>
             </a:endParaRPr>
           </a:p>
           <a:p>
             <a:r>
               <a:rPr lang="en-US" dirty="0">
-                <a:cs typeface="Calibri"/>
+                <a:solidFill>
+                  <a:schemeClr val="bg1">
+                    <a:lumMod val="50000"/>
+                  </a:schemeClr>
+                </a:solidFill>
               </a:rPr>
-              <a:t>Desktop application supported (Java applet)</a:t>
-            </a:r>
-          </a:p>
-          <a:p>
-            <a:endParaRPr lang="en-US" dirty="0">
-              <a:cs typeface="Calibri"/>
-            </a:endParaRPr>
-          </a:p>
-          <a:p>
-            <a:r>
-              <a:rPr lang="en-US" dirty="0">
-                <a:cs typeface="Calibri"/>
-              </a:rPr>
-              <a:t> Visualization </a:t>
-            </a:r>
-          </a:p>
-          <a:p>
-            <a:endParaRPr lang="en-US" dirty="0">
-              <a:cs typeface="Calibri"/>
-            </a:endParaRPr>
+              <a:t>Reflection </a:t>
+            </a:r>
           </a:p>
         </p:txBody>
       </p:sp>
@@ -5455,7 +5920,7 @@
           <p:cNvPr id="4" name="Slide Number Placeholder 3">
             <a:extLst>
               <a:ext uri="{FF2B5EF4-FFF2-40B4-BE49-F238E27FC236}">
-                <a16:creationId xmlns:a16="http://schemas.microsoft.com/office/drawing/2014/main" id="{993F8206-90F3-4BF4-AA65-59E99676B461}"/>
+                <a16:creationId xmlns:a16="http://schemas.microsoft.com/office/drawing/2014/main" id="{6166E7A2-0952-9A4F-AC02-5897DB3FB725}"/>
               </a:ext>
             </a:extLst>
           </p:cNvPr>
@@ -5466,12 +5931,7 @@
             <p:ph type="sldNum" sz="quarter" idx="12"/>
           </p:nvPr>
         </p:nvSpPr>
-        <p:spPr>
-          <a:xfrm>
-            <a:off x="8610600" y="6356350"/>
-            <a:ext cx="2743200" cy="365125"/>
-          </a:xfrm>
-        </p:spPr>
+        <p:spPr/>
         <p:txBody>
           <a:bodyPr/>
           <a:lstStyle/>
@@ -5480,44 +5940,14 @@
               <a:rPr lang="en-US" smtClean="0"/>
               <a:t>11</a:t>
             </a:fld>
-            <a:endParaRPr lang="en-US"/>
-          </a:p>
-        </p:txBody>
-      </p:sp>
-      <p:pic>
-        <p:nvPicPr>
-          <p:cNvPr id="7" name="Picture 6" descr="A picture containing object&#10;&#10;Description generated with high confidence">
-            <a:extLst>
-              <a:ext uri="{FF2B5EF4-FFF2-40B4-BE49-F238E27FC236}">
-                <a16:creationId xmlns:a16="http://schemas.microsoft.com/office/drawing/2014/main" id="{C4680358-EED7-47D4-81FE-2F4BA940770D}"/>
-              </a:ext>
-            </a:extLst>
-          </p:cNvPr>
-          <p:cNvPicPr>
-            <a:picLocks noChangeAspect="1"/>
-          </p:cNvPicPr>
-          <p:nvPr/>
-        </p:nvPicPr>
-        <p:blipFill>
-          <a:blip r:embed="rId2"/>
-          <a:stretch>
-            <a:fillRect/>
-          </a:stretch>
-        </p:blipFill>
-        <p:spPr>
-          <a:xfrm>
-            <a:off x="108857" y="165364"/>
-            <a:ext cx="857783" cy="857783"/>
-          </a:xfrm>
-          <a:prstGeom prst="rect">
-            <a:avLst/>
-          </a:prstGeom>
-        </p:spPr>
-      </p:pic>
+            <a:endParaRPr lang="en-US" dirty="0"/>
+          </a:p>
+        </p:txBody>
+      </p:sp>
     </p:spTree>
     <p:extLst>
       <p:ext uri="{BB962C8B-B14F-4D97-AF65-F5344CB8AC3E}">
-        <p14:creationId xmlns:p14="http://schemas.microsoft.com/office/powerpoint/2010/main" val="1483745631"/>
+        <p14:creationId xmlns:p14="http://schemas.microsoft.com/office/powerpoint/2010/main" val="3019500255"/>
       </p:ext>
     </p:extLst>
   </p:cSld>
@@ -5530,14 +5960,6 @@
 <file path=ppt/slides/slide12.xml><?xml version="1.0" encoding="utf-8"?>
 <p:sld xmlns:a="http://schemas.openxmlformats.org/drawingml/2006/main" xmlns:r="http://schemas.openxmlformats.org/officeDocument/2006/relationships" xmlns:p="http://schemas.openxmlformats.org/presentationml/2006/main">
   <p:cSld>
-    <p:bg>
-      <p:bgPr>
-        <a:solidFill>
-          <a:schemeClr val="bg1"/>
-        </a:solidFill>
-        <a:effectLst/>
-      </p:bgPr>
-    </p:bg>
     <p:spTree>
       <p:nvGrpSpPr>
         <p:cNvPr id="1" name=""/>
@@ -5557,7 +5979,7 @@
           <p:cNvPr id="2" name="Title 1">
             <a:extLst>
               <a:ext uri="{FF2B5EF4-FFF2-40B4-BE49-F238E27FC236}">
-                <a16:creationId xmlns:a16="http://schemas.microsoft.com/office/drawing/2014/main" id="{0AC32B30-E9B9-4637-B998-766CE79344BA}"/>
+                <a16:creationId xmlns:a16="http://schemas.microsoft.com/office/drawing/2014/main" id="{96498DBC-81BD-7949-8D5D-BE6819BEF92B}"/>
               </a:ext>
             </a:extLst>
           </p:cNvPr>
@@ -5568,178 +5990,111 @@
             <p:ph type="title"/>
           </p:nvPr>
         </p:nvSpPr>
-        <p:spPr>
-          <a:xfrm>
-            <a:off x="838200" y="365125"/>
-            <a:ext cx="10515600" cy="1325563"/>
-          </a:xfrm>
-        </p:spPr>
-        <p:txBody>
-          <a:bodyPr>
-            <a:normAutofit/>
+        <p:spPr/>
+        <p:txBody>
+          <a:bodyPr/>
+          <a:lstStyle/>
+          <a:p>
+            <a:r>
+              <a:rPr lang="en-US" dirty="0"/>
+              <a:t>Nonfunctional Requirements</a:t>
+            </a:r>
+          </a:p>
+        </p:txBody>
+      </p:sp>
+      <p:sp>
+        <p:nvSpPr>
+          <p:cNvPr id="3" name="Content Placeholder 2">
+            <a:extLst>
+              <a:ext uri="{FF2B5EF4-FFF2-40B4-BE49-F238E27FC236}">
+                <a16:creationId xmlns:a16="http://schemas.microsoft.com/office/drawing/2014/main" id="{0AEA12F3-B1F8-4D40-AA30-26988B37E085}"/>
+              </a:ext>
+            </a:extLst>
+          </p:cNvPr>
+          <p:cNvSpPr>
+            <a:spLocks noGrp="1"/>
+          </p:cNvSpPr>
+          <p:nvPr>
+            <p:ph idx="1"/>
+          </p:nvPr>
+        </p:nvSpPr>
+        <p:spPr/>
+        <p:txBody>
+          <a:bodyPr vert="horz" lIns="91440" tIns="45720" rIns="91440" bIns="45720" rtlCol="0" anchor="t">
+            <a:normAutofit lnSpcReduction="10000"/>
           </a:bodyPr>
           <a:lstStyle/>
           <a:p>
             <a:r>
+              <a:rPr lang="en-US" dirty="0"/>
+              <a:t>N1: Usability</a:t>
+            </a:r>
+          </a:p>
+          <a:p>
+            <a:endParaRPr lang="en-US" dirty="0">
+              <a:cs typeface="Calibri"/>
+            </a:endParaRPr>
+          </a:p>
+          <a:p>
+            <a:r>
               <a:rPr lang="en-US" dirty="0">
-                <a:cs typeface="Calibri Light"/>
-              </a:rPr>
-              <a:t>N2: Reliability </a:t>
-            </a:r>
-          </a:p>
-        </p:txBody>
-      </p:sp>
-      <p:sp>
-        <p:nvSpPr>
-          <p:cNvPr id="3" name="Content Placeholder 2">
-            <a:extLst>
-              <a:ext uri="{FF2B5EF4-FFF2-40B4-BE49-F238E27FC236}">
-                <a16:creationId xmlns:a16="http://schemas.microsoft.com/office/drawing/2014/main" id="{C1CD848D-6DA5-4C15-9376-CC85482615C9}"/>
-              </a:ext>
-            </a:extLst>
-          </p:cNvPr>
-          <p:cNvSpPr>
-            <a:spLocks noGrp="1"/>
-          </p:cNvSpPr>
-          <p:nvPr>
-            <p:ph idx="1"/>
-          </p:nvPr>
-        </p:nvSpPr>
-        <p:spPr>
-          <a:xfrm>
-            <a:off x="838200" y="1825625"/>
-            <a:ext cx="3797807" cy="4351338"/>
-          </a:xfrm>
-        </p:spPr>
-        <p:txBody>
-          <a:bodyPr vert="horz" lIns="91440" tIns="45720" rIns="91440" bIns="45720" rtlCol="0" anchor="t">
-            <a:noAutofit/>
-          </a:bodyPr>
-          <a:lstStyle/>
-          <a:p>
-            <a:r>
-              <a:rPr lang="en-US" sz="2600" dirty="0">
                 <a:cs typeface="Calibri"/>
               </a:rPr>
-              <a:t>Start/end points should on the map</a:t>
-            </a:r>
-            <a:endParaRPr lang="en-US" sz="2600">
+              <a:t>N2: Reliability</a:t>
+            </a:r>
+          </a:p>
+          <a:p>
+            <a:endParaRPr lang="en-US" dirty="0">
               <a:cs typeface="Calibri"/>
             </a:endParaRPr>
           </a:p>
           <a:p>
-            <a:endParaRPr lang="en-US" sz="2600" dirty="0">
+            <a:r>
+              <a:rPr lang="en-US" dirty="0">
+                <a:cs typeface="Calibri"/>
+              </a:rPr>
+              <a:t>N3: Performance</a:t>
+            </a:r>
+          </a:p>
+          <a:p>
+            <a:endParaRPr lang="en-US" dirty="0">
               <a:cs typeface="Calibri"/>
             </a:endParaRPr>
           </a:p>
           <a:p>
             <a:r>
-              <a:rPr lang="en-US" sz="2600" dirty="0">
+              <a:rPr lang="en-US" dirty="0">
                 <a:cs typeface="Calibri"/>
               </a:rPr>
-              <a:t>Car moves along the road </a:t>
-            </a:r>
-          </a:p>
-          <a:p>
-            <a:endParaRPr lang="en-US" sz="2600" dirty="0">
+              <a:t>N4: Supportability</a:t>
+            </a:r>
+          </a:p>
+          <a:p>
+            <a:endParaRPr lang="en-US" dirty="0">
               <a:cs typeface="Calibri"/>
             </a:endParaRPr>
           </a:p>
           <a:p>
             <a:r>
-              <a:rPr lang="en-US" sz="2600" dirty="0">
+              <a:rPr lang="en-US" dirty="0">
                 <a:cs typeface="Calibri"/>
               </a:rPr>
-              <a:t>One and only one traffic component per intersection</a:t>
-            </a:r>
-            <a:endParaRPr lang="en-US" sz="2600" dirty="0"/>
-          </a:p>
-          <a:p>
-            <a:endParaRPr lang="en-US" sz="1100">
+              <a:t>N5: Implementation </a:t>
+            </a:r>
+          </a:p>
+          <a:p>
+            <a:endParaRPr lang="en-US" dirty="0">
               <a:cs typeface="Calibri"/>
             </a:endParaRPr>
           </a:p>
-          <a:p>
-            <a:endParaRPr lang="en-US" sz="1100">
-              <a:cs typeface="Calibri"/>
-            </a:endParaRPr>
-          </a:p>
-          <a:p>
-            <a:endParaRPr lang="en-US" sz="1100">
-              <a:cs typeface="Calibri"/>
-            </a:endParaRPr>
-          </a:p>
-          <a:p>
-            <a:endParaRPr lang="en-US" sz="1100">
-              <a:cs typeface="Calibri"/>
-            </a:endParaRPr>
-          </a:p>
-          <a:p>
-            <a:endParaRPr lang="en-US" sz="1100">
-              <a:cs typeface="Calibri"/>
-            </a:endParaRPr>
-          </a:p>
-          <a:p>
-            <a:pPr marL="0" indent="0">
-              <a:buNone/>
-            </a:pPr>
-            <a:endParaRPr lang="en-US" sz="1100">
-              <a:cs typeface="Calibri"/>
-            </a:endParaRPr>
-          </a:p>
-          <a:p>
-            <a:pPr marL="0" indent="0">
-              <a:buNone/>
-            </a:pPr>
-            <a:endParaRPr lang="en-US" sz="1100">
-              <a:cs typeface="Calibri"/>
-            </a:endParaRPr>
-          </a:p>
-          <a:p>
-            <a:pPr marL="0" indent="0">
-              <a:buNone/>
-            </a:pPr>
-            <a:endParaRPr lang="en-US" sz="1100" dirty="0">
-              <a:cs typeface="Calibri"/>
-            </a:endParaRPr>
-          </a:p>
-        </p:txBody>
-      </p:sp>
-      <p:pic>
-        <p:nvPicPr>
-          <p:cNvPr id="5" name="Picture 7" descr="A picture containing grass, fence, building&#10;&#10;Description generated with very high confidence">
-            <a:extLst>
-              <a:ext uri="{FF2B5EF4-FFF2-40B4-BE49-F238E27FC236}">
-                <a16:creationId xmlns:a16="http://schemas.microsoft.com/office/drawing/2014/main" id="{A8A64748-5F4F-44AF-9389-59ED22615E9B}"/>
-              </a:ext>
-            </a:extLst>
-          </p:cNvPr>
-          <p:cNvPicPr>
-            <a:picLocks noChangeAspect="1"/>
-          </p:cNvPicPr>
-          <p:nvPr/>
-        </p:nvPicPr>
-        <p:blipFill rotWithShape="1">
-          <a:blip r:embed="rId2"/>
-          <a:srcRect t="4431" r="1" b="4173"/>
-          <a:stretch/>
-        </p:blipFill>
-        <p:spPr>
-          <a:xfrm>
-            <a:off x="5120640" y="1904281"/>
-            <a:ext cx="6233160" cy="4272681"/>
-          </a:xfrm>
-          <a:prstGeom prst="rect">
-            <a:avLst/>
-          </a:prstGeom>
-        </p:spPr>
-      </p:pic>
-      <p:sp>
-        <p:nvSpPr>
-          <p:cNvPr id="4" name="Slide Number Placeholder 3">
-            <a:extLst>
-              <a:ext uri="{FF2B5EF4-FFF2-40B4-BE49-F238E27FC236}">
-                <a16:creationId xmlns:a16="http://schemas.microsoft.com/office/drawing/2014/main" id="{5DC5D889-E77F-4160-B690-AF29F5023AE7}"/>
+        </p:txBody>
+      </p:sp>
+      <p:sp>
+        <p:nvSpPr>
+          <p:cNvPr id="5" name="Slide Number Placeholder 4">
+            <a:extLst>
+              <a:ext uri="{FF2B5EF4-FFF2-40B4-BE49-F238E27FC236}">
+                <a16:creationId xmlns:a16="http://schemas.microsoft.com/office/drawing/2014/main" id="{03EB39CE-C7A6-7547-B4B0-7BD4C909923C}"/>
               </a:ext>
             </a:extLst>
           </p:cNvPr>
@@ -5750,70 +6105,23 @@
             <p:ph type="sldNum" sz="quarter" idx="12"/>
           </p:nvPr>
         </p:nvSpPr>
-        <p:spPr>
-          <a:xfrm>
-            <a:off x="8610600" y="6356350"/>
-            <a:ext cx="2743200" cy="365125"/>
-          </a:xfrm>
-        </p:spPr>
-        <p:txBody>
-          <a:bodyPr>
-            <a:normAutofit/>
-          </a:bodyPr>
-          <a:lstStyle/>
-          <a:p>
-            <a:pPr>
-              <a:spcAft>
-                <a:spcPts val="600"/>
-              </a:spcAft>
-            </a:pPr>
+        <p:spPr/>
+        <p:txBody>
+          <a:bodyPr/>
+          <a:lstStyle/>
+          <a:p>
             <a:fld id="{59467819-B74A-7D46-BC68-B37107E692DD}" type="slidenum">
               <a:rPr lang="en-US" smtClean="0"/>
-              <a:pPr>
-                <a:spcAft>
-                  <a:spcPts val="600"/>
-                </a:spcAft>
-              </a:pPr>
               <a:t>12</a:t>
             </a:fld>
-            <a:endParaRPr lang="en-US"/>
-          </a:p>
-        </p:txBody>
-      </p:sp>
-      <p:pic>
-        <p:nvPicPr>
-          <p:cNvPr id="6" name="Picture 5" descr="A picture containing object&#10;&#10;Description generated with high confidence">
-            <a:extLst>
-              <a:ext uri="{FF2B5EF4-FFF2-40B4-BE49-F238E27FC236}">
-                <a16:creationId xmlns:a16="http://schemas.microsoft.com/office/drawing/2014/main" id="{9CA23D07-252F-4AA0-8E5C-627B192D8D6B}"/>
-              </a:ext>
-            </a:extLst>
-          </p:cNvPr>
-          <p:cNvPicPr>
-            <a:picLocks noChangeAspect="1"/>
-          </p:cNvPicPr>
-          <p:nvPr/>
-        </p:nvPicPr>
-        <p:blipFill>
-          <a:blip r:embed="rId3"/>
-          <a:stretch>
-            <a:fillRect/>
-          </a:stretch>
-        </p:blipFill>
-        <p:spPr>
-          <a:xfrm>
-            <a:off x="108857" y="165364"/>
-            <a:ext cx="857783" cy="857783"/>
-          </a:xfrm>
-          <a:prstGeom prst="rect">
-            <a:avLst/>
-          </a:prstGeom>
-        </p:spPr>
-      </p:pic>
+            <a:endParaRPr lang="en-US" dirty="0"/>
+          </a:p>
+        </p:txBody>
+      </p:sp>
     </p:spTree>
     <p:extLst>
       <p:ext uri="{BB962C8B-B14F-4D97-AF65-F5344CB8AC3E}">
-        <p14:creationId xmlns:p14="http://schemas.microsoft.com/office/powerpoint/2010/main" val="3834805635"/>
+        <p14:creationId xmlns:p14="http://schemas.microsoft.com/office/powerpoint/2010/main" val="3297602696"/>
       </p:ext>
     </p:extLst>
   </p:cSld>
@@ -5845,7 +6153,7 @@
           <p:cNvPr id="2" name="Title 1">
             <a:extLst>
               <a:ext uri="{FF2B5EF4-FFF2-40B4-BE49-F238E27FC236}">
-                <a16:creationId xmlns:a16="http://schemas.microsoft.com/office/drawing/2014/main" id="{E4B3F2D7-B1A3-4D7C-B662-E6AD77EA0ADC}"/>
+                <a16:creationId xmlns:a16="http://schemas.microsoft.com/office/drawing/2014/main" id="{7DECD5C5-E468-4DCC-9BB7-CCA0A9CFD823}"/>
               </a:ext>
             </a:extLst>
           </p:cNvPr>
@@ -5856,7 +6164,12 @@
             <p:ph type="title"/>
           </p:nvPr>
         </p:nvSpPr>
-        <p:spPr/>
+        <p:spPr>
+          <a:xfrm>
+            <a:off x="838200" y="365125"/>
+            <a:ext cx="10515600" cy="1325563"/>
+          </a:xfrm>
+        </p:spPr>
         <p:txBody>
           <a:bodyPr/>
           <a:lstStyle/>
@@ -5865,7 +6178,7 @@
               <a:rPr lang="en-US" dirty="0">
                 <a:cs typeface="Calibri Light"/>
               </a:rPr>
-              <a:t>N3: Performance </a:t>
+              <a:t>N1: Usability</a:t>
             </a:r>
             <a:endParaRPr lang="en-US" dirty="0"/>
           </a:p>
@@ -5876,7 +6189,7 @@
           <p:cNvPr id="3" name="Content Placeholder 2">
             <a:extLst>
               <a:ext uri="{FF2B5EF4-FFF2-40B4-BE49-F238E27FC236}">
-                <a16:creationId xmlns:a16="http://schemas.microsoft.com/office/drawing/2014/main" id="{239F96C0-2243-4FB9-8979-A98CDE1AD9FB}"/>
+                <a16:creationId xmlns:a16="http://schemas.microsoft.com/office/drawing/2014/main" id="{CF701C10-8135-4DB3-A6C8-77FFE1206DD8}"/>
               </a:ext>
             </a:extLst>
           </p:cNvPr>
@@ -5887,7 +6200,12 @@
             <p:ph idx="1"/>
           </p:nvPr>
         </p:nvSpPr>
-        <p:spPr/>
+        <p:spPr>
+          <a:xfrm>
+            <a:off x="838200" y="1825625"/>
+            <a:ext cx="10515600" cy="4351338"/>
+          </a:xfrm>
+        </p:spPr>
         <p:txBody>
           <a:bodyPr vert="horz" lIns="91440" tIns="45720" rIns="91440" bIns="45720" rtlCol="0" anchor="t">
             <a:normAutofit/>
@@ -5898,9 +6216,8 @@
               <a:rPr lang="en-US" dirty="0">
                 <a:cs typeface="Calibri"/>
               </a:rPr>
-              <a:t>Multiple car moving supported </a:t>
-            </a:r>
-            <a:endParaRPr lang="en-US" dirty="0"/>
+              <a:t>Provide statistical summary</a:t>
+            </a:r>
           </a:p>
           <a:p>
             <a:endParaRPr lang="en-US" dirty="0">
@@ -5912,7 +6229,7 @@
               <a:rPr lang="en-US" dirty="0">
                 <a:cs typeface="Calibri"/>
               </a:rPr>
-              <a:t>Not map dependent</a:t>
+              <a:t>Desktop application supported (Java applet)</a:t>
             </a:r>
           </a:p>
           <a:p>
@@ -5920,6 +6237,19 @@
               <a:cs typeface="Calibri"/>
             </a:endParaRPr>
           </a:p>
+          <a:p>
+            <a:r>
+              <a:rPr lang="en-US" dirty="0">
+                <a:cs typeface="Calibri"/>
+              </a:rPr>
+              <a:t> Visualization </a:t>
+            </a:r>
+          </a:p>
+          <a:p>
+            <a:endParaRPr lang="en-US" dirty="0">
+              <a:cs typeface="Calibri"/>
+            </a:endParaRPr>
+          </a:p>
         </p:txBody>
       </p:sp>
       <p:sp>
@@ -5927,7 +6257,7 @@
           <p:cNvPr id="4" name="Slide Number Placeholder 3">
             <a:extLst>
               <a:ext uri="{FF2B5EF4-FFF2-40B4-BE49-F238E27FC236}">
-                <a16:creationId xmlns:a16="http://schemas.microsoft.com/office/drawing/2014/main" id="{01A06168-89D3-4710-83FC-425A7CA11F2B}"/>
+                <a16:creationId xmlns:a16="http://schemas.microsoft.com/office/drawing/2014/main" id="{993F8206-90F3-4BF4-AA65-59E99676B461}"/>
               </a:ext>
             </a:extLst>
           </p:cNvPr>
@@ -5938,7 +6268,12 @@
             <p:ph type="sldNum" sz="quarter" idx="12"/>
           </p:nvPr>
         </p:nvSpPr>
-        <p:spPr/>
+        <p:spPr>
+          <a:xfrm>
+            <a:off x="8610600" y="6356350"/>
+            <a:ext cx="2743200" cy="365125"/>
+          </a:xfrm>
+        </p:spPr>
         <p:txBody>
           <a:bodyPr/>
           <a:lstStyle/>
@@ -5947,44 +6282,14 @@
               <a:rPr lang="en-US" smtClean="0"/>
               <a:t>13</a:t>
             </a:fld>
-            <a:endParaRPr lang="en-US"/>
-          </a:p>
-        </p:txBody>
-      </p:sp>
-      <p:pic>
-        <p:nvPicPr>
-          <p:cNvPr id="6" name="Picture 5" descr="A picture containing object&#10;&#10;Description generated with high confidence">
-            <a:extLst>
-              <a:ext uri="{FF2B5EF4-FFF2-40B4-BE49-F238E27FC236}">
-                <a16:creationId xmlns:a16="http://schemas.microsoft.com/office/drawing/2014/main" id="{943F40ED-C50D-4409-89C6-FD56884291E2}"/>
-              </a:ext>
-            </a:extLst>
-          </p:cNvPr>
-          <p:cNvPicPr>
-            <a:picLocks noChangeAspect="1"/>
-          </p:cNvPicPr>
-          <p:nvPr/>
-        </p:nvPicPr>
-        <p:blipFill>
-          <a:blip r:embed="rId2"/>
-          <a:stretch>
-            <a:fillRect/>
-          </a:stretch>
-        </p:blipFill>
-        <p:spPr>
-          <a:xfrm>
-            <a:off x="108857" y="165364"/>
-            <a:ext cx="857783" cy="857783"/>
-          </a:xfrm>
-          <a:prstGeom prst="rect">
-            <a:avLst/>
-          </a:prstGeom>
-        </p:spPr>
-      </p:pic>
+            <a:endParaRPr lang="en-US" dirty="0"/>
+          </a:p>
+        </p:txBody>
+      </p:sp>
     </p:spTree>
     <p:extLst>
       <p:ext uri="{BB962C8B-B14F-4D97-AF65-F5344CB8AC3E}">
-        <p14:creationId xmlns:p14="http://schemas.microsoft.com/office/powerpoint/2010/main" val="2392118924"/>
+        <p14:creationId xmlns:p14="http://schemas.microsoft.com/office/powerpoint/2010/main" val="1483745631"/>
       </p:ext>
     </p:extLst>
   </p:cSld>
@@ -5997,6 +6302,14 @@
 <file path=ppt/slides/slide14.xml><?xml version="1.0" encoding="utf-8"?>
 <p:sld xmlns:a="http://schemas.openxmlformats.org/drawingml/2006/main" xmlns:r="http://schemas.openxmlformats.org/officeDocument/2006/relationships" xmlns:p="http://schemas.openxmlformats.org/presentationml/2006/main">
   <p:cSld>
+    <p:bg>
+      <p:bgPr>
+        <a:solidFill>
+          <a:schemeClr val="bg1"/>
+        </a:solidFill>
+        <a:effectLst/>
+      </p:bgPr>
+    </p:bg>
     <p:spTree>
       <p:nvGrpSpPr>
         <p:cNvPr id="1" name=""/>
@@ -6016,7 +6329,7 @@
           <p:cNvPr id="2" name="Title 1">
             <a:extLst>
               <a:ext uri="{FF2B5EF4-FFF2-40B4-BE49-F238E27FC236}">
-                <a16:creationId xmlns:a16="http://schemas.microsoft.com/office/drawing/2014/main" id="{A3A063EE-EB81-47B7-B8FD-9A361C9ABEC2}"/>
+                <a16:creationId xmlns:a16="http://schemas.microsoft.com/office/drawing/2014/main" id="{0AC32B30-E9B9-4637-B998-766CE79344BA}"/>
               </a:ext>
             </a:extLst>
           </p:cNvPr>
@@ -6027,18 +6340,24 @@
             <p:ph type="title"/>
           </p:nvPr>
         </p:nvSpPr>
-        <p:spPr/>
-        <p:txBody>
-          <a:bodyPr/>
+        <p:spPr>
+          <a:xfrm>
+            <a:off x="838200" y="365125"/>
+            <a:ext cx="10515600" cy="1325563"/>
+          </a:xfrm>
+        </p:spPr>
+        <p:txBody>
+          <a:bodyPr>
+            <a:normAutofit/>
+          </a:bodyPr>
           <a:lstStyle/>
           <a:p>
             <a:r>
               <a:rPr lang="en-US" dirty="0">
                 <a:cs typeface="Calibri Light"/>
               </a:rPr>
-              <a:t>N4: Supportability</a:t>
-            </a:r>
-            <a:endParaRPr lang="en-US" dirty="0"/>
+              <a:t>N2: Reliability </a:t>
+            </a:r>
           </a:p>
         </p:txBody>
       </p:sp>
@@ -6047,7 +6366,7 @@
           <p:cNvPr id="3" name="Content Placeholder 2">
             <a:extLst>
               <a:ext uri="{FF2B5EF4-FFF2-40B4-BE49-F238E27FC236}">
-                <a16:creationId xmlns:a16="http://schemas.microsoft.com/office/drawing/2014/main" id="{6894EEDD-2E10-4541-85D7-B29400D257DD}"/>
+                <a16:creationId xmlns:a16="http://schemas.microsoft.com/office/drawing/2014/main" id="{C1CD848D-6DA5-4C15-9376-CC85482615C9}"/>
               </a:ext>
             </a:extLst>
           </p:cNvPr>
@@ -6058,70 +6377,109 @@
             <p:ph idx="1"/>
           </p:nvPr>
         </p:nvSpPr>
-        <p:spPr/>
+        <p:spPr>
+          <a:xfrm>
+            <a:off x="838200" y="1825625"/>
+            <a:ext cx="3797807" cy="4351338"/>
+          </a:xfrm>
+        </p:spPr>
         <p:txBody>
           <a:bodyPr vert="horz" lIns="91440" tIns="45720" rIns="91440" bIns="45720" rtlCol="0" anchor="t">
-            <a:normAutofit/>
+            <a:noAutofit/>
           </a:bodyPr>
           <a:lstStyle/>
           <a:p>
             <a:r>
-              <a:rPr lang="en-US" dirty="0">
+              <a:rPr lang="en-US" sz="2600" dirty="0">
                 <a:cs typeface="Calibri"/>
               </a:rPr>
-              <a:t>Works for all Java supported platform</a:t>
-            </a:r>
-          </a:p>
-          <a:p>
-            <a:endParaRPr lang="en-US" dirty="0">
+              <a:t>Start/end points should on the map</a:t>
+            </a:r>
+          </a:p>
+          <a:p>
+            <a:endParaRPr lang="en-US" sz="2600" dirty="0">
               <a:cs typeface="Calibri"/>
             </a:endParaRPr>
           </a:p>
           <a:p>
             <a:r>
-              <a:rPr lang="en-US" dirty="0">
+              <a:rPr lang="en-US" sz="2600" dirty="0">
                 <a:cs typeface="Calibri"/>
               </a:rPr>
-              <a:t>Web application supported with 2D visualization </a:t>
-            </a:r>
-          </a:p>
-        </p:txBody>
-      </p:sp>
-      <p:sp>
-        <p:nvSpPr>
-          <p:cNvPr id="4" name="Slide Number Placeholder 3">
-            <a:extLst>
-              <a:ext uri="{FF2B5EF4-FFF2-40B4-BE49-F238E27FC236}">
-                <a16:creationId xmlns:a16="http://schemas.microsoft.com/office/drawing/2014/main" id="{63BC872B-CA29-4C0D-B397-18441860A0CF}"/>
-              </a:ext>
-            </a:extLst>
-          </p:cNvPr>
-          <p:cNvSpPr>
-            <a:spLocks noGrp="1"/>
-          </p:cNvSpPr>
-          <p:nvPr>
-            <p:ph type="sldNum" sz="quarter" idx="12"/>
-          </p:nvPr>
-        </p:nvSpPr>
-        <p:spPr/>
-        <p:txBody>
-          <a:bodyPr/>
-          <a:lstStyle/>
-          <a:p>
-            <a:fld id="{59467819-B74A-7D46-BC68-B37107E692DD}" type="slidenum">
-              <a:rPr lang="en-US" smtClean="0"/>
-              <a:t>14</a:t>
-            </a:fld>
-            <a:endParaRPr lang="en-US"/>
+              <a:t>Car moves along the road </a:t>
+            </a:r>
+          </a:p>
+          <a:p>
+            <a:endParaRPr lang="en-US" sz="2600" dirty="0">
+              <a:cs typeface="Calibri"/>
+            </a:endParaRPr>
+          </a:p>
+          <a:p>
+            <a:r>
+              <a:rPr lang="en-US" sz="2600" dirty="0">
+                <a:cs typeface="Calibri"/>
+              </a:rPr>
+              <a:t>One and only one traffic component per intersection</a:t>
+            </a:r>
+            <a:endParaRPr lang="en-US" sz="2600" dirty="0"/>
+          </a:p>
+          <a:p>
+            <a:endParaRPr lang="en-US" sz="1100" dirty="0">
+              <a:cs typeface="Calibri"/>
+            </a:endParaRPr>
+          </a:p>
+          <a:p>
+            <a:endParaRPr lang="en-US" sz="1100" dirty="0">
+              <a:cs typeface="Calibri"/>
+            </a:endParaRPr>
+          </a:p>
+          <a:p>
+            <a:endParaRPr lang="en-US" sz="1100" dirty="0">
+              <a:cs typeface="Calibri"/>
+            </a:endParaRPr>
+          </a:p>
+          <a:p>
+            <a:endParaRPr lang="en-US" sz="1100" dirty="0">
+              <a:cs typeface="Calibri"/>
+            </a:endParaRPr>
+          </a:p>
+          <a:p>
+            <a:endParaRPr lang="en-US" sz="1100" dirty="0">
+              <a:cs typeface="Calibri"/>
+            </a:endParaRPr>
+          </a:p>
+          <a:p>
+            <a:pPr marL="0" indent="0">
+              <a:buNone/>
+            </a:pPr>
+            <a:endParaRPr lang="en-US" sz="1100" dirty="0">
+              <a:cs typeface="Calibri"/>
+            </a:endParaRPr>
+          </a:p>
+          <a:p>
+            <a:pPr marL="0" indent="0">
+              <a:buNone/>
+            </a:pPr>
+            <a:endParaRPr lang="en-US" sz="1100" dirty="0">
+              <a:cs typeface="Calibri"/>
+            </a:endParaRPr>
+          </a:p>
+          <a:p>
+            <a:pPr marL="0" indent="0">
+              <a:buNone/>
+            </a:pPr>
+            <a:endParaRPr lang="en-US" sz="1100" dirty="0">
+              <a:cs typeface="Calibri"/>
+            </a:endParaRPr>
           </a:p>
         </p:txBody>
       </p:sp>
       <p:pic>
         <p:nvPicPr>
-          <p:cNvPr id="6" name="Picture 5" descr="A picture containing object&#10;&#10;Description generated with high confidence">
-            <a:extLst>
-              <a:ext uri="{FF2B5EF4-FFF2-40B4-BE49-F238E27FC236}">
-                <a16:creationId xmlns:a16="http://schemas.microsoft.com/office/drawing/2014/main" id="{FE28A499-948A-400F-913A-65909D7FAD40}"/>
+          <p:cNvPr id="5" name="Picture 7" descr="A picture containing grass, fence, building&#10;&#10;Description generated with very high confidence">
+            <a:extLst>
+              <a:ext uri="{FF2B5EF4-FFF2-40B4-BE49-F238E27FC236}">
+                <a16:creationId xmlns:a16="http://schemas.microsoft.com/office/drawing/2014/main" id="{A8A64748-5F4F-44AF-9389-59ED22615E9B}"/>
               </a:ext>
             </a:extLst>
           </p:cNvPr>
@@ -6130,26 +6488,71 @@
           </p:cNvPicPr>
           <p:nvPr/>
         </p:nvPicPr>
-        <p:blipFill>
+        <p:blipFill rotWithShape="1">
           <a:blip r:embed="rId2"/>
-          <a:stretch>
-            <a:fillRect/>
-          </a:stretch>
+          <a:srcRect t="4431" r="1" b="4173"/>
+          <a:stretch/>
         </p:blipFill>
         <p:spPr>
           <a:xfrm>
-            <a:off x="108857" y="165364"/>
-            <a:ext cx="857783" cy="857783"/>
+            <a:off x="5273040" y="1546141"/>
+            <a:ext cx="6233160" cy="4272681"/>
           </a:xfrm>
           <a:prstGeom prst="rect">
             <a:avLst/>
           </a:prstGeom>
         </p:spPr>
       </p:pic>
+      <p:sp>
+        <p:nvSpPr>
+          <p:cNvPr id="4" name="Slide Number Placeholder 3">
+            <a:extLst>
+              <a:ext uri="{FF2B5EF4-FFF2-40B4-BE49-F238E27FC236}">
+                <a16:creationId xmlns:a16="http://schemas.microsoft.com/office/drawing/2014/main" id="{5DC5D889-E77F-4160-B690-AF29F5023AE7}"/>
+              </a:ext>
+            </a:extLst>
+          </p:cNvPr>
+          <p:cNvSpPr>
+            <a:spLocks noGrp="1"/>
+          </p:cNvSpPr>
+          <p:nvPr>
+            <p:ph type="sldNum" sz="quarter" idx="12"/>
+          </p:nvPr>
+        </p:nvSpPr>
+        <p:spPr>
+          <a:xfrm>
+            <a:off x="8610600" y="6356350"/>
+            <a:ext cx="2743200" cy="365125"/>
+          </a:xfrm>
+        </p:spPr>
+        <p:txBody>
+          <a:bodyPr>
+            <a:normAutofit/>
+          </a:bodyPr>
+          <a:lstStyle/>
+          <a:p>
+            <a:pPr>
+              <a:spcAft>
+                <a:spcPts val="600"/>
+              </a:spcAft>
+            </a:pPr>
+            <a:fld id="{59467819-B74A-7D46-BC68-B37107E692DD}" type="slidenum">
+              <a:rPr lang="en-US" smtClean="0"/>
+              <a:pPr>
+                <a:spcAft>
+                  <a:spcPts val="600"/>
+                </a:spcAft>
+              </a:pPr>
+              <a:t>14</a:t>
+            </a:fld>
+            <a:endParaRPr lang="en-US" dirty="0"/>
+          </a:p>
+        </p:txBody>
+      </p:sp>
     </p:spTree>
     <p:extLst>
       <p:ext uri="{BB962C8B-B14F-4D97-AF65-F5344CB8AC3E}">
-        <p14:creationId xmlns:p14="http://schemas.microsoft.com/office/powerpoint/2010/main" val="2507023400"/>
+        <p14:creationId xmlns:p14="http://schemas.microsoft.com/office/powerpoint/2010/main" val="3834805635"/>
       </p:ext>
     </p:extLst>
   </p:cSld>
@@ -6181,7 +6584,7 @@
           <p:cNvPr id="2" name="Title 1">
             <a:extLst>
               <a:ext uri="{FF2B5EF4-FFF2-40B4-BE49-F238E27FC236}">
-                <a16:creationId xmlns:a16="http://schemas.microsoft.com/office/drawing/2014/main" id="{C82DF1E5-2AD1-4DBF-AC94-0E660A9836F2}"/>
+                <a16:creationId xmlns:a16="http://schemas.microsoft.com/office/drawing/2014/main" id="{E4B3F2D7-B1A3-4D7C-B662-E6AD77EA0ADC}"/>
               </a:ext>
             </a:extLst>
           </p:cNvPr>
@@ -6201,7 +6604,7 @@
               <a:rPr lang="en-US" dirty="0">
                 <a:cs typeface="Calibri Light"/>
               </a:rPr>
-              <a:t>N5: Implementation </a:t>
+              <a:t>N3: Performance </a:t>
             </a:r>
             <a:endParaRPr lang="en-US" dirty="0"/>
           </a:p>
@@ -6212,7 +6615,7 @@
           <p:cNvPr id="3" name="Content Placeholder 2">
             <a:extLst>
               <a:ext uri="{FF2B5EF4-FFF2-40B4-BE49-F238E27FC236}">
-                <a16:creationId xmlns:a16="http://schemas.microsoft.com/office/drawing/2014/main" id="{A2FA9C08-6A80-48E4-BD6D-2DE291231336}"/>
+                <a16:creationId xmlns:a16="http://schemas.microsoft.com/office/drawing/2014/main" id="{239F96C0-2243-4FB9-8979-A98CDE1AD9FB}"/>
               </a:ext>
             </a:extLst>
           </p:cNvPr>
@@ -6234,8 +6637,9 @@
               <a:rPr lang="en-US" dirty="0">
                 <a:cs typeface="Calibri"/>
               </a:rPr>
-              <a:t>Coding in Java; shared in GitLab</a:t>
-            </a:r>
+              <a:t>Multiple car moving supported </a:t>
+            </a:r>
+            <a:endParaRPr lang="en-US" dirty="0"/>
           </a:p>
           <a:p>
             <a:endParaRPr lang="en-US" dirty="0">
@@ -6247,19 +6651,7 @@
               <a:rPr lang="en-US" dirty="0">
                 <a:cs typeface="Calibri"/>
               </a:rPr>
-              <a:t>2D visualization by </a:t>
-            </a:r>
-            <a:r>
-              <a:rPr lang="en-US" dirty="0" err="1">
-                <a:cs typeface="Calibri"/>
-              </a:rPr>
-              <a:t>PixiJS</a:t>
-            </a:r>
-            <a:r>
-              <a:rPr lang="en-US" dirty="0">
-                <a:cs typeface="Calibri"/>
-              </a:rPr>
-              <a:t> </a:t>
+              <a:t>Not map dependent</a:t>
             </a:r>
           </a:p>
           <a:p>
@@ -6274,7 +6666,7 @@
           <p:cNvPr id="4" name="Slide Number Placeholder 3">
             <a:extLst>
               <a:ext uri="{FF2B5EF4-FFF2-40B4-BE49-F238E27FC236}">
-                <a16:creationId xmlns:a16="http://schemas.microsoft.com/office/drawing/2014/main" id="{4E95386B-DB63-4B4E-9740-E1D21223FB28}"/>
+                <a16:creationId xmlns:a16="http://schemas.microsoft.com/office/drawing/2014/main" id="{01A06168-89D3-4710-83FC-425A7CA11F2B}"/>
               </a:ext>
             </a:extLst>
           </p:cNvPr>
@@ -6294,44 +6686,14 @@
               <a:rPr lang="en-US" smtClean="0"/>
               <a:t>15</a:t>
             </a:fld>
-            <a:endParaRPr lang="en-US"/>
-          </a:p>
-        </p:txBody>
-      </p:sp>
-      <p:pic>
-        <p:nvPicPr>
-          <p:cNvPr id="6" name="Picture 5" descr="A picture containing object&#10;&#10;Description generated with high confidence">
-            <a:extLst>
-              <a:ext uri="{FF2B5EF4-FFF2-40B4-BE49-F238E27FC236}">
-                <a16:creationId xmlns:a16="http://schemas.microsoft.com/office/drawing/2014/main" id="{C6A5A834-4343-4D3A-A58F-762DA3FD5C77}"/>
-              </a:ext>
-            </a:extLst>
-          </p:cNvPr>
-          <p:cNvPicPr>
-            <a:picLocks noChangeAspect="1"/>
-          </p:cNvPicPr>
-          <p:nvPr/>
-        </p:nvPicPr>
-        <p:blipFill>
-          <a:blip r:embed="rId2"/>
-          <a:stretch>
-            <a:fillRect/>
-          </a:stretch>
-        </p:blipFill>
-        <p:spPr>
-          <a:xfrm>
-            <a:off x="108857" y="165364"/>
-            <a:ext cx="857783" cy="857783"/>
-          </a:xfrm>
-          <a:prstGeom prst="rect">
-            <a:avLst/>
-          </a:prstGeom>
-        </p:spPr>
-      </p:pic>
+            <a:endParaRPr lang="en-US" dirty="0"/>
+          </a:p>
+        </p:txBody>
+      </p:sp>
     </p:spTree>
     <p:extLst>
       <p:ext uri="{BB962C8B-B14F-4D97-AF65-F5344CB8AC3E}">
-        <p14:creationId xmlns:p14="http://schemas.microsoft.com/office/powerpoint/2010/main" val="3693760786"/>
+        <p14:creationId xmlns:p14="http://schemas.microsoft.com/office/powerpoint/2010/main" val="2392118924"/>
       </p:ext>
     </p:extLst>
   </p:cSld>
@@ -6363,7 +6725,7 @@
           <p:cNvPr id="2" name="Title 1">
             <a:extLst>
               <a:ext uri="{FF2B5EF4-FFF2-40B4-BE49-F238E27FC236}">
-                <a16:creationId xmlns:a16="http://schemas.microsoft.com/office/drawing/2014/main" id="{71DBD2D0-E504-4E46-B672-425972770860}"/>
+                <a16:creationId xmlns:a16="http://schemas.microsoft.com/office/drawing/2014/main" id="{A3A063EE-EB81-47B7-B8FD-9A361C9ABEC2}"/>
               </a:ext>
             </a:extLst>
           </p:cNvPr>
@@ -6380,9 +6742,12 @@
           <a:lstStyle/>
           <a:p>
             <a:r>
-              <a:rPr lang="en-US" dirty="0"/>
-              <a:t>Overview</a:t>
-            </a:r>
+              <a:rPr lang="en-US" dirty="0">
+                <a:cs typeface="Calibri Light"/>
+              </a:rPr>
+              <a:t>N4: Supportability</a:t>
+            </a:r>
+            <a:endParaRPr lang="en-US" dirty="0"/>
           </a:p>
         </p:txBody>
       </p:sp>
@@ -6391,7 +6756,7 @@
           <p:cNvPr id="3" name="Content Placeholder 2">
             <a:extLst>
               <a:ext uri="{FF2B5EF4-FFF2-40B4-BE49-F238E27FC236}">
-                <a16:creationId xmlns:a16="http://schemas.microsoft.com/office/drawing/2014/main" id="{97721FA8-877C-0D43-AF19-4C75EECB089A}"/>
+                <a16:creationId xmlns:a16="http://schemas.microsoft.com/office/drawing/2014/main" id="{6894EEDD-2E10-4541-85D7-B29400D257DD}"/>
               </a:ext>
             </a:extLst>
           </p:cNvPr>
@@ -6404,99 +6769,29 @@
         </p:nvSpPr>
         <p:spPr/>
         <p:txBody>
-          <a:bodyPr>
-            <a:normAutofit lnSpcReduction="10000"/>
+          <a:bodyPr vert="horz" lIns="91440" tIns="45720" rIns="91440" bIns="45720" rtlCol="0" anchor="t">
+            <a:normAutofit/>
           </a:bodyPr>
           <a:lstStyle/>
           <a:p>
             <a:r>
               <a:rPr lang="en-US" dirty="0">
-                <a:solidFill>
-                  <a:schemeClr val="bg1">
-                    <a:lumMod val="50000"/>
-                  </a:schemeClr>
-                </a:solidFill>
+                <a:cs typeface="Calibri"/>
               </a:rPr>
-              <a:t>Project Description</a:t>
+              <a:t>Works for all Java supported platform</a:t>
             </a:r>
           </a:p>
           <a:p>
             <a:endParaRPr lang="en-US" dirty="0">
-              <a:solidFill>
-                <a:schemeClr val="bg1">
-                  <a:lumMod val="50000"/>
-                </a:schemeClr>
-              </a:solidFill>
+              <a:cs typeface="Calibri"/>
             </a:endParaRPr>
           </a:p>
           <a:p>
             <a:r>
               <a:rPr lang="en-US" dirty="0">
-                <a:solidFill>
-                  <a:schemeClr val="bg1">
-                    <a:lumMod val="50000"/>
-                  </a:schemeClr>
-                </a:solidFill>
+                <a:cs typeface="Calibri"/>
               </a:rPr>
-              <a:t>Functional Requirements</a:t>
-            </a:r>
-          </a:p>
-          <a:p>
-            <a:endParaRPr lang="en-US" dirty="0">
-              <a:solidFill>
-                <a:schemeClr val="bg1">
-                  <a:lumMod val="50000"/>
-                </a:schemeClr>
-              </a:solidFill>
-            </a:endParaRPr>
-          </a:p>
-          <a:p>
-            <a:r>
-              <a:rPr lang="en-US" dirty="0">
-                <a:solidFill>
-                  <a:schemeClr val="bg1">
-                    <a:lumMod val="50000"/>
-                  </a:schemeClr>
-                </a:solidFill>
-              </a:rPr>
-              <a:t>Nonfunctional Requirements</a:t>
-            </a:r>
-          </a:p>
-          <a:p>
-            <a:endParaRPr lang="en-US" dirty="0"/>
-          </a:p>
-          <a:p>
-            <a:r>
-              <a:rPr lang="en-US" dirty="0"/>
-              <a:t>Use Cases</a:t>
-            </a:r>
-            <a:endParaRPr lang="en-US" dirty="0">
-              <a:solidFill>
-                <a:schemeClr val="bg1">
-                  <a:lumMod val="50000"/>
-                </a:schemeClr>
-              </a:solidFill>
-            </a:endParaRPr>
-          </a:p>
-          <a:p>
-            <a:endParaRPr lang="en-US" dirty="0">
-              <a:solidFill>
-                <a:schemeClr val="bg1">
-                  <a:lumMod val="50000"/>
-                </a:schemeClr>
-              </a:solidFill>
-            </a:endParaRPr>
-          </a:p>
-          <a:p>
-            <a:r>
-              <a:rPr lang="en-US" dirty="0">
-                <a:solidFill>
-                  <a:schemeClr val="bg1">
-                    <a:lumMod val="50000"/>
-                  </a:schemeClr>
-                </a:solidFill>
-              </a:rPr>
-              <a:t>Reflection</a:t>
+              <a:t>Web application supported with 2D visualization </a:t>
             </a:r>
           </a:p>
         </p:txBody>
@@ -6506,7 +6801,7 @@
           <p:cNvPr id="4" name="Slide Number Placeholder 3">
             <a:extLst>
               <a:ext uri="{FF2B5EF4-FFF2-40B4-BE49-F238E27FC236}">
-                <a16:creationId xmlns:a16="http://schemas.microsoft.com/office/drawing/2014/main" id="{E01D80DE-56A4-514D-A5E4-DEEC4CF5FC82}"/>
+                <a16:creationId xmlns:a16="http://schemas.microsoft.com/office/drawing/2014/main" id="{63BC872B-CA29-4C0D-B397-18441860A0CF}"/>
               </a:ext>
             </a:extLst>
           </p:cNvPr>
@@ -6526,44 +6821,14 @@
               <a:rPr lang="en-US" smtClean="0"/>
               <a:t>16</a:t>
             </a:fld>
-            <a:endParaRPr lang="en-US"/>
-          </a:p>
-        </p:txBody>
-      </p:sp>
-      <p:pic>
-        <p:nvPicPr>
-          <p:cNvPr id="6" name="Picture 5">
-            <a:extLst>
-              <a:ext uri="{FF2B5EF4-FFF2-40B4-BE49-F238E27FC236}">
-                <a16:creationId xmlns:a16="http://schemas.microsoft.com/office/drawing/2014/main" id="{7FC8DBD0-BD93-4E33-A195-BD82A11B168E}"/>
-              </a:ext>
-            </a:extLst>
-          </p:cNvPr>
-          <p:cNvPicPr>
-            <a:picLocks noChangeAspect="1"/>
-          </p:cNvPicPr>
-          <p:nvPr/>
-        </p:nvPicPr>
-        <p:blipFill>
-          <a:blip r:embed="rId2"/>
-          <a:stretch>
-            <a:fillRect/>
-          </a:stretch>
-        </p:blipFill>
-        <p:spPr>
-          <a:xfrm>
-            <a:off x="108857" y="165364"/>
-            <a:ext cx="857783" cy="857783"/>
-          </a:xfrm>
-          <a:prstGeom prst="rect">
-            <a:avLst/>
-          </a:prstGeom>
-        </p:spPr>
-      </p:pic>
+            <a:endParaRPr lang="en-US" dirty="0"/>
+          </a:p>
+        </p:txBody>
+      </p:sp>
     </p:spTree>
     <p:extLst>
       <p:ext uri="{BB962C8B-B14F-4D97-AF65-F5344CB8AC3E}">
-        <p14:creationId xmlns:p14="http://schemas.microsoft.com/office/powerpoint/2010/main" val="2507484533"/>
+        <p14:creationId xmlns:p14="http://schemas.microsoft.com/office/powerpoint/2010/main" val="2507023400"/>
       </p:ext>
     </p:extLst>
   </p:cSld>
@@ -6595,6 +6860,360 @@
           <p:cNvPr id="2" name="Title 1">
             <a:extLst>
               <a:ext uri="{FF2B5EF4-FFF2-40B4-BE49-F238E27FC236}">
+                <a16:creationId xmlns:a16="http://schemas.microsoft.com/office/drawing/2014/main" id="{C82DF1E5-2AD1-4DBF-AC94-0E660A9836F2}"/>
+              </a:ext>
+            </a:extLst>
+          </p:cNvPr>
+          <p:cNvSpPr>
+            <a:spLocks noGrp="1"/>
+          </p:cNvSpPr>
+          <p:nvPr>
+            <p:ph type="title"/>
+          </p:nvPr>
+        </p:nvSpPr>
+        <p:spPr/>
+        <p:txBody>
+          <a:bodyPr/>
+          <a:lstStyle/>
+          <a:p>
+            <a:r>
+              <a:rPr lang="en-US" dirty="0">
+                <a:cs typeface="Calibri Light"/>
+              </a:rPr>
+              <a:t>N5: Implementation </a:t>
+            </a:r>
+            <a:endParaRPr lang="en-US" dirty="0"/>
+          </a:p>
+        </p:txBody>
+      </p:sp>
+      <p:sp>
+        <p:nvSpPr>
+          <p:cNvPr id="3" name="Content Placeholder 2">
+            <a:extLst>
+              <a:ext uri="{FF2B5EF4-FFF2-40B4-BE49-F238E27FC236}">
+                <a16:creationId xmlns:a16="http://schemas.microsoft.com/office/drawing/2014/main" id="{A2FA9C08-6A80-48E4-BD6D-2DE291231336}"/>
+              </a:ext>
+            </a:extLst>
+          </p:cNvPr>
+          <p:cNvSpPr>
+            <a:spLocks noGrp="1"/>
+          </p:cNvSpPr>
+          <p:nvPr>
+            <p:ph idx="1"/>
+          </p:nvPr>
+        </p:nvSpPr>
+        <p:spPr/>
+        <p:txBody>
+          <a:bodyPr vert="horz" lIns="91440" tIns="45720" rIns="91440" bIns="45720" rtlCol="0" anchor="t">
+            <a:normAutofit/>
+          </a:bodyPr>
+          <a:lstStyle/>
+          <a:p>
+            <a:r>
+              <a:rPr lang="en-US" dirty="0">
+                <a:cs typeface="Calibri"/>
+              </a:rPr>
+              <a:t>Coding in Java; shared in GitLab</a:t>
+            </a:r>
+          </a:p>
+          <a:p>
+            <a:endParaRPr lang="en-US" dirty="0">
+              <a:cs typeface="Calibri"/>
+            </a:endParaRPr>
+          </a:p>
+          <a:p>
+            <a:r>
+              <a:rPr lang="en-US" dirty="0">
+                <a:cs typeface="Calibri"/>
+              </a:rPr>
+              <a:t>2D visualization by </a:t>
+            </a:r>
+            <a:r>
+              <a:rPr lang="en-US" dirty="0" err="1">
+                <a:cs typeface="Calibri"/>
+              </a:rPr>
+              <a:t>PixiJS</a:t>
+            </a:r>
+            <a:r>
+              <a:rPr lang="en-US" dirty="0">
+                <a:cs typeface="Calibri"/>
+              </a:rPr>
+              <a:t> </a:t>
+            </a:r>
+          </a:p>
+          <a:p>
+            <a:endParaRPr lang="en-US" dirty="0">
+              <a:cs typeface="Calibri"/>
+            </a:endParaRPr>
+          </a:p>
+        </p:txBody>
+      </p:sp>
+      <p:sp>
+        <p:nvSpPr>
+          <p:cNvPr id="4" name="Slide Number Placeholder 3">
+            <a:extLst>
+              <a:ext uri="{FF2B5EF4-FFF2-40B4-BE49-F238E27FC236}">
+                <a16:creationId xmlns:a16="http://schemas.microsoft.com/office/drawing/2014/main" id="{4E95386B-DB63-4B4E-9740-E1D21223FB28}"/>
+              </a:ext>
+            </a:extLst>
+          </p:cNvPr>
+          <p:cNvSpPr>
+            <a:spLocks noGrp="1"/>
+          </p:cNvSpPr>
+          <p:nvPr>
+            <p:ph type="sldNum" sz="quarter" idx="12"/>
+          </p:nvPr>
+        </p:nvSpPr>
+        <p:spPr/>
+        <p:txBody>
+          <a:bodyPr/>
+          <a:lstStyle/>
+          <a:p>
+            <a:fld id="{59467819-B74A-7D46-BC68-B37107E692DD}" type="slidenum">
+              <a:rPr lang="en-US" smtClean="0"/>
+              <a:t>17</a:t>
+            </a:fld>
+            <a:endParaRPr lang="en-US"/>
+          </a:p>
+        </p:txBody>
+      </p:sp>
+    </p:spTree>
+    <p:extLst>
+      <p:ext uri="{BB962C8B-B14F-4D97-AF65-F5344CB8AC3E}">
+        <p14:creationId xmlns:p14="http://schemas.microsoft.com/office/powerpoint/2010/main" val="3693760786"/>
+      </p:ext>
+    </p:extLst>
+  </p:cSld>
+  <p:clrMapOvr>
+    <a:masterClrMapping/>
+  </p:clrMapOvr>
+</p:sld>
+</file>
+
+<file path=ppt/slides/slide18.xml><?xml version="1.0" encoding="utf-8"?>
+<p:sld xmlns:a="http://schemas.openxmlformats.org/drawingml/2006/main" xmlns:r="http://schemas.openxmlformats.org/officeDocument/2006/relationships" xmlns:p="http://schemas.openxmlformats.org/presentationml/2006/main">
+  <p:cSld>
+    <p:spTree>
+      <p:nvGrpSpPr>
+        <p:cNvPr id="1" name=""/>
+        <p:cNvGrpSpPr/>
+        <p:nvPr/>
+      </p:nvGrpSpPr>
+      <p:grpSpPr>
+        <a:xfrm>
+          <a:off x="0" y="0"/>
+          <a:ext cx="0" cy="0"/>
+          <a:chOff x="0" y="0"/>
+          <a:chExt cx="0" cy="0"/>
+        </a:xfrm>
+      </p:grpSpPr>
+      <p:sp>
+        <p:nvSpPr>
+          <p:cNvPr id="2" name="Title 1">
+            <a:extLst>
+              <a:ext uri="{FF2B5EF4-FFF2-40B4-BE49-F238E27FC236}">
+                <a16:creationId xmlns:a16="http://schemas.microsoft.com/office/drawing/2014/main" id="{71DBD2D0-E504-4E46-B672-425972770860}"/>
+              </a:ext>
+            </a:extLst>
+          </p:cNvPr>
+          <p:cNvSpPr>
+            <a:spLocks noGrp="1"/>
+          </p:cNvSpPr>
+          <p:nvPr>
+            <p:ph type="title"/>
+          </p:nvPr>
+        </p:nvSpPr>
+        <p:spPr/>
+        <p:txBody>
+          <a:bodyPr/>
+          <a:lstStyle/>
+          <a:p>
+            <a:r>
+              <a:rPr lang="en-US" dirty="0"/>
+              <a:t>Overview</a:t>
+            </a:r>
+          </a:p>
+        </p:txBody>
+      </p:sp>
+      <p:sp>
+        <p:nvSpPr>
+          <p:cNvPr id="3" name="Content Placeholder 2">
+            <a:extLst>
+              <a:ext uri="{FF2B5EF4-FFF2-40B4-BE49-F238E27FC236}">
+                <a16:creationId xmlns:a16="http://schemas.microsoft.com/office/drawing/2014/main" id="{97721FA8-877C-0D43-AF19-4C75EECB089A}"/>
+              </a:ext>
+            </a:extLst>
+          </p:cNvPr>
+          <p:cNvSpPr>
+            <a:spLocks noGrp="1"/>
+          </p:cNvSpPr>
+          <p:nvPr>
+            <p:ph idx="1"/>
+          </p:nvPr>
+        </p:nvSpPr>
+        <p:spPr/>
+        <p:txBody>
+          <a:bodyPr>
+            <a:normAutofit lnSpcReduction="10000"/>
+          </a:bodyPr>
+          <a:lstStyle/>
+          <a:p>
+            <a:r>
+              <a:rPr lang="en-US" dirty="0">
+                <a:solidFill>
+                  <a:schemeClr val="bg1">
+                    <a:lumMod val="50000"/>
+                  </a:schemeClr>
+                </a:solidFill>
+              </a:rPr>
+              <a:t>Project Description</a:t>
+            </a:r>
+          </a:p>
+          <a:p>
+            <a:endParaRPr lang="en-US" dirty="0">
+              <a:solidFill>
+                <a:schemeClr val="bg1">
+                  <a:lumMod val="50000"/>
+                </a:schemeClr>
+              </a:solidFill>
+            </a:endParaRPr>
+          </a:p>
+          <a:p>
+            <a:r>
+              <a:rPr lang="en-US" dirty="0">
+                <a:solidFill>
+                  <a:schemeClr val="bg1">
+                    <a:lumMod val="50000"/>
+                  </a:schemeClr>
+                </a:solidFill>
+              </a:rPr>
+              <a:t>Functional Requirements</a:t>
+            </a:r>
+          </a:p>
+          <a:p>
+            <a:endParaRPr lang="en-US" dirty="0">
+              <a:solidFill>
+                <a:schemeClr val="bg1">
+                  <a:lumMod val="50000"/>
+                </a:schemeClr>
+              </a:solidFill>
+            </a:endParaRPr>
+          </a:p>
+          <a:p>
+            <a:r>
+              <a:rPr lang="en-US" dirty="0">
+                <a:solidFill>
+                  <a:schemeClr val="bg1">
+                    <a:lumMod val="50000"/>
+                  </a:schemeClr>
+                </a:solidFill>
+              </a:rPr>
+              <a:t>Nonfunctional Requirements</a:t>
+            </a:r>
+          </a:p>
+          <a:p>
+            <a:endParaRPr lang="en-US" dirty="0"/>
+          </a:p>
+          <a:p>
+            <a:r>
+              <a:rPr lang="en-US" dirty="0"/>
+              <a:t>Use Cases</a:t>
+            </a:r>
+            <a:endParaRPr lang="en-US" dirty="0">
+              <a:solidFill>
+                <a:schemeClr val="bg1">
+                  <a:lumMod val="50000"/>
+                </a:schemeClr>
+              </a:solidFill>
+            </a:endParaRPr>
+          </a:p>
+          <a:p>
+            <a:endParaRPr lang="en-US" dirty="0">
+              <a:solidFill>
+                <a:schemeClr val="bg1">
+                  <a:lumMod val="50000"/>
+                </a:schemeClr>
+              </a:solidFill>
+            </a:endParaRPr>
+          </a:p>
+          <a:p>
+            <a:r>
+              <a:rPr lang="en-US" dirty="0">
+                <a:solidFill>
+                  <a:schemeClr val="bg1">
+                    <a:lumMod val="50000"/>
+                  </a:schemeClr>
+                </a:solidFill>
+              </a:rPr>
+              <a:t>Reflection</a:t>
+            </a:r>
+          </a:p>
+        </p:txBody>
+      </p:sp>
+      <p:sp>
+        <p:nvSpPr>
+          <p:cNvPr id="4" name="Slide Number Placeholder 3">
+            <a:extLst>
+              <a:ext uri="{FF2B5EF4-FFF2-40B4-BE49-F238E27FC236}">
+                <a16:creationId xmlns:a16="http://schemas.microsoft.com/office/drawing/2014/main" id="{E01D80DE-56A4-514D-A5E4-DEEC4CF5FC82}"/>
+              </a:ext>
+            </a:extLst>
+          </p:cNvPr>
+          <p:cNvSpPr>
+            <a:spLocks noGrp="1"/>
+          </p:cNvSpPr>
+          <p:nvPr>
+            <p:ph type="sldNum" sz="quarter" idx="12"/>
+          </p:nvPr>
+        </p:nvSpPr>
+        <p:spPr/>
+        <p:txBody>
+          <a:bodyPr/>
+          <a:lstStyle/>
+          <a:p>
+            <a:fld id="{59467819-B74A-7D46-BC68-B37107E692DD}" type="slidenum">
+              <a:rPr lang="en-US" smtClean="0"/>
+              <a:t>18</a:t>
+            </a:fld>
+            <a:endParaRPr lang="en-US"/>
+          </a:p>
+        </p:txBody>
+      </p:sp>
+    </p:spTree>
+    <p:extLst>
+      <p:ext uri="{BB962C8B-B14F-4D97-AF65-F5344CB8AC3E}">
+        <p14:creationId xmlns:p14="http://schemas.microsoft.com/office/powerpoint/2010/main" val="2507484533"/>
+      </p:ext>
+    </p:extLst>
+  </p:cSld>
+  <p:clrMapOvr>
+    <a:masterClrMapping/>
+  </p:clrMapOvr>
+</p:sld>
+</file>
+
+<file path=ppt/slides/slide19.xml><?xml version="1.0" encoding="utf-8"?>
+<p:sld xmlns:a="http://schemas.openxmlformats.org/drawingml/2006/main" xmlns:r="http://schemas.openxmlformats.org/officeDocument/2006/relationships" xmlns:p="http://schemas.openxmlformats.org/presentationml/2006/main">
+  <p:cSld>
+    <p:spTree>
+      <p:nvGrpSpPr>
+        <p:cNvPr id="1" name=""/>
+        <p:cNvGrpSpPr/>
+        <p:nvPr/>
+      </p:nvGrpSpPr>
+      <p:grpSpPr>
+        <a:xfrm>
+          <a:off x="0" y="0"/>
+          <a:ext cx="0" cy="0"/>
+          <a:chOff x="0" y="0"/>
+          <a:chExt cx="0" cy="0"/>
+        </a:xfrm>
+      </p:grpSpPr>
+      <p:sp>
+        <p:nvSpPr>
+          <p:cNvPr id="2" name="Title 1">
+            <a:extLst>
+              <a:ext uri="{FF2B5EF4-FFF2-40B4-BE49-F238E27FC236}">
                 <a16:creationId xmlns:a16="http://schemas.microsoft.com/office/drawing/2014/main" id="{5E85D052-8127-9347-8222-567C3F4BF379}"/>
               </a:ext>
             </a:extLst>
@@ -6723,7 +7342,7 @@
           <a:p>
             <a:fld id="{59467819-B74A-7D46-BC68-B37107E692DD}" type="slidenum">
               <a:rPr lang="en-US" smtClean="0"/>
-              <a:t>17</a:t>
+              <a:t>19</a:t>
             </a:fld>
             <a:endParaRPr lang="en-US"/>
           </a:p>
@@ -6772,7 +7391,160 @@
 </p:sld>
 </file>
 
-<file path=ppt/slides/slide18.xml><?xml version="1.0" encoding="utf-8"?>
+<file path=ppt/slides/slide2.xml><?xml version="1.0" encoding="utf-8"?>
+<p:sld xmlns:a="http://schemas.openxmlformats.org/drawingml/2006/main" xmlns:r="http://schemas.openxmlformats.org/officeDocument/2006/relationships" xmlns:p="http://schemas.openxmlformats.org/presentationml/2006/main">
+  <p:cSld>
+    <p:spTree>
+      <p:nvGrpSpPr>
+        <p:cNvPr id="1" name=""/>
+        <p:cNvGrpSpPr/>
+        <p:nvPr/>
+      </p:nvGrpSpPr>
+      <p:grpSpPr>
+        <a:xfrm>
+          <a:off x="0" y="0"/>
+          <a:ext cx="0" cy="0"/>
+          <a:chOff x="0" y="0"/>
+          <a:chExt cx="0" cy="0"/>
+        </a:xfrm>
+      </p:grpSpPr>
+      <p:sp>
+        <p:nvSpPr>
+          <p:cNvPr id="2" name="Title 1">
+            <a:extLst>
+              <a:ext uri="{FF2B5EF4-FFF2-40B4-BE49-F238E27FC236}">
+                <a16:creationId xmlns:a16="http://schemas.microsoft.com/office/drawing/2014/main" id="{71DBD2D0-E504-4E46-B672-425972770860}"/>
+              </a:ext>
+            </a:extLst>
+          </p:cNvPr>
+          <p:cNvSpPr>
+            <a:spLocks noGrp="1"/>
+          </p:cNvSpPr>
+          <p:nvPr>
+            <p:ph type="title"/>
+          </p:nvPr>
+        </p:nvSpPr>
+        <p:spPr/>
+        <p:txBody>
+          <a:bodyPr/>
+          <a:lstStyle/>
+          <a:p>
+            <a:r>
+              <a:rPr lang="en-US" dirty="0"/>
+              <a:t>Overview</a:t>
+            </a:r>
+          </a:p>
+        </p:txBody>
+      </p:sp>
+      <p:sp>
+        <p:nvSpPr>
+          <p:cNvPr id="3" name="Content Placeholder 2">
+            <a:extLst>
+              <a:ext uri="{FF2B5EF4-FFF2-40B4-BE49-F238E27FC236}">
+                <a16:creationId xmlns:a16="http://schemas.microsoft.com/office/drawing/2014/main" id="{97721FA8-877C-0D43-AF19-4C75EECB089A}"/>
+              </a:ext>
+            </a:extLst>
+          </p:cNvPr>
+          <p:cNvSpPr>
+            <a:spLocks noGrp="1"/>
+          </p:cNvSpPr>
+          <p:nvPr>
+            <p:ph idx="1"/>
+          </p:nvPr>
+        </p:nvSpPr>
+        <p:spPr/>
+        <p:txBody>
+          <a:bodyPr>
+            <a:normAutofit lnSpcReduction="10000"/>
+          </a:bodyPr>
+          <a:lstStyle/>
+          <a:p>
+            <a:r>
+              <a:rPr lang="en-US" dirty="0"/>
+              <a:t>Project Description</a:t>
+            </a:r>
+          </a:p>
+          <a:p>
+            <a:endParaRPr lang="en-US" dirty="0"/>
+          </a:p>
+          <a:p>
+            <a:r>
+              <a:rPr lang="en-US" dirty="0"/>
+              <a:t>Functional Requirements</a:t>
+            </a:r>
+          </a:p>
+          <a:p>
+            <a:endParaRPr lang="en-US" dirty="0"/>
+          </a:p>
+          <a:p>
+            <a:r>
+              <a:rPr lang="en-US" dirty="0"/>
+              <a:t>Nonfunctional Requirements</a:t>
+            </a:r>
+          </a:p>
+          <a:p>
+            <a:endParaRPr lang="en-US" dirty="0"/>
+          </a:p>
+          <a:p>
+            <a:r>
+              <a:rPr lang="en-US" dirty="0"/>
+              <a:t>Use Cases </a:t>
+            </a:r>
+          </a:p>
+          <a:p>
+            <a:endParaRPr lang="en-US" dirty="0"/>
+          </a:p>
+          <a:p>
+            <a:r>
+              <a:rPr lang="en-US" dirty="0"/>
+              <a:t>Reflection</a:t>
+            </a:r>
+          </a:p>
+        </p:txBody>
+      </p:sp>
+      <p:sp>
+        <p:nvSpPr>
+          <p:cNvPr id="4" name="Slide Number Placeholder 3">
+            <a:extLst>
+              <a:ext uri="{FF2B5EF4-FFF2-40B4-BE49-F238E27FC236}">
+                <a16:creationId xmlns:a16="http://schemas.microsoft.com/office/drawing/2014/main" id="{36B3A4F1-178B-8E44-AF3E-D067B56AF78F}"/>
+              </a:ext>
+            </a:extLst>
+          </p:cNvPr>
+          <p:cNvSpPr>
+            <a:spLocks noGrp="1"/>
+          </p:cNvSpPr>
+          <p:nvPr>
+            <p:ph type="sldNum" sz="quarter" idx="12"/>
+          </p:nvPr>
+        </p:nvSpPr>
+        <p:spPr/>
+        <p:txBody>
+          <a:bodyPr/>
+          <a:lstStyle/>
+          <a:p>
+            <a:fld id="{59467819-B74A-7D46-BC68-B37107E692DD}" type="slidenum">
+              <a:rPr lang="en-US" smtClean="0"/>
+              <a:t>2</a:t>
+            </a:fld>
+            <a:endParaRPr lang="en-US" dirty="0"/>
+          </a:p>
+        </p:txBody>
+      </p:sp>
+    </p:spTree>
+    <p:extLst>
+      <p:ext uri="{BB962C8B-B14F-4D97-AF65-F5344CB8AC3E}">
+        <p14:creationId xmlns:p14="http://schemas.microsoft.com/office/powerpoint/2010/main" val="736191612"/>
+      </p:ext>
+    </p:extLst>
+  </p:cSld>
+  <p:clrMapOvr>
+    <a:masterClrMapping/>
+  </p:clrMapOvr>
+</p:sld>
+</file>
+
+<file path=ppt/slides/slide20.xml><?xml version="1.0" encoding="utf-8"?>
 <p:sld xmlns:a="http://schemas.openxmlformats.org/drawingml/2006/main" xmlns:r="http://schemas.openxmlformats.org/officeDocument/2006/relationships" xmlns:p="http://schemas.openxmlformats.org/presentationml/2006/main">
   <p:cSld>
     <p:spTree>
@@ -6888,7 +7660,7 @@
           <a:p>
             <a:fld id="{59467819-B74A-7D46-BC68-B37107E692DD}" type="slidenum">
               <a:rPr lang="en-US" smtClean="0"/>
-              <a:t>18</a:t>
+              <a:t>20</a:t>
             </a:fld>
             <a:endParaRPr lang="en-US"/>
           </a:p>
@@ -6937,560 +7709,6 @@
 </p:sld>
 </file>
 
-<file path=ppt/slides/slide19.xml><?xml version="1.0" encoding="utf-8"?>
-<p:sld xmlns:a="http://schemas.openxmlformats.org/drawingml/2006/main" xmlns:r="http://schemas.openxmlformats.org/officeDocument/2006/relationships" xmlns:p="http://schemas.openxmlformats.org/presentationml/2006/main">
-  <p:cSld>
-    <p:spTree>
-      <p:nvGrpSpPr>
-        <p:cNvPr id="1" name=""/>
-        <p:cNvGrpSpPr/>
-        <p:nvPr/>
-      </p:nvGrpSpPr>
-      <p:grpSpPr>
-        <a:xfrm>
-          <a:off x="0" y="0"/>
-          <a:ext cx="0" cy="0"/>
-          <a:chOff x="0" y="0"/>
-          <a:chExt cx="0" cy="0"/>
-        </a:xfrm>
-      </p:grpSpPr>
-      <p:sp>
-        <p:nvSpPr>
-          <p:cNvPr id="2" name="Title 1">
-            <a:extLst>
-              <a:ext uri="{FF2B5EF4-FFF2-40B4-BE49-F238E27FC236}">
-                <a16:creationId xmlns:a16="http://schemas.microsoft.com/office/drawing/2014/main" id="{71DBD2D0-E504-4E46-B672-425972770860}"/>
-              </a:ext>
-            </a:extLst>
-          </p:cNvPr>
-          <p:cNvSpPr>
-            <a:spLocks noGrp="1"/>
-          </p:cNvSpPr>
-          <p:nvPr>
-            <p:ph type="title"/>
-          </p:nvPr>
-        </p:nvSpPr>
-        <p:spPr/>
-        <p:txBody>
-          <a:bodyPr/>
-          <a:lstStyle/>
-          <a:p>
-            <a:r>
-              <a:rPr lang="en-US" dirty="0"/>
-              <a:t>Overview</a:t>
-            </a:r>
-          </a:p>
-        </p:txBody>
-      </p:sp>
-      <p:sp>
-        <p:nvSpPr>
-          <p:cNvPr id="3" name="Content Placeholder 2">
-            <a:extLst>
-              <a:ext uri="{FF2B5EF4-FFF2-40B4-BE49-F238E27FC236}">
-                <a16:creationId xmlns:a16="http://schemas.microsoft.com/office/drawing/2014/main" id="{97721FA8-877C-0D43-AF19-4C75EECB089A}"/>
-              </a:ext>
-            </a:extLst>
-          </p:cNvPr>
-          <p:cNvSpPr>
-            <a:spLocks noGrp="1"/>
-          </p:cNvSpPr>
-          <p:nvPr>
-            <p:ph idx="1"/>
-          </p:nvPr>
-        </p:nvSpPr>
-        <p:spPr/>
-        <p:txBody>
-          <a:bodyPr>
-            <a:normAutofit lnSpcReduction="10000"/>
-          </a:bodyPr>
-          <a:lstStyle/>
-          <a:p>
-            <a:r>
-              <a:rPr lang="en-US" dirty="0">
-                <a:solidFill>
-                  <a:schemeClr val="bg1">
-                    <a:lumMod val="50000"/>
-                  </a:schemeClr>
-                </a:solidFill>
-              </a:rPr>
-              <a:t>Project Description</a:t>
-            </a:r>
-          </a:p>
-          <a:p>
-            <a:endParaRPr lang="en-US" dirty="0">
-              <a:solidFill>
-                <a:schemeClr val="bg1">
-                  <a:lumMod val="50000"/>
-                </a:schemeClr>
-              </a:solidFill>
-            </a:endParaRPr>
-          </a:p>
-          <a:p>
-            <a:r>
-              <a:rPr lang="en-US" dirty="0">
-                <a:solidFill>
-                  <a:schemeClr val="bg1">
-                    <a:lumMod val="50000"/>
-                  </a:schemeClr>
-                </a:solidFill>
-              </a:rPr>
-              <a:t>Functional Requirements</a:t>
-            </a:r>
-          </a:p>
-          <a:p>
-            <a:endParaRPr lang="en-US" dirty="0">
-              <a:solidFill>
-                <a:schemeClr val="bg1">
-                  <a:lumMod val="50000"/>
-                </a:schemeClr>
-              </a:solidFill>
-            </a:endParaRPr>
-          </a:p>
-          <a:p>
-            <a:r>
-              <a:rPr lang="en-US" dirty="0">
-                <a:solidFill>
-                  <a:schemeClr val="bg1">
-                    <a:lumMod val="50000"/>
-                  </a:schemeClr>
-                </a:solidFill>
-              </a:rPr>
-              <a:t>Nonfunctional Requirements</a:t>
-            </a:r>
-          </a:p>
-          <a:p>
-            <a:endParaRPr lang="en-US" dirty="0">
-              <a:solidFill>
-                <a:schemeClr val="bg1">
-                  <a:lumMod val="50000"/>
-                </a:schemeClr>
-              </a:solidFill>
-            </a:endParaRPr>
-          </a:p>
-          <a:p>
-            <a:r>
-              <a:rPr lang="en-US" dirty="0">
-                <a:solidFill>
-                  <a:schemeClr val="bg1">
-                    <a:lumMod val="50000"/>
-                  </a:schemeClr>
-                </a:solidFill>
-              </a:rPr>
-              <a:t>Use Cases</a:t>
-            </a:r>
-          </a:p>
-          <a:p>
-            <a:endParaRPr lang="en-US" dirty="0">
-              <a:solidFill>
-                <a:schemeClr val="bg1">
-                  <a:lumMod val="50000"/>
-                </a:schemeClr>
-              </a:solidFill>
-            </a:endParaRPr>
-          </a:p>
-          <a:p>
-            <a:r>
-              <a:rPr lang="en-US" dirty="0"/>
-              <a:t>Reflection</a:t>
-            </a:r>
-          </a:p>
-        </p:txBody>
-      </p:sp>
-      <p:sp>
-        <p:nvSpPr>
-          <p:cNvPr id="4" name="Slide Number Placeholder 3">
-            <a:extLst>
-              <a:ext uri="{FF2B5EF4-FFF2-40B4-BE49-F238E27FC236}">
-                <a16:creationId xmlns:a16="http://schemas.microsoft.com/office/drawing/2014/main" id="{E01D80DE-56A4-514D-A5E4-DEEC4CF5FC82}"/>
-              </a:ext>
-            </a:extLst>
-          </p:cNvPr>
-          <p:cNvSpPr>
-            <a:spLocks noGrp="1"/>
-          </p:cNvSpPr>
-          <p:nvPr>
-            <p:ph type="sldNum" sz="quarter" idx="12"/>
-          </p:nvPr>
-        </p:nvSpPr>
-        <p:spPr/>
-        <p:txBody>
-          <a:bodyPr/>
-          <a:lstStyle/>
-          <a:p>
-            <a:fld id="{59467819-B74A-7D46-BC68-B37107E692DD}" type="slidenum">
-              <a:rPr lang="en-US" smtClean="0"/>
-              <a:t>19</a:t>
-            </a:fld>
-            <a:endParaRPr lang="en-US"/>
-          </a:p>
-        </p:txBody>
-      </p:sp>
-      <p:pic>
-        <p:nvPicPr>
-          <p:cNvPr id="6" name="Picture 5">
-            <a:extLst>
-              <a:ext uri="{FF2B5EF4-FFF2-40B4-BE49-F238E27FC236}">
-                <a16:creationId xmlns:a16="http://schemas.microsoft.com/office/drawing/2014/main" id="{3DF8597C-7847-46F8-B6C0-45B1AAD3A107}"/>
-              </a:ext>
-            </a:extLst>
-          </p:cNvPr>
-          <p:cNvPicPr>
-            <a:picLocks noChangeAspect="1"/>
-          </p:cNvPicPr>
-          <p:nvPr/>
-        </p:nvPicPr>
-        <p:blipFill>
-          <a:blip r:embed="rId2"/>
-          <a:stretch>
-            <a:fillRect/>
-          </a:stretch>
-        </p:blipFill>
-        <p:spPr>
-          <a:xfrm>
-            <a:off x="108857" y="165364"/>
-            <a:ext cx="857783" cy="857783"/>
-          </a:xfrm>
-          <a:prstGeom prst="rect">
-            <a:avLst/>
-          </a:prstGeom>
-        </p:spPr>
-      </p:pic>
-    </p:spTree>
-    <p:extLst>
-      <p:ext uri="{BB962C8B-B14F-4D97-AF65-F5344CB8AC3E}">
-        <p14:creationId xmlns:p14="http://schemas.microsoft.com/office/powerpoint/2010/main" val="3490719668"/>
-      </p:ext>
-    </p:extLst>
-  </p:cSld>
-  <p:clrMapOvr>
-    <a:masterClrMapping/>
-  </p:clrMapOvr>
-</p:sld>
-</file>
-
-<file path=ppt/slides/slide2.xml><?xml version="1.0" encoding="utf-8"?>
-<p:sld xmlns:a="http://schemas.openxmlformats.org/drawingml/2006/main" xmlns:r="http://schemas.openxmlformats.org/officeDocument/2006/relationships" xmlns:p="http://schemas.openxmlformats.org/presentationml/2006/main">
-  <p:cSld>
-    <p:spTree>
-      <p:nvGrpSpPr>
-        <p:cNvPr id="1" name=""/>
-        <p:cNvGrpSpPr/>
-        <p:nvPr/>
-      </p:nvGrpSpPr>
-      <p:grpSpPr>
-        <a:xfrm>
-          <a:off x="0" y="0"/>
-          <a:ext cx="0" cy="0"/>
-          <a:chOff x="0" y="0"/>
-          <a:chExt cx="0" cy="0"/>
-        </a:xfrm>
-      </p:grpSpPr>
-      <p:sp>
-        <p:nvSpPr>
-          <p:cNvPr id="2" name="Title 1">
-            <a:extLst>
-              <a:ext uri="{FF2B5EF4-FFF2-40B4-BE49-F238E27FC236}">
-                <a16:creationId xmlns:a16="http://schemas.microsoft.com/office/drawing/2014/main" id="{71DBD2D0-E504-4E46-B672-425972770860}"/>
-              </a:ext>
-            </a:extLst>
-          </p:cNvPr>
-          <p:cNvSpPr>
-            <a:spLocks noGrp="1"/>
-          </p:cNvSpPr>
-          <p:nvPr>
-            <p:ph type="title"/>
-          </p:nvPr>
-        </p:nvSpPr>
-        <p:spPr/>
-        <p:txBody>
-          <a:bodyPr/>
-          <a:lstStyle/>
-          <a:p>
-            <a:r>
-              <a:rPr lang="en-US" dirty="0"/>
-              <a:t>Overview</a:t>
-            </a:r>
-          </a:p>
-        </p:txBody>
-      </p:sp>
-      <p:sp>
-        <p:nvSpPr>
-          <p:cNvPr id="3" name="Content Placeholder 2">
-            <a:extLst>
-              <a:ext uri="{FF2B5EF4-FFF2-40B4-BE49-F238E27FC236}">
-                <a16:creationId xmlns:a16="http://schemas.microsoft.com/office/drawing/2014/main" id="{97721FA8-877C-0D43-AF19-4C75EECB089A}"/>
-              </a:ext>
-            </a:extLst>
-          </p:cNvPr>
-          <p:cNvSpPr>
-            <a:spLocks noGrp="1"/>
-          </p:cNvSpPr>
-          <p:nvPr>
-            <p:ph idx="1"/>
-          </p:nvPr>
-        </p:nvSpPr>
-        <p:spPr/>
-        <p:txBody>
-          <a:bodyPr>
-            <a:normAutofit lnSpcReduction="10000"/>
-          </a:bodyPr>
-          <a:lstStyle/>
-          <a:p>
-            <a:r>
-              <a:rPr lang="en-US" dirty="0"/>
-              <a:t>Project Description</a:t>
-            </a:r>
-          </a:p>
-          <a:p>
-            <a:endParaRPr lang="en-US" dirty="0"/>
-          </a:p>
-          <a:p>
-            <a:r>
-              <a:rPr lang="en-US" dirty="0"/>
-              <a:t>Functional Requirements</a:t>
-            </a:r>
-          </a:p>
-          <a:p>
-            <a:endParaRPr lang="en-US" dirty="0"/>
-          </a:p>
-          <a:p>
-            <a:r>
-              <a:rPr lang="en-US" dirty="0"/>
-              <a:t>Nonfunctional Requirements</a:t>
-            </a:r>
-          </a:p>
-          <a:p>
-            <a:endParaRPr lang="en-US" dirty="0"/>
-          </a:p>
-          <a:p>
-            <a:r>
-              <a:rPr lang="en-US" dirty="0"/>
-              <a:t>Use Cases </a:t>
-            </a:r>
-          </a:p>
-          <a:p>
-            <a:endParaRPr lang="en-US" dirty="0"/>
-          </a:p>
-          <a:p>
-            <a:r>
-              <a:rPr lang="en-US" dirty="0"/>
-              <a:t>Reflection</a:t>
-            </a:r>
-          </a:p>
-        </p:txBody>
-      </p:sp>
-      <p:sp>
-        <p:nvSpPr>
-          <p:cNvPr id="4" name="Slide Number Placeholder 3">
-            <a:extLst>
-              <a:ext uri="{FF2B5EF4-FFF2-40B4-BE49-F238E27FC236}">
-                <a16:creationId xmlns:a16="http://schemas.microsoft.com/office/drawing/2014/main" id="{36B3A4F1-178B-8E44-AF3E-D067B56AF78F}"/>
-              </a:ext>
-            </a:extLst>
-          </p:cNvPr>
-          <p:cNvSpPr>
-            <a:spLocks noGrp="1"/>
-          </p:cNvSpPr>
-          <p:nvPr>
-            <p:ph type="sldNum" sz="quarter" idx="12"/>
-          </p:nvPr>
-        </p:nvSpPr>
-        <p:spPr/>
-        <p:txBody>
-          <a:bodyPr/>
-          <a:lstStyle/>
-          <a:p>
-            <a:fld id="{59467819-B74A-7D46-BC68-B37107E692DD}" type="slidenum">
-              <a:rPr lang="en-US" smtClean="0"/>
-              <a:t>2</a:t>
-            </a:fld>
-            <a:endParaRPr lang="en-US"/>
-          </a:p>
-        </p:txBody>
-      </p:sp>
-      <p:pic>
-        <p:nvPicPr>
-          <p:cNvPr id="6" name="Picture 5">
-            <a:extLst>
-              <a:ext uri="{FF2B5EF4-FFF2-40B4-BE49-F238E27FC236}">
-                <a16:creationId xmlns:a16="http://schemas.microsoft.com/office/drawing/2014/main" id="{34C74C0B-9D7C-4BA3-A639-418F877B613E}"/>
-              </a:ext>
-            </a:extLst>
-          </p:cNvPr>
-          <p:cNvPicPr>
-            <a:picLocks noChangeAspect="1"/>
-          </p:cNvPicPr>
-          <p:nvPr/>
-        </p:nvPicPr>
-        <p:blipFill>
-          <a:blip r:embed="rId2"/>
-          <a:stretch>
-            <a:fillRect/>
-          </a:stretch>
-        </p:blipFill>
-        <p:spPr>
-          <a:xfrm>
-            <a:off x="108857" y="165364"/>
-            <a:ext cx="857783" cy="857783"/>
-          </a:xfrm>
-          <a:prstGeom prst="rect">
-            <a:avLst/>
-          </a:prstGeom>
-        </p:spPr>
-      </p:pic>
-    </p:spTree>
-    <p:extLst>
-      <p:ext uri="{BB962C8B-B14F-4D97-AF65-F5344CB8AC3E}">
-        <p14:creationId xmlns:p14="http://schemas.microsoft.com/office/powerpoint/2010/main" val="736191612"/>
-      </p:ext>
-    </p:extLst>
-  </p:cSld>
-  <p:clrMapOvr>
-    <a:masterClrMapping/>
-  </p:clrMapOvr>
-</p:sld>
-</file>
-
-<file path=ppt/slides/slide20.xml><?xml version="1.0" encoding="utf-8"?>
-<p:sld xmlns:a="http://schemas.openxmlformats.org/drawingml/2006/main" xmlns:r="http://schemas.openxmlformats.org/officeDocument/2006/relationships" xmlns:p="http://schemas.openxmlformats.org/presentationml/2006/main">
-  <p:cSld>
-    <p:spTree>
-      <p:nvGrpSpPr>
-        <p:cNvPr id="1" name=""/>
-        <p:cNvGrpSpPr/>
-        <p:nvPr/>
-      </p:nvGrpSpPr>
-      <p:grpSpPr>
-        <a:xfrm>
-          <a:off x="0" y="0"/>
-          <a:ext cx="0" cy="0"/>
-          <a:chOff x="0" y="0"/>
-          <a:chExt cx="0" cy="0"/>
-        </a:xfrm>
-      </p:grpSpPr>
-      <p:sp>
-        <p:nvSpPr>
-          <p:cNvPr id="2" name="Title 1">
-            <a:extLst>
-              <a:ext uri="{FF2B5EF4-FFF2-40B4-BE49-F238E27FC236}">
-                <a16:creationId xmlns:a16="http://schemas.microsoft.com/office/drawing/2014/main" id="{60F1A4C7-EB84-2441-BE19-77CA07950025}"/>
-              </a:ext>
-            </a:extLst>
-          </p:cNvPr>
-          <p:cNvSpPr>
-            <a:spLocks noGrp="1"/>
-          </p:cNvSpPr>
-          <p:nvPr>
-            <p:ph type="title"/>
-          </p:nvPr>
-        </p:nvSpPr>
-        <p:spPr/>
-        <p:txBody>
-          <a:bodyPr/>
-          <a:lstStyle/>
-          <a:p>
-            <a:r>
-              <a:rPr lang="en-US" dirty="0"/>
-              <a:t>Reflection</a:t>
-            </a:r>
-            <a:br>
-              <a:rPr lang="en-US" dirty="0"/>
-            </a:br>
-            <a:r>
-              <a:rPr lang="en-US" dirty="0"/>
-              <a:t>What went well</a:t>
-            </a:r>
-          </a:p>
-        </p:txBody>
-      </p:sp>
-      <p:sp>
-        <p:nvSpPr>
-          <p:cNvPr id="3" name="Content Placeholder 2">
-            <a:extLst>
-              <a:ext uri="{FF2B5EF4-FFF2-40B4-BE49-F238E27FC236}">
-                <a16:creationId xmlns:a16="http://schemas.microsoft.com/office/drawing/2014/main" id="{CAA5DA0C-C976-E544-8AC1-D9AF13CFD0B0}"/>
-              </a:ext>
-            </a:extLst>
-          </p:cNvPr>
-          <p:cNvSpPr>
-            <a:spLocks noGrp="1"/>
-          </p:cNvSpPr>
-          <p:nvPr>
-            <p:ph idx="1"/>
-          </p:nvPr>
-        </p:nvSpPr>
-        <p:spPr/>
-        <p:txBody>
-          <a:bodyPr vert="horz" lIns="91440" tIns="45720" rIns="91440" bIns="45720" rtlCol="0" anchor="t">
-            <a:normAutofit/>
-          </a:bodyPr>
-          <a:lstStyle/>
-          <a:p>
-            <a:r>
-              <a:rPr lang="en-US" dirty="0">
-                <a:cs typeface="Calibri"/>
-              </a:rPr>
-              <a:t>Met consistently. Made progress along the way. </a:t>
-            </a:r>
-          </a:p>
-          <a:p>
-            <a:endParaRPr lang="en-US" dirty="0">
-              <a:cs typeface="Calibri"/>
-            </a:endParaRPr>
-          </a:p>
-          <a:p>
-            <a:r>
-              <a:rPr lang="en-US" dirty="0">
-                <a:cs typeface="Calibri"/>
-              </a:rPr>
-              <a:t>Allowed us to refine questions and requirements.</a:t>
-            </a:r>
-            <a:endParaRPr lang="en-US" dirty="0"/>
-          </a:p>
-        </p:txBody>
-      </p:sp>
-      <p:sp>
-        <p:nvSpPr>
-          <p:cNvPr id="4" name="Slide Number Placeholder 3">
-            <a:extLst>
-              <a:ext uri="{FF2B5EF4-FFF2-40B4-BE49-F238E27FC236}">
-                <a16:creationId xmlns:a16="http://schemas.microsoft.com/office/drawing/2014/main" id="{20F935D9-B521-9044-A1D1-73B1EDF71D62}"/>
-              </a:ext>
-            </a:extLst>
-          </p:cNvPr>
-          <p:cNvSpPr>
-            <a:spLocks noGrp="1"/>
-          </p:cNvSpPr>
-          <p:nvPr>
-            <p:ph type="sldNum" sz="quarter" idx="12"/>
-          </p:nvPr>
-        </p:nvSpPr>
-        <p:spPr/>
-        <p:txBody>
-          <a:bodyPr/>
-          <a:lstStyle/>
-          <a:p>
-            <a:fld id="{59467819-B74A-7D46-BC68-B37107E692DD}" type="slidenum">
-              <a:rPr lang="en-US" smtClean="0"/>
-              <a:t>20</a:t>
-            </a:fld>
-            <a:endParaRPr lang="en-US"/>
-          </a:p>
-        </p:txBody>
-      </p:sp>
-    </p:spTree>
-    <p:extLst>
-      <p:ext uri="{BB962C8B-B14F-4D97-AF65-F5344CB8AC3E}">
-        <p14:creationId xmlns:p14="http://schemas.microsoft.com/office/powerpoint/2010/main" val="3292633072"/>
-      </p:ext>
-    </p:extLst>
-  </p:cSld>
-  <p:clrMapOvr>
-    <a:masterClrMapping/>
-  </p:clrMapOvr>
-</p:sld>
-</file>
-
 <file path=ppt/slides/slide21.xml><?xml version="1.0" encoding="utf-8"?>
 <p:sld xmlns:a="http://schemas.openxmlformats.org/drawingml/2006/main" xmlns:r="http://schemas.openxmlformats.org/officeDocument/2006/relationships" xmlns:p="http://schemas.openxmlformats.org/presentationml/2006/main">
   <p:cSld>
@@ -7513,7 +7731,7 @@
           <p:cNvPr id="2" name="Title 1">
             <a:extLst>
               <a:ext uri="{FF2B5EF4-FFF2-40B4-BE49-F238E27FC236}">
-                <a16:creationId xmlns:a16="http://schemas.microsoft.com/office/drawing/2014/main" id="{E7E162ED-B91E-2F4F-8647-9081B3D8FE5B}"/>
+                <a16:creationId xmlns:a16="http://schemas.microsoft.com/office/drawing/2014/main" id="{71DBD2D0-E504-4E46-B672-425972770860}"/>
               </a:ext>
             </a:extLst>
           </p:cNvPr>
@@ -7528,87 +7746,125 @@
         <p:txBody>
           <a:bodyPr/>
           <a:lstStyle/>
+          <a:p>
+            <a:r>
+              <a:rPr lang="en-US" dirty="0"/>
+              <a:t>Overview</a:t>
+            </a:r>
+          </a:p>
+        </p:txBody>
+      </p:sp>
+      <p:sp>
+        <p:nvSpPr>
+          <p:cNvPr id="3" name="Content Placeholder 2">
+            <a:extLst>
+              <a:ext uri="{FF2B5EF4-FFF2-40B4-BE49-F238E27FC236}">
+                <a16:creationId xmlns:a16="http://schemas.microsoft.com/office/drawing/2014/main" id="{97721FA8-877C-0D43-AF19-4C75EECB089A}"/>
+              </a:ext>
+            </a:extLst>
+          </p:cNvPr>
+          <p:cNvSpPr>
+            <a:spLocks noGrp="1"/>
+          </p:cNvSpPr>
+          <p:nvPr>
+            <p:ph idx="1"/>
+          </p:nvPr>
+        </p:nvSpPr>
+        <p:spPr/>
+        <p:txBody>
+          <a:bodyPr>
+            <a:normAutofit lnSpcReduction="10000"/>
+          </a:bodyPr>
+          <a:lstStyle/>
+          <a:p>
+            <a:r>
+              <a:rPr lang="en-US" dirty="0">
+                <a:solidFill>
+                  <a:schemeClr val="bg1">
+                    <a:lumMod val="50000"/>
+                  </a:schemeClr>
+                </a:solidFill>
+              </a:rPr>
+              <a:t>Project Description</a:t>
+            </a:r>
+          </a:p>
+          <a:p>
+            <a:endParaRPr lang="en-US" dirty="0">
+              <a:solidFill>
+                <a:schemeClr val="bg1">
+                  <a:lumMod val="50000"/>
+                </a:schemeClr>
+              </a:solidFill>
+            </a:endParaRPr>
+          </a:p>
+          <a:p>
+            <a:r>
+              <a:rPr lang="en-US" dirty="0">
+                <a:solidFill>
+                  <a:schemeClr val="bg1">
+                    <a:lumMod val="50000"/>
+                  </a:schemeClr>
+                </a:solidFill>
+              </a:rPr>
+              <a:t>Functional Requirements</a:t>
+            </a:r>
+          </a:p>
+          <a:p>
+            <a:endParaRPr lang="en-US" dirty="0">
+              <a:solidFill>
+                <a:schemeClr val="bg1">
+                  <a:lumMod val="50000"/>
+                </a:schemeClr>
+              </a:solidFill>
+            </a:endParaRPr>
+          </a:p>
+          <a:p>
+            <a:r>
+              <a:rPr lang="en-US" dirty="0">
+                <a:solidFill>
+                  <a:schemeClr val="bg1">
+                    <a:lumMod val="50000"/>
+                  </a:schemeClr>
+                </a:solidFill>
+              </a:rPr>
+              <a:t>Nonfunctional Requirements</a:t>
+            </a:r>
+          </a:p>
+          <a:p>
+            <a:endParaRPr lang="en-US" dirty="0">
+              <a:solidFill>
+                <a:schemeClr val="bg1">
+                  <a:lumMod val="50000"/>
+                </a:schemeClr>
+              </a:solidFill>
+            </a:endParaRPr>
+          </a:p>
+          <a:p>
+            <a:r>
+              <a:rPr lang="en-US" dirty="0">
+                <a:solidFill>
+                  <a:schemeClr val="bg1">
+                    <a:lumMod val="50000"/>
+                  </a:schemeClr>
+                </a:solidFill>
+              </a:rPr>
+              <a:t>Use Cases</a:t>
+            </a:r>
+          </a:p>
+          <a:p>
+            <a:endParaRPr lang="en-US" dirty="0">
+              <a:solidFill>
+                <a:schemeClr val="bg1">
+                  <a:lumMod val="50000"/>
+                </a:schemeClr>
+              </a:solidFill>
+            </a:endParaRPr>
+          </a:p>
           <a:p>
             <a:r>
               <a:rPr lang="en-US" dirty="0"/>
               <a:t>Reflection</a:t>
             </a:r>
-            <a:br>
-              <a:rPr lang="en-US" dirty="0"/>
-            </a:br>
-            <a:r>
-              <a:rPr lang="en-US" dirty="0"/>
-              <a:t>Something to Improve</a:t>
-            </a:r>
-          </a:p>
-        </p:txBody>
-      </p:sp>
-      <p:sp>
-        <p:nvSpPr>
-          <p:cNvPr id="3" name="Content Placeholder 2">
-            <a:extLst>
-              <a:ext uri="{FF2B5EF4-FFF2-40B4-BE49-F238E27FC236}">
-                <a16:creationId xmlns:a16="http://schemas.microsoft.com/office/drawing/2014/main" id="{223C465A-B74B-C248-AD77-EAB344363F9D}"/>
-              </a:ext>
-            </a:extLst>
-          </p:cNvPr>
-          <p:cNvSpPr>
-            <a:spLocks noGrp="1"/>
-          </p:cNvSpPr>
-          <p:nvPr>
-            <p:ph idx="1"/>
-          </p:nvPr>
-        </p:nvSpPr>
-        <p:spPr/>
-        <p:txBody>
-          <a:bodyPr vert="horz" lIns="91440" tIns="45720" rIns="91440" bIns="45720" rtlCol="0" anchor="t">
-            <a:normAutofit/>
-          </a:bodyPr>
-          <a:lstStyle/>
-          <a:p>
-            <a:r>
-              <a:rPr lang="en-US" dirty="0">
-                <a:cs typeface="Calibri"/>
-              </a:rPr>
-              <a:t>Complete use case</a:t>
-            </a:r>
-          </a:p>
-          <a:p>
-            <a:endParaRPr lang="en-US" dirty="0">
-              <a:cs typeface="Calibri"/>
-            </a:endParaRPr>
-          </a:p>
-          <a:p>
-            <a:r>
-              <a:rPr lang="en-US" dirty="0">
-                <a:cs typeface="Calibri"/>
-              </a:rPr>
-              <a:t>Discuss User interface</a:t>
-            </a:r>
-          </a:p>
-          <a:p>
-            <a:endParaRPr lang="en-US" dirty="0">
-              <a:cs typeface="Calibri"/>
-            </a:endParaRPr>
-          </a:p>
-          <a:p>
-            <a:r>
-              <a:rPr lang="en-US" dirty="0" err="1">
-                <a:cs typeface="Calibri"/>
-              </a:rPr>
-              <a:t>jframe</a:t>
-            </a:r>
-            <a:r>
-              <a:rPr lang="en-US" dirty="0">
-                <a:cs typeface="Calibri"/>
-              </a:rPr>
-              <a:t>, applet, terminal. </a:t>
-            </a:r>
-          </a:p>
-          <a:p>
-            <a:endParaRPr lang="en-US" dirty="0">
-              <a:cs typeface="Calibri"/>
-            </a:endParaRPr>
           </a:p>
         </p:txBody>
       </p:sp>
@@ -7617,7 +7873,7 @@
           <p:cNvPr id="4" name="Slide Number Placeholder 3">
             <a:extLst>
               <a:ext uri="{FF2B5EF4-FFF2-40B4-BE49-F238E27FC236}">
-                <a16:creationId xmlns:a16="http://schemas.microsoft.com/office/drawing/2014/main" id="{9E8FCF79-6DA7-FB44-BC45-0DCDE8B51E4F}"/>
+                <a16:creationId xmlns:a16="http://schemas.microsoft.com/office/drawing/2014/main" id="{E01D80DE-56A4-514D-A5E4-DEEC4CF5FC82}"/>
               </a:ext>
             </a:extLst>
           </p:cNvPr>
@@ -7644,7 +7900,7 @@
     </p:spTree>
     <p:extLst>
       <p:ext uri="{BB962C8B-B14F-4D97-AF65-F5344CB8AC3E}">
-        <p14:creationId xmlns:p14="http://schemas.microsoft.com/office/powerpoint/2010/main" val="3973559364"/>
+        <p14:creationId xmlns:p14="http://schemas.microsoft.com/office/powerpoint/2010/main" val="3490719668"/>
       </p:ext>
     </p:extLst>
   </p:cSld>
@@ -7676,6 +7932,309 @@
           <p:cNvPr id="2" name="Title 1">
             <a:extLst>
               <a:ext uri="{FF2B5EF4-FFF2-40B4-BE49-F238E27FC236}">
+                <a16:creationId xmlns:a16="http://schemas.microsoft.com/office/drawing/2014/main" id="{60F1A4C7-EB84-2441-BE19-77CA07950025}"/>
+              </a:ext>
+            </a:extLst>
+          </p:cNvPr>
+          <p:cNvSpPr>
+            <a:spLocks noGrp="1"/>
+          </p:cNvSpPr>
+          <p:nvPr>
+            <p:ph type="title"/>
+          </p:nvPr>
+        </p:nvSpPr>
+        <p:spPr/>
+        <p:txBody>
+          <a:bodyPr/>
+          <a:lstStyle/>
+          <a:p>
+            <a:r>
+              <a:rPr lang="en-US" dirty="0"/>
+              <a:t>Reflection</a:t>
+            </a:r>
+            <a:br>
+              <a:rPr lang="en-US" dirty="0"/>
+            </a:br>
+            <a:r>
+              <a:rPr lang="en-US" dirty="0"/>
+              <a:t>What went well</a:t>
+            </a:r>
+          </a:p>
+        </p:txBody>
+      </p:sp>
+      <p:sp>
+        <p:nvSpPr>
+          <p:cNvPr id="3" name="Content Placeholder 2">
+            <a:extLst>
+              <a:ext uri="{FF2B5EF4-FFF2-40B4-BE49-F238E27FC236}">
+                <a16:creationId xmlns:a16="http://schemas.microsoft.com/office/drawing/2014/main" id="{CAA5DA0C-C976-E544-8AC1-D9AF13CFD0B0}"/>
+              </a:ext>
+            </a:extLst>
+          </p:cNvPr>
+          <p:cNvSpPr>
+            <a:spLocks noGrp="1"/>
+          </p:cNvSpPr>
+          <p:nvPr>
+            <p:ph idx="1"/>
+          </p:nvPr>
+        </p:nvSpPr>
+        <p:spPr/>
+        <p:txBody>
+          <a:bodyPr vert="horz" lIns="91440" tIns="45720" rIns="91440" bIns="45720" rtlCol="0" anchor="t">
+            <a:normAutofit/>
+          </a:bodyPr>
+          <a:lstStyle/>
+          <a:p>
+            <a:r>
+              <a:rPr lang="en-US" dirty="0">
+                <a:cs typeface="Calibri"/>
+              </a:rPr>
+              <a:t>Met consistently. Made progress along the way. </a:t>
+            </a:r>
+          </a:p>
+          <a:p>
+            <a:endParaRPr lang="en-US" dirty="0">
+              <a:cs typeface="Calibri"/>
+            </a:endParaRPr>
+          </a:p>
+          <a:p>
+            <a:r>
+              <a:rPr lang="en-US" dirty="0">
+                <a:cs typeface="Calibri"/>
+              </a:rPr>
+              <a:t>Allowed us to refine questions and requirements.</a:t>
+            </a:r>
+            <a:endParaRPr lang="en-US" dirty="0"/>
+          </a:p>
+        </p:txBody>
+      </p:sp>
+      <p:sp>
+        <p:nvSpPr>
+          <p:cNvPr id="4" name="Slide Number Placeholder 3">
+            <a:extLst>
+              <a:ext uri="{FF2B5EF4-FFF2-40B4-BE49-F238E27FC236}">
+                <a16:creationId xmlns:a16="http://schemas.microsoft.com/office/drawing/2014/main" id="{20F935D9-B521-9044-A1D1-73B1EDF71D62}"/>
+              </a:ext>
+            </a:extLst>
+          </p:cNvPr>
+          <p:cNvSpPr>
+            <a:spLocks noGrp="1"/>
+          </p:cNvSpPr>
+          <p:nvPr>
+            <p:ph type="sldNum" sz="quarter" idx="12"/>
+          </p:nvPr>
+        </p:nvSpPr>
+        <p:spPr/>
+        <p:txBody>
+          <a:bodyPr/>
+          <a:lstStyle/>
+          <a:p>
+            <a:fld id="{59467819-B74A-7D46-BC68-B37107E692DD}" type="slidenum">
+              <a:rPr lang="en-US" smtClean="0"/>
+              <a:t>22</a:t>
+            </a:fld>
+            <a:endParaRPr lang="en-US"/>
+          </a:p>
+        </p:txBody>
+      </p:sp>
+    </p:spTree>
+    <p:extLst>
+      <p:ext uri="{BB962C8B-B14F-4D97-AF65-F5344CB8AC3E}">
+        <p14:creationId xmlns:p14="http://schemas.microsoft.com/office/powerpoint/2010/main" val="3292633072"/>
+      </p:ext>
+    </p:extLst>
+  </p:cSld>
+  <p:clrMapOvr>
+    <a:masterClrMapping/>
+  </p:clrMapOvr>
+</p:sld>
+</file>
+
+<file path=ppt/slides/slide23.xml><?xml version="1.0" encoding="utf-8"?>
+<p:sld xmlns:a="http://schemas.openxmlformats.org/drawingml/2006/main" xmlns:r="http://schemas.openxmlformats.org/officeDocument/2006/relationships" xmlns:p="http://schemas.openxmlformats.org/presentationml/2006/main">
+  <p:cSld>
+    <p:spTree>
+      <p:nvGrpSpPr>
+        <p:cNvPr id="1" name=""/>
+        <p:cNvGrpSpPr/>
+        <p:nvPr/>
+      </p:nvGrpSpPr>
+      <p:grpSpPr>
+        <a:xfrm>
+          <a:off x="0" y="0"/>
+          <a:ext cx="0" cy="0"/>
+          <a:chOff x="0" y="0"/>
+          <a:chExt cx="0" cy="0"/>
+        </a:xfrm>
+      </p:grpSpPr>
+      <p:sp>
+        <p:nvSpPr>
+          <p:cNvPr id="2" name="Title 1">
+            <a:extLst>
+              <a:ext uri="{FF2B5EF4-FFF2-40B4-BE49-F238E27FC236}">
+                <a16:creationId xmlns:a16="http://schemas.microsoft.com/office/drawing/2014/main" id="{E7E162ED-B91E-2F4F-8647-9081B3D8FE5B}"/>
+              </a:ext>
+            </a:extLst>
+          </p:cNvPr>
+          <p:cNvSpPr>
+            <a:spLocks noGrp="1"/>
+          </p:cNvSpPr>
+          <p:nvPr>
+            <p:ph type="title"/>
+          </p:nvPr>
+        </p:nvSpPr>
+        <p:spPr/>
+        <p:txBody>
+          <a:bodyPr/>
+          <a:lstStyle/>
+          <a:p>
+            <a:r>
+              <a:rPr lang="en-US" dirty="0"/>
+              <a:t>Reflection</a:t>
+            </a:r>
+            <a:br>
+              <a:rPr lang="en-US" dirty="0"/>
+            </a:br>
+            <a:r>
+              <a:rPr lang="en-US" dirty="0"/>
+              <a:t>Something to Improve</a:t>
+            </a:r>
+          </a:p>
+        </p:txBody>
+      </p:sp>
+      <p:sp>
+        <p:nvSpPr>
+          <p:cNvPr id="3" name="Content Placeholder 2">
+            <a:extLst>
+              <a:ext uri="{FF2B5EF4-FFF2-40B4-BE49-F238E27FC236}">
+                <a16:creationId xmlns:a16="http://schemas.microsoft.com/office/drawing/2014/main" id="{223C465A-B74B-C248-AD77-EAB344363F9D}"/>
+              </a:ext>
+            </a:extLst>
+          </p:cNvPr>
+          <p:cNvSpPr>
+            <a:spLocks noGrp="1"/>
+          </p:cNvSpPr>
+          <p:nvPr>
+            <p:ph idx="1"/>
+          </p:nvPr>
+        </p:nvSpPr>
+        <p:spPr/>
+        <p:txBody>
+          <a:bodyPr vert="horz" lIns="91440" tIns="45720" rIns="91440" bIns="45720" rtlCol="0" anchor="t">
+            <a:normAutofit/>
+          </a:bodyPr>
+          <a:lstStyle/>
+          <a:p>
+            <a:r>
+              <a:rPr lang="en-US" dirty="0">
+                <a:cs typeface="Calibri"/>
+              </a:rPr>
+              <a:t>Complete use case</a:t>
+            </a:r>
+          </a:p>
+          <a:p>
+            <a:endParaRPr lang="en-US" dirty="0">
+              <a:cs typeface="Calibri"/>
+            </a:endParaRPr>
+          </a:p>
+          <a:p>
+            <a:r>
+              <a:rPr lang="en-US" dirty="0">
+                <a:cs typeface="Calibri"/>
+              </a:rPr>
+              <a:t>Discuss User interface</a:t>
+            </a:r>
+          </a:p>
+          <a:p>
+            <a:endParaRPr lang="en-US" dirty="0">
+              <a:cs typeface="Calibri"/>
+            </a:endParaRPr>
+          </a:p>
+          <a:p>
+            <a:r>
+              <a:rPr lang="en-US" dirty="0" err="1">
+                <a:cs typeface="Calibri"/>
+              </a:rPr>
+              <a:t>jframe</a:t>
+            </a:r>
+            <a:r>
+              <a:rPr lang="en-US" dirty="0">
+                <a:cs typeface="Calibri"/>
+              </a:rPr>
+              <a:t>, applet, terminal. </a:t>
+            </a:r>
+          </a:p>
+          <a:p>
+            <a:endParaRPr lang="en-US" dirty="0">
+              <a:cs typeface="Calibri"/>
+            </a:endParaRPr>
+          </a:p>
+        </p:txBody>
+      </p:sp>
+      <p:sp>
+        <p:nvSpPr>
+          <p:cNvPr id="4" name="Slide Number Placeholder 3">
+            <a:extLst>
+              <a:ext uri="{FF2B5EF4-FFF2-40B4-BE49-F238E27FC236}">
+                <a16:creationId xmlns:a16="http://schemas.microsoft.com/office/drawing/2014/main" id="{9E8FCF79-6DA7-FB44-BC45-0DCDE8B51E4F}"/>
+              </a:ext>
+            </a:extLst>
+          </p:cNvPr>
+          <p:cNvSpPr>
+            <a:spLocks noGrp="1"/>
+          </p:cNvSpPr>
+          <p:nvPr>
+            <p:ph type="sldNum" sz="quarter" idx="12"/>
+          </p:nvPr>
+        </p:nvSpPr>
+        <p:spPr/>
+        <p:txBody>
+          <a:bodyPr/>
+          <a:lstStyle/>
+          <a:p>
+            <a:fld id="{59467819-B74A-7D46-BC68-B37107E692DD}" type="slidenum">
+              <a:rPr lang="en-US" smtClean="0"/>
+              <a:t>23</a:t>
+            </a:fld>
+            <a:endParaRPr lang="en-US"/>
+          </a:p>
+        </p:txBody>
+      </p:sp>
+    </p:spTree>
+    <p:extLst>
+      <p:ext uri="{BB962C8B-B14F-4D97-AF65-F5344CB8AC3E}">
+        <p14:creationId xmlns:p14="http://schemas.microsoft.com/office/powerpoint/2010/main" val="3973559364"/>
+      </p:ext>
+    </p:extLst>
+  </p:cSld>
+  <p:clrMapOvr>
+    <a:masterClrMapping/>
+  </p:clrMapOvr>
+</p:sld>
+</file>
+
+<file path=ppt/slides/slide24.xml><?xml version="1.0" encoding="utf-8"?>
+<p:sld xmlns:a="http://schemas.openxmlformats.org/drawingml/2006/main" xmlns:r="http://schemas.openxmlformats.org/officeDocument/2006/relationships" xmlns:p="http://schemas.openxmlformats.org/presentationml/2006/main">
+  <p:cSld>
+    <p:spTree>
+      <p:nvGrpSpPr>
+        <p:cNvPr id="1" name=""/>
+        <p:cNvGrpSpPr/>
+        <p:nvPr/>
+      </p:nvGrpSpPr>
+      <p:grpSpPr>
+        <a:xfrm>
+          <a:off x="0" y="0"/>
+          <a:ext cx="0" cy="0"/>
+          <a:chOff x="0" y="0"/>
+          <a:chExt cx="0" cy="0"/>
+        </a:xfrm>
+      </p:grpSpPr>
+      <p:sp>
+        <p:nvSpPr>
+          <p:cNvPr id="2" name="Title 1">
+            <a:extLst>
+              <a:ext uri="{FF2B5EF4-FFF2-40B4-BE49-F238E27FC236}">
                 <a16:creationId xmlns:a16="http://schemas.microsoft.com/office/drawing/2014/main" id="{71DBD2D0-E504-4E46-B672-425972770860}"/>
               </a:ext>
             </a:extLst>
@@ -7788,7 +8347,7 @@
           <a:p>
             <a:fld id="{59467819-B74A-7D46-BC68-B37107E692DD}" type="slidenum">
               <a:rPr lang="en-US" smtClean="0"/>
-              <a:t>22</a:t>
+              <a:t>24</a:t>
             </a:fld>
             <a:endParaRPr lang="en-US"/>
           </a:p>
@@ -7829,7 +8388,7 @@
           <p:cNvPr id="2" name="Title 1">
             <a:extLst>
               <a:ext uri="{FF2B5EF4-FFF2-40B4-BE49-F238E27FC236}">
-                <a16:creationId xmlns:a16="http://schemas.microsoft.com/office/drawing/2014/main" id="{EED52289-4F84-5446-8275-81FBE462287C}"/>
+                <a16:creationId xmlns:a16="http://schemas.microsoft.com/office/drawing/2014/main" id="{7954D10D-0750-447E-AC5A-70AF1F3038F1}"/>
               </a:ext>
             </a:extLst>
           </p:cNvPr>
@@ -7840,71 +8399,19 @@
             <p:ph type="title"/>
           </p:nvPr>
         </p:nvSpPr>
-        <p:spPr/>
+        <p:spPr>
+          <a:xfrm>
+            <a:off x="838200" y="365125"/>
+            <a:ext cx="10515600" cy="1325563"/>
+          </a:xfrm>
+        </p:spPr>
         <p:txBody>
           <a:bodyPr/>
           <a:lstStyle/>
           <a:p>
             <a:r>
               <a:rPr lang="en-US" dirty="0"/>
-              <a:t>Project Overview</a:t>
-            </a:r>
-          </a:p>
-        </p:txBody>
-      </p:sp>
-      <p:sp>
-        <p:nvSpPr>
-          <p:cNvPr id="3" name="Content Placeholder 2">
-            <a:extLst>
-              <a:ext uri="{FF2B5EF4-FFF2-40B4-BE49-F238E27FC236}">
-                <a16:creationId xmlns:a16="http://schemas.microsoft.com/office/drawing/2014/main" id="{2458A0A8-D52C-5645-A5A5-187BFF4A40EF}"/>
-              </a:ext>
-            </a:extLst>
-          </p:cNvPr>
-          <p:cNvSpPr>
-            <a:spLocks noGrp="1"/>
-          </p:cNvSpPr>
-          <p:nvPr>
-            <p:ph idx="1"/>
-          </p:nvPr>
-        </p:nvSpPr>
-        <p:spPr/>
-        <p:txBody>
-          <a:bodyPr vert="horz" lIns="91440" tIns="45720" rIns="91440" bIns="45720" rtlCol="0" anchor="t">
-            <a:normAutofit/>
-          </a:bodyPr>
-          <a:lstStyle/>
-          <a:p>
-            <a:r>
-              <a:rPr lang="en-US" dirty="0">
-                <a:cs typeface="Calibri"/>
-              </a:rPr>
-              <a:t>Purpose: Application will help Mayor Mann simulate traffic flow and allow the city to plan construction projects.</a:t>
-            </a:r>
-          </a:p>
-          <a:p>
-            <a:endParaRPr lang="en-US" dirty="0">
-              <a:cs typeface="Calibri"/>
-            </a:endParaRPr>
-          </a:p>
-          <a:p>
-            <a:r>
-              <a:rPr lang="en-US" dirty="0">
-                <a:cs typeface="Calibri"/>
-              </a:rPr>
-              <a:t>Scope: Allow user to investigate impact of changing traffic </a:t>
-            </a:r>
-            <a:r>
-              <a:rPr lang="en-US">
-                <a:cs typeface="Calibri"/>
-              </a:rPr>
-              <a:t>components</a:t>
-            </a:r>
-            <a:r>
-              <a:rPr lang="en-US" dirty="0">
-                <a:cs typeface="Calibri"/>
-              </a:rPr>
-              <a:t> placement vs density of traffic. </a:t>
+              <a:t>Our client</a:t>
             </a:r>
           </a:p>
         </p:txBody>
@@ -7914,7 +8421,7 @@
           <p:cNvPr id="4" name="Slide Number Placeholder 3">
             <a:extLst>
               <a:ext uri="{FF2B5EF4-FFF2-40B4-BE49-F238E27FC236}">
-                <a16:creationId xmlns:a16="http://schemas.microsoft.com/office/drawing/2014/main" id="{5123D5F3-CC13-484A-A9BA-1F5A2D275F1D}"/>
+                <a16:creationId xmlns:a16="http://schemas.microsoft.com/office/drawing/2014/main" id="{D37E0E9B-FFE4-41F0-8A7F-08B7B35B1ACE}"/>
               </a:ext>
             </a:extLst>
           </p:cNvPr>
@@ -7925,7 +8432,12 @@
             <p:ph type="sldNum" sz="quarter" idx="12"/>
           </p:nvPr>
         </p:nvSpPr>
-        <p:spPr/>
+        <p:spPr>
+          <a:xfrm>
+            <a:off x="8610600" y="6356350"/>
+            <a:ext cx="2743200" cy="365125"/>
+          </a:xfrm>
+        </p:spPr>
         <p:txBody>
           <a:bodyPr/>
           <a:lstStyle/>
@@ -7934,16 +8446,16 @@
               <a:rPr lang="en-US" smtClean="0"/>
               <a:t>3</a:t>
             </a:fld>
-            <a:endParaRPr lang="en-US"/>
+            <a:endParaRPr lang="en-US" dirty="0"/>
           </a:p>
         </p:txBody>
       </p:sp>
       <p:pic>
         <p:nvPicPr>
-          <p:cNvPr id="6" name="Picture 5">
-            <a:extLst>
-              <a:ext uri="{FF2B5EF4-FFF2-40B4-BE49-F238E27FC236}">
-                <a16:creationId xmlns:a16="http://schemas.microsoft.com/office/drawing/2014/main" id="{50D09492-A3CD-4EC0-8FBE-ECB867291171}"/>
+          <p:cNvPr id="6" name="Picture 5" descr="A drawing of a cartoon character&#10;&#10;Description automatically generated">
+            <a:extLst>
+              <a:ext uri="{FF2B5EF4-FFF2-40B4-BE49-F238E27FC236}">
+                <a16:creationId xmlns:a16="http://schemas.microsoft.com/office/drawing/2014/main" id="{BC58F36A-047C-4F2A-BF0E-98292A018052}"/>
               </a:ext>
             </a:extLst>
           </p:cNvPr>
@@ -7960,24 +8472,361 @@
         </p:blipFill>
         <p:spPr>
           <a:xfrm>
-            <a:off x="108857" y="165364"/>
-            <a:ext cx="857783" cy="857783"/>
+            <a:off x="1424940" y="3429000"/>
+            <a:ext cx="1981200" cy="2314575"/>
           </a:xfrm>
           <a:prstGeom prst="rect">
             <a:avLst/>
           </a:prstGeom>
         </p:spPr>
       </p:pic>
+      <p:sp>
+        <p:nvSpPr>
+          <p:cNvPr id="7" name="TextBox 6">
+            <a:extLst>
+              <a:ext uri="{FF2B5EF4-FFF2-40B4-BE49-F238E27FC236}">
+                <a16:creationId xmlns:a16="http://schemas.microsoft.com/office/drawing/2014/main" id="{665CC3AB-F755-4097-A06C-133D8502D296}"/>
+              </a:ext>
+            </a:extLst>
+          </p:cNvPr>
+          <p:cNvSpPr txBox="1"/>
+          <p:nvPr/>
+        </p:nvSpPr>
+        <p:spPr>
+          <a:xfrm>
+            <a:off x="698980" y="2847099"/>
+            <a:ext cx="2552220" cy="369332"/>
+          </a:xfrm>
+          <a:prstGeom prst="rect">
+            <a:avLst/>
+          </a:prstGeom>
+          <a:noFill/>
+        </p:spPr>
+        <p:txBody>
+          <a:bodyPr wrap="square" rtlCol="0">
+            <a:spAutoFit/>
+          </a:bodyPr>
+          <a:lstStyle/>
+          <a:p>
+            <a:r>
+              <a:rPr lang="en-US" dirty="0"/>
+              <a:t>The Pac Mayor man</a:t>
+            </a:r>
+          </a:p>
+        </p:txBody>
+      </p:sp>
+      <p:pic>
+        <p:nvPicPr>
+          <p:cNvPr id="9" name="Picture 8" descr="A picture containing object&#10;&#10;Description automatically generated">
+            <a:extLst>
+              <a:ext uri="{FF2B5EF4-FFF2-40B4-BE49-F238E27FC236}">
+                <a16:creationId xmlns:a16="http://schemas.microsoft.com/office/drawing/2014/main" id="{3DFE67D1-6639-43DA-939E-72762872DA9D}"/>
+              </a:ext>
+            </a:extLst>
+          </p:cNvPr>
+          <p:cNvPicPr>
+            <a:picLocks noChangeAspect="1"/>
+          </p:cNvPicPr>
+          <p:nvPr/>
+        </p:nvPicPr>
+        <p:blipFill>
+          <a:blip r:embed="rId3"/>
+          <a:stretch>
+            <a:fillRect/>
+          </a:stretch>
+        </p:blipFill>
+        <p:spPr>
+          <a:xfrm>
+            <a:off x="4905847" y="1558819"/>
+            <a:ext cx="3704753" cy="4757944"/>
+          </a:xfrm>
+          <a:prstGeom prst="rect">
+            <a:avLst/>
+          </a:prstGeom>
+        </p:spPr>
+      </p:pic>
+      <p:sp>
+        <p:nvSpPr>
+          <p:cNvPr id="10" name="TextBox 9">
+            <a:extLst>
+              <a:ext uri="{FF2B5EF4-FFF2-40B4-BE49-F238E27FC236}">
+                <a16:creationId xmlns:a16="http://schemas.microsoft.com/office/drawing/2014/main" id="{2B61CAA9-B8F3-4953-BDAF-F4AA1C5C8142}"/>
+              </a:ext>
+            </a:extLst>
+          </p:cNvPr>
+          <p:cNvSpPr txBox="1"/>
+          <p:nvPr/>
+        </p:nvSpPr>
+        <p:spPr>
+          <a:xfrm>
+            <a:off x="6013751" y="971817"/>
+            <a:ext cx="2989943" cy="492443"/>
+          </a:xfrm>
+          <a:prstGeom prst="rect">
+            <a:avLst/>
+          </a:prstGeom>
+          <a:noFill/>
+        </p:spPr>
+        <p:txBody>
+          <a:bodyPr wrap="square" rtlCol="0">
+            <a:spAutoFit/>
+          </a:bodyPr>
+          <a:lstStyle/>
+          <a:p>
+            <a:r>
+              <a:rPr lang="en-US" sz="2600" dirty="0"/>
+              <a:t>Pixi City</a:t>
+            </a:r>
+          </a:p>
+        </p:txBody>
+      </p:sp>
+      <p:sp>
+        <p:nvSpPr>
+          <p:cNvPr id="12" name="Content Placeholder 11">
+            <a:extLst>
+              <a:ext uri="{FF2B5EF4-FFF2-40B4-BE49-F238E27FC236}">
+                <a16:creationId xmlns:a16="http://schemas.microsoft.com/office/drawing/2014/main" id="{9A82F9AC-0500-4827-950F-CED32711FED7}"/>
+              </a:ext>
+            </a:extLst>
+          </p:cNvPr>
+          <p:cNvSpPr>
+            <a:spLocks noGrp="1"/>
+          </p:cNvSpPr>
+          <p:nvPr>
+            <p:ph idx="1"/>
+          </p:nvPr>
+        </p:nvSpPr>
+        <p:spPr/>
+        <p:txBody>
+          <a:bodyPr/>
+          <a:lstStyle/>
+          <a:p>
+            <a:endParaRPr lang="en-US"/>
+          </a:p>
+        </p:txBody>
+      </p:sp>
     </p:spTree>
     <p:extLst>
       <p:ext uri="{BB962C8B-B14F-4D97-AF65-F5344CB8AC3E}">
-        <p14:creationId xmlns:p14="http://schemas.microsoft.com/office/powerpoint/2010/main" val="4243173223"/>
+        <p14:creationId xmlns:p14="http://schemas.microsoft.com/office/powerpoint/2010/main" val="1584519945"/>
       </p:ext>
     </p:extLst>
   </p:cSld>
   <p:clrMapOvr>
     <a:masterClrMapping/>
   </p:clrMapOvr>
+  <p:timing>
+    <p:tnLst>
+      <p:par>
+        <p:cTn id="1" dur="indefinite" restart="never" nodeType="tmRoot">
+          <p:childTnLst>
+            <p:seq concurrent="1" nextAc="seek">
+              <p:cTn id="2" dur="indefinite" nodeType="mainSeq">
+                <p:childTnLst>
+                  <p:par>
+                    <p:cTn id="3" fill="hold">
+                      <p:stCondLst>
+                        <p:cond delay="indefinite"/>
+                      </p:stCondLst>
+                      <p:childTnLst>
+                        <p:par>
+                          <p:cTn id="4" fill="hold">
+                            <p:stCondLst>
+                              <p:cond delay="0"/>
+                            </p:stCondLst>
+                            <p:childTnLst>
+                              <p:par>
+                                <p:cTn id="5" presetID="2" presetClass="entr" presetSubtype="4" fill="hold" nodeType="clickEffect">
+                                  <p:stCondLst>
+                                    <p:cond delay="0"/>
+                                  </p:stCondLst>
+                                  <p:childTnLst>
+                                    <p:set>
+                                      <p:cBhvr>
+                                        <p:cTn id="6" dur="1" fill="hold">
+                                          <p:stCondLst>
+                                            <p:cond delay="0"/>
+                                          </p:stCondLst>
+                                        </p:cTn>
+                                        <p:tgtEl>
+                                          <p:spTgt spid="6"/>
+                                        </p:tgtEl>
+                                        <p:attrNameLst>
+                                          <p:attrName>style.visibility</p:attrName>
+                                        </p:attrNameLst>
+                                      </p:cBhvr>
+                                      <p:to>
+                                        <p:strVal val="visible"/>
+                                      </p:to>
+                                    </p:set>
+                                    <p:anim calcmode="lin" valueType="num">
+                                      <p:cBhvr additive="base">
+                                        <p:cTn id="7" dur="500" fill="hold"/>
+                                        <p:tgtEl>
+                                          <p:spTgt spid="6"/>
+                                        </p:tgtEl>
+                                        <p:attrNameLst>
+                                          <p:attrName>ppt_x</p:attrName>
+                                        </p:attrNameLst>
+                                      </p:cBhvr>
+                                      <p:tavLst>
+                                        <p:tav tm="0">
+                                          <p:val>
+                                            <p:strVal val="#ppt_x"/>
+                                          </p:val>
+                                        </p:tav>
+                                        <p:tav tm="100000">
+                                          <p:val>
+                                            <p:strVal val="#ppt_x"/>
+                                          </p:val>
+                                        </p:tav>
+                                      </p:tavLst>
+                                    </p:anim>
+                                    <p:anim calcmode="lin" valueType="num">
+                                      <p:cBhvr additive="base">
+                                        <p:cTn id="8" dur="500" fill="hold"/>
+                                        <p:tgtEl>
+                                          <p:spTgt spid="6"/>
+                                        </p:tgtEl>
+                                        <p:attrNameLst>
+                                          <p:attrName>ppt_y</p:attrName>
+                                        </p:attrNameLst>
+                                      </p:cBhvr>
+                                      <p:tavLst>
+                                        <p:tav tm="0">
+                                          <p:val>
+                                            <p:strVal val="1+#ppt_h/2"/>
+                                          </p:val>
+                                        </p:tav>
+                                        <p:tav tm="100000">
+                                          <p:val>
+                                            <p:strVal val="#ppt_y"/>
+                                          </p:val>
+                                        </p:tav>
+                                      </p:tavLst>
+                                    </p:anim>
+                                  </p:childTnLst>
+                                </p:cTn>
+                              </p:par>
+                            </p:childTnLst>
+                          </p:cTn>
+                        </p:par>
+                      </p:childTnLst>
+                    </p:cTn>
+                  </p:par>
+                  <p:par>
+                    <p:cTn id="9" fill="hold">
+                      <p:stCondLst>
+                        <p:cond delay="indefinite"/>
+                      </p:stCondLst>
+                      <p:childTnLst>
+                        <p:par>
+                          <p:cTn id="10" fill="hold">
+                            <p:stCondLst>
+                              <p:cond delay="0"/>
+                            </p:stCondLst>
+                            <p:childTnLst>
+                              <p:par>
+                                <p:cTn id="11" presetID="2" presetClass="entr" presetSubtype="4" fill="hold" nodeType="clickEffect">
+                                  <p:stCondLst>
+                                    <p:cond delay="0"/>
+                                  </p:stCondLst>
+                                  <p:childTnLst>
+                                    <p:set>
+                                      <p:cBhvr>
+                                        <p:cTn id="12" dur="1" fill="hold">
+                                          <p:stCondLst>
+                                            <p:cond delay="0"/>
+                                          </p:stCondLst>
+                                        </p:cTn>
+                                        <p:tgtEl>
+                                          <p:spTgt spid="9"/>
+                                        </p:tgtEl>
+                                        <p:attrNameLst>
+                                          <p:attrName>style.visibility</p:attrName>
+                                        </p:attrNameLst>
+                                      </p:cBhvr>
+                                      <p:to>
+                                        <p:strVal val="visible"/>
+                                      </p:to>
+                                    </p:set>
+                                    <p:anim calcmode="lin" valueType="num">
+                                      <p:cBhvr additive="base">
+                                        <p:cTn id="13" dur="500" fill="hold"/>
+                                        <p:tgtEl>
+                                          <p:spTgt spid="9"/>
+                                        </p:tgtEl>
+                                        <p:attrNameLst>
+                                          <p:attrName>ppt_x</p:attrName>
+                                        </p:attrNameLst>
+                                      </p:cBhvr>
+                                      <p:tavLst>
+                                        <p:tav tm="0">
+                                          <p:val>
+                                            <p:strVal val="#ppt_x"/>
+                                          </p:val>
+                                        </p:tav>
+                                        <p:tav tm="100000">
+                                          <p:val>
+                                            <p:strVal val="#ppt_x"/>
+                                          </p:val>
+                                        </p:tav>
+                                      </p:tavLst>
+                                    </p:anim>
+                                    <p:anim calcmode="lin" valueType="num">
+                                      <p:cBhvr additive="base">
+                                        <p:cTn id="14" dur="500" fill="hold"/>
+                                        <p:tgtEl>
+                                          <p:spTgt spid="9"/>
+                                        </p:tgtEl>
+                                        <p:attrNameLst>
+                                          <p:attrName>ppt_y</p:attrName>
+                                        </p:attrNameLst>
+                                      </p:cBhvr>
+                                      <p:tavLst>
+                                        <p:tav tm="0">
+                                          <p:val>
+                                            <p:strVal val="1+#ppt_h/2"/>
+                                          </p:val>
+                                        </p:tav>
+                                        <p:tav tm="100000">
+                                          <p:val>
+                                            <p:strVal val="#ppt_y"/>
+                                          </p:val>
+                                        </p:tav>
+                                      </p:tavLst>
+                                    </p:anim>
+                                  </p:childTnLst>
+                                </p:cTn>
+                              </p:par>
+                            </p:childTnLst>
+                          </p:cTn>
+                        </p:par>
+                      </p:childTnLst>
+                    </p:cTn>
+                  </p:par>
+                </p:childTnLst>
+              </p:cTn>
+              <p:prevCondLst>
+                <p:cond evt="onPrev" delay="0">
+                  <p:tgtEl>
+                    <p:sldTgt/>
+                  </p:tgtEl>
+                </p:cond>
+              </p:prevCondLst>
+              <p:nextCondLst>
+                <p:cond evt="onNext" delay="0">
+                  <p:tgtEl>
+                    <p:sldTgt/>
+                  </p:tgtEl>
+                </p:cond>
+              </p:nextCondLst>
+            </p:seq>
+          </p:childTnLst>
+        </p:cTn>
+      </p:par>
+    </p:tnLst>
+  </p:timing>
 </p:sld>
 </file>
 
@@ -8003,7 +8852,7 @@
           <p:cNvPr id="2" name="Title 1">
             <a:extLst>
               <a:ext uri="{FF2B5EF4-FFF2-40B4-BE49-F238E27FC236}">
-                <a16:creationId xmlns:a16="http://schemas.microsoft.com/office/drawing/2014/main" id="{B367656B-78D1-9644-9C8F-2BC5F97A155C}"/>
+                <a16:creationId xmlns:a16="http://schemas.microsoft.com/office/drawing/2014/main" id="{F50F7250-DBB8-41C6-A248-192D79768227}"/>
               </a:ext>
             </a:extLst>
           </p:cNvPr>
@@ -8021,104 +8870,26 @@
           <a:p>
             <a:r>
               <a:rPr lang="en-US" dirty="0"/>
-              <a:t>Objectives and Success Criteria</a:t>
-            </a:r>
-          </a:p>
-        </p:txBody>
-      </p:sp>
-      <p:sp>
-        <p:nvSpPr>
-          <p:cNvPr id="3" name="Content Placeholder 2">
-            <a:extLst>
-              <a:ext uri="{FF2B5EF4-FFF2-40B4-BE49-F238E27FC236}">
-                <a16:creationId xmlns:a16="http://schemas.microsoft.com/office/drawing/2014/main" id="{686C2C8E-577D-8245-8C74-1C87EEF56629}"/>
-              </a:ext>
-            </a:extLst>
-          </p:cNvPr>
-          <p:cNvSpPr>
-            <a:spLocks noGrp="1"/>
-          </p:cNvSpPr>
-          <p:nvPr>
-            <p:ph idx="1"/>
-          </p:nvPr>
-        </p:nvSpPr>
-        <p:spPr/>
-        <p:txBody>
-          <a:bodyPr vert="horz" lIns="91440" tIns="45720" rIns="91440" bIns="45720" rtlCol="0" anchor="t">
-            <a:normAutofit/>
-          </a:bodyPr>
-          <a:lstStyle/>
-          <a:p>
-            <a:r>
-              <a:rPr lang="en-US">
-                <a:cs typeface="Calibri"/>
-              </a:rPr>
-              <a:t>Give user most realistic view of the traffic flow</a:t>
-            </a:r>
-          </a:p>
-          <a:p>
-            <a:r>
-              <a:rPr lang="en-US">
-                <a:cs typeface="Calibri"/>
-              </a:rPr>
-              <a:t>System allows multiple simulations to be run with various combination</a:t>
-            </a:r>
-          </a:p>
-          <a:p>
-            <a:r>
-              <a:rPr lang="en-US">
-                <a:cs typeface="Calibri"/>
-              </a:rPr>
-              <a:t>Simulation will be finished once every car on the map reaches their destination</a:t>
-            </a:r>
-            <a:endParaRPr lang="en-US" dirty="0">
-              <a:cs typeface="Calibri"/>
-            </a:endParaRPr>
-          </a:p>
-        </p:txBody>
-      </p:sp>
-      <p:sp>
-        <p:nvSpPr>
-          <p:cNvPr id="4" name="Slide Number Placeholder 3">
-            <a:extLst>
-              <a:ext uri="{FF2B5EF4-FFF2-40B4-BE49-F238E27FC236}">
-                <a16:creationId xmlns:a16="http://schemas.microsoft.com/office/drawing/2014/main" id="{DE5E95E1-CE97-AE46-8AA0-99AE9BFC618B}"/>
-              </a:ext>
-            </a:extLst>
-          </p:cNvPr>
-          <p:cNvSpPr>
-            <a:spLocks noGrp="1"/>
-          </p:cNvSpPr>
-          <p:nvPr>
-            <p:ph type="sldNum" sz="quarter" idx="12"/>
-          </p:nvPr>
-        </p:nvSpPr>
-        <p:spPr/>
-        <p:txBody>
-          <a:bodyPr/>
-          <a:lstStyle/>
-          <a:p>
-            <a:fld id="{59467819-B74A-7D46-BC68-B37107E692DD}" type="slidenum">
-              <a:rPr lang="en-US" smtClean="0"/>
-              <a:t>4</a:t>
-            </a:fld>
-            <a:endParaRPr lang="en-US"/>
+              <a:t>Our Client</a:t>
+            </a:r>
           </a:p>
         </p:txBody>
       </p:sp>
       <p:pic>
         <p:nvPicPr>
-          <p:cNvPr id="6" name="Picture 5">
-            <a:extLst>
-              <a:ext uri="{FF2B5EF4-FFF2-40B4-BE49-F238E27FC236}">
-                <a16:creationId xmlns:a16="http://schemas.microsoft.com/office/drawing/2014/main" id="{1D0B8BAC-EBD9-4C1A-AF1A-60F654C88190}"/>
+          <p:cNvPr id="6" name="Content Placeholder 5">
+            <a:extLst>
+              <a:ext uri="{FF2B5EF4-FFF2-40B4-BE49-F238E27FC236}">
+                <a16:creationId xmlns:a16="http://schemas.microsoft.com/office/drawing/2014/main" id="{67577F12-8338-4F4A-A13B-AD179E965042}"/>
               </a:ext>
             </a:extLst>
           </p:cNvPr>
           <p:cNvPicPr>
-            <a:picLocks noChangeAspect="1"/>
+            <a:picLocks noGrp="1" noChangeAspect="1"/>
           </p:cNvPicPr>
-          <p:nvPr/>
+          <p:nvPr>
+            <p:ph idx="1"/>
+          </p:nvPr>
         </p:nvPicPr>
         <p:blipFill>
           <a:blip r:embed="rId2"/>
@@ -8128,18 +8899,109 @@
         </p:blipFill>
         <p:spPr>
           <a:xfrm>
-            <a:off x="108857" y="165364"/>
-            <a:ext cx="857783" cy="857783"/>
+            <a:off x="449580" y="1737678"/>
+            <a:ext cx="5542406" cy="4618672"/>
+          </a:xfrm>
+        </p:spPr>
+      </p:pic>
+      <p:sp>
+        <p:nvSpPr>
+          <p:cNvPr id="4" name="Slide Number Placeholder 3">
+            <a:extLst>
+              <a:ext uri="{FF2B5EF4-FFF2-40B4-BE49-F238E27FC236}">
+                <a16:creationId xmlns:a16="http://schemas.microsoft.com/office/drawing/2014/main" id="{772F9228-2D0C-423C-8892-426B697F5E6D}"/>
+              </a:ext>
+            </a:extLst>
+          </p:cNvPr>
+          <p:cNvSpPr>
+            <a:spLocks noGrp="1"/>
+          </p:cNvSpPr>
+          <p:nvPr>
+            <p:ph type="sldNum" sz="quarter" idx="12"/>
+          </p:nvPr>
+        </p:nvSpPr>
+        <p:spPr/>
+        <p:txBody>
+          <a:bodyPr/>
+          <a:lstStyle/>
+          <a:p>
+            <a:fld id="{59467819-B74A-7D46-BC68-B37107E692DD}" type="slidenum">
+              <a:rPr lang="en-US" smtClean="0"/>
+              <a:t>4</a:t>
+            </a:fld>
+            <a:endParaRPr lang="en-US"/>
+          </a:p>
+        </p:txBody>
+      </p:sp>
+      <p:pic>
+        <p:nvPicPr>
+          <p:cNvPr id="8" name="Picture 7" descr="A close up of a toy&#10;&#10;Description automatically generated">
+            <a:extLst>
+              <a:ext uri="{FF2B5EF4-FFF2-40B4-BE49-F238E27FC236}">
+                <a16:creationId xmlns:a16="http://schemas.microsoft.com/office/drawing/2014/main" id="{ED30635E-E399-408B-8F25-63EAF44B7D21}"/>
+              </a:ext>
+            </a:extLst>
+          </p:cNvPr>
+          <p:cNvPicPr>
+            <a:picLocks noChangeAspect="1"/>
+          </p:cNvPicPr>
+          <p:nvPr/>
+        </p:nvPicPr>
+        <p:blipFill>
+          <a:blip r:embed="rId3"/>
+          <a:stretch>
+            <a:fillRect/>
+          </a:stretch>
+        </p:blipFill>
+        <p:spPr>
+          <a:xfrm>
+            <a:off x="6541770" y="1690688"/>
+            <a:ext cx="5542406" cy="4618672"/>
           </a:xfrm>
           <a:prstGeom prst="rect">
             <a:avLst/>
           </a:prstGeom>
         </p:spPr>
       </p:pic>
+      <p:sp>
+        <p:nvSpPr>
+          <p:cNvPr id="9" name="TextBox 8">
+            <a:extLst>
+              <a:ext uri="{FF2B5EF4-FFF2-40B4-BE49-F238E27FC236}">
+                <a16:creationId xmlns:a16="http://schemas.microsoft.com/office/drawing/2014/main" id="{290C7F67-9064-4AFB-AD0A-53D0480EC0A8}"/>
+              </a:ext>
+            </a:extLst>
+          </p:cNvPr>
+          <p:cNvSpPr txBox="1"/>
+          <p:nvPr/>
+        </p:nvSpPr>
+        <p:spPr>
+          <a:xfrm>
+            <a:off x="7711440" y="6308209"/>
+            <a:ext cx="2633606" cy="369332"/>
+          </a:xfrm>
+          <a:prstGeom prst="rect">
+            <a:avLst/>
+          </a:prstGeom>
+          <a:noFill/>
+        </p:spPr>
+        <p:txBody>
+          <a:bodyPr wrap="none" rtlCol="0">
+            <a:spAutoFit/>
+          </a:bodyPr>
+          <a:lstStyle/>
+          <a:p>
+            <a:r>
+              <a:rPr lang="en-US" dirty="0"/>
+              <a:t>https://drawception.com/</a:t>
+            </a:r>
+          </a:p>
+        </p:txBody>
+      </p:sp>
     </p:spTree>
     <p:extLst>
       <p:ext uri="{BB962C8B-B14F-4D97-AF65-F5344CB8AC3E}">
-        <p14:creationId xmlns:p14="http://schemas.microsoft.com/office/powerpoint/2010/main" val="2476109687"/>
+        <p14:creationId xmlns:p14="http://schemas.microsoft.com/office/powerpoint/2010/main" val="945225168"/>
       </p:ext>
     </p:extLst>
   </p:cSld>
@@ -8171,7 +9033,7 @@
           <p:cNvPr id="2" name="Title 1">
             <a:extLst>
               <a:ext uri="{FF2B5EF4-FFF2-40B4-BE49-F238E27FC236}">
-                <a16:creationId xmlns:a16="http://schemas.microsoft.com/office/drawing/2014/main" id="{10DDBD25-8846-5743-B253-A7D3309A4DB6}"/>
+                <a16:creationId xmlns:a16="http://schemas.microsoft.com/office/drawing/2014/main" id="{EED52289-4F84-5446-8275-81FBE462287C}"/>
               </a:ext>
             </a:extLst>
           </p:cNvPr>
@@ -8189,7 +9051,7 @@
           <a:p>
             <a:r>
               <a:rPr lang="en-US" dirty="0"/>
-              <a:t>Proposed System Overview</a:t>
+              <a:t>Project Overview</a:t>
             </a:r>
           </a:p>
         </p:txBody>
@@ -8199,7 +9061,7 @@
           <p:cNvPr id="3" name="Content Placeholder 2">
             <a:extLst>
               <a:ext uri="{FF2B5EF4-FFF2-40B4-BE49-F238E27FC236}">
-                <a16:creationId xmlns:a16="http://schemas.microsoft.com/office/drawing/2014/main" id="{A763C582-A7AD-7A47-B9A0-1FE093C92060}"/>
+                <a16:creationId xmlns:a16="http://schemas.microsoft.com/office/drawing/2014/main" id="{2458A0A8-D52C-5645-A5A5-187BFF4A40EF}"/>
               </a:ext>
             </a:extLst>
           </p:cNvPr>
@@ -8218,52 +9080,24 @@
           <a:lstStyle/>
           <a:p>
             <a:r>
-              <a:rPr lang="en-US">
+              <a:rPr lang="en-US" dirty="0">
                 <a:cs typeface="Calibri"/>
               </a:rPr>
-              <a:t>System must allow Mayor Mann company to efficietlly determine the optimal traffic placement of traffic components</a:t>
-            </a:r>
-          </a:p>
-          <a:p>
-            <a:r>
-              <a:rPr lang="en-US">
-                <a:cs typeface="Calibri"/>
-              </a:rPr>
-              <a:t>Reports and statistics will be shown to help the user gain insights about the traffic flow. Some statistic fields include:</a:t>
-            </a:r>
-          </a:p>
-          <a:p>
-            <a:pPr lvl="1"/>
-            <a:r>
-              <a:rPr lang="en-US">
-                <a:cs typeface="Calibri"/>
-              </a:rPr>
-              <a:t>Density of a traffic node. (number of cars in a region)</a:t>
-            </a:r>
+              <a:t>Purpose: Application will help Mayor Mann simulate traffic flow and allow the city to plan construction projects.</a:t>
+            </a:r>
+          </a:p>
+          <a:p>
             <a:endParaRPr lang="en-US" dirty="0">
               <a:cs typeface="Calibri"/>
             </a:endParaRPr>
           </a:p>
           <a:p>
-            <a:pPr lvl="1"/>
-            <a:r>
-              <a:rPr lang="en-US">
+            <a:r>
+              <a:rPr lang="en-US" dirty="0">
                 <a:cs typeface="Calibri"/>
               </a:rPr>
-              <a:t>Density of flow coming in and out of an intersection</a:t>
-            </a:r>
-          </a:p>
-          <a:p>
-            <a:pPr lvl="1"/>
-            <a:r>
-              <a:rPr lang="en-US">
-                <a:cs typeface="Calibri"/>
-              </a:rPr>
-              <a:t>Speed and states of each car.</a:t>
-            </a:r>
-            <a:endParaRPr lang="en-US" dirty="0">
-              <a:cs typeface="Calibri"/>
-            </a:endParaRPr>
+              <a:t>Scope: Allow user to investigate impact of changing traffic components placement vs density of traffic. </a:t>
+            </a:r>
           </a:p>
         </p:txBody>
       </p:sp>
@@ -8272,7 +9106,7 @@
           <p:cNvPr id="4" name="Slide Number Placeholder 3">
             <a:extLst>
               <a:ext uri="{FF2B5EF4-FFF2-40B4-BE49-F238E27FC236}">
-                <a16:creationId xmlns:a16="http://schemas.microsoft.com/office/drawing/2014/main" id="{A1857A00-A035-8549-BC9A-2603B4C2F46B}"/>
+                <a16:creationId xmlns:a16="http://schemas.microsoft.com/office/drawing/2014/main" id="{5123D5F3-CC13-484A-A9BA-1F5A2D275F1D}"/>
               </a:ext>
             </a:extLst>
           </p:cNvPr>
@@ -8292,44 +9126,14 @@
               <a:rPr lang="en-US" smtClean="0"/>
               <a:t>5</a:t>
             </a:fld>
-            <a:endParaRPr lang="en-US"/>
-          </a:p>
-        </p:txBody>
-      </p:sp>
-      <p:pic>
-        <p:nvPicPr>
-          <p:cNvPr id="6" name="Picture 5">
-            <a:extLst>
-              <a:ext uri="{FF2B5EF4-FFF2-40B4-BE49-F238E27FC236}">
-                <a16:creationId xmlns:a16="http://schemas.microsoft.com/office/drawing/2014/main" id="{3A6E8A97-E57D-4A43-8B68-9F085C564C2A}"/>
-              </a:ext>
-            </a:extLst>
-          </p:cNvPr>
-          <p:cNvPicPr>
-            <a:picLocks noChangeAspect="1"/>
-          </p:cNvPicPr>
-          <p:nvPr/>
-        </p:nvPicPr>
-        <p:blipFill>
-          <a:blip r:embed="rId2"/>
-          <a:stretch>
-            <a:fillRect/>
-          </a:stretch>
-        </p:blipFill>
-        <p:spPr>
-          <a:xfrm>
-            <a:off x="108857" y="165364"/>
-            <a:ext cx="857783" cy="857783"/>
-          </a:xfrm>
-          <a:prstGeom prst="rect">
-            <a:avLst/>
-          </a:prstGeom>
-        </p:spPr>
-      </p:pic>
+            <a:endParaRPr lang="en-US" dirty="0"/>
+          </a:p>
+        </p:txBody>
+      </p:sp>
     </p:spTree>
     <p:extLst>
       <p:ext uri="{BB962C8B-B14F-4D97-AF65-F5344CB8AC3E}">
-        <p14:creationId xmlns:p14="http://schemas.microsoft.com/office/powerpoint/2010/main" val="1341931174"/>
+        <p14:creationId xmlns:p14="http://schemas.microsoft.com/office/powerpoint/2010/main" val="4243173223"/>
       </p:ext>
     </p:extLst>
   </p:cSld>
@@ -8361,7 +9165,7 @@
           <p:cNvPr id="2" name="Title 1">
             <a:extLst>
               <a:ext uri="{FF2B5EF4-FFF2-40B4-BE49-F238E27FC236}">
-                <a16:creationId xmlns:a16="http://schemas.microsoft.com/office/drawing/2014/main" id="{71DBD2D0-E504-4E46-B672-425972770860}"/>
+                <a16:creationId xmlns:a16="http://schemas.microsoft.com/office/drawing/2014/main" id="{B367656B-78D1-9644-9C8F-2BC5F97A155C}"/>
               </a:ext>
             </a:extLst>
           </p:cNvPr>
@@ -8379,7 +9183,7 @@
           <a:p>
             <a:r>
               <a:rPr lang="en-US" dirty="0"/>
-              <a:t>Overview</a:t>
+              <a:t>Objectives and Success Criteria</a:t>
             </a:r>
           </a:p>
         </p:txBody>
@@ -8389,7 +9193,7 @@
           <p:cNvPr id="3" name="Content Placeholder 2">
             <a:extLst>
               <a:ext uri="{FF2B5EF4-FFF2-40B4-BE49-F238E27FC236}">
-                <a16:creationId xmlns:a16="http://schemas.microsoft.com/office/drawing/2014/main" id="{97721FA8-877C-0D43-AF19-4C75EECB089A}"/>
+                <a16:creationId xmlns:a16="http://schemas.microsoft.com/office/drawing/2014/main" id="{686C2C8E-577D-8245-8C74-1C87EEF56629}"/>
               </a:ext>
             </a:extLst>
           </p:cNvPr>
@@ -8402,80 +9206,32 @@
         </p:nvSpPr>
         <p:spPr/>
         <p:txBody>
-          <a:bodyPr>
-            <a:normAutofit lnSpcReduction="10000"/>
+          <a:bodyPr vert="horz" lIns="91440" tIns="45720" rIns="91440" bIns="45720" rtlCol="0" anchor="t">
+            <a:normAutofit/>
           </a:bodyPr>
           <a:lstStyle/>
           <a:p>
             <a:r>
               <a:rPr lang="en-US" dirty="0">
-                <a:solidFill>
-                  <a:schemeClr val="bg1">
-                    <a:lumMod val="50000"/>
-                  </a:schemeClr>
-                </a:solidFill>
+                <a:cs typeface="Calibri"/>
               </a:rPr>
-              <a:t>Project Description</a:t>
-            </a:r>
-          </a:p>
-          <a:p>
-            <a:endParaRPr lang="en-US" dirty="0"/>
-          </a:p>
-          <a:p>
-            <a:r>
-              <a:rPr lang="en-US" dirty="0"/>
-              <a:t>Functional Requirements</a:t>
-            </a:r>
-          </a:p>
-          <a:p>
-            <a:endParaRPr lang="en-US" dirty="0"/>
+              <a:t>Give user most realistic view of the traffic flow</a:t>
+            </a:r>
           </a:p>
           <a:p>
             <a:r>
               <a:rPr lang="en-US" dirty="0">
-                <a:solidFill>
-                  <a:schemeClr val="bg1">
-                    <a:lumMod val="50000"/>
-                  </a:schemeClr>
-                </a:solidFill>
+                <a:cs typeface="Calibri"/>
               </a:rPr>
-              <a:t>Nonfunctional Requirements</a:t>
-            </a:r>
-          </a:p>
-          <a:p>
-            <a:endParaRPr lang="en-US" dirty="0"/>
+              <a:t>System allows multiple simulations to be run with various combination</a:t>
+            </a:r>
           </a:p>
           <a:p>
             <a:r>
               <a:rPr lang="en-US" dirty="0">
-                <a:solidFill>
-                  <a:schemeClr val="bg1">
-                    <a:lumMod val="50000"/>
-                  </a:schemeClr>
-                </a:solidFill>
+                <a:cs typeface="Calibri"/>
               </a:rPr>
-              <a:t>Use Cases</a:t>
-            </a:r>
-          </a:p>
-          <a:p>
-            <a:endParaRPr lang="en-US" dirty="0">
-              <a:solidFill>
-                <a:schemeClr val="bg1">
-                  <a:lumMod val="50000"/>
-                </a:schemeClr>
-              </a:solidFill>
-            </a:endParaRPr>
-          </a:p>
-          <a:p>
-            <a:r>
-              <a:rPr lang="en-US" dirty="0">
-                <a:solidFill>
-                  <a:schemeClr val="bg1">
-                    <a:lumMod val="50000"/>
-                  </a:schemeClr>
-                </a:solidFill>
-              </a:rPr>
-              <a:t>Reflection </a:t>
+              <a:t>Simulation will be finished once every car on the map reaches their destination</a:t>
             </a:r>
           </a:p>
         </p:txBody>
@@ -8485,7 +9241,7 @@
           <p:cNvPr id="4" name="Slide Number Placeholder 3">
             <a:extLst>
               <a:ext uri="{FF2B5EF4-FFF2-40B4-BE49-F238E27FC236}">
-                <a16:creationId xmlns:a16="http://schemas.microsoft.com/office/drawing/2014/main" id="{ABB93C73-6C2B-E84C-87B7-6F80FE58AF01}"/>
+                <a16:creationId xmlns:a16="http://schemas.microsoft.com/office/drawing/2014/main" id="{DE5E95E1-CE97-AE46-8AA0-99AE9BFC618B}"/>
               </a:ext>
             </a:extLst>
           </p:cNvPr>
@@ -8505,80 +9261,14 @@
               <a:rPr lang="en-US" smtClean="0"/>
               <a:t>6</a:t>
             </a:fld>
-            <a:endParaRPr lang="en-US"/>
-          </a:p>
-        </p:txBody>
-      </p:sp>
-      <p:sp>
-        <p:nvSpPr>
-          <p:cNvPr id="5" name="TextBox 4">
-            <a:extLst>
-              <a:ext uri="{FF2B5EF4-FFF2-40B4-BE49-F238E27FC236}">
-                <a16:creationId xmlns:a16="http://schemas.microsoft.com/office/drawing/2014/main" id="{1A044EBD-6CFA-4005-BA0D-2AFE81796754}"/>
-              </a:ext>
-            </a:extLst>
-          </p:cNvPr>
-          <p:cNvSpPr txBox="1"/>
-          <p:nvPr/>
-        </p:nvSpPr>
-        <p:spPr>
-          <a:xfrm>
-            <a:off x="3048000" y="3200400"/>
-            <a:ext cx="6096000" cy="369332"/>
-          </a:xfrm>
-          <a:prstGeom prst="rect">
-            <a:avLst/>
-          </a:prstGeom>
-        </p:spPr>
-        <p:txBody>
-          <a:bodyPr rot="0" spcFirstLastPara="0" vertOverflow="overflow" horzOverflow="overflow" vert="horz" wrap="square" lIns="91440" tIns="45720" rIns="91440" bIns="45720" numCol="1" spcCol="0" rtlCol="0" fromWordArt="0" anchor="t" anchorCtr="0" forceAA="0" compatLnSpc="1">
-            <a:prstTxWarp prst="textNoShape">
-              <a:avLst/>
-            </a:prstTxWarp>
-            <a:spAutoFit/>
-          </a:bodyPr>
-          <a:lstStyle/>
-          <a:p>
-            <a:endParaRPr lang="en-US" dirty="0">
-              <a:cs typeface="Calibri"/>
-            </a:endParaRPr>
-          </a:p>
-        </p:txBody>
-      </p:sp>
-      <p:pic>
-        <p:nvPicPr>
-          <p:cNvPr id="7" name="Picture 6">
-            <a:extLst>
-              <a:ext uri="{FF2B5EF4-FFF2-40B4-BE49-F238E27FC236}">
-                <a16:creationId xmlns:a16="http://schemas.microsoft.com/office/drawing/2014/main" id="{4BAC396A-D4FF-493D-B650-7B9DDD11F206}"/>
-              </a:ext>
-            </a:extLst>
-          </p:cNvPr>
-          <p:cNvPicPr>
-            <a:picLocks noChangeAspect="1"/>
-          </p:cNvPicPr>
-          <p:nvPr/>
-        </p:nvPicPr>
-        <p:blipFill>
-          <a:blip r:embed="rId2"/>
-          <a:stretch>
-            <a:fillRect/>
-          </a:stretch>
-        </p:blipFill>
-        <p:spPr>
-          <a:xfrm>
-            <a:off x="108857" y="165364"/>
-            <a:ext cx="857783" cy="857783"/>
-          </a:xfrm>
-          <a:prstGeom prst="rect">
-            <a:avLst/>
-          </a:prstGeom>
-        </p:spPr>
-      </p:pic>
+            <a:endParaRPr lang="en-US" dirty="0"/>
+          </a:p>
+        </p:txBody>
+      </p:sp>
     </p:spTree>
     <p:extLst>
       <p:ext uri="{BB962C8B-B14F-4D97-AF65-F5344CB8AC3E}">
-        <p14:creationId xmlns:p14="http://schemas.microsoft.com/office/powerpoint/2010/main" val="1719224614"/>
+        <p14:creationId xmlns:p14="http://schemas.microsoft.com/office/powerpoint/2010/main" val="2476109687"/>
       </p:ext>
     </p:extLst>
   </p:cSld>
@@ -8610,7 +9300,7 @@
           <p:cNvPr id="2" name="Title 1">
             <a:extLst>
               <a:ext uri="{FF2B5EF4-FFF2-40B4-BE49-F238E27FC236}">
-                <a16:creationId xmlns:a16="http://schemas.microsoft.com/office/drawing/2014/main" id="{96498DBC-81BD-7949-8D5D-BE6819BEF92B}"/>
+                <a16:creationId xmlns:a16="http://schemas.microsoft.com/office/drawing/2014/main" id="{10DDBD25-8846-5743-B253-A7D3309A4DB6}"/>
               </a:ext>
             </a:extLst>
           </p:cNvPr>
@@ -8628,7 +9318,7 @@
           <a:p>
             <a:r>
               <a:rPr lang="en-US" dirty="0"/>
-              <a:t>Functional Requirements</a:t>
+              <a:t>Proposed System Overview</a:t>
             </a:r>
           </a:p>
         </p:txBody>
@@ -8638,7 +9328,7 @@
           <p:cNvPr id="3" name="Content Placeholder 2">
             <a:extLst>
               <a:ext uri="{FF2B5EF4-FFF2-40B4-BE49-F238E27FC236}">
-                <a16:creationId xmlns:a16="http://schemas.microsoft.com/office/drawing/2014/main" id="{0AEA12F3-B1F8-4D40-AA30-26988B37E085}"/>
+                <a16:creationId xmlns:a16="http://schemas.microsoft.com/office/drawing/2014/main" id="{A763C582-A7AD-7A47-B9A0-1FE093C92060}"/>
               </a:ext>
             </a:extLst>
           </p:cNvPr>
@@ -8657,62 +9347,55 @@
           <a:lstStyle/>
           <a:p>
             <a:r>
-              <a:rPr lang="en-US"/>
-              <a:t>F1 Run multiple simulations</a:t>
-            </a:r>
-            <a:endParaRPr lang="en-US" dirty="0"/>
-          </a:p>
-          <a:p>
-            <a:endParaRPr lang="en-US" dirty="0"/>
-          </a:p>
-          <a:p>
-            <a:r>
-              <a:rPr lang="en-US"/>
-              <a:t>F2 Let user change the location of traffic components</a:t>
-            </a:r>
-          </a:p>
-          <a:p>
-            <a:endParaRPr lang="en-US" dirty="0">
-              <a:cs typeface="Calibri"/>
-            </a:endParaRPr>
-          </a:p>
-          <a:p>
-            <a:r>
-              <a:rPr lang="en-US">
+              <a:rPr lang="en-US" dirty="0">
                 <a:cs typeface="Calibri"/>
               </a:rPr>
-              <a:t>F3 Let user change the combination of traffic components</a:t>
-            </a:r>
-          </a:p>
-          <a:p>
-            <a:endParaRPr lang="en-US" dirty="0">
-              <a:cs typeface="Calibri"/>
-            </a:endParaRPr>
-          </a:p>
-          <a:p>
-            <a:r>
-              <a:rPr lang="en-US">
+              <a:t>System must allow The Pac Mayor Mann to efficiently determine the optimal traffic placement of traffic components</a:t>
+            </a:r>
+          </a:p>
+          <a:p>
+            <a:r>
+              <a:rPr lang="en-US" dirty="0">
                 <a:cs typeface="Calibri"/>
               </a:rPr>
-              <a:t>F4  Analyze traffic performance </a:t>
-            </a:r>
-            <a:endParaRPr lang="en-US" dirty="0">
-              <a:cs typeface="Calibri"/>
-            </a:endParaRPr>
-          </a:p>
-          <a:p>
-            <a:endParaRPr lang="en-US" dirty="0">
-              <a:cs typeface="Calibri"/>
-            </a:endParaRPr>
-          </a:p>
-        </p:txBody>
-      </p:sp>
-      <p:sp>
-        <p:nvSpPr>
-          <p:cNvPr id="5" name="Slide Number Placeholder 4">
-            <a:extLst>
-              <a:ext uri="{FF2B5EF4-FFF2-40B4-BE49-F238E27FC236}">
-                <a16:creationId xmlns:a16="http://schemas.microsoft.com/office/drawing/2014/main" id="{D6D7A092-D479-A340-8ED3-922BBC4364E3}"/>
+              <a:t>Reports and statistics will be shown to help the user gain insights about the traffic flow. Some statistic fields include:</a:t>
+            </a:r>
+          </a:p>
+          <a:p>
+            <a:pPr lvl="1"/>
+            <a:r>
+              <a:rPr lang="en-US" dirty="0">
+                <a:cs typeface="Calibri"/>
+              </a:rPr>
+              <a:t>Density of a traffic node. (number of cars in a region)</a:t>
+            </a:r>
+          </a:p>
+          <a:p>
+            <a:pPr lvl="1"/>
+            <a:r>
+              <a:rPr lang="en-US" dirty="0">
+                <a:cs typeface="Calibri"/>
+              </a:rPr>
+              <a:t>Density of flow coming in and out of an intersection</a:t>
+            </a:r>
+          </a:p>
+          <a:p>
+            <a:pPr lvl="1"/>
+            <a:r>
+              <a:rPr lang="en-US" dirty="0">
+                <a:cs typeface="Calibri"/>
+              </a:rPr>
+              <a:t>Speed and states of each car.</a:t>
+            </a:r>
+          </a:p>
+        </p:txBody>
+      </p:sp>
+      <p:sp>
+        <p:nvSpPr>
+          <p:cNvPr id="4" name="Slide Number Placeholder 3">
+            <a:extLst>
+              <a:ext uri="{FF2B5EF4-FFF2-40B4-BE49-F238E27FC236}">
+                <a16:creationId xmlns:a16="http://schemas.microsoft.com/office/drawing/2014/main" id="{A1857A00-A035-8549-BC9A-2603B4C2F46B}"/>
               </a:ext>
             </a:extLst>
           </p:cNvPr>
@@ -8732,44 +9415,14 @@
               <a:rPr lang="en-US" smtClean="0"/>
               <a:t>7</a:t>
             </a:fld>
-            <a:endParaRPr lang="en-US"/>
-          </a:p>
-        </p:txBody>
-      </p:sp>
-      <p:pic>
-        <p:nvPicPr>
-          <p:cNvPr id="7" name="Picture 6">
-            <a:extLst>
-              <a:ext uri="{FF2B5EF4-FFF2-40B4-BE49-F238E27FC236}">
-                <a16:creationId xmlns:a16="http://schemas.microsoft.com/office/drawing/2014/main" id="{DC1A7BAB-A183-4D65-B54D-4A5F9B37F5EF}"/>
-              </a:ext>
-            </a:extLst>
-          </p:cNvPr>
-          <p:cNvPicPr>
-            <a:picLocks noChangeAspect="1"/>
-          </p:cNvPicPr>
-          <p:nvPr/>
-        </p:nvPicPr>
-        <p:blipFill>
-          <a:blip r:embed="rId2"/>
-          <a:stretch>
-            <a:fillRect/>
-          </a:stretch>
-        </p:blipFill>
-        <p:spPr>
-          <a:xfrm>
-            <a:off x="108857" y="165364"/>
-            <a:ext cx="857783" cy="857783"/>
-          </a:xfrm>
-          <a:prstGeom prst="rect">
-            <a:avLst/>
-          </a:prstGeom>
-        </p:spPr>
-      </p:pic>
+            <a:endParaRPr lang="en-US" dirty="0"/>
+          </a:p>
+        </p:txBody>
+      </p:sp>
     </p:spTree>
     <p:extLst>
       <p:ext uri="{BB962C8B-B14F-4D97-AF65-F5344CB8AC3E}">
-        <p14:creationId xmlns:p14="http://schemas.microsoft.com/office/powerpoint/2010/main" val="1991983361"/>
+        <p14:creationId xmlns:p14="http://schemas.microsoft.com/office/powerpoint/2010/main" val="1341931174"/>
       </p:ext>
     </p:extLst>
   </p:cSld>
@@ -8801,7 +9454,7 @@
           <p:cNvPr id="2" name="Title 1">
             <a:extLst>
               <a:ext uri="{FF2B5EF4-FFF2-40B4-BE49-F238E27FC236}">
-                <a16:creationId xmlns:a16="http://schemas.microsoft.com/office/drawing/2014/main" id="{96498DBC-81BD-7949-8D5D-BE6819BEF92B}"/>
+                <a16:creationId xmlns:a16="http://schemas.microsoft.com/office/drawing/2014/main" id="{71DBD2D0-E504-4E46-B672-425972770860}"/>
               </a:ext>
             </a:extLst>
           </p:cNvPr>
@@ -8816,85 +9469,116 @@
         <p:txBody>
           <a:bodyPr/>
           <a:lstStyle/>
+          <a:p>
+            <a:r>
+              <a:rPr lang="en-US" dirty="0"/>
+              <a:t>Overview</a:t>
+            </a:r>
+          </a:p>
+        </p:txBody>
+      </p:sp>
+      <p:sp>
+        <p:nvSpPr>
+          <p:cNvPr id="3" name="Content Placeholder 2">
+            <a:extLst>
+              <a:ext uri="{FF2B5EF4-FFF2-40B4-BE49-F238E27FC236}">
+                <a16:creationId xmlns:a16="http://schemas.microsoft.com/office/drawing/2014/main" id="{97721FA8-877C-0D43-AF19-4C75EECB089A}"/>
+              </a:ext>
+            </a:extLst>
+          </p:cNvPr>
+          <p:cNvSpPr>
+            <a:spLocks noGrp="1"/>
+          </p:cNvSpPr>
+          <p:nvPr>
+            <p:ph idx="1"/>
+          </p:nvPr>
+        </p:nvSpPr>
+        <p:spPr/>
+        <p:txBody>
+          <a:bodyPr>
+            <a:normAutofit lnSpcReduction="10000"/>
+          </a:bodyPr>
+          <a:lstStyle/>
+          <a:p>
+            <a:r>
+              <a:rPr lang="en-US" dirty="0">
+                <a:solidFill>
+                  <a:schemeClr val="bg1">
+                    <a:lumMod val="50000"/>
+                  </a:schemeClr>
+                </a:solidFill>
+              </a:rPr>
+              <a:t>Project Description</a:t>
+            </a:r>
+          </a:p>
+          <a:p>
+            <a:endParaRPr lang="en-US" dirty="0"/>
+          </a:p>
           <a:p>
             <a:r>
               <a:rPr lang="en-US" dirty="0"/>
               <a:t>Functional Requirements</a:t>
             </a:r>
           </a:p>
-        </p:txBody>
-      </p:sp>
-      <p:sp>
-        <p:nvSpPr>
-          <p:cNvPr id="3" name="Content Placeholder 2">
-            <a:extLst>
-              <a:ext uri="{FF2B5EF4-FFF2-40B4-BE49-F238E27FC236}">
-                <a16:creationId xmlns:a16="http://schemas.microsoft.com/office/drawing/2014/main" id="{0AEA12F3-B1F8-4D40-AA30-26988B37E085}"/>
-              </a:ext>
-            </a:extLst>
-          </p:cNvPr>
-          <p:cNvSpPr>
-            <a:spLocks noGrp="1"/>
-          </p:cNvSpPr>
-          <p:nvPr>
-            <p:ph idx="1"/>
-          </p:nvPr>
-        </p:nvSpPr>
-        <p:spPr/>
-        <p:txBody>
-          <a:bodyPr vert="horz" lIns="91440" tIns="45720" rIns="91440" bIns="45720" rtlCol="0" anchor="t">
-            <a:normAutofit/>
-          </a:bodyPr>
-          <a:lstStyle/>
-          <a:p>
-            <a:r>
-              <a:rPr lang="en-US" dirty="0"/>
-              <a:t>F5 Allow user to change the number of cars.</a:t>
-            </a:r>
-          </a:p>
           <a:p>
             <a:endParaRPr lang="en-US" dirty="0"/>
           </a:p>
           <a:p>
             <a:r>
-              <a:rPr lang="en-US" dirty="0"/>
-              <a:t>F6 Allow user to change start/end locations for each car.</a:t>
-            </a:r>
+              <a:rPr lang="en-US" dirty="0">
+                <a:solidFill>
+                  <a:schemeClr val="bg1">
+                    <a:lumMod val="50000"/>
+                  </a:schemeClr>
+                </a:solidFill>
+              </a:rPr>
+              <a:t>Nonfunctional Requirements</a:t>
+            </a:r>
+          </a:p>
+          <a:p>
+            <a:endParaRPr lang="en-US" dirty="0"/>
+          </a:p>
+          <a:p>
+            <a:r>
+              <a:rPr lang="en-US" dirty="0">
+                <a:solidFill>
+                  <a:schemeClr val="bg1">
+                    <a:lumMod val="50000"/>
+                  </a:schemeClr>
+                </a:solidFill>
+              </a:rPr>
+              <a:t>Use Cases</a:t>
+            </a:r>
+          </a:p>
+          <a:p>
             <a:endParaRPr lang="en-US" dirty="0">
-              <a:cs typeface="Calibri"/>
+              <a:solidFill>
+                <a:schemeClr val="bg1">
+                  <a:lumMod val="50000"/>
+                </a:schemeClr>
+              </a:solidFill>
             </a:endParaRPr>
           </a:p>
           <a:p>
-            <a:endParaRPr lang="en-US" dirty="0">
-              <a:cs typeface="Calibri"/>
-            </a:endParaRPr>
-          </a:p>
-          <a:p>
             <a:r>
               <a:rPr lang="en-US" dirty="0">
-                <a:cs typeface="Calibri"/>
+                <a:solidFill>
+                  <a:schemeClr val="bg1">
+                    <a:lumMod val="50000"/>
+                  </a:schemeClr>
+                </a:solidFill>
               </a:rPr>
-              <a:t>F7 Make the map layout customizable </a:t>
-            </a:r>
-          </a:p>
-          <a:p>
-            <a:endParaRPr lang="en-US" dirty="0">
-              <a:cs typeface="Calibri"/>
-            </a:endParaRPr>
-          </a:p>
-          <a:p>
-            <a:endParaRPr lang="en-US" dirty="0">
-              <a:cs typeface="Calibri"/>
-            </a:endParaRPr>
-          </a:p>
-        </p:txBody>
-      </p:sp>
-      <p:sp>
-        <p:nvSpPr>
-          <p:cNvPr id="5" name="Slide Number Placeholder 4">
-            <a:extLst>
-              <a:ext uri="{FF2B5EF4-FFF2-40B4-BE49-F238E27FC236}">
-                <a16:creationId xmlns:a16="http://schemas.microsoft.com/office/drawing/2014/main" id="{D6D7A092-D479-A340-8ED3-922BBC4364E3}"/>
+              <a:t>Reflection </a:t>
+            </a:r>
+          </a:p>
+        </p:txBody>
+      </p:sp>
+      <p:sp>
+        <p:nvSpPr>
+          <p:cNvPr id="4" name="Slide Number Placeholder 3">
+            <a:extLst>
+              <a:ext uri="{FF2B5EF4-FFF2-40B4-BE49-F238E27FC236}">
+                <a16:creationId xmlns:a16="http://schemas.microsoft.com/office/drawing/2014/main" id="{ABB93C73-6C2B-E84C-87B7-6F80FE58AF01}"/>
               </a:ext>
             </a:extLst>
           </p:cNvPr>
@@ -8914,44 +9598,50 @@
               <a:rPr lang="en-US" smtClean="0"/>
               <a:t>8</a:t>
             </a:fld>
-            <a:endParaRPr lang="en-US"/>
-          </a:p>
-        </p:txBody>
-      </p:sp>
-      <p:pic>
-        <p:nvPicPr>
-          <p:cNvPr id="7" name="Picture 6">
-            <a:extLst>
-              <a:ext uri="{FF2B5EF4-FFF2-40B4-BE49-F238E27FC236}">
-                <a16:creationId xmlns:a16="http://schemas.microsoft.com/office/drawing/2014/main" id="{DC1A7BAB-A183-4D65-B54D-4A5F9B37F5EF}"/>
-              </a:ext>
-            </a:extLst>
-          </p:cNvPr>
-          <p:cNvPicPr>
-            <a:picLocks noChangeAspect="1"/>
-          </p:cNvPicPr>
+            <a:endParaRPr lang="en-US" dirty="0"/>
+          </a:p>
+        </p:txBody>
+      </p:sp>
+      <p:sp>
+        <p:nvSpPr>
+          <p:cNvPr id="5" name="TextBox 4">
+            <a:extLst>
+              <a:ext uri="{FF2B5EF4-FFF2-40B4-BE49-F238E27FC236}">
+                <a16:creationId xmlns:a16="http://schemas.microsoft.com/office/drawing/2014/main" id="{1A044EBD-6CFA-4005-BA0D-2AFE81796754}"/>
+              </a:ext>
+            </a:extLst>
+          </p:cNvPr>
+          <p:cNvSpPr txBox="1"/>
           <p:nvPr/>
-        </p:nvPicPr>
-        <p:blipFill>
-          <a:blip r:embed="rId2"/>
-          <a:stretch>
-            <a:fillRect/>
-          </a:stretch>
-        </p:blipFill>
+        </p:nvSpPr>
         <p:spPr>
           <a:xfrm>
-            <a:off x="108857" y="165364"/>
-            <a:ext cx="857783" cy="857783"/>
+            <a:off x="3048000" y="3200400"/>
+            <a:ext cx="6096000" cy="369332"/>
           </a:xfrm>
           <a:prstGeom prst="rect">
             <a:avLst/>
           </a:prstGeom>
         </p:spPr>
-      </p:pic>
+        <p:txBody>
+          <a:bodyPr rot="0" spcFirstLastPara="0" vertOverflow="overflow" horzOverflow="overflow" vert="horz" wrap="square" lIns="91440" tIns="45720" rIns="91440" bIns="45720" numCol="1" spcCol="0" rtlCol="0" fromWordArt="0" anchor="t" anchorCtr="0" forceAA="0" compatLnSpc="1">
+            <a:prstTxWarp prst="textNoShape">
+              <a:avLst/>
+            </a:prstTxWarp>
+            <a:spAutoFit/>
+          </a:bodyPr>
+          <a:lstStyle/>
+          <a:p>
+            <a:endParaRPr lang="en-US" dirty="0">
+              <a:cs typeface="Calibri"/>
+            </a:endParaRPr>
+          </a:p>
+        </p:txBody>
+      </p:sp>
     </p:spTree>
     <p:extLst>
       <p:ext uri="{BB962C8B-B14F-4D97-AF65-F5344CB8AC3E}">
-        <p14:creationId xmlns:p14="http://schemas.microsoft.com/office/powerpoint/2010/main" val="3795891178"/>
+        <p14:creationId xmlns:p14="http://schemas.microsoft.com/office/powerpoint/2010/main" val="1719224614"/>
       </p:ext>
     </p:extLst>
   </p:cSld>
@@ -8983,7 +9673,7 @@
           <p:cNvPr id="2" name="Title 1">
             <a:extLst>
               <a:ext uri="{FF2B5EF4-FFF2-40B4-BE49-F238E27FC236}">
-                <a16:creationId xmlns:a16="http://schemas.microsoft.com/office/drawing/2014/main" id="{71DBD2D0-E504-4E46-B672-425972770860}"/>
+                <a16:creationId xmlns:a16="http://schemas.microsoft.com/office/drawing/2014/main" id="{96498DBC-81BD-7949-8D5D-BE6819BEF92B}"/>
               </a:ext>
             </a:extLst>
           </p:cNvPr>
@@ -9001,7 +9691,7 @@
           <a:p>
             <a:r>
               <a:rPr lang="en-US" dirty="0"/>
-              <a:t>Overview</a:t>
+              <a:t>Functional Requirements</a:t>
             </a:r>
           </a:p>
         </p:txBody>
@@ -9011,7 +9701,7 @@
           <p:cNvPr id="3" name="Content Placeholder 2">
             <a:extLst>
               <a:ext uri="{FF2B5EF4-FFF2-40B4-BE49-F238E27FC236}">
-                <a16:creationId xmlns:a16="http://schemas.microsoft.com/office/drawing/2014/main" id="{97721FA8-877C-0D43-AF19-4C75EECB089A}"/>
+                <a16:creationId xmlns:a16="http://schemas.microsoft.com/office/drawing/2014/main" id="{0AEA12F3-B1F8-4D40-AA30-26988B37E085}"/>
               </a:ext>
             </a:extLst>
           </p:cNvPr>
@@ -9024,96 +9714,64 @@
         </p:nvSpPr>
         <p:spPr/>
         <p:txBody>
-          <a:bodyPr>
-            <a:normAutofit lnSpcReduction="10000"/>
+          <a:bodyPr vert="horz" lIns="91440" tIns="45720" rIns="91440" bIns="45720" rtlCol="0" anchor="t">
+            <a:normAutofit/>
           </a:bodyPr>
           <a:lstStyle/>
           <a:p>
             <a:r>
+              <a:rPr lang="en-US" dirty="0"/>
+              <a:t>F1 Run multiple simulations</a:t>
+            </a:r>
+          </a:p>
+          <a:p>
+            <a:endParaRPr lang="en-US" dirty="0"/>
+          </a:p>
+          <a:p>
+            <a:r>
+              <a:rPr lang="en-US" dirty="0"/>
+              <a:t>F2 Let user change the location of traffic components</a:t>
+            </a:r>
+          </a:p>
+          <a:p>
+            <a:endParaRPr lang="en-US" dirty="0">
+              <a:cs typeface="Calibri"/>
+            </a:endParaRPr>
+          </a:p>
+          <a:p>
+            <a:r>
               <a:rPr lang="en-US" dirty="0">
-                <a:solidFill>
-                  <a:schemeClr val="bg1">
-                    <a:lumMod val="50000"/>
-                  </a:schemeClr>
-                </a:solidFill>
+                <a:cs typeface="Calibri"/>
               </a:rPr>
-              <a:t>Project Description</a:t>
+              <a:t>F3 Let user change the combination of traffic components</a:t>
             </a:r>
           </a:p>
           <a:p>
             <a:endParaRPr lang="en-US" dirty="0">
-              <a:solidFill>
-                <a:schemeClr val="bg1">
-                  <a:lumMod val="50000"/>
-                </a:schemeClr>
-              </a:solidFill>
+              <a:cs typeface="Calibri"/>
             </a:endParaRPr>
           </a:p>
           <a:p>
             <a:r>
               <a:rPr lang="en-US" dirty="0">
-                <a:solidFill>
-                  <a:schemeClr val="bg1">
-                    <a:lumMod val="50000"/>
-                  </a:schemeClr>
-                </a:solidFill>
+                <a:cs typeface="Calibri"/>
               </a:rPr>
-              <a:t>Functional Requirements</a:t>
-            </a:r>
-          </a:p>
-          <a:p>
-            <a:endParaRPr lang="en-US" dirty="0"/>
-          </a:p>
-          <a:p>
-            <a:r>
-              <a:rPr lang="en-US" dirty="0"/>
-              <a:t>Nonfunctional Requirements</a:t>
-            </a:r>
-          </a:p>
-          <a:p>
-            <a:endParaRPr lang="en-US" dirty="0"/>
-          </a:p>
-          <a:p>
-            <a:r>
-              <a:rPr lang="en-US" dirty="0">
-                <a:solidFill>
-                  <a:schemeClr val="bg1">
-                    <a:lumMod val="50000"/>
-                  </a:schemeClr>
-                </a:solidFill>
-              </a:rPr>
-              <a:t>Use Cases</a:t>
+              <a:t>F4  Analyze traffic performance </a:t>
             </a:r>
           </a:p>
           <a:p>
             <a:endParaRPr lang="en-US" dirty="0">
-              <a:solidFill>
-                <a:schemeClr val="bg1">
-                  <a:lumMod val="50000"/>
-                </a:schemeClr>
-              </a:solidFill>
+              <a:cs typeface="Calibri"/>
             </a:endParaRPr>
           </a:p>
-          <a:p>
-            <a:r>
-              <a:rPr lang="en-US" dirty="0">
-                <a:solidFill>
-                  <a:schemeClr val="bg1">
-                    <a:lumMod val="50000"/>
-                  </a:schemeClr>
-                </a:solidFill>
-              </a:rPr>
-              <a:t>Reflection </a:t>
-            </a:r>
-          </a:p>
-        </p:txBody>
-      </p:sp>
-      <p:sp>
-        <p:nvSpPr>
-          <p:cNvPr id="4" name="Slide Number Placeholder 3">
-            <a:extLst>
-              <a:ext uri="{FF2B5EF4-FFF2-40B4-BE49-F238E27FC236}">
-                <a16:creationId xmlns:a16="http://schemas.microsoft.com/office/drawing/2014/main" id="{6166E7A2-0952-9A4F-AC02-5897DB3FB725}"/>
+        </p:txBody>
+      </p:sp>
+      <p:sp>
+        <p:nvSpPr>
+          <p:cNvPr id="5" name="Slide Number Placeholder 4">
+            <a:extLst>
+              <a:ext uri="{FF2B5EF4-FFF2-40B4-BE49-F238E27FC236}">
+                <a16:creationId xmlns:a16="http://schemas.microsoft.com/office/drawing/2014/main" id="{D6D7A092-D479-A340-8ED3-922BBC4364E3}"/>
               </a:ext>
             </a:extLst>
           </p:cNvPr>
@@ -9133,44 +9791,14 @@
               <a:rPr lang="en-US" smtClean="0"/>
               <a:t>9</a:t>
             </a:fld>
-            <a:endParaRPr lang="en-US"/>
-          </a:p>
-        </p:txBody>
-      </p:sp>
-      <p:pic>
-        <p:nvPicPr>
-          <p:cNvPr id="6" name="Picture 5">
-            <a:extLst>
-              <a:ext uri="{FF2B5EF4-FFF2-40B4-BE49-F238E27FC236}">
-                <a16:creationId xmlns:a16="http://schemas.microsoft.com/office/drawing/2014/main" id="{6858BB05-EDAB-4BEC-A9A4-878C3599E4BF}"/>
-              </a:ext>
-            </a:extLst>
-          </p:cNvPr>
-          <p:cNvPicPr>
-            <a:picLocks noChangeAspect="1"/>
-          </p:cNvPicPr>
-          <p:nvPr/>
-        </p:nvPicPr>
-        <p:blipFill>
-          <a:blip r:embed="rId2"/>
-          <a:stretch>
-            <a:fillRect/>
-          </a:stretch>
-        </p:blipFill>
-        <p:spPr>
-          <a:xfrm>
-            <a:off x="108857" y="165364"/>
-            <a:ext cx="857783" cy="857783"/>
-          </a:xfrm>
-          <a:prstGeom prst="rect">
-            <a:avLst/>
-          </a:prstGeom>
-        </p:spPr>
-      </p:pic>
+            <a:endParaRPr lang="en-US" dirty="0"/>
+          </a:p>
+        </p:txBody>
+      </p:sp>
     </p:spTree>
     <p:extLst>
       <p:ext uri="{BB962C8B-B14F-4D97-AF65-F5344CB8AC3E}">
-        <p14:creationId xmlns:p14="http://schemas.microsoft.com/office/powerpoint/2010/main" val="3019500255"/>
+        <p14:creationId xmlns:p14="http://schemas.microsoft.com/office/powerpoint/2010/main" val="1991983361"/>
       </p:ext>
     </p:extLst>
   </p:cSld>

--- a/slides/increment01-requirement-analysis-document.pptx
+++ b/slides/increment01-requirement-analysis-document.pptx
@@ -142,6 +142,7 @@
 <p1510:revInfo xmlns:a="http://schemas.openxmlformats.org/drawingml/2006/main" xmlns:r="http://schemas.openxmlformats.org/officeDocument/2006/relationships" xmlns:p1510="http://schemas.microsoft.com/office/powerpoint/2015/10/main">
   <p1510:revLst>
     <p1510:client id="{B99A4877-6C9D-45B9-A2E8-A36064F124A3}" v="17" dt="2019-02-10T18:18:44.593"/>
+    <p1510:client id="{901FA096-DA0A-4C6A-9D94-D9AC75B7615E}" v="12" dt="2019-02-15T18:15:21.563"/>
   </p1510:revLst>
 </p1510:revInfo>
 </file>
@@ -149,145 +150,202 @@
 <file path=ppt/changesInfos/changesInfo1.xml><?xml version="1.0" encoding="utf-8"?>
 <pc:chgInfo xmlns:a="http://schemas.openxmlformats.org/drawingml/2006/main" xmlns:r="http://schemas.openxmlformats.org/officeDocument/2006/relationships" xmlns:ac="http://schemas.microsoft.com/office/drawing/2013/main/command" xmlns:pc="http://schemas.microsoft.com/office/powerpoint/2013/main/command">
   <pc:docChgLst>
-    <pc:chgData name="Guest User" providerId="Windows Live" clId="Web-{0B263961-B995-4F41-8CE6-AB35805BDA76}"/>
-    <pc:docChg chg="addSld modSld">
-      <pc:chgData name="Guest User" userId="" providerId="Windows Live" clId="Web-{0B263961-B995-4F41-8CE6-AB35805BDA76}" dt="2019-02-02T23:00:09.145" v="296" actId="20577"/>
+    <pc:chgData name="Fu Zoe" userId="8752382b4a911f22" providerId="Windows Live" clId="Web-{19B7E30A-2156-43AD-A14F-DB58B4DF6675}"/>
+    <pc:docChg chg="addSld delSld modSld">
+      <pc:chgData name="Fu Zoe" userId="8752382b4a911f22" providerId="Windows Live" clId="Web-{19B7E30A-2156-43AD-A14F-DB58B4DF6675}" dt="2019-02-04T17:13:21.402" v="90" actId="20577"/>
       <pc:docMkLst>
         <pc:docMk/>
       </pc:docMkLst>
-      <pc:sldChg chg="modSp">
-        <pc:chgData name="Guest User" userId="" providerId="Windows Live" clId="Web-{0B263961-B995-4F41-8CE6-AB35805BDA76}" dt="2019-02-02T22:52:36.331" v="42" actId="20577"/>
+      <pc:sldChg chg="modSp add del">
+        <pc:chgData name="Fu Zoe" userId="8752382b4a911f22" providerId="Windows Live" clId="Web-{19B7E30A-2156-43AD-A14F-DB58B4DF6675}" dt="2019-02-04T17:13:17.291" v="88" actId="20577"/>
         <pc:sldMkLst>
           <pc:docMk/>
-          <pc:sldMk cId="4243173223" sldId="259"/>
+          <pc:sldMk cId="3292633072" sldId="272"/>
         </pc:sldMkLst>
         <pc:spChg chg="mod">
-          <ac:chgData name="Guest User" userId="" providerId="Windows Live" clId="Web-{0B263961-B995-4F41-8CE6-AB35805BDA76}" dt="2019-02-02T22:52:36.331" v="42" actId="20577"/>
+          <ac:chgData name="Fu Zoe" userId="8752382b4a911f22" providerId="Windows Live" clId="Web-{19B7E30A-2156-43AD-A14F-DB58B4DF6675}" dt="2019-02-04T17:13:17.291" v="88" actId="20577"/>
           <ac:spMkLst>
             <pc:docMk/>
-            <pc:sldMk cId="4243173223" sldId="259"/>
-            <ac:spMk id="3" creationId="{2458A0A8-D52C-5645-A5A5-187BFF4A40EF}"/>
+            <pc:sldMk cId="3292633072" sldId="272"/>
+            <ac:spMk id="3" creationId="{CAA5DA0C-C976-E544-8AC1-D9AF13CFD0B0}"/>
           </ac:spMkLst>
         </pc:spChg>
       </pc:sldChg>
       <pc:sldChg chg="modSp">
-        <pc:chgData name="Guest User" userId="" providerId="Windows Live" clId="Web-{0B263961-B995-4F41-8CE6-AB35805BDA76}" dt="2019-02-02T22:53:57.662" v="70" actId="20577"/>
+        <pc:chgData name="Fu Zoe" userId="8752382b4a911f22" providerId="Windows Live" clId="Web-{19B7E30A-2156-43AD-A14F-DB58B4DF6675}" dt="2019-02-04T17:11:13.307" v="44" actId="20577"/>
         <pc:sldMkLst>
           <pc:docMk/>
-          <pc:sldMk cId="1341931174" sldId="261"/>
+          <pc:sldMk cId="3973559364" sldId="274"/>
         </pc:sldMkLst>
         <pc:spChg chg="mod">
-          <ac:chgData name="Guest User" userId="" providerId="Windows Live" clId="Web-{0B263961-B995-4F41-8CE6-AB35805BDA76}" dt="2019-02-02T22:53:57.662" v="70" actId="20577"/>
+          <ac:chgData name="Fu Zoe" userId="8752382b4a911f22" providerId="Windows Live" clId="Web-{19B7E30A-2156-43AD-A14F-DB58B4DF6675}" dt="2019-02-04T17:11:13.307" v="44" actId="20577"/>
           <ac:spMkLst>
             <pc:docMk/>
-            <pc:sldMk cId="1341931174" sldId="261"/>
-            <ac:spMk id="3" creationId="{A763C582-A7AD-7A47-B9A0-1FE093C92060}"/>
-          </ac:spMkLst>
-        </pc:spChg>
-      </pc:sldChg>
-      <pc:sldChg chg="delSp modSp">
-        <pc:chgData name="Guest User" userId="" providerId="Windows Live" clId="Web-{0B263961-B995-4F41-8CE6-AB35805BDA76}" dt="2019-02-02T22:58:41.970" v="200" actId="20577"/>
-        <pc:sldMkLst>
-          <pc:docMk/>
-          <pc:sldMk cId="1991983361" sldId="265"/>
-        </pc:sldMkLst>
-        <pc:spChg chg="mod">
-          <ac:chgData name="Guest User" userId="" providerId="Windows Live" clId="Web-{0B263961-B995-4F41-8CE6-AB35805BDA76}" dt="2019-02-02T22:58:41.970" v="200" actId="20577"/>
-          <ac:spMkLst>
-            <pc:docMk/>
-            <pc:sldMk cId="1991983361" sldId="265"/>
-            <ac:spMk id="3" creationId="{0AEA12F3-B1F8-4D40-AA30-26988B37E085}"/>
-          </ac:spMkLst>
-        </pc:spChg>
-        <pc:spChg chg="del mod">
-          <ac:chgData name="Guest User" userId="" providerId="Windows Live" clId="Web-{0B263961-B995-4F41-8CE6-AB35805BDA76}" dt="2019-02-02T22:58:05.484" v="155"/>
-          <ac:spMkLst>
-            <pc:docMk/>
-            <pc:sldMk cId="1991983361" sldId="265"/>
-            <ac:spMk id="4" creationId="{D2EC1468-C1EB-7E46-902D-67F82860866E}"/>
-          </ac:spMkLst>
-        </pc:spChg>
-      </pc:sldChg>
-      <pc:sldChg chg="delSp modSp add replId">
-        <pc:chgData name="Guest User" userId="" providerId="Windows Live" clId="Web-{0B263961-B995-4F41-8CE6-AB35805BDA76}" dt="2019-02-02T23:00:09.145" v="295" actId="20577"/>
-        <pc:sldMkLst>
-          <pc:docMk/>
-          <pc:sldMk cId="3795891178" sldId="281"/>
-        </pc:sldMkLst>
-        <pc:spChg chg="mod">
-          <ac:chgData name="Guest User" userId="" providerId="Windows Live" clId="Web-{0B263961-B995-4F41-8CE6-AB35805BDA76}" dt="2019-02-02T23:00:09.145" v="295" actId="20577"/>
-          <ac:spMkLst>
-            <pc:docMk/>
-            <pc:sldMk cId="3795891178" sldId="281"/>
-            <ac:spMk id="3" creationId="{0AEA12F3-B1F8-4D40-AA30-26988B37E085}"/>
-          </ac:spMkLst>
-        </pc:spChg>
-        <pc:spChg chg="del mod">
-          <ac:chgData name="Guest User" userId="" providerId="Windows Live" clId="Web-{0B263961-B995-4F41-8CE6-AB35805BDA76}" dt="2019-02-02T22:59:32.503" v="256"/>
-          <ac:spMkLst>
-            <pc:docMk/>
-            <pc:sldMk cId="3795891178" sldId="281"/>
-            <ac:spMk id="4" creationId="{D2EC1468-C1EB-7E46-902D-67F82860866E}"/>
+            <pc:sldMk cId="3973559364" sldId="274"/>
+            <ac:spMk id="3" creationId="{223C465A-B74B-C248-AD77-EAB344363F9D}"/>
           </ac:spMkLst>
         </pc:spChg>
       </pc:sldChg>
     </pc:docChg>
   </pc:docChgLst>
   <pc:docChgLst>
-    <pc:chgData name="Guest User" providerId="Windows Live" clId="Web-{4F678C15-84E6-4D7B-A2A2-35B5A01656B7}"/>
-    <pc:docChg chg="modSld">
-      <pc:chgData name="Guest User" userId="" providerId="Windows Live" clId="Web-{4F678C15-84E6-4D7B-A2A2-35B5A01656B7}" dt="2019-02-01T23:56:31.471" v="2"/>
+    <pc:chgData name="Fu Zoe" userId="8752382b4a911f22" providerId="Windows Live" clId="Web-{85123743-111C-48FA-AC6F-66FB0F24042A}"/>
+    <pc:docChg chg="addSld delSld modSld">
+      <pc:chgData name="Fu Zoe" userId="8752382b4a911f22" providerId="Windows Live" clId="Web-{85123743-111C-48FA-AC6F-66FB0F24042A}" dt="2019-02-04T17:04:38.526" v="102"/>
       <pc:docMkLst>
         <pc:docMk/>
       </pc:docMkLst>
-      <pc:sldChg chg="delSp modSp">
-        <pc:chgData name="Guest User" userId="" providerId="Windows Live" clId="Web-{4F678C15-84E6-4D7B-A2A2-35B5A01656B7}" dt="2019-02-01T23:56:31.471" v="2"/>
+      <pc:sldChg chg="addSp delSp modSp">
+        <pc:chgData name="Fu Zoe" userId="8752382b4a911f22" providerId="Windows Live" clId="Web-{85123743-111C-48FA-AC6F-66FB0F24042A}" dt="2019-02-04T17:01:41.410" v="67"/>
         <pc:sldMkLst>
           <pc:docMk/>
-          <pc:sldMk cId="3297602696" sldId="266"/>
+          <pc:sldMk cId="1534462941" sldId="268"/>
         </pc:sldMkLst>
-        <pc:spChg chg="del mod">
-          <ac:chgData name="Guest User" userId="" providerId="Windows Live" clId="Web-{4F678C15-84E6-4D7B-A2A2-35B5A01656B7}" dt="2019-02-01T23:56:31.471" v="2"/>
+        <pc:spChg chg="mod">
+          <ac:chgData name="Fu Zoe" userId="8752382b4a911f22" providerId="Windows Live" clId="Web-{85123743-111C-48FA-AC6F-66FB0F24042A}" dt="2019-02-04T17:01:39.972" v="64" actId="20577"/>
           <ac:spMkLst>
             <pc:docMk/>
-            <pc:sldMk cId="3297602696" sldId="266"/>
-            <ac:spMk id="4" creationId="{D2EC1468-C1EB-7E46-902D-67F82860866E}"/>
+            <pc:sldMk cId="1534462941" sldId="268"/>
+            <ac:spMk id="2" creationId="{5E85D052-8127-9347-8222-567C3F4BF379}"/>
+          </ac:spMkLst>
+        </pc:spChg>
+        <pc:spChg chg="mod">
+          <ac:chgData name="Fu Zoe" userId="8752382b4a911f22" providerId="Windows Live" clId="Web-{85123743-111C-48FA-AC6F-66FB0F24042A}" dt="2019-02-04T17:01:12.174" v="62" actId="20577"/>
+          <ac:spMkLst>
+            <pc:docMk/>
+            <pc:sldMk cId="1534462941" sldId="268"/>
+            <ac:spMk id="3" creationId="{3BE9A949-F50A-C844-8346-839D03A54FF3}"/>
+          </ac:spMkLst>
+        </pc:spChg>
+        <pc:spChg chg="add del mod">
+          <ac:chgData name="Fu Zoe" userId="8752382b4a911f22" providerId="Windows Live" clId="Web-{85123743-111C-48FA-AC6F-66FB0F24042A}" dt="2019-02-04T17:01:41.410" v="67"/>
+          <ac:spMkLst>
+            <pc:docMk/>
+            <pc:sldMk cId="1534462941" sldId="268"/>
+            <ac:spMk id="5" creationId="{CB9E8E14-47C4-9241-9568-634AB1D48A03}"/>
+          </ac:spMkLst>
+        </pc:spChg>
+      </pc:sldChg>
+      <pc:sldChg chg="addSp delSp modSp new mod setBg">
+        <pc:chgData name="Fu Zoe" userId="8752382b4a911f22" providerId="Windows Live" clId="Web-{85123743-111C-48FA-AC6F-66FB0F24042A}" dt="2019-02-04T17:04:38.526" v="102"/>
+        <pc:sldMkLst>
+          <pc:docMk/>
+          <pc:sldMk cId="2433490376" sldId="282"/>
+        </pc:sldMkLst>
+        <pc:spChg chg="mod">
+          <ac:chgData name="Fu Zoe" userId="8752382b4a911f22" providerId="Windows Live" clId="Web-{85123743-111C-48FA-AC6F-66FB0F24042A}" dt="2019-02-04T17:04:24.791" v="99"/>
+          <ac:spMkLst>
+            <pc:docMk/>
+            <pc:sldMk cId="2433490376" sldId="282"/>
+            <ac:spMk id="2" creationId="{018589E6-3CC0-4E5F-AF7F-C8F0BA53C78C}"/>
+          </ac:spMkLst>
+        </pc:spChg>
+        <pc:spChg chg="add del">
+          <ac:chgData name="Fu Zoe" userId="8752382b4a911f22" providerId="Windows Live" clId="Web-{85123743-111C-48FA-AC6F-66FB0F24042A}" dt="2019-02-04T17:04:33.792" v="101"/>
+          <ac:spMkLst>
+            <pc:docMk/>
+            <pc:sldMk cId="2433490376" sldId="282"/>
+            <ac:spMk id="3" creationId="{51BD50CB-F65A-4030-B922-38F41A1813F1}"/>
+          </ac:spMkLst>
+        </pc:spChg>
+        <pc:spChg chg="mod">
+          <ac:chgData name="Fu Zoe" userId="8752382b4a911f22" providerId="Windows Live" clId="Web-{85123743-111C-48FA-AC6F-66FB0F24042A}" dt="2019-02-04T17:04:24.791" v="99"/>
+          <ac:spMkLst>
+            <pc:docMk/>
+            <pc:sldMk cId="2433490376" sldId="282"/>
+            <ac:spMk id="4" creationId="{063B3ECE-C939-4699-BC47-42878BADA195}"/>
+          </ac:spMkLst>
+        </pc:spChg>
+        <pc:spChg chg="add del">
+          <ac:chgData name="Fu Zoe" userId="8752382b4a911f22" providerId="Windows Live" clId="Web-{85123743-111C-48FA-AC6F-66FB0F24042A}" dt="2019-02-04T17:04:24.791" v="99"/>
+          <ac:spMkLst>
+            <pc:docMk/>
+            <pc:sldMk cId="2433490376" sldId="282"/>
+            <ac:spMk id="10" creationId="{AB45A142-4255-493C-8284-5D566C121B10}"/>
+          </ac:spMkLst>
+        </pc:spChg>
+        <pc:picChg chg="add del mod ord">
+          <ac:chgData name="Fu Zoe" userId="8752382b4a911f22" providerId="Windows Live" clId="Web-{85123743-111C-48FA-AC6F-66FB0F24042A}" dt="2019-02-04T17:04:25.947" v="100"/>
+          <ac:picMkLst>
+            <pc:docMk/>
+            <pc:sldMk cId="2433490376" sldId="282"/>
+            <ac:picMk id="5" creationId="{1E02B763-65B5-4349-AAB8-BC5EB22EA8F2}"/>
+          </ac:picMkLst>
+        </pc:picChg>
+        <pc:picChg chg="add mod ord">
+          <ac:chgData name="Fu Zoe" userId="8752382b4a911f22" providerId="Windows Live" clId="Web-{85123743-111C-48FA-AC6F-66FB0F24042A}" dt="2019-02-04T17:04:33.792" v="101"/>
+          <ac:picMkLst>
+            <pc:docMk/>
+            <pc:sldMk cId="2433490376" sldId="282"/>
+            <ac:picMk id="7" creationId="{96327E33-021F-4E96-808D-791EE64B9E74}"/>
+          </ac:picMkLst>
+        </pc:picChg>
+        <pc:picChg chg="add">
+          <ac:chgData name="Fu Zoe" userId="8752382b4a911f22" providerId="Windows Live" clId="Web-{85123743-111C-48FA-AC6F-66FB0F24042A}" dt="2019-02-04T17:04:38.526" v="102"/>
+          <ac:picMkLst>
+            <pc:docMk/>
+            <pc:sldMk cId="2433490376" sldId="282"/>
+            <ac:picMk id="9" creationId="{6FD5579C-C831-4942-AF91-84DD65FA3FA0}"/>
+          </ac:picMkLst>
+        </pc:picChg>
+        <pc:cxnChg chg="add del">
+          <ac:chgData name="Fu Zoe" userId="8752382b4a911f22" providerId="Windows Live" clId="Web-{85123743-111C-48FA-AC6F-66FB0F24042A}" dt="2019-02-04T17:04:24.791" v="99"/>
+          <ac:cxnSpMkLst>
+            <pc:docMk/>
+            <pc:sldMk cId="2433490376" sldId="282"/>
+            <ac:cxnSpMk id="12" creationId="{38FB9660-F42F-4313-BBC4-47C007FE484C}"/>
+          </ac:cxnSpMkLst>
+        </pc:cxnChg>
+      </pc:sldChg>
+    </pc:docChg>
+  </pc:docChgLst>
+  <pc:docChgLst>
+    <pc:chgData name="dat nguyen" userId="bb19b3ffa6322b8e" providerId="Windows Live" clId="Web-{901FA096-DA0A-4C6A-9D94-D9AC75B7615E}"/>
+    <pc:docChg chg="modSld">
+      <pc:chgData name="dat nguyen" userId="bb19b3ffa6322b8e" providerId="Windows Live" clId="Web-{901FA096-DA0A-4C6A-9D94-D9AC75B7615E}" dt="2019-02-15T18:15:21.563" v="47" actId="20577"/>
+      <pc:docMkLst>
+        <pc:docMk/>
+      </pc:docMkLst>
+      <pc:sldChg chg="modSp">
+        <pc:chgData name="dat nguyen" userId="bb19b3ffa6322b8e" providerId="Windows Live" clId="Web-{901FA096-DA0A-4C6A-9D94-D9AC75B7615E}" dt="2019-02-15T18:15:21.563" v="47" actId="20577"/>
+        <pc:sldMkLst>
+          <pc:docMk/>
+          <pc:sldMk cId="1534462941" sldId="268"/>
+        </pc:sldMkLst>
+        <pc:spChg chg="mod">
+          <ac:chgData name="dat nguyen" userId="bb19b3ffa6322b8e" providerId="Windows Live" clId="Web-{901FA096-DA0A-4C6A-9D94-D9AC75B7615E}" dt="2019-02-15T18:15:21.563" v="47" actId="20577"/>
+          <ac:spMkLst>
+            <pc:docMk/>
+            <pc:sldMk cId="1534462941" sldId="268"/>
+            <ac:spMk id="3" creationId="{3BE9A949-F50A-C844-8346-839D03A54FF3}"/>
           </ac:spMkLst>
         </pc:spChg>
       </pc:sldChg>
     </pc:docChg>
   </pc:docChgLst>
   <pc:docChgLst>
-    <pc:chgData name="Guest User" providerId="Windows Live" clId="Web-{AF63CC72-4F86-4FC0-8EAD-66EBEAEAECE2}"/>
+    <pc:chgData name="Guest User" providerId="Windows Live" clId="Web-{BF7007E2-2AC9-4B49-99AE-FC661F4A572B}"/>
     <pc:docChg chg="modSld">
-      <pc:chgData name="Guest User" userId="" providerId="Windows Live" clId="Web-{AF63CC72-4F86-4FC0-8EAD-66EBEAEAECE2}" dt="2019-02-04T15:55:11.104" v="13" actId="20577"/>
+      <pc:chgData name="Guest User" userId="" providerId="Windows Live" clId="Web-{BF7007E2-2AC9-4B49-99AE-FC661F4A572B}" dt="2019-02-01T23:58:38.498" v="10" actId="20577"/>
       <pc:docMkLst>
         <pc:docMk/>
       </pc:docMkLst>
-      <pc:sldChg chg="addSp delSp modSp">
-        <pc:chgData name="Guest User" userId="" providerId="Windows Live" clId="Web-{AF63CC72-4F86-4FC0-8EAD-66EBEAEAECE2}" dt="2019-02-04T15:55:11.104" v="13" actId="20577"/>
+      <pc:sldChg chg="modSp">
+        <pc:chgData name="Guest User" userId="" providerId="Windows Live" clId="Web-{BF7007E2-2AC9-4B49-99AE-FC661F4A572B}" dt="2019-02-01T23:58:33.389" v="8" actId="20577"/>
         <pc:sldMkLst>
           <pc:docMk/>
           <pc:sldMk cId="3834805635" sldId="277"/>
         </pc:sldMkLst>
         <pc:spChg chg="mod">
-          <ac:chgData name="Guest User" userId="" providerId="Windows Live" clId="Web-{AF63CC72-4F86-4FC0-8EAD-66EBEAEAECE2}" dt="2019-02-04T15:55:11.104" v="13" actId="20577"/>
+          <ac:chgData name="Guest User" userId="" providerId="Windows Live" clId="Web-{BF7007E2-2AC9-4B49-99AE-FC661F4A572B}" dt="2019-02-01T23:58:33.389" v="8" actId="20577"/>
           <ac:spMkLst>
             <pc:docMk/>
             <pc:sldMk cId="3834805635" sldId="277"/>
             <ac:spMk id="3" creationId="{C1CD848D-6DA5-4C15-9376-CC85482615C9}"/>
           </ac:spMkLst>
         </pc:spChg>
-        <pc:picChg chg="add mod ord">
-          <ac:chgData name="Guest User" userId="" providerId="Windows Live" clId="Web-{AF63CC72-4F86-4FC0-8EAD-66EBEAEAECE2}" dt="2019-02-04T15:54:36.728" v="3"/>
-          <ac:picMkLst>
-            <pc:docMk/>
-            <pc:sldMk cId="3834805635" sldId="277"/>
-            <ac:picMk id="5" creationId="{A8A64748-5F4F-44AF-9389-59ED22615E9B}"/>
-          </ac:picMkLst>
-        </pc:picChg>
-        <pc:picChg chg="del">
-          <ac:chgData name="Guest User" userId="" providerId="Windows Live" clId="Web-{AF63CC72-4F86-4FC0-8EAD-66EBEAEAECE2}" dt="2019-02-04T15:51:22.510" v="0"/>
+        <pc:picChg chg="mod">
+          <ac:chgData name="Guest User" userId="" providerId="Windows Live" clId="Web-{BF7007E2-2AC9-4B49-99AE-FC661F4A572B}" dt="2019-02-01T23:58:22.779" v="6" actId="14100"/>
           <ac:picMkLst>
             <pc:docMk/>
             <pc:sldMk cId="3834805635" sldId="277"/>
@@ -322,30 +380,6 @@
     </pc:docChg>
   </pc:docChgLst>
   <pc:docChgLst>
-    <pc:chgData name="Guest User" providerId="Windows Live" clId="Web-{299B74E4-1740-4268-8CE7-5EB0D1E60DBC}"/>
-    <pc:docChg chg="modSld">
-      <pc:chgData name="Guest User" userId="" providerId="Windows Live" clId="Web-{299B74E4-1740-4268-8CE7-5EB0D1E60DBC}" dt="2019-02-06T14:59:52.695" v="5" actId="20577"/>
-      <pc:docMkLst>
-        <pc:docMk/>
-      </pc:docMkLst>
-      <pc:sldChg chg="modSp">
-        <pc:chgData name="Guest User" userId="" providerId="Windows Live" clId="Web-{299B74E4-1740-4268-8CE7-5EB0D1E60DBC}" dt="2019-02-06T14:59:52.679" v="4" actId="20577"/>
-        <pc:sldMkLst>
-          <pc:docMk/>
-          <pc:sldMk cId="1341931174" sldId="261"/>
-        </pc:sldMkLst>
-        <pc:spChg chg="mod">
-          <ac:chgData name="Guest User" userId="" providerId="Windows Live" clId="Web-{299B74E4-1740-4268-8CE7-5EB0D1E60DBC}" dt="2019-02-06T14:59:52.679" v="4" actId="20577"/>
-          <ac:spMkLst>
-            <pc:docMk/>
-            <pc:sldMk cId="1341931174" sldId="261"/>
-            <ac:spMk id="3" creationId="{A763C582-A7AD-7A47-B9A0-1FE093C92060}"/>
-          </ac:spMkLst>
-        </pc:spChg>
-      </pc:sldChg>
-    </pc:docChg>
-  </pc:docChgLst>
-  <pc:docChgLst>
     <pc:chgData name="dat nguyen" userId="bb19b3ffa6322b8e" providerId="Windows Live" clId="Web-{38B28A21-98D1-4A98-BB3F-EB13A9951DA4}"/>
     <pc:docChg chg="addSld modSld">
       <pc:chgData name="dat nguyen" userId="bb19b3ffa6322b8e" providerId="Windows Live" clId="Web-{38B28A21-98D1-4A98-BB3F-EB13A9951DA4}" dt="2019-02-06T01:12:06.735" v="53" actId="1076"/>
@@ -689,235 +723,197 @@
     </pc:docChg>
   </pc:docChgLst>
   <pc:docChgLst>
-    <pc:chgData name="Guest User" providerId="Windows Live" clId="Web-{7C0BDA45-3ED1-43EF-AD56-418A5D9E2452}"/>
-    <pc:docChg chg="addSld modSld">
-      <pc:chgData name="Guest User" userId="" providerId="Windows Live" clId="Web-{7C0BDA45-3ED1-43EF-AD56-418A5D9E2452}" dt="2019-02-01T23:55:14.611" v="663" actId="20577"/>
+    <pc:chgData name="dat nguyen" userId="bb19b3ffa6322b8e" providerId="LiveId" clId="{B99A4877-6C9D-45B9-A2E8-A36064F124A3}"/>
+    <pc:docChg chg="undo custSel addSld modSld">
+      <pc:chgData name="dat nguyen" userId="bb19b3ffa6322b8e" providerId="LiveId" clId="{B99A4877-6C9D-45B9-A2E8-A36064F124A3}" dt="2019-02-10T18:18:44.593" v="170"/>
       <pc:docMkLst>
         <pc:docMk/>
       </pc:docMkLst>
       <pc:sldChg chg="modSp">
-        <pc:chgData name="Guest User" userId="" providerId="Windows Live" clId="Web-{7C0BDA45-3ED1-43EF-AD56-418A5D9E2452}" dt="2019-02-01T23:36:53.409" v="103" actId="20577"/>
+        <pc:chgData name="dat nguyen" userId="bb19b3ffa6322b8e" providerId="LiveId" clId="{B99A4877-6C9D-45B9-A2E8-A36064F124A3}" dt="2019-02-06T02:38:06.945" v="121" actId="20577"/>
         <pc:sldMkLst>
           <pc:docMk/>
-          <pc:sldMk cId="3297602696" sldId="266"/>
+          <pc:sldMk cId="1341931174" sldId="261"/>
         </pc:sldMkLst>
         <pc:spChg chg="mod">
-          <ac:chgData name="Guest User" userId="" providerId="Windows Live" clId="Web-{7C0BDA45-3ED1-43EF-AD56-418A5D9E2452}" dt="2019-02-01T23:36:53.409" v="103" actId="20577"/>
+          <ac:chgData name="dat nguyen" userId="bb19b3ffa6322b8e" providerId="LiveId" clId="{B99A4877-6C9D-45B9-A2E8-A36064F124A3}" dt="2019-02-06T02:38:06.945" v="121" actId="20577"/>
           <ac:spMkLst>
             <pc:docMk/>
-            <pc:sldMk cId="3297602696" sldId="266"/>
-            <ac:spMk id="3" creationId="{0AEA12F3-B1F8-4D40-AA30-26988B37E085}"/>
+            <pc:sldMk cId="1341931174" sldId="261"/>
+            <ac:spMk id="3" creationId="{A763C582-A7AD-7A47-B9A0-1FE093C92060}"/>
           </ac:spMkLst>
         </pc:spChg>
       </pc:sldChg>
-      <pc:sldChg chg="addSp delSp modSp new mod setBg">
-        <pc:chgData name="Guest User" userId="" providerId="Windows Live" clId="Web-{7C0BDA45-3ED1-43EF-AD56-418A5D9E2452}" dt="2019-02-01T23:39:50.854" v="228" actId="20577"/>
+      <pc:sldChg chg="addSp delSp modSp">
+        <pc:chgData name="dat nguyen" userId="bb19b3ffa6322b8e" providerId="LiveId" clId="{B99A4877-6C9D-45B9-A2E8-A36064F124A3}" dt="2019-02-10T18:18:44.593" v="170"/>
         <pc:sldMkLst>
           <pc:docMk/>
-          <pc:sldMk cId="1483745631" sldId="276"/>
+          <pc:sldMk cId="3834805635" sldId="277"/>
         </pc:sldMkLst>
-        <pc:spChg chg="mod">
-          <ac:chgData name="Guest User" userId="" providerId="Windows Live" clId="Web-{7C0BDA45-3ED1-43EF-AD56-418A5D9E2452}" dt="2019-02-01T23:37:56.896" v="117" actId="20577"/>
-          <ac:spMkLst>
-            <pc:docMk/>
-            <pc:sldMk cId="1483745631" sldId="276"/>
-            <ac:spMk id="2" creationId="{7DECD5C5-E468-4DCC-9BB7-CCA0A9CFD823}"/>
-          </ac:spMkLst>
-        </pc:spChg>
-        <pc:spChg chg="mod">
-          <ac:chgData name="Guest User" userId="" providerId="Windows Live" clId="Web-{7C0BDA45-3ED1-43EF-AD56-418A5D9E2452}" dt="2019-02-01T23:39:50.854" v="228" actId="20577"/>
-          <ac:spMkLst>
-            <pc:docMk/>
-            <pc:sldMk cId="1483745631" sldId="276"/>
-            <ac:spMk id="3" creationId="{CF701C10-8135-4DB3-A6C8-77FFE1206DD8}"/>
-          </ac:spMkLst>
-        </pc:spChg>
-        <pc:spChg chg="mod">
-          <ac:chgData name="Guest User" userId="" providerId="Windows Live" clId="Web-{7C0BDA45-3ED1-43EF-AD56-418A5D9E2452}" dt="2019-02-01T23:37:36.583" v="108"/>
-          <ac:spMkLst>
-            <pc:docMk/>
-            <pc:sldMk cId="1483745631" sldId="276"/>
-            <ac:spMk id="4" creationId="{993F8206-90F3-4BF4-AA65-59E99676B461}"/>
-          </ac:spMkLst>
-        </pc:spChg>
-        <pc:spChg chg="add del">
-          <ac:chgData name="Guest User" userId="" providerId="Windows Live" clId="Web-{7C0BDA45-3ED1-43EF-AD56-418A5D9E2452}" dt="2019-02-01T23:37:36.583" v="108"/>
-          <ac:spMkLst>
-            <pc:docMk/>
-            <pc:sldMk cId="1483745631" sldId="276"/>
-            <ac:spMk id="11" creationId="{3B854194-185D-494D-905C-7C7CB2E30F6E}"/>
-          </ac:spMkLst>
-        </pc:spChg>
-        <pc:spChg chg="add del">
-          <ac:chgData name="Guest User" userId="" providerId="Windows Live" clId="Web-{7C0BDA45-3ED1-43EF-AD56-418A5D9E2452}" dt="2019-02-01T23:37:36.583" v="108"/>
-          <ac:spMkLst>
-            <pc:docMk/>
-            <pc:sldMk cId="1483745631" sldId="276"/>
-            <ac:spMk id="13" creationId="{B4F5FA0D-0104-4987-8241-EFF7C85B88DE}"/>
-          </ac:spMkLst>
-        </pc:spChg>
-        <pc:picChg chg="add del">
-          <ac:chgData name="Guest User" userId="" providerId="Windows Live" clId="Web-{7C0BDA45-3ED1-43EF-AD56-418A5D9E2452}" dt="2019-02-01T23:37:38.911" v="109"/>
+        <pc:picChg chg="mod">
+          <ac:chgData name="dat nguyen" userId="bb19b3ffa6322b8e" providerId="LiveId" clId="{B99A4877-6C9D-45B9-A2E8-A36064F124A3}" dt="2019-02-10T18:18:22.950" v="167" actId="1076"/>
           <ac:picMkLst>
             <pc:docMk/>
-            <pc:sldMk cId="1483745631" sldId="276"/>
-            <ac:picMk id="6" creationId="{D80D2723-98AA-49BC-8218-270F49F12914}"/>
+            <pc:sldMk cId="3834805635" sldId="277"/>
+            <ac:picMk id="5" creationId="{A8A64748-5F4F-44AF-9389-59ED22615E9B}"/>
           </ac:picMkLst>
         </pc:picChg>
-        <pc:picChg chg="add">
-          <ac:chgData name="Guest User" userId="" providerId="Windows Live" clId="Web-{7C0BDA45-3ED1-43EF-AD56-418A5D9E2452}" dt="2019-02-01T23:37:44.552" v="110"/>
+        <pc:picChg chg="add del mod">
+          <ac:chgData name="dat nguyen" userId="bb19b3ffa6322b8e" providerId="LiveId" clId="{B99A4877-6C9D-45B9-A2E8-A36064F124A3}" dt="2019-02-10T18:18:44.593" v="170"/>
           <ac:picMkLst>
             <pc:docMk/>
-            <pc:sldMk cId="1483745631" sldId="276"/>
-            <ac:picMk id="7" creationId="{C4680358-EED7-47D4-81FE-2F4BA940770D}"/>
-          </ac:picMkLst>
-        </pc:picChg>
-        <pc:picChg chg="add del">
-          <ac:chgData name="Guest User" userId="" providerId="Windows Live" clId="Web-{7C0BDA45-3ED1-43EF-AD56-418A5D9E2452}" dt="2019-02-01T23:37:36.583" v="108"/>
-          <ac:picMkLst>
-            <pc:docMk/>
-            <pc:sldMk cId="1483745631" sldId="276"/>
-            <ac:picMk id="15" creationId="{2897127E-6CEF-446C-BE87-93B7C46E49D1}"/>
+            <pc:sldMk cId="3834805635" sldId="277"/>
+            <ac:picMk id="6" creationId="{D25C96ED-6A67-4250-8396-40BABBE8C12D}"/>
           </ac:picMkLst>
         </pc:picChg>
       </pc:sldChg>
-      <pc:sldChg chg="addSp modSp new mod setBg">
-        <pc:chgData name="Guest User" userId="" providerId="Windows Live" clId="Web-{7C0BDA45-3ED1-43EF-AD56-418A5D9E2452}" dt="2019-02-01T23:55:14.595" v="662" actId="20577"/>
+      <pc:sldChg chg="addSp delSp modSp modAnim">
+        <pc:chgData name="dat nguyen" userId="bb19b3ffa6322b8e" providerId="LiveId" clId="{B99A4877-6C9D-45B9-A2E8-A36064F124A3}" dt="2019-02-06T02:42:08.686" v="129" actId="478"/>
+        <pc:sldMkLst>
+          <pc:docMk/>
+          <pc:sldMk cId="1584519945" sldId="283"/>
+        </pc:sldMkLst>
+        <pc:spChg chg="mod">
+          <ac:chgData name="dat nguyen" userId="bb19b3ffa6322b8e" providerId="LiveId" clId="{B99A4877-6C9D-45B9-A2E8-A36064F124A3}" dt="2019-02-06T02:25:23.202" v="11" actId="20577"/>
+          <ac:spMkLst>
+            <pc:docMk/>
+            <pc:sldMk cId="1584519945" sldId="283"/>
+            <ac:spMk id="2" creationId="{7954D10D-0750-447E-AC5A-70AF1F3038F1}"/>
+          </ac:spMkLst>
+        </pc:spChg>
+        <pc:spChg chg="add mod">
+          <ac:chgData name="dat nguyen" userId="bb19b3ffa6322b8e" providerId="LiveId" clId="{B99A4877-6C9D-45B9-A2E8-A36064F124A3}" dt="2019-02-06T02:34:49.403" v="106" actId="1036"/>
+          <ac:spMkLst>
+            <pc:docMk/>
+            <pc:sldMk cId="1584519945" sldId="283"/>
+            <ac:spMk id="7" creationId="{665CC3AB-F755-4097-A06C-133D8502D296}"/>
+          </ac:spMkLst>
+        </pc:spChg>
+        <pc:spChg chg="add mod">
+          <ac:chgData name="dat nguyen" userId="bb19b3ffa6322b8e" providerId="LiveId" clId="{B99A4877-6C9D-45B9-A2E8-A36064F124A3}" dt="2019-02-06T02:28:58.924" v="100" actId="1076"/>
+          <ac:spMkLst>
+            <pc:docMk/>
+            <pc:sldMk cId="1584519945" sldId="283"/>
+            <ac:spMk id="10" creationId="{2B61CAA9-B8F3-4953-BDAF-F4AA1C5C8142}"/>
+          </ac:spMkLst>
+        </pc:spChg>
+        <pc:spChg chg="add mod">
+          <ac:chgData name="dat nguyen" userId="bb19b3ffa6322b8e" providerId="LiveId" clId="{B99A4877-6C9D-45B9-A2E8-A36064F124A3}" dt="2019-02-06T02:42:08.686" v="129" actId="478"/>
+          <ac:spMkLst>
+            <pc:docMk/>
+            <pc:sldMk cId="1584519945" sldId="283"/>
+            <ac:spMk id="12" creationId="{9A82F9AC-0500-4827-950F-CED32711FED7}"/>
+          </ac:spMkLst>
+        </pc:spChg>
+        <pc:picChg chg="del mod">
+          <ac:chgData name="dat nguyen" userId="bb19b3ffa6322b8e" providerId="LiveId" clId="{B99A4877-6C9D-45B9-A2E8-A36064F124A3}" dt="2019-02-06T02:42:08.686" v="129" actId="478"/>
+          <ac:picMkLst>
+            <pc:docMk/>
+            <pc:sldMk cId="1584519945" sldId="283"/>
+            <ac:picMk id="5" creationId="{28C92086-3DCF-415D-8CB8-7DBF828C1059}"/>
+          </ac:picMkLst>
+        </pc:picChg>
+        <pc:picChg chg="add mod">
+          <ac:chgData name="dat nguyen" userId="bb19b3ffa6322b8e" providerId="LiveId" clId="{B99A4877-6C9D-45B9-A2E8-A36064F124A3}" dt="2019-02-06T02:25:35.728" v="16" actId="1076"/>
+          <ac:picMkLst>
+            <pc:docMk/>
+            <pc:sldMk cId="1584519945" sldId="283"/>
+            <ac:picMk id="6" creationId="{BC58F36A-047C-4F2A-BF0E-98292A018052}"/>
+          </ac:picMkLst>
+        </pc:picChg>
+        <pc:picChg chg="add mod">
+          <ac:chgData name="dat nguyen" userId="bb19b3ffa6322b8e" providerId="LiveId" clId="{B99A4877-6C9D-45B9-A2E8-A36064F124A3}" dt="2019-02-06T02:28:56.043" v="99" actId="1076"/>
+          <ac:picMkLst>
+            <pc:docMk/>
+            <pc:sldMk cId="1584519945" sldId="283"/>
+            <ac:picMk id="9" creationId="{3DFE67D1-6639-43DA-939E-72762872DA9D}"/>
+          </ac:picMkLst>
+        </pc:picChg>
+      </pc:sldChg>
+      <pc:sldChg chg="addSp delSp modSp add">
+        <pc:chgData name="dat nguyen" userId="bb19b3ffa6322b8e" providerId="LiveId" clId="{B99A4877-6C9D-45B9-A2E8-A36064F124A3}" dt="2019-02-06T02:45:19.298" v="166" actId="20577"/>
+        <pc:sldMkLst>
+          <pc:docMk/>
+          <pc:sldMk cId="945225168" sldId="284"/>
+        </pc:sldMkLst>
+        <pc:spChg chg="mod">
+          <ac:chgData name="dat nguyen" userId="bb19b3ffa6322b8e" providerId="LiveId" clId="{B99A4877-6C9D-45B9-A2E8-A36064F124A3}" dt="2019-02-06T02:45:19.298" v="166" actId="20577"/>
+          <ac:spMkLst>
+            <pc:docMk/>
+            <pc:sldMk cId="945225168" sldId="284"/>
+            <ac:spMk id="2" creationId="{F50F7250-DBB8-41C6-A248-192D79768227}"/>
+          </ac:spMkLst>
+        </pc:spChg>
+        <pc:spChg chg="del">
+          <ac:chgData name="dat nguyen" userId="bb19b3ffa6322b8e" providerId="LiveId" clId="{B99A4877-6C9D-45B9-A2E8-A36064F124A3}" dt="2019-02-06T02:42:18.524" v="131"/>
+          <ac:spMkLst>
+            <pc:docMk/>
+            <pc:sldMk cId="945225168" sldId="284"/>
+            <ac:spMk id="3" creationId="{494AAD3E-6B8D-48D9-B758-DB6F33850F21}"/>
+          </ac:spMkLst>
+        </pc:spChg>
+        <pc:spChg chg="add mod">
+          <ac:chgData name="dat nguyen" userId="bb19b3ffa6322b8e" providerId="LiveId" clId="{B99A4877-6C9D-45B9-A2E8-A36064F124A3}" dt="2019-02-06T02:44:17.140" v="149" actId="1076"/>
+          <ac:spMkLst>
+            <pc:docMk/>
+            <pc:sldMk cId="945225168" sldId="284"/>
+            <ac:spMk id="9" creationId="{290C7F67-9064-4AFB-AD0A-53D0480EC0A8}"/>
+          </ac:spMkLst>
+        </pc:spChg>
+        <pc:picChg chg="add mod">
+          <ac:chgData name="dat nguyen" userId="bb19b3ffa6322b8e" providerId="LiveId" clId="{B99A4877-6C9D-45B9-A2E8-A36064F124A3}" dt="2019-02-06T02:44:21.766" v="151" actId="1076"/>
+          <ac:picMkLst>
+            <pc:docMk/>
+            <pc:sldMk cId="945225168" sldId="284"/>
+            <ac:picMk id="6" creationId="{67577F12-8338-4F4A-A13B-AD179E965042}"/>
+          </ac:picMkLst>
+        </pc:picChg>
+        <pc:picChg chg="add mod">
+          <ac:chgData name="dat nguyen" userId="bb19b3ffa6322b8e" providerId="LiveId" clId="{B99A4877-6C9D-45B9-A2E8-A36064F124A3}" dt="2019-02-06T02:44:19.865" v="150" actId="1076"/>
+          <ac:picMkLst>
+            <pc:docMk/>
+            <pc:sldMk cId="945225168" sldId="284"/>
+            <ac:picMk id="8" creationId="{ED30635E-E399-408B-8F25-63EAF44B7D21}"/>
+          </ac:picMkLst>
+        </pc:picChg>
+      </pc:sldChg>
+    </pc:docChg>
+  </pc:docChgLst>
+  <pc:docChgLst>
+    <pc:chgData name="Guest User" providerId="Windows Live" clId="Web-{AF63CC72-4F86-4FC0-8EAD-66EBEAEAECE2}"/>
+    <pc:docChg chg="modSld">
+      <pc:chgData name="Guest User" userId="" providerId="Windows Live" clId="Web-{AF63CC72-4F86-4FC0-8EAD-66EBEAEAECE2}" dt="2019-02-04T15:55:11.104" v="13" actId="20577"/>
+      <pc:docMkLst>
+        <pc:docMk/>
+      </pc:docMkLst>
+      <pc:sldChg chg="addSp delSp modSp">
+        <pc:chgData name="Guest User" userId="" providerId="Windows Live" clId="Web-{AF63CC72-4F86-4FC0-8EAD-66EBEAEAECE2}" dt="2019-02-04T15:55:11.104" v="13" actId="20577"/>
         <pc:sldMkLst>
           <pc:docMk/>
           <pc:sldMk cId="3834805635" sldId="277"/>
         </pc:sldMkLst>
         <pc:spChg chg="mod">
-          <ac:chgData name="Guest User" userId="" providerId="Windows Live" clId="Web-{7C0BDA45-3ED1-43EF-AD56-418A5D9E2452}" dt="2019-02-01T23:52:00.337" v="625"/>
-          <ac:spMkLst>
-            <pc:docMk/>
-            <pc:sldMk cId="3834805635" sldId="277"/>
-            <ac:spMk id="2" creationId="{0AC32B30-E9B9-4637-B998-766CE79344BA}"/>
-          </ac:spMkLst>
-        </pc:spChg>
-        <pc:spChg chg="mod">
-          <ac:chgData name="Guest User" userId="" providerId="Windows Live" clId="Web-{7C0BDA45-3ED1-43EF-AD56-418A5D9E2452}" dt="2019-02-01T23:55:14.595" v="662" actId="20577"/>
+          <ac:chgData name="Guest User" userId="" providerId="Windows Live" clId="Web-{AF63CC72-4F86-4FC0-8EAD-66EBEAEAECE2}" dt="2019-02-04T15:55:11.104" v="13" actId="20577"/>
           <ac:spMkLst>
             <pc:docMk/>
             <pc:sldMk cId="3834805635" sldId="277"/>
             <ac:spMk id="3" creationId="{C1CD848D-6DA5-4C15-9376-CC85482615C9}"/>
           </ac:spMkLst>
         </pc:spChg>
-        <pc:spChg chg="mod">
-          <ac:chgData name="Guest User" userId="" providerId="Windows Live" clId="Web-{7C0BDA45-3ED1-43EF-AD56-418A5D9E2452}" dt="2019-02-01T23:52:00.337" v="625"/>
-          <ac:spMkLst>
+        <pc:picChg chg="add mod ord">
+          <ac:chgData name="Guest User" userId="" providerId="Windows Live" clId="Web-{AF63CC72-4F86-4FC0-8EAD-66EBEAEAECE2}" dt="2019-02-04T15:54:36.728" v="3"/>
+          <ac:picMkLst>
             <pc:docMk/>
             <pc:sldMk cId="3834805635" sldId="277"/>
-            <ac:spMk id="4" creationId="{5DC5D889-E77F-4160-B690-AF29F5023AE7}"/>
-          </ac:spMkLst>
-        </pc:spChg>
-        <pc:picChg chg="add">
-          <ac:chgData name="Guest User" userId="" providerId="Windows Live" clId="Web-{7C0BDA45-3ED1-43EF-AD56-418A5D9E2452}" dt="2019-02-01T23:40:01.964" v="232"/>
-          <ac:picMkLst>
-            <pc:docMk/>
-            <pc:sldMk cId="3834805635" sldId="277"/>
-            <ac:picMk id="6" creationId="{9CA23D07-252F-4AA0-8E5C-627B192D8D6B}"/>
+            <ac:picMk id="5" creationId="{A8A64748-5F4F-44AF-9389-59ED22615E9B}"/>
           </ac:picMkLst>
         </pc:picChg>
-        <pc:picChg chg="add mod ord">
-          <ac:chgData name="Guest User" userId="" providerId="Windows Live" clId="Web-{7C0BDA45-3ED1-43EF-AD56-418A5D9E2452}" dt="2019-02-01T23:52:00.337" v="625"/>
+        <pc:picChg chg="del">
+          <ac:chgData name="Guest User" userId="" providerId="Windows Live" clId="Web-{AF63CC72-4F86-4FC0-8EAD-66EBEAEAECE2}" dt="2019-02-04T15:51:22.510" v="0"/>
           <ac:picMkLst>
             <pc:docMk/>
             <pc:sldMk cId="3834805635" sldId="277"/>
             <ac:picMk id="7" creationId="{6AEA9CA6-00D7-49C2-A706-6917726D226D}"/>
-          </ac:picMkLst>
-        </pc:picChg>
-      </pc:sldChg>
-      <pc:sldChg chg="addSp modSp new">
-        <pc:chgData name="Guest User" userId="" providerId="Windows Live" clId="Web-{7C0BDA45-3ED1-43EF-AD56-418A5D9E2452}" dt="2019-02-01T23:44:49.398" v="397" actId="20577"/>
-        <pc:sldMkLst>
-          <pc:docMk/>
-          <pc:sldMk cId="2392118924" sldId="278"/>
-        </pc:sldMkLst>
-        <pc:spChg chg="mod">
-          <ac:chgData name="Guest User" userId="" providerId="Windows Live" clId="Web-{7C0BDA45-3ED1-43EF-AD56-418A5D9E2452}" dt="2019-02-01T23:42:35.752" v="339" actId="20577"/>
-          <ac:spMkLst>
-            <pc:docMk/>
-            <pc:sldMk cId="2392118924" sldId="278"/>
-            <ac:spMk id="2" creationId="{E4B3F2D7-B1A3-4D7C-B662-E6AD77EA0ADC}"/>
-          </ac:spMkLst>
-        </pc:spChg>
-        <pc:spChg chg="mod">
-          <ac:chgData name="Guest User" userId="" providerId="Windows Live" clId="Web-{7C0BDA45-3ED1-43EF-AD56-418A5D9E2452}" dt="2019-02-01T23:44:49.398" v="397" actId="20577"/>
-          <ac:spMkLst>
-            <pc:docMk/>
-            <pc:sldMk cId="2392118924" sldId="278"/>
-            <ac:spMk id="3" creationId="{239F96C0-2243-4FB9-8979-A98CDE1AD9FB}"/>
-          </ac:spMkLst>
-        </pc:spChg>
-        <pc:picChg chg="add">
-          <ac:chgData name="Guest User" userId="" providerId="Windows Live" clId="Web-{7C0BDA45-3ED1-43EF-AD56-418A5D9E2452}" dt="2019-02-01T23:42:20.032" v="324"/>
-          <ac:picMkLst>
-            <pc:docMk/>
-            <pc:sldMk cId="2392118924" sldId="278"/>
-            <ac:picMk id="6" creationId="{943F40ED-C50D-4409-89C6-FD56884291E2}"/>
-          </ac:picMkLst>
-        </pc:picChg>
-      </pc:sldChg>
-      <pc:sldChg chg="addSp modSp new">
-        <pc:chgData name="Guest User" userId="" providerId="Windows Live" clId="Web-{7C0BDA45-3ED1-43EF-AD56-418A5D9E2452}" dt="2019-02-01T23:46:52.590" v="515" actId="20577"/>
-        <pc:sldMkLst>
-          <pc:docMk/>
-          <pc:sldMk cId="2507023400" sldId="279"/>
-        </pc:sldMkLst>
-        <pc:spChg chg="mod">
-          <ac:chgData name="Guest User" userId="" providerId="Windows Live" clId="Web-{7C0BDA45-3ED1-43EF-AD56-418A5D9E2452}" dt="2019-02-01T23:45:34.587" v="412" actId="20577"/>
-          <ac:spMkLst>
-            <pc:docMk/>
-            <pc:sldMk cId="2507023400" sldId="279"/>
-            <ac:spMk id="2" creationId="{A3A063EE-EB81-47B7-B8FD-9A361C9ABEC2}"/>
-          </ac:spMkLst>
-        </pc:spChg>
-        <pc:spChg chg="mod">
-          <ac:chgData name="Guest User" userId="" providerId="Windows Live" clId="Web-{7C0BDA45-3ED1-43EF-AD56-418A5D9E2452}" dt="2019-02-01T23:46:52.590" v="515" actId="20577"/>
-          <ac:spMkLst>
-            <pc:docMk/>
-            <pc:sldMk cId="2507023400" sldId="279"/>
-            <ac:spMk id="3" creationId="{6894EEDD-2E10-4541-85D7-B29400D257DD}"/>
-          </ac:spMkLst>
-        </pc:spChg>
-        <pc:picChg chg="add">
-          <ac:chgData name="Guest User" userId="" providerId="Windows Live" clId="Web-{7C0BDA45-3ED1-43EF-AD56-418A5D9E2452}" dt="2019-02-01T23:45:24.665" v="401"/>
-          <ac:picMkLst>
-            <pc:docMk/>
-            <pc:sldMk cId="2507023400" sldId="279"/>
-            <ac:picMk id="6" creationId="{FE28A499-948A-400F-913A-65909D7FAD40}"/>
-          </ac:picMkLst>
-        </pc:picChg>
-      </pc:sldChg>
-      <pc:sldChg chg="addSp modSp new">
-        <pc:chgData name="Guest User" userId="" providerId="Windows Live" clId="Web-{7C0BDA45-3ED1-43EF-AD56-418A5D9E2452}" dt="2019-02-01T23:48:56.236" v="620" actId="20577"/>
-        <pc:sldMkLst>
-          <pc:docMk/>
-          <pc:sldMk cId="3693760786" sldId="280"/>
-        </pc:sldMkLst>
-        <pc:spChg chg="mod">
-          <ac:chgData name="Guest User" userId="" providerId="Windows Live" clId="Web-{7C0BDA45-3ED1-43EF-AD56-418A5D9E2452}" dt="2019-02-01T23:47:20.669" v="542" actId="20577"/>
-          <ac:spMkLst>
-            <pc:docMk/>
-            <pc:sldMk cId="3693760786" sldId="280"/>
-            <ac:spMk id="2" creationId="{C82DF1E5-2AD1-4DBF-AC94-0E660A9836F2}"/>
-          </ac:spMkLst>
-        </pc:spChg>
-        <pc:spChg chg="mod">
-          <ac:chgData name="Guest User" userId="" providerId="Windows Live" clId="Web-{7C0BDA45-3ED1-43EF-AD56-418A5D9E2452}" dt="2019-02-01T23:48:56.236" v="620" actId="20577"/>
-          <ac:spMkLst>
-            <pc:docMk/>
-            <pc:sldMk cId="3693760786" sldId="280"/>
-            <ac:spMk id="3" creationId="{A2FA9C08-6A80-48E4-BD6D-2DE291231336}"/>
-          </ac:spMkLst>
-        </pc:spChg>
-        <pc:picChg chg="add">
-          <ac:chgData name="Guest User" userId="" providerId="Windows Live" clId="Web-{7C0BDA45-3ED1-43EF-AD56-418A5D9E2452}" dt="2019-02-01T23:46:59.669" v="518"/>
-          <ac:picMkLst>
-            <pc:docMk/>
-            <pc:sldMk cId="3693760786" sldId="280"/>
-            <ac:picMk id="6" creationId="{C6A5A834-4343-4D3A-A58F-762DA3FD5C77}"/>
           </ac:picMkLst>
         </pc:picChg>
       </pc:sldChg>
@@ -1038,6 +1034,115 @@
     </pc:docChg>
   </pc:docChgLst>
   <pc:docChgLst>
+    <pc:chgData name="Guest User" providerId="Windows Live" clId="Web-{0B263961-B995-4F41-8CE6-AB35805BDA76}"/>
+    <pc:docChg chg="addSld modSld">
+      <pc:chgData name="Guest User" userId="" providerId="Windows Live" clId="Web-{0B263961-B995-4F41-8CE6-AB35805BDA76}" dt="2019-02-02T23:00:09.145" v="296" actId="20577"/>
+      <pc:docMkLst>
+        <pc:docMk/>
+      </pc:docMkLst>
+      <pc:sldChg chg="modSp">
+        <pc:chgData name="Guest User" userId="" providerId="Windows Live" clId="Web-{0B263961-B995-4F41-8CE6-AB35805BDA76}" dt="2019-02-02T22:52:36.331" v="42" actId="20577"/>
+        <pc:sldMkLst>
+          <pc:docMk/>
+          <pc:sldMk cId="4243173223" sldId="259"/>
+        </pc:sldMkLst>
+        <pc:spChg chg="mod">
+          <ac:chgData name="Guest User" userId="" providerId="Windows Live" clId="Web-{0B263961-B995-4F41-8CE6-AB35805BDA76}" dt="2019-02-02T22:52:36.331" v="42" actId="20577"/>
+          <ac:spMkLst>
+            <pc:docMk/>
+            <pc:sldMk cId="4243173223" sldId="259"/>
+            <ac:spMk id="3" creationId="{2458A0A8-D52C-5645-A5A5-187BFF4A40EF}"/>
+          </ac:spMkLst>
+        </pc:spChg>
+      </pc:sldChg>
+      <pc:sldChg chg="modSp">
+        <pc:chgData name="Guest User" userId="" providerId="Windows Live" clId="Web-{0B263961-B995-4F41-8CE6-AB35805BDA76}" dt="2019-02-02T22:53:57.662" v="70" actId="20577"/>
+        <pc:sldMkLst>
+          <pc:docMk/>
+          <pc:sldMk cId="1341931174" sldId="261"/>
+        </pc:sldMkLst>
+        <pc:spChg chg="mod">
+          <ac:chgData name="Guest User" userId="" providerId="Windows Live" clId="Web-{0B263961-B995-4F41-8CE6-AB35805BDA76}" dt="2019-02-02T22:53:57.662" v="70" actId="20577"/>
+          <ac:spMkLst>
+            <pc:docMk/>
+            <pc:sldMk cId="1341931174" sldId="261"/>
+            <ac:spMk id="3" creationId="{A763C582-A7AD-7A47-B9A0-1FE093C92060}"/>
+          </ac:spMkLst>
+        </pc:spChg>
+      </pc:sldChg>
+      <pc:sldChg chg="delSp modSp">
+        <pc:chgData name="Guest User" userId="" providerId="Windows Live" clId="Web-{0B263961-B995-4F41-8CE6-AB35805BDA76}" dt="2019-02-02T22:58:41.970" v="200" actId="20577"/>
+        <pc:sldMkLst>
+          <pc:docMk/>
+          <pc:sldMk cId="1991983361" sldId="265"/>
+        </pc:sldMkLst>
+        <pc:spChg chg="mod">
+          <ac:chgData name="Guest User" userId="" providerId="Windows Live" clId="Web-{0B263961-B995-4F41-8CE6-AB35805BDA76}" dt="2019-02-02T22:58:41.970" v="200" actId="20577"/>
+          <ac:spMkLst>
+            <pc:docMk/>
+            <pc:sldMk cId="1991983361" sldId="265"/>
+            <ac:spMk id="3" creationId="{0AEA12F3-B1F8-4D40-AA30-26988B37E085}"/>
+          </ac:spMkLst>
+        </pc:spChg>
+        <pc:spChg chg="del mod">
+          <ac:chgData name="Guest User" userId="" providerId="Windows Live" clId="Web-{0B263961-B995-4F41-8CE6-AB35805BDA76}" dt="2019-02-02T22:58:05.484" v="155"/>
+          <ac:spMkLst>
+            <pc:docMk/>
+            <pc:sldMk cId="1991983361" sldId="265"/>
+            <ac:spMk id="4" creationId="{D2EC1468-C1EB-7E46-902D-67F82860866E}"/>
+          </ac:spMkLst>
+        </pc:spChg>
+      </pc:sldChg>
+      <pc:sldChg chg="delSp modSp add replId">
+        <pc:chgData name="Guest User" userId="" providerId="Windows Live" clId="Web-{0B263961-B995-4F41-8CE6-AB35805BDA76}" dt="2019-02-02T23:00:09.145" v="295" actId="20577"/>
+        <pc:sldMkLst>
+          <pc:docMk/>
+          <pc:sldMk cId="3795891178" sldId="281"/>
+        </pc:sldMkLst>
+        <pc:spChg chg="mod">
+          <ac:chgData name="Guest User" userId="" providerId="Windows Live" clId="Web-{0B263961-B995-4F41-8CE6-AB35805BDA76}" dt="2019-02-02T23:00:09.145" v="295" actId="20577"/>
+          <ac:spMkLst>
+            <pc:docMk/>
+            <pc:sldMk cId="3795891178" sldId="281"/>
+            <ac:spMk id="3" creationId="{0AEA12F3-B1F8-4D40-AA30-26988B37E085}"/>
+          </ac:spMkLst>
+        </pc:spChg>
+        <pc:spChg chg="del mod">
+          <ac:chgData name="Guest User" userId="" providerId="Windows Live" clId="Web-{0B263961-B995-4F41-8CE6-AB35805BDA76}" dt="2019-02-02T22:59:32.503" v="256"/>
+          <ac:spMkLst>
+            <pc:docMk/>
+            <pc:sldMk cId="3795891178" sldId="281"/>
+            <ac:spMk id="4" creationId="{D2EC1468-C1EB-7E46-902D-67F82860866E}"/>
+          </ac:spMkLst>
+        </pc:spChg>
+      </pc:sldChg>
+    </pc:docChg>
+  </pc:docChgLst>
+  <pc:docChgLst>
+    <pc:chgData name="Guest User" providerId="Windows Live" clId="Web-{299B74E4-1740-4268-8CE7-5EB0D1E60DBC}"/>
+    <pc:docChg chg="modSld">
+      <pc:chgData name="Guest User" userId="" providerId="Windows Live" clId="Web-{299B74E4-1740-4268-8CE7-5EB0D1E60DBC}" dt="2019-02-06T14:59:52.695" v="5" actId="20577"/>
+      <pc:docMkLst>
+        <pc:docMk/>
+      </pc:docMkLst>
+      <pc:sldChg chg="modSp">
+        <pc:chgData name="Guest User" userId="" providerId="Windows Live" clId="Web-{299B74E4-1740-4268-8CE7-5EB0D1E60DBC}" dt="2019-02-06T14:59:52.679" v="4" actId="20577"/>
+        <pc:sldMkLst>
+          <pc:docMk/>
+          <pc:sldMk cId="1341931174" sldId="261"/>
+        </pc:sldMkLst>
+        <pc:spChg chg="mod">
+          <ac:chgData name="Guest User" userId="" providerId="Windows Live" clId="Web-{299B74E4-1740-4268-8CE7-5EB0D1E60DBC}" dt="2019-02-06T14:59:52.679" v="4" actId="20577"/>
+          <ac:spMkLst>
+            <pc:docMk/>
+            <pc:sldMk cId="1341931174" sldId="261"/>
+            <ac:spMk id="3" creationId="{A763C582-A7AD-7A47-B9A0-1FE093C92060}"/>
+          </ac:spMkLst>
+        </pc:spChg>
+      </pc:sldChg>
+    </pc:docChg>
+  </pc:docChgLst>
+  <pc:docChgLst>
     <pc:chgData name="dat nguyen" userId="bb19b3ffa6322b8e" providerId="Windows Live" clId="Web-{014A53ED-EECE-4F38-8310-74A366AD9AA4}"/>
     <pc:docChg chg="modSld">
       <pc:chgData name="dat nguyen" userId="bb19b3ffa6322b8e" providerId="Windows Live" clId="Web-{014A53ED-EECE-4F38-8310-74A366AD9AA4}" dt="2019-02-01T17:06:24.059" v="660" actId="20577"/>
@@ -1347,185 +1452,162 @@
     </pc:docChg>
   </pc:docChgLst>
   <pc:docChgLst>
-    <pc:chgData name="dat nguyen" userId="bb19b3ffa6322b8e" providerId="LiveId" clId="{B99A4877-6C9D-45B9-A2E8-A36064F124A3}"/>
-    <pc:docChg chg="undo custSel addSld modSld">
-      <pc:chgData name="dat nguyen" userId="bb19b3ffa6322b8e" providerId="LiveId" clId="{B99A4877-6C9D-45B9-A2E8-A36064F124A3}" dt="2019-02-10T18:18:44.593" v="170"/>
+    <pc:chgData name="Guest User" providerId="Windows Live" clId="Web-{4F678C15-84E6-4D7B-A2A2-35B5A01656B7}"/>
+    <pc:docChg chg="modSld">
+      <pc:chgData name="Guest User" userId="" providerId="Windows Live" clId="Web-{4F678C15-84E6-4D7B-A2A2-35B5A01656B7}" dt="2019-02-01T23:56:31.471" v="2"/>
+      <pc:docMkLst>
+        <pc:docMk/>
+      </pc:docMkLst>
+      <pc:sldChg chg="delSp modSp">
+        <pc:chgData name="Guest User" userId="" providerId="Windows Live" clId="Web-{4F678C15-84E6-4D7B-A2A2-35B5A01656B7}" dt="2019-02-01T23:56:31.471" v="2"/>
+        <pc:sldMkLst>
+          <pc:docMk/>
+          <pc:sldMk cId="3297602696" sldId="266"/>
+        </pc:sldMkLst>
+        <pc:spChg chg="del mod">
+          <ac:chgData name="Guest User" userId="" providerId="Windows Live" clId="Web-{4F678C15-84E6-4D7B-A2A2-35B5A01656B7}" dt="2019-02-01T23:56:31.471" v="2"/>
+          <ac:spMkLst>
+            <pc:docMk/>
+            <pc:sldMk cId="3297602696" sldId="266"/>
+            <ac:spMk id="4" creationId="{D2EC1468-C1EB-7E46-902D-67F82860866E}"/>
+          </ac:spMkLst>
+        </pc:spChg>
+      </pc:sldChg>
+    </pc:docChg>
+  </pc:docChgLst>
+  <pc:docChgLst>
+    <pc:chgData name="Guest User" providerId="Windows Live" clId="Web-{7C0BDA45-3ED1-43EF-AD56-418A5D9E2452}"/>
+    <pc:docChg chg="addSld modSld">
+      <pc:chgData name="Guest User" userId="" providerId="Windows Live" clId="Web-{7C0BDA45-3ED1-43EF-AD56-418A5D9E2452}" dt="2019-02-01T23:55:14.611" v="663" actId="20577"/>
       <pc:docMkLst>
         <pc:docMk/>
       </pc:docMkLst>
       <pc:sldChg chg="modSp">
-        <pc:chgData name="dat nguyen" userId="bb19b3ffa6322b8e" providerId="LiveId" clId="{B99A4877-6C9D-45B9-A2E8-A36064F124A3}" dt="2019-02-06T02:38:06.945" v="121" actId="20577"/>
+        <pc:chgData name="Guest User" userId="" providerId="Windows Live" clId="Web-{7C0BDA45-3ED1-43EF-AD56-418A5D9E2452}" dt="2019-02-01T23:36:53.409" v="103" actId="20577"/>
         <pc:sldMkLst>
           <pc:docMk/>
-          <pc:sldMk cId="1341931174" sldId="261"/>
+          <pc:sldMk cId="3297602696" sldId="266"/>
         </pc:sldMkLst>
         <pc:spChg chg="mod">
-          <ac:chgData name="dat nguyen" userId="bb19b3ffa6322b8e" providerId="LiveId" clId="{B99A4877-6C9D-45B9-A2E8-A36064F124A3}" dt="2019-02-06T02:38:06.945" v="121" actId="20577"/>
+          <ac:chgData name="Guest User" userId="" providerId="Windows Live" clId="Web-{7C0BDA45-3ED1-43EF-AD56-418A5D9E2452}" dt="2019-02-01T23:36:53.409" v="103" actId="20577"/>
           <ac:spMkLst>
             <pc:docMk/>
-            <pc:sldMk cId="1341931174" sldId="261"/>
-            <ac:spMk id="3" creationId="{A763C582-A7AD-7A47-B9A0-1FE093C92060}"/>
+            <pc:sldMk cId="3297602696" sldId="266"/>
+            <ac:spMk id="3" creationId="{0AEA12F3-B1F8-4D40-AA30-26988B37E085}"/>
           </ac:spMkLst>
         </pc:spChg>
       </pc:sldChg>
-      <pc:sldChg chg="addSp delSp modSp">
-        <pc:chgData name="dat nguyen" userId="bb19b3ffa6322b8e" providerId="LiveId" clId="{B99A4877-6C9D-45B9-A2E8-A36064F124A3}" dt="2019-02-10T18:18:44.593" v="170"/>
+      <pc:sldChg chg="addSp delSp modSp new mod setBg">
+        <pc:chgData name="Guest User" userId="" providerId="Windows Live" clId="Web-{7C0BDA45-3ED1-43EF-AD56-418A5D9E2452}" dt="2019-02-01T23:39:50.854" v="228" actId="20577"/>
         <pc:sldMkLst>
           <pc:docMk/>
-          <pc:sldMk cId="3834805635" sldId="277"/>
+          <pc:sldMk cId="1483745631" sldId="276"/>
         </pc:sldMkLst>
-        <pc:picChg chg="mod">
-          <ac:chgData name="dat nguyen" userId="bb19b3ffa6322b8e" providerId="LiveId" clId="{B99A4877-6C9D-45B9-A2E8-A36064F124A3}" dt="2019-02-10T18:18:22.950" v="167" actId="1076"/>
+        <pc:spChg chg="mod">
+          <ac:chgData name="Guest User" userId="" providerId="Windows Live" clId="Web-{7C0BDA45-3ED1-43EF-AD56-418A5D9E2452}" dt="2019-02-01T23:37:56.896" v="117" actId="20577"/>
+          <ac:spMkLst>
+            <pc:docMk/>
+            <pc:sldMk cId="1483745631" sldId="276"/>
+            <ac:spMk id="2" creationId="{7DECD5C5-E468-4DCC-9BB7-CCA0A9CFD823}"/>
+          </ac:spMkLst>
+        </pc:spChg>
+        <pc:spChg chg="mod">
+          <ac:chgData name="Guest User" userId="" providerId="Windows Live" clId="Web-{7C0BDA45-3ED1-43EF-AD56-418A5D9E2452}" dt="2019-02-01T23:39:50.854" v="228" actId="20577"/>
+          <ac:spMkLst>
+            <pc:docMk/>
+            <pc:sldMk cId="1483745631" sldId="276"/>
+            <ac:spMk id="3" creationId="{CF701C10-8135-4DB3-A6C8-77FFE1206DD8}"/>
+          </ac:spMkLst>
+        </pc:spChg>
+        <pc:spChg chg="mod">
+          <ac:chgData name="Guest User" userId="" providerId="Windows Live" clId="Web-{7C0BDA45-3ED1-43EF-AD56-418A5D9E2452}" dt="2019-02-01T23:37:36.583" v="108"/>
+          <ac:spMkLst>
+            <pc:docMk/>
+            <pc:sldMk cId="1483745631" sldId="276"/>
+            <ac:spMk id="4" creationId="{993F8206-90F3-4BF4-AA65-59E99676B461}"/>
+          </ac:spMkLst>
+        </pc:spChg>
+        <pc:spChg chg="add del">
+          <ac:chgData name="Guest User" userId="" providerId="Windows Live" clId="Web-{7C0BDA45-3ED1-43EF-AD56-418A5D9E2452}" dt="2019-02-01T23:37:36.583" v="108"/>
+          <ac:spMkLst>
+            <pc:docMk/>
+            <pc:sldMk cId="1483745631" sldId="276"/>
+            <ac:spMk id="11" creationId="{3B854194-185D-494D-905C-7C7CB2E30F6E}"/>
+          </ac:spMkLst>
+        </pc:spChg>
+        <pc:spChg chg="add del">
+          <ac:chgData name="Guest User" userId="" providerId="Windows Live" clId="Web-{7C0BDA45-3ED1-43EF-AD56-418A5D9E2452}" dt="2019-02-01T23:37:36.583" v="108"/>
+          <ac:spMkLst>
+            <pc:docMk/>
+            <pc:sldMk cId="1483745631" sldId="276"/>
+            <ac:spMk id="13" creationId="{B4F5FA0D-0104-4987-8241-EFF7C85B88DE}"/>
+          </ac:spMkLst>
+        </pc:spChg>
+        <pc:picChg chg="add del">
+          <ac:chgData name="Guest User" userId="" providerId="Windows Live" clId="Web-{7C0BDA45-3ED1-43EF-AD56-418A5D9E2452}" dt="2019-02-01T23:37:38.911" v="109"/>
           <ac:picMkLst>
             <pc:docMk/>
-            <pc:sldMk cId="3834805635" sldId="277"/>
-            <ac:picMk id="5" creationId="{A8A64748-5F4F-44AF-9389-59ED22615E9B}"/>
+            <pc:sldMk cId="1483745631" sldId="276"/>
+            <ac:picMk id="6" creationId="{D80D2723-98AA-49BC-8218-270F49F12914}"/>
           </ac:picMkLst>
         </pc:picChg>
-        <pc:picChg chg="add del mod">
-          <ac:chgData name="dat nguyen" userId="bb19b3ffa6322b8e" providerId="LiveId" clId="{B99A4877-6C9D-45B9-A2E8-A36064F124A3}" dt="2019-02-10T18:18:44.593" v="170"/>
+        <pc:picChg chg="add">
+          <ac:chgData name="Guest User" userId="" providerId="Windows Live" clId="Web-{7C0BDA45-3ED1-43EF-AD56-418A5D9E2452}" dt="2019-02-01T23:37:44.552" v="110"/>
           <ac:picMkLst>
             <pc:docMk/>
-            <pc:sldMk cId="3834805635" sldId="277"/>
-            <ac:picMk id="6" creationId="{D25C96ED-6A67-4250-8396-40BABBE8C12D}"/>
+            <pc:sldMk cId="1483745631" sldId="276"/>
+            <ac:picMk id="7" creationId="{C4680358-EED7-47D4-81FE-2F4BA940770D}"/>
+          </ac:picMkLst>
+        </pc:picChg>
+        <pc:picChg chg="add del">
+          <ac:chgData name="Guest User" userId="" providerId="Windows Live" clId="Web-{7C0BDA45-3ED1-43EF-AD56-418A5D9E2452}" dt="2019-02-01T23:37:36.583" v="108"/>
+          <ac:picMkLst>
+            <pc:docMk/>
+            <pc:sldMk cId="1483745631" sldId="276"/>
+            <ac:picMk id="15" creationId="{2897127E-6CEF-446C-BE87-93B7C46E49D1}"/>
           </ac:picMkLst>
         </pc:picChg>
       </pc:sldChg>
-      <pc:sldChg chg="addSp delSp modSp modAnim">
-        <pc:chgData name="dat nguyen" userId="bb19b3ffa6322b8e" providerId="LiveId" clId="{B99A4877-6C9D-45B9-A2E8-A36064F124A3}" dt="2019-02-06T02:42:08.686" v="129" actId="478"/>
-        <pc:sldMkLst>
-          <pc:docMk/>
-          <pc:sldMk cId="1584519945" sldId="283"/>
-        </pc:sldMkLst>
-        <pc:spChg chg="mod">
-          <ac:chgData name="dat nguyen" userId="bb19b3ffa6322b8e" providerId="LiveId" clId="{B99A4877-6C9D-45B9-A2E8-A36064F124A3}" dt="2019-02-06T02:25:23.202" v="11" actId="20577"/>
-          <ac:spMkLst>
-            <pc:docMk/>
-            <pc:sldMk cId="1584519945" sldId="283"/>
-            <ac:spMk id="2" creationId="{7954D10D-0750-447E-AC5A-70AF1F3038F1}"/>
-          </ac:spMkLst>
-        </pc:spChg>
-        <pc:spChg chg="add mod">
-          <ac:chgData name="dat nguyen" userId="bb19b3ffa6322b8e" providerId="LiveId" clId="{B99A4877-6C9D-45B9-A2E8-A36064F124A3}" dt="2019-02-06T02:34:49.403" v="106" actId="1036"/>
-          <ac:spMkLst>
-            <pc:docMk/>
-            <pc:sldMk cId="1584519945" sldId="283"/>
-            <ac:spMk id="7" creationId="{665CC3AB-F755-4097-A06C-133D8502D296}"/>
-          </ac:spMkLst>
-        </pc:spChg>
-        <pc:spChg chg="add mod">
-          <ac:chgData name="dat nguyen" userId="bb19b3ffa6322b8e" providerId="LiveId" clId="{B99A4877-6C9D-45B9-A2E8-A36064F124A3}" dt="2019-02-06T02:28:58.924" v="100" actId="1076"/>
-          <ac:spMkLst>
-            <pc:docMk/>
-            <pc:sldMk cId="1584519945" sldId="283"/>
-            <ac:spMk id="10" creationId="{2B61CAA9-B8F3-4953-BDAF-F4AA1C5C8142}"/>
-          </ac:spMkLst>
-        </pc:spChg>
-        <pc:spChg chg="add mod">
-          <ac:chgData name="dat nguyen" userId="bb19b3ffa6322b8e" providerId="LiveId" clId="{B99A4877-6C9D-45B9-A2E8-A36064F124A3}" dt="2019-02-06T02:42:08.686" v="129" actId="478"/>
-          <ac:spMkLst>
-            <pc:docMk/>
-            <pc:sldMk cId="1584519945" sldId="283"/>
-            <ac:spMk id="12" creationId="{9A82F9AC-0500-4827-950F-CED32711FED7}"/>
-          </ac:spMkLst>
-        </pc:spChg>
-        <pc:picChg chg="del mod">
-          <ac:chgData name="dat nguyen" userId="bb19b3ffa6322b8e" providerId="LiveId" clId="{B99A4877-6C9D-45B9-A2E8-A36064F124A3}" dt="2019-02-06T02:42:08.686" v="129" actId="478"/>
-          <ac:picMkLst>
-            <pc:docMk/>
-            <pc:sldMk cId="1584519945" sldId="283"/>
-            <ac:picMk id="5" creationId="{28C92086-3DCF-415D-8CB8-7DBF828C1059}"/>
-          </ac:picMkLst>
-        </pc:picChg>
-        <pc:picChg chg="add mod">
-          <ac:chgData name="dat nguyen" userId="bb19b3ffa6322b8e" providerId="LiveId" clId="{B99A4877-6C9D-45B9-A2E8-A36064F124A3}" dt="2019-02-06T02:25:35.728" v="16" actId="1076"/>
-          <ac:picMkLst>
-            <pc:docMk/>
-            <pc:sldMk cId="1584519945" sldId="283"/>
-            <ac:picMk id="6" creationId="{BC58F36A-047C-4F2A-BF0E-98292A018052}"/>
-          </ac:picMkLst>
-        </pc:picChg>
-        <pc:picChg chg="add mod">
-          <ac:chgData name="dat nguyen" userId="bb19b3ffa6322b8e" providerId="LiveId" clId="{B99A4877-6C9D-45B9-A2E8-A36064F124A3}" dt="2019-02-06T02:28:56.043" v="99" actId="1076"/>
-          <ac:picMkLst>
-            <pc:docMk/>
-            <pc:sldMk cId="1584519945" sldId="283"/>
-            <ac:picMk id="9" creationId="{3DFE67D1-6639-43DA-939E-72762872DA9D}"/>
-          </ac:picMkLst>
-        </pc:picChg>
-      </pc:sldChg>
-      <pc:sldChg chg="addSp delSp modSp add">
-        <pc:chgData name="dat nguyen" userId="bb19b3ffa6322b8e" providerId="LiveId" clId="{B99A4877-6C9D-45B9-A2E8-A36064F124A3}" dt="2019-02-06T02:45:19.298" v="166" actId="20577"/>
-        <pc:sldMkLst>
-          <pc:docMk/>
-          <pc:sldMk cId="945225168" sldId="284"/>
-        </pc:sldMkLst>
-        <pc:spChg chg="mod">
-          <ac:chgData name="dat nguyen" userId="bb19b3ffa6322b8e" providerId="LiveId" clId="{B99A4877-6C9D-45B9-A2E8-A36064F124A3}" dt="2019-02-06T02:45:19.298" v="166" actId="20577"/>
-          <ac:spMkLst>
-            <pc:docMk/>
-            <pc:sldMk cId="945225168" sldId="284"/>
-            <ac:spMk id="2" creationId="{F50F7250-DBB8-41C6-A248-192D79768227}"/>
-          </ac:spMkLst>
-        </pc:spChg>
-        <pc:spChg chg="del">
-          <ac:chgData name="dat nguyen" userId="bb19b3ffa6322b8e" providerId="LiveId" clId="{B99A4877-6C9D-45B9-A2E8-A36064F124A3}" dt="2019-02-06T02:42:18.524" v="131"/>
-          <ac:spMkLst>
-            <pc:docMk/>
-            <pc:sldMk cId="945225168" sldId="284"/>
-            <ac:spMk id="3" creationId="{494AAD3E-6B8D-48D9-B758-DB6F33850F21}"/>
-          </ac:spMkLst>
-        </pc:spChg>
-        <pc:spChg chg="add mod">
-          <ac:chgData name="dat nguyen" userId="bb19b3ffa6322b8e" providerId="LiveId" clId="{B99A4877-6C9D-45B9-A2E8-A36064F124A3}" dt="2019-02-06T02:44:17.140" v="149" actId="1076"/>
-          <ac:spMkLst>
-            <pc:docMk/>
-            <pc:sldMk cId="945225168" sldId="284"/>
-            <ac:spMk id="9" creationId="{290C7F67-9064-4AFB-AD0A-53D0480EC0A8}"/>
-          </ac:spMkLst>
-        </pc:spChg>
-        <pc:picChg chg="add mod">
-          <ac:chgData name="dat nguyen" userId="bb19b3ffa6322b8e" providerId="LiveId" clId="{B99A4877-6C9D-45B9-A2E8-A36064F124A3}" dt="2019-02-06T02:44:21.766" v="151" actId="1076"/>
-          <ac:picMkLst>
-            <pc:docMk/>
-            <pc:sldMk cId="945225168" sldId="284"/>
-            <ac:picMk id="6" creationId="{67577F12-8338-4F4A-A13B-AD179E965042}"/>
-          </ac:picMkLst>
-        </pc:picChg>
-        <pc:picChg chg="add mod">
-          <ac:chgData name="dat nguyen" userId="bb19b3ffa6322b8e" providerId="LiveId" clId="{B99A4877-6C9D-45B9-A2E8-A36064F124A3}" dt="2019-02-06T02:44:19.865" v="150" actId="1076"/>
-          <ac:picMkLst>
-            <pc:docMk/>
-            <pc:sldMk cId="945225168" sldId="284"/>
-            <ac:picMk id="8" creationId="{ED30635E-E399-408B-8F25-63EAF44B7D21}"/>
-          </ac:picMkLst>
-        </pc:picChg>
-      </pc:sldChg>
-    </pc:docChg>
-  </pc:docChgLst>
-  <pc:docChgLst>
-    <pc:chgData name="Guest User" providerId="Windows Live" clId="Web-{BF7007E2-2AC9-4B49-99AE-FC661F4A572B}"/>
-    <pc:docChg chg="modSld">
-      <pc:chgData name="Guest User" userId="" providerId="Windows Live" clId="Web-{BF7007E2-2AC9-4B49-99AE-FC661F4A572B}" dt="2019-02-01T23:58:38.498" v="10" actId="20577"/>
-      <pc:docMkLst>
-        <pc:docMk/>
-      </pc:docMkLst>
-      <pc:sldChg chg="modSp">
-        <pc:chgData name="Guest User" userId="" providerId="Windows Live" clId="Web-{BF7007E2-2AC9-4B49-99AE-FC661F4A572B}" dt="2019-02-01T23:58:33.389" v="8" actId="20577"/>
+      <pc:sldChg chg="addSp modSp new mod setBg">
+        <pc:chgData name="Guest User" userId="" providerId="Windows Live" clId="Web-{7C0BDA45-3ED1-43EF-AD56-418A5D9E2452}" dt="2019-02-01T23:55:14.595" v="662" actId="20577"/>
         <pc:sldMkLst>
           <pc:docMk/>
           <pc:sldMk cId="3834805635" sldId="277"/>
         </pc:sldMkLst>
         <pc:spChg chg="mod">
-          <ac:chgData name="Guest User" userId="" providerId="Windows Live" clId="Web-{BF7007E2-2AC9-4B49-99AE-FC661F4A572B}" dt="2019-02-01T23:58:33.389" v="8" actId="20577"/>
+          <ac:chgData name="Guest User" userId="" providerId="Windows Live" clId="Web-{7C0BDA45-3ED1-43EF-AD56-418A5D9E2452}" dt="2019-02-01T23:52:00.337" v="625"/>
+          <ac:spMkLst>
+            <pc:docMk/>
+            <pc:sldMk cId="3834805635" sldId="277"/>
+            <ac:spMk id="2" creationId="{0AC32B30-E9B9-4637-B998-766CE79344BA}"/>
+          </ac:spMkLst>
+        </pc:spChg>
+        <pc:spChg chg="mod">
+          <ac:chgData name="Guest User" userId="" providerId="Windows Live" clId="Web-{7C0BDA45-3ED1-43EF-AD56-418A5D9E2452}" dt="2019-02-01T23:55:14.595" v="662" actId="20577"/>
           <ac:spMkLst>
             <pc:docMk/>
             <pc:sldMk cId="3834805635" sldId="277"/>
             <ac:spMk id="3" creationId="{C1CD848D-6DA5-4C15-9376-CC85482615C9}"/>
           </ac:spMkLst>
         </pc:spChg>
-        <pc:picChg chg="mod">
-          <ac:chgData name="Guest User" userId="" providerId="Windows Live" clId="Web-{BF7007E2-2AC9-4B49-99AE-FC661F4A572B}" dt="2019-02-01T23:58:22.779" v="6" actId="14100"/>
+        <pc:spChg chg="mod">
+          <ac:chgData name="Guest User" userId="" providerId="Windows Live" clId="Web-{7C0BDA45-3ED1-43EF-AD56-418A5D9E2452}" dt="2019-02-01T23:52:00.337" v="625"/>
+          <ac:spMkLst>
+            <pc:docMk/>
+            <pc:sldMk cId="3834805635" sldId="277"/>
+            <ac:spMk id="4" creationId="{5DC5D889-E77F-4160-B690-AF29F5023AE7}"/>
+          </ac:spMkLst>
+        </pc:spChg>
+        <pc:picChg chg="add">
+          <ac:chgData name="Guest User" userId="" providerId="Windows Live" clId="Web-{7C0BDA45-3ED1-43EF-AD56-418A5D9E2452}" dt="2019-02-01T23:40:01.964" v="232"/>
+          <ac:picMkLst>
+            <pc:docMk/>
+            <pc:sldMk cId="3834805635" sldId="277"/>
+            <ac:picMk id="6" creationId="{9CA23D07-252F-4AA0-8E5C-627B192D8D6B}"/>
+          </ac:picMkLst>
+        </pc:picChg>
+        <pc:picChg chg="add mod ord">
+          <ac:chgData name="Guest User" userId="" providerId="Windows Live" clId="Web-{7C0BDA45-3ED1-43EF-AD56-418A5D9E2452}" dt="2019-02-01T23:52:00.337" v="625"/>
           <ac:picMkLst>
             <pc:docMk/>
             <pc:sldMk cId="3834805635" sldId="277"/>
@@ -1533,155 +1615,98 @@
           </ac:picMkLst>
         </pc:picChg>
       </pc:sldChg>
-    </pc:docChg>
-  </pc:docChgLst>
-  <pc:docChgLst>
-    <pc:chgData name="Fu Zoe" userId="8752382b4a911f22" providerId="Windows Live" clId="Web-{85123743-111C-48FA-AC6F-66FB0F24042A}"/>
-    <pc:docChg chg="addSld delSld modSld">
-      <pc:chgData name="Fu Zoe" userId="8752382b4a911f22" providerId="Windows Live" clId="Web-{85123743-111C-48FA-AC6F-66FB0F24042A}" dt="2019-02-04T17:04:38.526" v="102"/>
-      <pc:docMkLst>
-        <pc:docMk/>
-      </pc:docMkLst>
-      <pc:sldChg chg="addSp delSp modSp">
-        <pc:chgData name="Fu Zoe" userId="8752382b4a911f22" providerId="Windows Live" clId="Web-{85123743-111C-48FA-AC6F-66FB0F24042A}" dt="2019-02-04T17:01:41.410" v="67"/>
+      <pc:sldChg chg="addSp modSp new">
+        <pc:chgData name="Guest User" userId="" providerId="Windows Live" clId="Web-{7C0BDA45-3ED1-43EF-AD56-418A5D9E2452}" dt="2019-02-01T23:44:49.398" v="397" actId="20577"/>
         <pc:sldMkLst>
           <pc:docMk/>
-          <pc:sldMk cId="1534462941" sldId="268"/>
+          <pc:sldMk cId="2392118924" sldId="278"/>
         </pc:sldMkLst>
         <pc:spChg chg="mod">
-          <ac:chgData name="Fu Zoe" userId="8752382b4a911f22" providerId="Windows Live" clId="Web-{85123743-111C-48FA-AC6F-66FB0F24042A}" dt="2019-02-04T17:01:39.972" v="64" actId="20577"/>
+          <ac:chgData name="Guest User" userId="" providerId="Windows Live" clId="Web-{7C0BDA45-3ED1-43EF-AD56-418A5D9E2452}" dt="2019-02-01T23:42:35.752" v="339" actId="20577"/>
           <ac:spMkLst>
             <pc:docMk/>
-            <pc:sldMk cId="1534462941" sldId="268"/>
-            <ac:spMk id="2" creationId="{5E85D052-8127-9347-8222-567C3F4BF379}"/>
+            <pc:sldMk cId="2392118924" sldId="278"/>
+            <ac:spMk id="2" creationId="{E4B3F2D7-B1A3-4D7C-B662-E6AD77EA0ADC}"/>
           </ac:spMkLst>
         </pc:spChg>
         <pc:spChg chg="mod">
-          <ac:chgData name="Fu Zoe" userId="8752382b4a911f22" providerId="Windows Live" clId="Web-{85123743-111C-48FA-AC6F-66FB0F24042A}" dt="2019-02-04T17:01:12.174" v="62" actId="20577"/>
+          <ac:chgData name="Guest User" userId="" providerId="Windows Live" clId="Web-{7C0BDA45-3ED1-43EF-AD56-418A5D9E2452}" dt="2019-02-01T23:44:49.398" v="397" actId="20577"/>
           <ac:spMkLst>
             <pc:docMk/>
-            <pc:sldMk cId="1534462941" sldId="268"/>
-            <ac:spMk id="3" creationId="{3BE9A949-F50A-C844-8346-839D03A54FF3}"/>
+            <pc:sldMk cId="2392118924" sldId="278"/>
+            <ac:spMk id="3" creationId="{239F96C0-2243-4FB9-8979-A98CDE1AD9FB}"/>
           </ac:spMkLst>
         </pc:spChg>
-        <pc:spChg chg="add del mod">
-          <ac:chgData name="Fu Zoe" userId="8752382b4a911f22" providerId="Windows Live" clId="Web-{85123743-111C-48FA-AC6F-66FB0F24042A}" dt="2019-02-04T17:01:41.410" v="67"/>
-          <ac:spMkLst>
-            <pc:docMk/>
-            <pc:sldMk cId="1534462941" sldId="268"/>
-            <ac:spMk id="5" creationId="{CB9E8E14-47C4-9241-9568-634AB1D48A03}"/>
-          </ac:spMkLst>
-        </pc:spChg>
+        <pc:picChg chg="add">
+          <ac:chgData name="Guest User" userId="" providerId="Windows Live" clId="Web-{7C0BDA45-3ED1-43EF-AD56-418A5D9E2452}" dt="2019-02-01T23:42:20.032" v="324"/>
+          <ac:picMkLst>
+            <pc:docMk/>
+            <pc:sldMk cId="2392118924" sldId="278"/>
+            <ac:picMk id="6" creationId="{943F40ED-C50D-4409-89C6-FD56884291E2}"/>
+          </ac:picMkLst>
+        </pc:picChg>
       </pc:sldChg>
-      <pc:sldChg chg="addSp delSp modSp new mod setBg">
-        <pc:chgData name="Fu Zoe" userId="8752382b4a911f22" providerId="Windows Live" clId="Web-{85123743-111C-48FA-AC6F-66FB0F24042A}" dt="2019-02-04T17:04:38.526" v="102"/>
+      <pc:sldChg chg="addSp modSp new">
+        <pc:chgData name="Guest User" userId="" providerId="Windows Live" clId="Web-{7C0BDA45-3ED1-43EF-AD56-418A5D9E2452}" dt="2019-02-01T23:46:52.590" v="515" actId="20577"/>
         <pc:sldMkLst>
           <pc:docMk/>
-          <pc:sldMk cId="2433490376" sldId="282"/>
+          <pc:sldMk cId="2507023400" sldId="279"/>
         </pc:sldMkLst>
         <pc:spChg chg="mod">
-          <ac:chgData name="Fu Zoe" userId="8752382b4a911f22" providerId="Windows Live" clId="Web-{85123743-111C-48FA-AC6F-66FB0F24042A}" dt="2019-02-04T17:04:24.791" v="99"/>
+          <ac:chgData name="Guest User" userId="" providerId="Windows Live" clId="Web-{7C0BDA45-3ED1-43EF-AD56-418A5D9E2452}" dt="2019-02-01T23:45:34.587" v="412" actId="20577"/>
           <ac:spMkLst>
             <pc:docMk/>
-            <pc:sldMk cId="2433490376" sldId="282"/>
-            <ac:spMk id="2" creationId="{018589E6-3CC0-4E5F-AF7F-C8F0BA53C78C}"/>
-          </ac:spMkLst>
-        </pc:spChg>
-        <pc:spChg chg="add del">
-          <ac:chgData name="Fu Zoe" userId="8752382b4a911f22" providerId="Windows Live" clId="Web-{85123743-111C-48FA-AC6F-66FB0F24042A}" dt="2019-02-04T17:04:33.792" v="101"/>
-          <ac:spMkLst>
-            <pc:docMk/>
-            <pc:sldMk cId="2433490376" sldId="282"/>
-            <ac:spMk id="3" creationId="{51BD50CB-F65A-4030-B922-38F41A1813F1}"/>
+            <pc:sldMk cId="2507023400" sldId="279"/>
+            <ac:spMk id="2" creationId="{A3A063EE-EB81-47B7-B8FD-9A361C9ABEC2}"/>
           </ac:spMkLst>
         </pc:spChg>
         <pc:spChg chg="mod">
-          <ac:chgData name="Fu Zoe" userId="8752382b4a911f22" providerId="Windows Live" clId="Web-{85123743-111C-48FA-AC6F-66FB0F24042A}" dt="2019-02-04T17:04:24.791" v="99"/>
+          <ac:chgData name="Guest User" userId="" providerId="Windows Live" clId="Web-{7C0BDA45-3ED1-43EF-AD56-418A5D9E2452}" dt="2019-02-01T23:46:52.590" v="515" actId="20577"/>
           <ac:spMkLst>
             <pc:docMk/>
-            <pc:sldMk cId="2433490376" sldId="282"/>
-            <ac:spMk id="4" creationId="{063B3ECE-C939-4699-BC47-42878BADA195}"/>
+            <pc:sldMk cId="2507023400" sldId="279"/>
+            <ac:spMk id="3" creationId="{6894EEDD-2E10-4541-85D7-B29400D257DD}"/>
           </ac:spMkLst>
         </pc:spChg>
-        <pc:spChg chg="add del">
-          <ac:chgData name="Fu Zoe" userId="8752382b4a911f22" providerId="Windows Live" clId="Web-{85123743-111C-48FA-AC6F-66FB0F24042A}" dt="2019-02-04T17:04:24.791" v="99"/>
+        <pc:picChg chg="add">
+          <ac:chgData name="Guest User" userId="" providerId="Windows Live" clId="Web-{7C0BDA45-3ED1-43EF-AD56-418A5D9E2452}" dt="2019-02-01T23:45:24.665" v="401"/>
+          <ac:picMkLst>
+            <pc:docMk/>
+            <pc:sldMk cId="2507023400" sldId="279"/>
+            <ac:picMk id="6" creationId="{FE28A499-948A-400F-913A-65909D7FAD40}"/>
+          </ac:picMkLst>
+        </pc:picChg>
+      </pc:sldChg>
+      <pc:sldChg chg="addSp modSp new">
+        <pc:chgData name="Guest User" userId="" providerId="Windows Live" clId="Web-{7C0BDA45-3ED1-43EF-AD56-418A5D9E2452}" dt="2019-02-01T23:48:56.236" v="620" actId="20577"/>
+        <pc:sldMkLst>
+          <pc:docMk/>
+          <pc:sldMk cId="3693760786" sldId="280"/>
+        </pc:sldMkLst>
+        <pc:spChg chg="mod">
+          <ac:chgData name="Guest User" userId="" providerId="Windows Live" clId="Web-{7C0BDA45-3ED1-43EF-AD56-418A5D9E2452}" dt="2019-02-01T23:47:20.669" v="542" actId="20577"/>
           <ac:spMkLst>
             <pc:docMk/>
-            <pc:sldMk cId="2433490376" sldId="282"/>
-            <ac:spMk id="10" creationId="{AB45A142-4255-493C-8284-5D566C121B10}"/>
+            <pc:sldMk cId="3693760786" sldId="280"/>
+            <ac:spMk id="2" creationId="{C82DF1E5-2AD1-4DBF-AC94-0E660A9836F2}"/>
           </ac:spMkLst>
         </pc:spChg>
-        <pc:picChg chg="add del mod ord">
-          <ac:chgData name="Fu Zoe" userId="8752382b4a911f22" providerId="Windows Live" clId="Web-{85123743-111C-48FA-AC6F-66FB0F24042A}" dt="2019-02-04T17:04:25.947" v="100"/>
+        <pc:spChg chg="mod">
+          <ac:chgData name="Guest User" userId="" providerId="Windows Live" clId="Web-{7C0BDA45-3ED1-43EF-AD56-418A5D9E2452}" dt="2019-02-01T23:48:56.236" v="620" actId="20577"/>
+          <ac:spMkLst>
+            <pc:docMk/>
+            <pc:sldMk cId="3693760786" sldId="280"/>
+            <ac:spMk id="3" creationId="{A2FA9C08-6A80-48E4-BD6D-2DE291231336}"/>
+          </ac:spMkLst>
+        </pc:spChg>
+        <pc:picChg chg="add">
+          <ac:chgData name="Guest User" userId="" providerId="Windows Live" clId="Web-{7C0BDA45-3ED1-43EF-AD56-418A5D9E2452}" dt="2019-02-01T23:46:59.669" v="518"/>
           <ac:picMkLst>
             <pc:docMk/>
-            <pc:sldMk cId="2433490376" sldId="282"/>
-            <ac:picMk id="5" creationId="{1E02B763-65B5-4349-AAB8-BC5EB22EA8F2}"/>
+            <pc:sldMk cId="3693760786" sldId="280"/>
+            <ac:picMk id="6" creationId="{C6A5A834-4343-4D3A-A58F-762DA3FD5C77}"/>
           </ac:picMkLst>
         </pc:picChg>
-        <pc:picChg chg="add mod ord">
-          <ac:chgData name="Fu Zoe" userId="8752382b4a911f22" providerId="Windows Live" clId="Web-{85123743-111C-48FA-AC6F-66FB0F24042A}" dt="2019-02-04T17:04:33.792" v="101"/>
-          <ac:picMkLst>
-            <pc:docMk/>
-            <pc:sldMk cId="2433490376" sldId="282"/>
-            <ac:picMk id="7" creationId="{96327E33-021F-4E96-808D-791EE64B9E74}"/>
-          </ac:picMkLst>
-        </pc:picChg>
-        <pc:picChg chg="add">
-          <ac:chgData name="Fu Zoe" userId="8752382b4a911f22" providerId="Windows Live" clId="Web-{85123743-111C-48FA-AC6F-66FB0F24042A}" dt="2019-02-04T17:04:38.526" v="102"/>
-          <ac:picMkLst>
-            <pc:docMk/>
-            <pc:sldMk cId="2433490376" sldId="282"/>
-            <ac:picMk id="9" creationId="{6FD5579C-C831-4942-AF91-84DD65FA3FA0}"/>
-          </ac:picMkLst>
-        </pc:picChg>
-        <pc:cxnChg chg="add del">
-          <ac:chgData name="Fu Zoe" userId="8752382b4a911f22" providerId="Windows Live" clId="Web-{85123743-111C-48FA-AC6F-66FB0F24042A}" dt="2019-02-04T17:04:24.791" v="99"/>
-          <ac:cxnSpMkLst>
-            <pc:docMk/>
-            <pc:sldMk cId="2433490376" sldId="282"/>
-            <ac:cxnSpMk id="12" creationId="{38FB9660-F42F-4313-BBC4-47C007FE484C}"/>
-          </ac:cxnSpMkLst>
-        </pc:cxnChg>
-      </pc:sldChg>
-    </pc:docChg>
-  </pc:docChgLst>
-  <pc:docChgLst>
-    <pc:chgData name="Fu Zoe" userId="8752382b4a911f22" providerId="Windows Live" clId="Web-{19B7E30A-2156-43AD-A14F-DB58B4DF6675}"/>
-    <pc:docChg chg="addSld delSld modSld">
-      <pc:chgData name="Fu Zoe" userId="8752382b4a911f22" providerId="Windows Live" clId="Web-{19B7E30A-2156-43AD-A14F-DB58B4DF6675}" dt="2019-02-04T17:13:21.402" v="90" actId="20577"/>
-      <pc:docMkLst>
-        <pc:docMk/>
-      </pc:docMkLst>
-      <pc:sldChg chg="modSp add del">
-        <pc:chgData name="Fu Zoe" userId="8752382b4a911f22" providerId="Windows Live" clId="Web-{19B7E30A-2156-43AD-A14F-DB58B4DF6675}" dt="2019-02-04T17:13:17.291" v="88" actId="20577"/>
-        <pc:sldMkLst>
-          <pc:docMk/>
-          <pc:sldMk cId="3292633072" sldId="272"/>
-        </pc:sldMkLst>
-        <pc:spChg chg="mod">
-          <ac:chgData name="Fu Zoe" userId="8752382b4a911f22" providerId="Windows Live" clId="Web-{19B7E30A-2156-43AD-A14F-DB58B4DF6675}" dt="2019-02-04T17:13:17.291" v="88" actId="20577"/>
-          <ac:spMkLst>
-            <pc:docMk/>
-            <pc:sldMk cId="3292633072" sldId="272"/>
-            <ac:spMk id="3" creationId="{CAA5DA0C-C976-E544-8AC1-D9AF13CFD0B0}"/>
-          </ac:spMkLst>
-        </pc:spChg>
-      </pc:sldChg>
-      <pc:sldChg chg="modSp">
-        <pc:chgData name="Fu Zoe" userId="8752382b4a911f22" providerId="Windows Live" clId="Web-{19B7E30A-2156-43AD-A14F-DB58B4DF6675}" dt="2019-02-04T17:11:13.307" v="44" actId="20577"/>
-        <pc:sldMkLst>
-          <pc:docMk/>
-          <pc:sldMk cId="3973559364" sldId="274"/>
-        </pc:sldMkLst>
-        <pc:spChg chg="mod">
-          <ac:chgData name="Fu Zoe" userId="8752382b4a911f22" providerId="Windows Live" clId="Web-{19B7E30A-2156-43AD-A14F-DB58B4DF6675}" dt="2019-02-04T17:11:13.307" v="44" actId="20577"/>
-          <ac:spMkLst>
-            <pc:docMk/>
-            <pc:sldMk cId="3973559364" sldId="274"/>
-            <ac:spMk id="3" creationId="{223C465A-B74B-C248-AD77-EAB344363F9D}"/>
-          </ac:spMkLst>
-        </pc:spChg>
       </pc:sldChg>
     </pc:docChg>
   </pc:docChgLst>
@@ -1770,7 +1795,7 @@
           <a:p>
             <a:fld id="{DE828411-4A96-9C46-8130-19BC8A3FA18D}" type="datetimeFigureOut">
               <a:rPr lang="en-US" smtClean="0"/>
-              <a:t>2/10/2019</a:t>
+              <a:t>2/15/2019</a:t>
             </a:fld>
             <a:endParaRPr lang="en-US"/>
           </a:p>
@@ -2184,7 +2209,7 @@
           <a:p>
             <a:fld id="{5E26E10A-C15D-D446-A22C-9DF9C6F9A383}" type="datetime1">
               <a:rPr lang="en-US" smtClean="0"/>
-              <a:t>2/10/2019</a:t>
+              <a:t>2/15/2019</a:t>
             </a:fld>
             <a:endParaRPr lang="en-US"/>
           </a:p>
@@ -2382,7 +2407,7 @@
           <a:p>
             <a:fld id="{C0D37E4A-F64E-9E4C-94FD-BFCF9198C302}" type="datetime1">
               <a:rPr lang="en-US" smtClean="0"/>
-              <a:t>2/10/2019</a:t>
+              <a:t>2/15/2019</a:t>
             </a:fld>
             <a:endParaRPr lang="en-US"/>
           </a:p>
@@ -2590,7 +2615,7 @@
           <a:p>
             <a:fld id="{769F20CE-1BB5-1943-88C1-94DE35B92B63}" type="datetime1">
               <a:rPr lang="en-US" smtClean="0"/>
-              <a:t>2/10/2019</a:t>
+              <a:t>2/15/2019</a:t>
             </a:fld>
             <a:endParaRPr lang="en-US"/>
           </a:p>
@@ -2788,7 +2813,7 @@
           <a:p>
             <a:fld id="{E1D6CF2D-CDE5-CF4D-8F73-1156FD61F30D}" type="datetime1">
               <a:rPr lang="en-US" smtClean="0"/>
-              <a:t>2/10/2019</a:t>
+              <a:t>2/15/2019</a:t>
             </a:fld>
             <a:endParaRPr lang="en-US"/>
           </a:p>
@@ -3063,7 +3088,7 @@
           <a:p>
             <a:fld id="{7F22FA09-EF8A-754A-8D29-4BD55DD4A838}" type="datetime1">
               <a:rPr lang="en-US" smtClean="0"/>
-              <a:t>2/10/2019</a:t>
+              <a:t>2/15/2019</a:t>
             </a:fld>
             <a:endParaRPr lang="en-US"/>
           </a:p>
@@ -3328,7 +3353,7 @@
           <a:p>
             <a:fld id="{38797E6A-39AB-824D-A87E-7447E2847899}" type="datetime1">
               <a:rPr lang="en-US" smtClean="0"/>
-              <a:t>2/10/2019</a:t>
+              <a:t>2/15/2019</a:t>
             </a:fld>
             <a:endParaRPr lang="en-US"/>
           </a:p>
@@ -3740,7 +3765,7 @@
           <a:p>
             <a:fld id="{EB6A3F7F-29BA-E846-8510-EE26F48D6885}" type="datetime1">
               <a:rPr lang="en-US" smtClean="0"/>
-              <a:t>2/10/2019</a:t>
+              <a:t>2/15/2019</a:t>
             </a:fld>
             <a:endParaRPr lang="en-US"/>
           </a:p>
@@ -3881,7 +3906,7 @@
           <a:p>
             <a:fld id="{28C09B9C-6A2B-DB40-9E79-0CFDDF84F077}" type="datetime1">
               <a:rPr lang="en-US" smtClean="0"/>
-              <a:t>2/10/2019</a:t>
+              <a:t>2/15/2019</a:t>
             </a:fld>
             <a:endParaRPr lang="en-US"/>
           </a:p>
@@ -3994,7 +4019,7 @@
           <a:p>
             <a:fld id="{1A7DD269-6DC8-0C4E-8ECF-74E7FF45F23C}" type="datetime1">
               <a:rPr lang="en-US" smtClean="0"/>
-              <a:t>2/10/2019</a:t>
+              <a:t>2/15/2019</a:t>
             </a:fld>
             <a:endParaRPr lang="en-US"/>
           </a:p>
@@ -4305,7 +4330,7 @@
           <a:p>
             <a:fld id="{1F6243B7-0522-9A45-BD9D-F69C6309B830}" type="datetime1">
               <a:rPr lang="en-US" smtClean="0"/>
-              <a:t>2/10/2019</a:t>
+              <a:t>2/15/2019</a:t>
             </a:fld>
             <a:endParaRPr lang="en-US"/>
           </a:p>
@@ -4593,7 +4618,7 @@
           <a:p>
             <a:fld id="{A4F011DC-A470-D74F-89C7-DAE7EA19649B}" type="datetime1">
               <a:rPr lang="en-US" smtClean="0"/>
-              <a:t>2/10/2019</a:t>
+              <a:t>2/15/2019</a:t>
             </a:fld>
             <a:endParaRPr lang="en-US"/>
           </a:p>
@@ -4834,7 +4859,7 @@
           <a:p>
             <a:fld id="{05A6232C-D57C-4046-85B7-72797856E0D5}" type="datetime1">
               <a:rPr lang="en-US" smtClean="0"/>
-              <a:t>2/10/2019</a:t>
+              <a:t>2/15/2019</a:t>
             </a:fld>
             <a:endParaRPr lang="en-US"/>
           </a:p>
